--- a/resources/java7m3.pptx
+++ b/resources/java7m3.pptx
@@ -2870,7 +2870,7 @@
           </a:ln>
           <a:extLst>
             <a:ext uri="{C572A759-6A51-4108-AA02-DFA0A04FC94B}">
-              <ma14:wrappingTextBoxFlag xmlns="" xmlns:ma14="http://schemas.microsoft.com/office/mac/drawingml/2011/main" val="1"/>
+              <ma14:wrappingTextBoxFlag xmlns:ma14="http://schemas.microsoft.com/office/mac/drawingml/2011/main" xmlns="" val="1"/>
             </a:ext>
           </a:extLst>
         </p:spPr>
@@ -2920,7 +2920,7 @@
           </a:ln>
           <a:extLst>
             <a:ext uri="{C572A759-6A51-4108-AA02-DFA0A04FC94B}">
-              <ma14:wrappingTextBoxFlag xmlns="" xmlns:ma14="http://schemas.microsoft.com/office/mac/drawingml/2011/main" val="1"/>
+              <ma14:wrappingTextBoxFlag xmlns:ma14="http://schemas.microsoft.com/office/mac/drawingml/2011/main" xmlns="" val="1"/>
             </a:ext>
           </a:extLst>
         </p:spPr>
@@ -2970,7 +2970,7 @@
           </a:ln>
           <a:extLst>
             <a:ext uri="{C572A759-6A51-4108-AA02-DFA0A04FC94B}">
-              <ma14:wrappingTextBoxFlag xmlns="" xmlns:ma14="http://schemas.microsoft.com/office/mac/drawingml/2011/main" val="1"/>
+              <ma14:wrappingTextBoxFlag xmlns:ma14="http://schemas.microsoft.com/office/mac/drawingml/2011/main" xmlns="" val="1"/>
             </a:ext>
           </a:extLst>
         </p:spPr>
@@ -3158,7 +3158,7 @@
           </a:ln>
           <a:extLst>
             <a:ext uri="{C572A759-6A51-4108-AA02-DFA0A04FC94B}">
-              <ma14:wrappingTextBoxFlag xmlns="" xmlns:ma14="http://schemas.microsoft.com/office/mac/drawingml/2011/main" val="1"/>
+              <ma14:wrappingTextBoxFlag xmlns:ma14="http://schemas.microsoft.com/office/mac/drawingml/2011/main" xmlns="" val="1"/>
             </a:ext>
           </a:extLst>
         </p:spPr>
@@ -3236,7 +3236,7 @@
           </a:ln>
           <a:extLst>
             <a:ext uri="{C572A759-6A51-4108-AA02-DFA0A04FC94B}">
-              <ma14:wrappingTextBoxFlag xmlns="" xmlns:ma14="http://schemas.microsoft.com/office/mac/drawingml/2011/main" val="1"/>
+              <ma14:wrappingTextBoxFlag xmlns:ma14="http://schemas.microsoft.com/office/mac/drawingml/2011/main" xmlns="" val="1"/>
             </a:ext>
           </a:extLst>
         </p:spPr>
@@ -3364,7 +3364,7 @@
           </a:ln>
           <a:extLst>
             <a:ext uri="{C572A759-6A51-4108-AA02-DFA0A04FC94B}">
-              <ma14:wrappingTextBoxFlag xmlns="" xmlns:ma14="http://schemas.microsoft.com/office/mac/drawingml/2011/main" val="1"/>
+              <ma14:wrappingTextBoxFlag xmlns:ma14="http://schemas.microsoft.com/office/mac/drawingml/2011/main" xmlns="" val="1"/>
             </a:ext>
           </a:extLst>
         </p:spPr>
@@ -3646,7 +3646,7 @@
           </a:ln>
           <a:extLst>
             <a:ext uri="{C572A759-6A51-4108-AA02-DFA0A04FC94B}">
-              <ma14:wrappingTextBoxFlag xmlns="" xmlns:ma14="http://schemas.microsoft.com/office/mac/drawingml/2011/main" val="1"/>
+              <ma14:wrappingTextBoxFlag xmlns:ma14="http://schemas.microsoft.com/office/mac/drawingml/2011/main" xmlns="" val="1"/>
             </a:ext>
           </a:extLst>
         </p:spPr>
@@ -3769,7 +3769,7 @@
           </a:ln>
           <a:extLst>
             <a:ext uri="{C572A759-6A51-4108-AA02-DFA0A04FC94B}">
-              <ma14:wrappingTextBoxFlag xmlns="" xmlns:ma14="http://schemas.microsoft.com/office/mac/drawingml/2011/main" val="1"/>
+              <ma14:wrappingTextBoxFlag xmlns:ma14="http://schemas.microsoft.com/office/mac/drawingml/2011/main" xmlns="" val="1"/>
             </a:ext>
           </a:extLst>
         </p:spPr>
@@ -3816,7 +3816,7 @@
           </a:ln>
           <a:extLst>
             <a:ext uri="{C572A759-6A51-4108-AA02-DFA0A04FC94B}">
-              <ma14:wrappingTextBoxFlag xmlns="" xmlns:ma14="http://schemas.microsoft.com/office/mac/drawingml/2011/main" val="1"/>
+              <ma14:wrappingTextBoxFlag xmlns:ma14="http://schemas.microsoft.com/office/mac/drawingml/2011/main" xmlns="" val="1"/>
             </a:ext>
           </a:extLst>
         </p:spPr>
@@ -3866,7 +3866,7 @@
           </a:ln>
           <a:extLst>
             <a:ext uri="{C572A759-6A51-4108-AA02-DFA0A04FC94B}">
-              <ma14:wrappingTextBoxFlag xmlns="" xmlns:ma14="http://schemas.microsoft.com/office/mac/drawingml/2011/main" val="1"/>
+              <ma14:wrappingTextBoxFlag xmlns:ma14="http://schemas.microsoft.com/office/mac/drawingml/2011/main" xmlns="" val="1"/>
             </a:ext>
           </a:extLst>
         </p:spPr>
@@ -3916,7 +3916,7 @@
           </a:ln>
           <a:extLst>
             <a:ext uri="{C572A759-6A51-4108-AA02-DFA0A04FC94B}">
-              <ma14:wrappingTextBoxFlag xmlns="" xmlns:ma14="http://schemas.microsoft.com/office/mac/drawingml/2011/main" val="1"/>
+              <ma14:wrappingTextBoxFlag xmlns:ma14="http://schemas.microsoft.com/office/mac/drawingml/2011/main" xmlns="" val="1"/>
             </a:ext>
           </a:extLst>
         </p:spPr>
@@ -4001,7 +4001,7 @@
           </a:ln>
           <a:extLst>
             <a:ext uri="{C572A759-6A51-4108-AA02-DFA0A04FC94B}">
-              <ma14:wrappingTextBoxFlag xmlns="" xmlns:ma14="http://schemas.microsoft.com/office/mac/drawingml/2011/main" val="1"/>
+              <ma14:wrappingTextBoxFlag xmlns:ma14="http://schemas.microsoft.com/office/mac/drawingml/2011/main" xmlns="" val="1"/>
             </a:ext>
           </a:extLst>
         </p:spPr>
@@ -4158,7 +4158,7 @@
           </a:ln>
           <a:extLst>
             <a:ext uri="{C572A759-6A51-4108-AA02-DFA0A04FC94B}">
-              <ma14:wrappingTextBoxFlag xmlns="" xmlns:ma14="http://schemas.microsoft.com/office/mac/drawingml/2011/main" val="1"/>
+              <ma14:wrappingTextBoxFlag xmlns:ma14="http://schemas.microsoft.com/office/mac/drawingml/2011/main" xmlns="" val="1"/>
             </a:ext>
           </a:extLst>
         </p:spPr>
@@ -4371,7 +4371,7 @@
           </a:ln>
           <a:extLst>
             <a:ext uri="{C572A759-6A51-4108-AA02-DFA0A04FC94B}">
-              <ma14:wrappingTextBoxFlag xmlns="" xmlns:ma14="http://schemas.microsoft.com/office/mac/drawingml/2011/main" val="1"/>
+              <ma14:wrappingTextBoxFlag xmlns:ma14="http://schemas.microsoft.com/office/mac/drawingml/2011/main" xmlns="" val="1"/>
             </a:ext>
           </a:extLst>
         </p:spPr>
@@ -4607,7 +4607,7 @@
           </a:ln>
           <a:extLst>
             <a:ext uri="{C572A759-6A51-4108-AA02-DFA0A04FC94B}">
-              <ma14:wrappingTextBoxFlag xmlns="" xmlns:ma14="http://schemas.microsoft.com/office/mac/drawingml/2011/main" val="1"/>
+              <ma14:wrappingTextBoxFlag xmlns:ma14="http://schemas.microsoft.com/office/mac/drawingml/2011/main" xmlns="" val="1"/>
             </a:ext>
           </a:extLst>
         </p:spPr>
@@ -4654,7 +4654,7 @@
           </a:ln>
           <a:extLst>
             <a:ext uri="{C572A759-6A51-4108-AA02-DFA0A04FC94B}">
-              <ma14:wrappingTextBoxFlag xmlns="" xmlns:ma14="http://schemas.microsoft.com/office/mac/drawingml/2011/main" val="1"/>
+              <ma14:wrappingTextBoxFlag xmlns:ma14="http://schemas.microsoft.com/office/mac/drawingml/2011/main" xmlns="" val="1"/>
             </a:ext>
           </a:extLst>
         </p:spPr>
@@ -5652,7 +5652,7 @@
           </a:ln>
           <a:extLst>
             <a:ext uri="{C572A759-6A51-4108-AA02-DFA0A04FC94B}">
-              <ma14:wrappingTextBoxFlag xmlns="" xmlns:ma14="http://schemas.microsoft.com/office/mac/drawingml/2011/main" val="1"/>
+              <ma14:wrappingTextBoxFlag xmlns:ma14="http://schemas.microsoft.com/office/mac/drawingml/2011/main" xmlns="" val="1"/>
             </a:ext>
           </a:extLst>
         </p:spPr>
@@ -12143,7 +12143,7 @@
           </a:ln>
           <a:extLst>
             <a:ext uri="{C572A759-6A51-4108-AA02-DFA0A04FC94B}">
-              <ma14:wrappingTextBoxFlag xmlns="" xmlns:ma14="http://schemas.microsoft.com/office/mac/drawingml/2011/main" val="1"/>
+              <ma14:wrappingTextBoxFlag xmlns:ma14="http://schemas.microsoft.com/office/mac/drawingml/2011/main" xmlns="" val="1"/>
             </a:ext>
           </a:extLst>
         </p:spPr>
@@ -12190,7 +12190,7 @@
           </a:ln>
           <a:extLst>
             <a:ext uri="{C572A759-6A51-4108-AA02-DFA0A04FC94B}">
-              <ma14:wrappingTextBoxFlag xmlns="" xmlns:ma14="http://schemas.microsoft.com/office/mac/drawingml/2011/main" val="1"/>
+              <ma14:wrappingTextBoxFlag xmlns:ma14="http://schemas.microsoft.com/office/mac/drawingml/2011/main" xmlns="" val="1"/>
             </a:ext>
           </a:extLst>
         </p:spPr>
@@ -12241,7 +12241,7 @@
           </a:ln>
           <a:extLst>
             <a:ext uri="{C572A759-6A51-4108-AA02-DFA0A04FC94B}">
-              <ma14:wrappingTextBoxFlag xmlns="" xmlns:ma14="http://schemas.microsoft.com/office/mac/drawingml/2011/main" val="1"/>
+              <ma14:wrappingTextBoxFlag xmlns:ma14="http://schemas.microsoft.com/office/mac/drawingml/2011/main" xmlns="" val="1"/>
             </a:ext>
           </a:extLst>
         </p:spPr>
@@ -12280,7 +12280,7 @@
           </a:ln>
           <a:extLst>
             <a:ext uri="{C572A759-6A51-4108-AA02-DFA0A04FC94B}">
-              <ma14:wrappingTextBoxFlag xmlns="" xmlns:ma14="http://schemas.microsoft.com/office/mac/drawingml/2011/main" val="1"/>
+              <ma14:wrappingTextBoxFlag xmlns:ma14="http://schemas.microsoft.com/office/mac/drawingml/2011/main" xmlns="" val="1"/>
             </a:ext>
           </a:extLst>
         </p:spPr>
@@ -13269,14 +13269,16 @@
         <p:spPr>
           <a:xfrm>
             <a:off x="4093366" y="2478537"/>
-            <a:ext cx="4213110" cy="1070719"/>
+            <a:ext cx="4213110" cy="1312878"/>
           </a:xfrm>
           <a:prstGeom prst="rect">
             <a:avLst/>
           </a:prstGeom>
         </p:spPr>
         <p:txBody>
-          <a:bodyPr/>
+          <a:bodyPr>
+            <a:normAutofit/>
+          </a:bodyPr>
           <a:lstStyle/>
           <a:p>
             <a:pPr>
@@ -13313,6 +13315,33 @@
               <a:rPr dirty="0"/>
               <a:t>Inner Classes &amp; Exception Handling</a:t>
             </a:r>
+            <a:endParaRPr lang="pl-PL" dirty="0"/>
+          </a:p>
+          <a:p>
+            <a:pPr>
+              <a:lnSpc>
+                <a:spcPct val="100000"/>
+              </a:lnSpc>
+              <a:spcBef>
+                <a:spcPts val="0"/>
+              </a:spcBef>
+            </a:pPr>
+            <a:endParaRPr lang="pl-PL" dirty="0"/>
+          </a:p>
+          <a:p>
+            <a:pPr>
+              <a:lnSpc>
+                <a:spcPct val="100000"/>
+              </a:lnSpc>
+              <a:spcBef>
+                <a:spcPts val="0"/>
+              </a:spcBef>
+            </a:pPr>
+            <a:r>
+              <a:rPr lang="pl-PL" dirty="0"/>
+              <a:t>Paweł Beder</a:t>
+            </a:r>
+            <a:endParaRPr dirty="0"/>
           </a:p>
         </p:txBody>
       </p:sp>
@@ -13361,7 +13390,7 @@
           </a:ln>
           <a:extLst>
             <a:ext uri="{C572A759-6A51-4108-AA02-DFA0A04FC94B}">
-              <ma14:wrappingTextBoxFlag xmlns="" xmlns:ma14="http://schemas.microsoft.com/office/mac/drawingml/2011/main" val="1"/>
+              <ma14:wrappingTextBoxFlag xmlns:ma14="http://schemas.microsoft.com/office/mac/drawingml/2011/main" xmlns="" val="1"/>
             </a:ext>
           </a:extLst>
         </p:spPr>
@@ -13408,7 +13437,7 @@
           </a:ln>
           <a:extLst>
             <a:ext uri="{C572A759-6A51-4108-AA02-DFA0A04FC94B}">
-              <ma14:wrappingTextBoxFlag xmlns="" xmlns:ma14="http://schemas.microsoft.com/office/mac/drawingml/2011/main" val="1"/>
+              <ma14:wrappingTextBoxFlag xmlns:ma14="http://schemas.microsoft.com/office/mac/drawingml/2011/main" xmlns="" val="1"/>
             </a:ext>
           </a:extLst>
         </p:spPr>
@@ -13512,7 +13541,7 @@
           </a:ln>
           <a:extLst>
             <a:ext uri="{C572A759-6A51-4108-AA02-DFA0A04FC94B}">
-              <ma14:wrappingTextBoxFlag xmlns="" xmlns:ma14="http://schemas.microsoft.com/office/mac/drawingml/2011/main" val="1"/>
+              <ma14:wrappingTextBoxFlag xmlns:ma14="http://schemas.microsoft.com/office/mac/drawingml/2011/main" xmlns="" val="1"/>
             </a:ext>
           </a:extLst>
         </p:spPr>
@@ -13559,7 +13588,7 @@
           </a:ln>
           <a:extLst>
             <a:ext uri="{C572A759-6A51-4108-AA02-DFA0A04FC94B}">
-              <ma14:wrappingTextBoxFlag xmlns="" xmlns:ma14="http://schemas.microsoft.com/office/mac/drawingml/2011/main" val="1"/>
+              <ma14:wrappingTextBoxFlag xmlns:ma14="http://schemas.microsoft.com/office/mac/drawingml/2011/main" xmlns="" val="1"/>
             </a:ext>
           </a:extLst>
         </p:spPr>
@@ -13638,7 +13667,7 @@
           </a:ln>
           <a:extLst>
             <a:ext uri="{C572A759-6A51-4108-AA02-DFA0A04FC94B}">
-              <ma14:wrappingTextBoxFlag xmlns="" xmlns:ma14="http://schemas.microsoft.com/office/mac/drawingml/2011/main" val="1"/>
+              <ma14:wrappingTextBoxFlag xmlns:ma14="http://schemas.microsoft.com/office/mac/drawingml/2011/main" xmlns="" val="1"/>
             </a:ext>
           </a:extLst>
         </p:spPr>
@@ -13685,7 +13714,7 @@
           </a:ln>
           <a:extLst>
             <a:ext uri="{C572A759-6A51-4108-AA02-DFA0A04FC94B}">
-              <ma14:wrappingTextBoxFlag xmlns="" xmlns:ma14="http://schemas.microsoft.com/office/mac/drawingml/2011/main" val="1"/>
+              <ma14:wrappingTextBoxFlag xmlns:ma14="http://schemas.microsoft.com/office/mac/drawingml/2011/main" xmlns="" val="1"/>
             </a:ext>
           </a:extLst>
         </p:spPr>
@@ -13779,7 +13808,7 @@
           </a:ln>
           <a:extLst>
             <a:ext uri="{C572A759-6A51-4108-AA02-DFA0A04FC94B}">
-              <ma14:wrappingTextBoxFlag xmlns="" xmlns:ma14="http://schemas.microsoft.com/office/mac/drawingml/2011/main" val="1"/>
+              <ma14:wrappingTextBoxFlag xmlns:ma14="http://schemas.microsoft.com/office/mac/drawingml/2011/main" xmlns="" val="1"/>
             </a:ext>
           </a:extLst>
         </p:spPr>
@@ -13826,7 +13855,7 @@
           </a:ln>
           <a:extLst>
             <a:ext uri="{C572A759-6A51-4108-AA02-DFA0A04FC94B}">
-              <ma14:wrappingTextBoxFlag xmlns="" xmlns:ma14="http://schemas.microsoft.com/office/mac/drawingml/2011/main" val="1"/>
+              <ma14:wrappingTextBoxFlag xmlns:ma14="http://schemas.microsoft.com/office/mac/drawingml/2011/main" xmlns="" val="1"/>
             </a:ext>
           </a:extLst>
         </p:spPr>
@@ -13998,7 +14027,7 @@
           </a:ln>
           <a:extLst>
             <a:ext uri="{C572A759-6A51-4108-AA02-DFA0A04FC94B}">
-              <ma14:wrappingTextBoxFlag xmlns="" xmlns:ma14="http://schemas.microsoft.com/office/mac/drawingml/2011/main" val="1"/>
+              <ma14:wrappingTextBoxFlag xmlns:ma14="http://schemas.microsoft.com/office/mac/drawingml/2011/main" xmlns="" val="1"/>
             </a:ext>
           </a:extLst>
         </p:spPr>
@@ -14045,7 +14074,7 @@
           </a:ln>
           <a:extLst>
             <a:ext uri="{C572A759-6A51-4108-AA02-DFA0A04FC94B}">
-              <ma14:wrappingTextBoxFlag xmlns="" xmlns:ma14="http://schemas.microsoft.com/office/mac/drawingml/2011/main" val="1"/>
+              <ma14:wrappingTextBoxFlag xmlns:ma14="http://schemas.microsoft.com/office/mac/drawingml/2011/main" xmlns="" val="1"/>
             </a:ext>
           </a:extLst>
         </p:spPr>
@@ -14117,7 +14146,7 @@
           </a:ln>
           <a:extLst>
             <a:ext uri="{C572A759-6A51-4108-AA02-DFA0A04FC94B}">
-              <ma14:wrappingTextBoxFlag xmlns="" xmlns:ma14="http://schemas.microsoft.com/office/mac/drawingml/2011/main" val="1"/>
+              <ma14:wrappingTextBoxFlag xmlns:ma14="http://schemas.microsoft.com/office/mac/drawingml/2011/main" xmlns="" val="1"/>
             </a:ext>
           </a:extLst>
         </p:spPr>
@@ -14164,7 +14193,7 @@
           </a:ln>
           <a:extLst>
             <a:ext uri="{C572A759-6A51-4108-AA02-DFA0A04FC94B}">
-              <ma14:wrappingTextBoxFlag xmlns="" xmlns:ma14="http://schemas.microsoft.com/office/mac/drawingml/2011/main" val="1"/>
+              <ma14:wrappingTextBoxFlag xmlns:ma14="http://schemas.microsoft.com/office/mac/drawingml/2011/main" xmlns="" val="1"/>
             </a:ext>
           </a:extLst>
         </p:spPr>
@@ -14295,7 +14324,7 @@
           </a:ln>
           <a:extLst>
             <a:ext uri="{C572A759-6A51-4108-AA02-DFA0A04FC94B}">
-              <ma14:wrappingTextBoxFlag xmlns="" xmlns:ma14="http://schemas.microsoft.com/office/mac/drawingml/2011/main" val="1"/>
+              <ma14:wrappingTextBoxFlag xmlns:ma14="http://schemas.microsoft.com/office/mac/drawingml/2011/main" xmlns="" val="1"/>
             </a:ext>
           </a:extLst>
         </p:spPr>
@@ -14342,7 +14371,7 @@
           </a:ln>
           <a:extLst>
             <a:ext uri="{C572A759-6A51-4108-AA02-DFA0A04FC94B}">
-              <ma14:wrappingTextBoxFlag xmlns="" xmlns:ma14="http://schemas.microsoft.com/office/mac/drawingml/2011/main" val="1"/>
+              <ma14:wrappingTextBoxFlag xmlns:ma14="http://schemas.microsoft.com/office/mac/drawingml/2011/main" xmlns="" val="1"/>
             </a:ext>
           </a:extLst>
         </p:spPr>
@@ -14415,7 +14444,7 @@
           </a:ln>
           <a:extLst>
             <a:ext uri="{C572A759-6A51-4108-AA02-DFA0A04FC94B}">
-              <ma14:wrappingTextBoxFlag xmlns="" xmlns:ma14="http://schemas.microsoft.com/office/mac/drawingml/2011/main" val="1"/>
+              <ma14:wrappingTextBoxFlag xmlns:ma14="http://schemas.microsoft.com/office/mac/drawingml/2011/main" xmlns="" val="1"/>
             </a:ext>
           </a:extLst>
         </p:spPr>
@@ -14462,7 +14491,7 @@
           </a:ln>
           <a:extLst>
             <a:ext uri="{C572A759-6A51-4108-AA02-DFA0A04FC94B}">
-              <ma14:wrappingTextBoxFlag xmlns="" xmlns:ma14="http://schemas.microsoft.com/office/mac/drawingml/2011/main" val="1"/>
+              <ma14:wrappingTextBoxFlag xmlns:ma14="http://schemas.microsoft.com/office/mac/drawingml/2011/main" xmlns="" val="1"/>
             </a:ext>
           </a:extLst>
         </p:spPr>
@@ -14638,7 +14667,7 @@
           </a:ln>
           <a:extLst>
             <a:ext uri="{C572A759-6A51-4108-AA02-DFA0A04FC94B}">
-              <ma14:wrappingTextBoxFlag xmlns="" xmlns:ma14="http://schemas.microsoft.com/office/mac/drawingml/2011/main" val="1"/>
+              <ma14:wrappingTextBoxFlag xmlns:ma14="http://schemas.microsoft.com/office/mac/drawingml/2011/main" xmlns="" val="1"/>
             </a:ext>
           </a:extLst>
         </p:spPr>
@@ -14685,7 +14714,7 @@
           </a:ln>
           <a:extLst>
             <a:ext uri="{C572A759-6A51-4108-AA02-DFA0A04FC94B}">
-              <ma14:wrappingTextBoxFlag xmlns="" xmlns:ma14="http://schemas.microsoft.com/office/mac/drawingml/2011/main" val="1"/>
+              <ma14:wrappingTextBoxFlag xmlns:ma14="http://schemas.microsoft.com/office/mac/drawingml/2011/main" xmlns="" val="1"/>
             </a:ext>
           </a:extLst>
         </p:spPr>
@@ -14857,7 +14886,7 @@
           </a:ln>
           <a:extLst>
             <a:ext uri="{C572A759-6A51-4108-AA02-DFA0A04FC94B}">
-              <ma14:wrappingTextBoxFlag xmlns="" xmlns:ma14="http://schemas.microsoft.com/office/mac/drawingml/2011/main" val="1"/>
+              <ma14:wrappingTextBoxFlag xmlns:ma14="http://schemas.microsoft.com/office/mac/drawingml/2011/main" xmlns="" val="1"/>
             </a:ext>
           </a:extLst>
         </p:spPr>
@@ -14904,7 +14933,7 @@
           </a:ln>
           <a:extLst>
             <a:ext uri="{C572A759-6A51-4108-AA02-DFA0A04FC94B}">
-              <ma14:wrappingTextBoxFlag xmlns="" xmlns:ma14="http://schemas.microsoft.com/office/mac/drawingml/2011/main" val="1"/>
+              <ma14:wrappingTextBoxFlag xmlns:ma14="http://schemas.microsoft.com/office/mac/drawingml/2011/main" xmlns="" val="1"/>
             </a:ext>
           </a:extLst>
         </p:spPr>
@@ -14979,7 +15008,7 @@
           </a:ln>
           <a:extLst>
             <a:ext uri="{C572A759-6A51-4108-AA02-DFA0A04FC94B}">
-              <ma14:wrappingTextBoxFlag xmlns="" xmlns:ma14="http://schemas.microsoft.com/office/mac/drawingml/2011/main" val="1"/>
+              <ma14:wrappingTextBoxFlag xmlns:ma14="http://schemas.microsoft.com/office/mac/drawingml/2011/main" xmlns="" val="1"/>
             </a:ext>
           </a:extLst>
         </p:spPr>
@@ -15553,7 +15582,7 @@
           </a:ln>
           <a:extLst>
             <a:ext uri="{C572A759-6A51-4108-AA02-DFA0A04FC94B}">
-              <ma14:wrappingTextBoxFlag xmlns="" xmlns:ma14="http://schemas.microsoft.com/office/mac/drawingml/2011/main" val="1"/>
+              <ma14:wrappingTextBoxFlag xmlns:ma14="http://schemas.microsoft.com/office/mac/drawingml/2011/main" xmlns="" val="1"/>
             </a:ext>
           </a:extLst>
         </p:spPr>
@@ -15672,7 +15701,7 @@
           </a:ln>
           <a:extLst>
             <a:ext uri="{C572A759-6A51-4108-AA02-DFA0A04FC94B}">
-              <ma14:wrappingTextBoxFlag xmlns="" xmlns:ma14="http://schemas.microsoft.com/office/mac/drawingml/2011/main" val="1"/>
+              <ma14:wrappingTextBoxFlag xmlns:ma14="http://schemas.microsoft.com/office/mac/drawingml/2011/main" xmlns="" val="1"/>
             </a:ext>
           </a:extLst>
         </p:spPr>
@@ -15719,7 +15748,7 @@
           </a:ln>
           <a:extLst>
             <a:ext uri="{C572A759-6A51-4108-AA02-DFA0A04FC94B}">
-              <ma14:wrappingTextBoxFlag xmlns="" xmlns:ma14="http://schemas.microsoft.com/office/mac/drawingml/2011/main" val="1"/>
+              <ma14:wrappingTextBoxFlag xmlns:ma14="http://schemas.microsoft.com/office/mac/drawingml/2011/main" xmlns="" val="1"/>
             </a:ext>
           </a:extLst>
         </p:spPr>
@@ -16223,7 +16252,7 @@
           </a:ln>
           <a:extLst>
             <a:ext uri="{C572A759-6A51-4108-AA02-DFA0A04FC94B}">
-              <ma14:wrappingTextBoxFlag xmlns="" xmlns:ma14="http://schemas.microsoft.com/office/mac/drawingml/2011/main" val="1"/>
+              <ma14:wrappingTextBoxFlag xmlns:ma14="http://schemas.microsoft.com/office/mac/drawingml/2011/main" xmlns="" val="1"/>
             </a:ext>
           </a:extLst>
         </p:spPr>
@@ -16860,7 +16889,7 @@
           </a:ln>
           <a:extLst>
             <a:ext uri="{C572A759-6A51-4108-AA02-DFA0A04FC94B}">
-              <ma14:wrappingTextBoxFlag xmlns="" xmlns:ma14="http://schemas.microsoft.com/office/mac/drawingml/2011/main" val="1"/>
+              <ma14:wrappingTextBoxFlag xmlns:ma14="http://schemas.microsoft.com/office/mac/drawingml/2011/main" xmlns="" val="1"/>
             </a:ext>
           </a:extLst>
         </p:spPr>
@@ -16907,7 +16936,7 @@
           </a:ln>
           <a:extLst>
             <a:ext uri="{C572A759-6A51-4108-AA02-DFA0A04FC94B}">
-              <ma14:wrappingTextBoxFlag xmlns="" xmlns:ma14="http://schemas.microsoft.com/office/mac/drawingml/2011/main" val="1"/>
+              <ma14:wrappingTextBoxFlag xmlns:ma14="http://schemas.microsoft.com/office/mac/drawingml/2011/main" xmlns="" val="1"/>
             </a:ext>
           </a:extLst>
         </p:spPr>
@@ -17298,7 +17327,7 @@
           </a:ln>
           <a:extLst>
             <a:ext uri="{C572A759-6A51-4108-AA02-DFA0A04FC94B}">
-              <ma14:wrappingTextBoxFlag xmlns="" xmlns:ma14="http://schemas.microsoft.com/office/mac/drawingml/2011/main" val="1"/>
+              <ma14:wrappingTextBoxFlag xmlns:ma14="http://schemas.microsoft.com/office/mac/drawingml/2011/main" xmlns="" val="1"/>
             </a:ext>
           </a:extLst>
         </p:spPr>
@@ -17780,7 +17809,7 @@
           </a:ln>
           <a:extLst>
             <a:ext uri="{C572A759-6A51-4108-AA02-DFA0A04FC94B}">
-              <ma14:wrappingTextBoxFlag xmlns="" xmlns:ma14="http://schemas.microsoft.com/office/mac/drawingml/2011/main" val="1"/>
+              <ma14:wrappingTextBoxFlag xmlns:ma14="http://schemas.microsoft.com/office/mac/drawingml/2011/main" xmlns="" val="1"/>
             </a:ext>
           </a:extLst>
         </p:spPr>
@@ -18078,7 +18107,7 @@
           </a:ln>
           <a:extLst>
             <a:ext uri="{C572A759-6A51-4108-AA02-DFA0A04FC94B}">
-              <ma14:wrappingTextBoxFlag xmlns="" xmlns:ma14="http://schemas.microsoft.com/office/mac/drawingml/2011/main" val="1"/>
+              <ma14:wrappingTextBoxFlag xmlns:ma14="http://schemas.microsoft.com/office/mac/drawingml/2011/main" xmlns="" val="1"/>
             </a:ext>
           </a:extLst>
         </p:spPr>
@@ -18125,7 +18154,7 @@
           </a:ln>
           <a:extLst>
             <a:ext uri="{C572A759-6A51-4108-AA02-DFA0A04FC94B}">
-              <ma14:wrappingTextBoxFlag xmlns="" xmlns:ma14="http://schemas.microsoft.com/office/mac/drawingml/2011/main" val="1"/>
+              <ma14:wrappingTextBoxFlag xmlns:ma14="http://schemas.microsoft.com/office/mac/drawingml/2011/main" xmlns="" val="1"/>
             </a:ext>
           </a:extLst>
         </p:spPr>
@@ -18197,7 +18226,7 @@
           </a:ln>
           <a:extLst>
             <a:ext uri="{C572A759-6A51-4108-AA02-DFA0A04FC94B}">
-              <ma14:wrappingTextBoxFlag xmlns="" xmlns:ma14="http://schemas.microsoft.com/office/mac/drawingml/2011/main" val="1"/>
+              <ma14:wrappingTextBoxFlag xmlns:ma14="http://schemas.microsoft.com/office/mac/drawingml/2011/main" xmlns="" val="1"/>
             </a:ext>
           </a:extLst>
         </p:spPr>
@@ -18610,7 +18639,7 @@
           </a:ln>
           <a:extLst>
             <a:ext uri="{C572A759-6A51-4108-AA02-DFA0A04FC94B}">
-              <ma14:wrappingTextBoxFlag xmlns="" xmlns:ma14="http://schemas.microsoft.com/office/mac/drawingml/2011/main" val="1"/>
+              <ma14:wrappingTextBoxFlag xmlns:ma14="http://schemas.microsoft.com/office/mac/drawingml/2011/main" xmlns="" val="1"/>
             </a:ext>
           </a:extLst>
         </p:spPr>
@@ -18657,7 +18686,7 @@
           </a:ln>
           <a:extLst>
             <a:ext uri="{C572A759-6A51-4108-AA02-DFA0A04FC94B}">
-              <ma14:wrappingTextBoxFlag xmlns="" xmlns:ma14="http://schemas.microsoft.com/office/mac/drawingml/2011/main" val="1"/>
+              <ma14:wrappingTextBoxFlag xmlns:ma14="http://schemas.microsoft.com/office/mac/drawingml/2011/main" xmlns="" val="1"/>
             </a:ext>
           </a:extLst>
         </p:spPr>
@@ -18710,7 +18739,7 @@
           </a:ln>
           <a:extLst>
             <a:ext uri="{C572A759-6A51-4108-AA02-DFA0A04FC94B}">
-              <ma14:wrappingTextBoxFlag xmlns="" xmlns:ma14="http://schemas.microsoft.com/office/mac/drawingml/2011/main" val="1"/>
+              <ma14:wrappingTextBoxFlag xmlns:ma14="http://schemas.microsoft.com/office/mac/drawingml/2011/main" xmlns="" val="1"/>
             </a:ext>
           </a:extLst>
         </p:spPr>
@@ -18949,7 +18978,7 @@
           </a:ln>
           <a:extLst>
             <a:ext uri="{C572A759-6A51-4108-AA02-DFA0A04FC94B}">
-              <ma14:wrappingTextBoxFlag xmlns="" xmlns:ma14="http://schemas.microsoft.com/office/mac/drawingml/2011/main" val="1"/>
+              <ma14:wrappingTextBoxFlag xmlns:ma14="http://schemas.microsoft.com/office/mac/drawingml/2011/main" xmlns="" val="1"/>
             </a:ext>
           </a:extLst>
         </p:spPr>
@@ -19067,7 +19096,7 @@
           </a:ln>
           <a:extLst>
             <a:ext uri="{C572A759-6A51-4108-AA02-DFA0A04FC94B}">
-              <ma14:wrappingTextBoxFlag xmlns="" xmlns:ma14="http://schemas.microsoft.com/office/mac/drawingml/2011/main" val="1"/>
+              <ma14:wrappingTextBoxFlag xmlns:ma14="http://schemas.microsoft.com/office/mac/drawingml/2011/main" xmlns="" val="1"/>
             </a:ext>
           </a:extLst>
         </p:spPr>
@@ -19268,7 +19297,7 @@
           </a:ln>
           <a:extLst>
             <a:ext uri="{C572A759-6A51-4108-AA02-DFA0A04FC94B}">
-              <ma14:wrappingTextBoxFlag xmlns="" xmlns:ma14="http://schemas.microsoft.com/office/mac/drawingml/2011/main" val="1"/>
+              <ma14:wrappingTextBoxFlag xmlns:ma14="http://schemas.microsoft.com/office/mac/drawingml/2011/main" xmlns="" val="1"/>
             </a:ext>
           </a:extLst>
         </p:spPr>
@@ -19341,7 +19370,7 @@
           </a:ln>
           <a:extLst>
             <a:ext uri="{C572A759-6A51-4108-AA02-DFA0A04FC94B}">
-              <ma14:wrappingTextBoxFlag xmlns="" xmlns:ma14="http://schemas.microsoft.com/office/mac/drawingml/2011/main" val="1"/>
+              <ma14:wrappingTextBoxFlag xmlns:ma14="http://schemas.microsoft.com/office/mac/drawingml/2011/main" xmlns="" val="1"/>
             </a:ext>
           </a:extLst>
         </p:spPr>
@@ -19388,7 +19417,7 @@
           </a:ln>
           <a:extLst>
             <a:ext uri="{C572A759-6A51-4108-AA02-DFA0A04FC94B}">
-              <ma14:wrappingTextBoxFlag xmlns="" xmlns:ma14="http://schemas.microsoft.com/office/mac/drawingml/2011/main" val="1"/>
+              <ma14:wrappingTextBoxFlag xmlns:ma14="http://schemas.microsoft.com/office/mac/drawingml/2011/main" xmlns="" val="1"/>
             </a:ext>
           </a:extLst>
         </p:spPr>
@@ -19432,7 +19461,7 @@
           </a:ln>
           <a:extLst>
             <a:ext uri="{C572A759-6A51-4108-AA02-DFA0A04FC94B}">
-              <ma14:wrappingTextBoxFlag xmlns="" xmlns:ma14="http://schemas.microsoft.com/office/mac/drawingml/2011/main" val="1"/>
+              <ma14:wrappingTextBoxFlag xmlns:ma14="http://schemas.microsoft.com/office/mac/drawingml/2011/main" xmlns="" val="1"/>
             </a:ext>
           </a:extLst>
         </p:spPr>
@@ -19479,7 +19508,7 @@
           </a:ln>
           <a:extLst>
             <a:ext uri="{C572A759-6A51-4108-AA02-DFA0A04FC94B}">
-              <ma14:wrappingTextBoxFlag xmlns="" xmlns:ma14="http://schemas.microsoft.com/office/mac/drawingml/2011/main" val="1"/>
+              <ma14:wrappingTextBoxFlag xmlns:ma14="http://schemas.microsoft.com/office/mac/drawingml/2011/main" xmlns="" val="1"/>
             </a:ext>
           </a:extLst>
         </p:spPr>
@@ -19723,7 +19752,7 @@
           </a:ln>
           <a:extLst>
             <a:ext uri="{C572A759-6A51-4108-AA02-DFA0A04FC94B}">
-              <ma14:wrappingTextBoxFlag xmlns="" xmlns:ma14="http://schemas.microsoft.com/office/mac/drawingml/2011/main" val="1"/>
+              <ma14:wrappingTextBoxFlag xmlns:ma14="http://schemas.microsoft.com/office/mac/drawingml/2011/main" xmlns="" val="1"/>
             </a:ext>
           </a:extLst>
         </p:spPr>
@@ -19806,7 +19835,7 @@
           </a:ln>
           <a:extLst>
             <a:ext uri="{C572A759-6A51-4108-AA02-DFA0A04FC94B}">
-              <ma14:wrappingTextBoxFlag xmlns="" xmlns:ma14="http://schemas.microsoft.com/office/mac/drawingml/2011/main" val="1"/>
+              <ma14:wrappingTextBoxFlag xmlns:ma14="http://schemas.microsoft.com/office/mac/drawingml/2011/main" xmlns="" val="1"/>
             </a:ext>
           </a:extLst>
         </p:spPr>
@@ -19876,7 +19905,7 @@
           </a:ln>
           <a:extLst>
             <a:ext uri="{C572A759-6A51-4108-AA02-DFA0A04FC94B}">
-              <ma14:wrappingTextBoxFlag xmlns="" xmlns:ma14="http://schemas.microsoft.com/office/mac/drawingml/2011/main" val="1"/>
+              <ma14:wrappingTextBoxFlag xmlns:ma14="http://schemas.microsoft.com/office/mac/drawingml/2011/main" xmlns="" val="1"/>
             </a:ext>
           </a:extLst>
         </p:spPr>
@@ -19923,7 +19952,7 @@
           </a:ln>
           <a:extLst>
             <a:ext uri="{C572A759-6A51-4108-AA02-DFA0A04FC94B}">
-              <ma14:wrappingTextBoxFlag xmlns="" xmlns:ma14="http://schemas.microsoft.com/office/mac/drawingml/2011/main" val="1"/>
+              <ma14:wrappingTextBoxFlag xmlns:ma14="http://schemas.microsoft.com/office/mac/drawingml/2011/main" xmlns="" val="1"/>
             </a:ext>
           </a:extLst>
         </p:spPr>
@@ -19970,7 +19999,7 @@
           </a:ln>
           <a:extLst>
             <a:ext uri="{C572A759-6A51-4108-AA02-DFA0A04FC94B}">
-              <ma14:wrappingTextBoxFlag xmlns="" xmlns:ma14="http://schemas.microsoft.com/office/mac/drawingml/2011/main" val="1"/>
+              <ma14:wrappingTextBoxFlag xmlns:ma14="http://schemas.microsoft.com/office/mac/drawingml/2011/main" xmlns="" val="1"/>
             </a:ext>
           </a:extLst>
         </p:spPr>
@@ -20190,7 +20219,7 @@
           </a:ln>
           <a:extLst>
             <a:ext uri="{C572A759-6A51-4108-AA02-DFA0A04FC94B}">
-              <ma14:wrappingTextBoxFlag xmlns="" xmlns:ma14="http://schemas.microsoft.com/office/mac/drawingml/2011/main" val="1"/>
+              <ma14:wrappingTextBoxFlag xmlns:ma14="http://schemas.microsoft.com/office/mac/drawingml/2011/main" xmlns="" val="1"/>
             </a:ext>
           </a:extLst>
         </p:spPr>
@@ -20237,7 +20266,7 @@
           </a:ln>
           <a:extLst>
             <a:ext uri="{C572A759-6A51-4108-AA02-DFA0A04FC94B}">
-              <ma14:wrappingTextBoxFlag xmlns="" xmlns:ma14="http://schemas.microsoft.com/office/mac/drawingml/2011/main" val="1"/>
+              <ma14:wrappingTextBoxFlag xmlns:ma14="http://schemas.microsoft.com/office/mac/drawingml/2011/main" xmlns="" val="1"/>
             </a:ext>
           </a:extLst>
         </p:spPr>
@@ -20287,7 +20316,7 @@
           </a:ln>
           <a:extLst>
             <a:ext uri="{C572A759-6A51-4108-AA02-DFA0A04FC94B}">
-              <ma14:wrappingTextBoxFlag xmlns="" xmlns:ma14="http://schemas.microsoft.com/office/mac/drawingml/2011/main" val="1"/>
+              <ma14:wrappingTextBoxFlag xmlns:ma14="http://schemas.microsoft.com/office/mac/drawingml/2011/main" xmlns="" val="1"/>
             </a:ext>
           </a:extLst>
         </p:spPr>
@@ -20360,7 +20389,7 @@
           </a:ln>
           <a:extLst>
             <a:ext uri="{C572A759-6A51-4108-AA02-DFA0A04FC94B}">
-              <ma14:wrappingTextBoxFlag xmlns="" xmlns:ma14="http://schemas.microsoft.com/office/mac/drawingml/2011/main" val="1"/>
+              <ma14:wrappingTextBoxFlag xmlns:ma14="http://schemas.microsoft.com/office/mac/drawingml/2011/main" xmlns="" val="1"/>
             </a:ext>
           </a:extLst>
         </p:spPr>
@@ -20553,7 +20582,7 @@
           </a:ln>
           <a:extLst>
             <a:ext uri="{C572A759-6A51-4108-AA02-DFA0A04FC94B}">
-              <ma14:wrappingTextBoxFlag xmlns="" xmlns:ma14="http://schemas.microsoft.com/office/mac/drawingml/2011/main" val="1"/>
+              <ma14:wrappingTextBoxFlag xmlns:ma14="http://schemas.microsoft.com/office/mac/drawingml/2011/main" xmlns="" val="1"/>
             </a:ext>
           </a:extLst>
         </p:spPr>
@@ -20597,7 +20626,7 @@
           </a:ln>
           <a:extLst>
             <a:ext uri="{C572A759-6A51-4108-AA02-DFA0A04FC94B}">
-              <ma14:wrappingTextBoxFlag xmlns="" xmlns:ma14="http://schemas.microsoft.com/office/mac/drawingml/2011/main" val="1"/>
+              <ma14:wrappingTextBoxFlag xmlns:ma14="http://schemas.microsoft.com/office/mac/drawingml/2011/main" xmlns="" val="1"/>
             </a:ext>
           </a:extLst>
         </p:spPr>
@@ -20817,7 +20846,7 @@
           </a:ln>
           <a:extLst>
             <a:ext uri="{C572A759-6A51-4108-AA02-DFA0A04FC94B}">
-              <ma14:wrappingTextBoxFlag xmlns="" xmlns:ma14="http://schemas.microsoft.com/office/mac/drawingml/2011/main" val="1"/>
+              <ma14:wrappingTextBoxFlag xmlns:ma14="http://schemas.microsoft.com/office/mac/drawingml/2011/main" xmlns="" val="1"/>
             </a:ext>
           </a:extLst>
         </p:spPr>
@@ -20864,7 +20893,7 @@
           </a:ln>
           <a:extLst>
             <a:ext uri="{C572A759-6A51-4108-AA02-DFA0A04FC94B}">
-              <ma14:wrappingTextBoxFlag xmlns="" xmlns:ma14="http://schemas.microsoft.com/office/mac/drawingml/2011/main" val="1"/>
+              <ma14:wrappingTextBoxFlag xmlns:ma14="http://schemas.microsoft.com/office/mac/drawingml/2011/main" xmlns="" val="1"/>
             </a:ext>
           </a:extLst>
         </p:spPr>
@@ -21028,7 +21057,7 @@
           </a:ln>
           <a:extLst>
             <a:ext uri="{C572A759-6A51-4108-AA02-DFA0A04FC94B}">
-              <ma14:wrappingTextBoxFlag xmlns="" xmlns:ma14="http://schemas.microsoft.com/office/mac/drawingml/2011/main" val="1"/>
+              <ma14:wrappingTextBoxFlag xmlns:ma14="http://schemas.microsoft.com/office/mac/drawingml/2011/main" xmlns="" val="1"/>
             </a:ext>
           </a:extLst>
         </p:spPr>
@@ -21137,53 +21166,6 @@
           <a:chExt cx="0" cy="0"/>
         </a:xfrm>
       </p:grpSpPr>
-      <p:pic>
-        <p:nvPicPr>
-          <p:cNvPr id="1026" name="Picture 2" descr="http://jitendrazaa.com/blog/wp-content/uploads/2011/03/Types-of-Nested-Classes-in-JAVA.jpg">
-            <a:extLst>
-              <a:ext uri="{FF2B5EF4-FFF2-40B4-BE49-F238E27FC236}">
-                <a16:creationId xmlns:a16="http://schemas.microsoft.com/office/drawing/2014/main" id="{B2358984-719C-43AE-99B8-98769C644156}"/>
-              </a:ext>
-            </a:extLst>
-          </p:cNvPr>
-          <p:cNvPicPr>
-            <a:picLocks noChangeAspect="1" noChangeArrowheads="1"/>
-          </p:cNvPicPr>
-          <p:nvPr/>
-        </p:nvPicPr>
-        <p:blipFill>
-          <a:blip r:embed="rId2">
-            <a:extLst>
-              <a:ext uri="{28A0092B-C50C-407E-A947-70E740481C1C}">
-                <a14:useLocalDpi xmlns:a14="http://schemas.microsoft.com/office/drawing/2010/main" val="0"/>
-              </a:ext>
-            </a:extLst>
-          </a:blip>
-          <a:srcRect/>
-          <a:stretch>
-            <a:fillRect/>
-          </a:stretch>
-        </p:blipFill>
-        <p:spPr bwMode="auto">
-          <a:xfrm>
-            <a:off x="1412490" y="1201117"/>
-            <a:ext cx="6319022" cy="2741266"/>
-          </a:xfrm>
-          <a:prstGeom prst="rect">
-            <a:avLst/>
-          </a:prstGeom>
-          <a:noFill/>
-          <a:extLst>
-            <a:ext uri="{909E8E84-426E-40DD-AFC4-6F175D3DCCD1}">
-              <a14:hiddenFill xmlns:a14="http://schemas.microsoft.com/office/drawing/2010/main">
-                <a:solidFill>
-                  <a:srgbClr val="FFFFFF"/>
-                </a:solidFill>
-              </a14:hiddenFill>
-            </a:ext>
-          </a:extLst>
-        </p:spPr>
-      </p:pic>
       <p:sp>
         <p:nvSpPr>
           <p:cNvPr id="2" name="Rectangle 1">
@@ -21218,6 +21200,53 @@
           </a:p>
         </p:txBody>
       </p:sp>
+      <p:pic>
+        <p:nvPicPr>
+          <p:cNvPr id="3" name="Picture 2" descr="http://jitendrazaa.com/blog/wp-content/uploads/2011/03/Types-of-Nested-Classes-in-JAVA.jpg">
+            <a:extLst>
+              <a:ext uri="{FF2B5EF4-FFF2-40B4-BE49-F238E27FC236}">
+                <a16:creationId xmlns:a16="http://schemas.microsoft.com/office/drawing/2014/main" id="{AA2BC72A-847C-4231-9797-168FA37F0CAC}"/>
+              </a:ext>
+            </a:extLst>
+          </p:cNvPr>
+          <p:cNvPicPr>
+            <a:picLocks noChangeAspect="1" noChangeArrowheads="1"/>
+          </p:cNvPicPr>
+          <p:nvPr/>
+        </p:nvPicPr>
+        <p:blipFill>
+          <a:blip r:embed="rId2">
+            <a:extLst>
+              <a:ext uri="{28A0092B-C50C-407E-A947-70E740481C1C}">
+                <a14:useLocalDpi xmlns:a14="http://schemas.microsoft.com/office/drawing/2010/main" val="0"/>
+              </a:ext>
+            </a:extLst>
+          </a:blip>
+          <a:srcRect/>
+          <a:stretch>
+            <a:fillRect/>
+          </a:stretch>
+        </p:blipFill>
+        <p:spPr bwMode="auto">
+          <a:xfrm>
+            <a:off x="1585913" y="1276350"/>
+            <a:ext cx="5972175" cy="2590800"/>
+          </a:xfrm>
+          <a:prstGeom prst="rect">
+            <a:avLst/>
+          </a:prstGeom>
+          <a:noFill/>
+          <a:extLst>
+            <a:ext uri="{909E8E84-426E-40DD-AFC4-6F175D3DCCD1}">
+              <a14:hiddenFill xmlns:a14="http://schemas.microsoft.com/office/drawing/2010/main">
+                <a:solidFill>
+                  <a:srgbClr val="FFFFFF"/>
+                </a:solidFill>
+              </a14:hiddenFill>
+            </a:ext>
+          </a:extLst>
+        </p:spPr>
+      </p:pic>
     </p:spTree>
     <p:extLst>
       <p:ext uri="{BB962C8B-B14F-4D97-AF65-F5344CB8AC3E}">
@@ -21268,7 +21297,7 @@
           </a:ln>
           <a:extLst>
             <a:ext uri="{C572A759-6A51-4108-AA02-DFA0A04FC94B}">
-              <ma14:wrappingTextBoxFlag xmlns="" xmlns:ma14="http://schemas.microsoft.com/office/mac/drawingml/2011/main" val="1"/>
+              <ma14:wrappingTextBoxFlag xmlns:ma14="http://schemas.microsoft.com/office/mac/drawingml/2011/main" xmlns="" val="1"/>
             </a:ext>
           </a:extLst>
         </p:spPr>
@@ -21496,7 +21525,7 @@
           </a:ln>
           <a:extLst>
             <a:ext uri="{C572A759-6A51-4108-AA02-DFA0A04FC94B}">
-              <ma14:wrappingTextBoxFlag xmlns="" xmlns:ma14="http://schemas.microsoft.com/office/mac/drawingml/2011/main" val="1"/>
+              <ma14:wrappingTextBoxFlag xmlns:ma14="http://schemas.microsoft.com/office/mac/drawingml/2011/main" xmlns="" val="1"/>
             </a:ext>
           </a:extLst>
         </p:spPr>
@@ -21543,7 +21572,7 @@
           </a:ln>
           <a:extLst>
             <a:ext uri="{C572A759-6A51-4108-AA02-DFA0A04FC94B}">
-              <ma14:wrappingTextBoxFlag xmlns="" xmlns:ma14="http://schemas.microsoft.com/office/mac/drawingml/2011/main" val="1"/>
+              <ma14:wrappingTextBoxFlag xmlns:ma14="http://schemas.microsoft.com/office/mac/drawingml/2011/main" xmlns="" val="1"/>
             </a:ext>
           </a:extLst>
         </p:spPr>
@@ -21611,7 +21640,7 @@
           </a:ln>
           <a:extLst>
             <a:ext uri="{C572A759-6A51-4108-AA02-DFA0A04FC94B}">
-              <ma14:wrappingTextBoxFlag xmlns="" xmlns:ma14="http://schemas.microsoft.com/office/mac/drawingml/2011/main" val="1"/>
+              <ma14:wrappingTextBoxFlag xmlns:ma14="http://schemas.microsoft.com/office/mac/drawingml/2011/main" xmlns="" val="1"/>
             </a:ext>
           </a:extLst>
         </p:spPr>
@@ -21655,7 +21684,7 @@
           </a:ln>
           <a:extLst>
             <a:ext uri="{C572A759-6A51-4108-AA02-DFA0A04FC94B}">
-              <ma14:wrappingTextBoxFlag xmlns="" xmlns:ma14="http://schemas.microsoft.com/office/mac/drawingml/2011/main" val="1"/>
+              <ma14:wrappingTextBoxFlag xmlns:ma14="http://schemas.microsoft.com/office/mac/drawingml/2011/main" xmlns="" val="1"/>
             </a:ext>
           </a:extLst>
         </p:spPr>
@@ -21771,7 +21800,7 @@
           </a:ln>
           <a:extLst>
             <a:ext uri="{C572A759-6A51-4108-AA02-DFA0A04FC94B}">
-              <ma14:wrappingTextBoxFlag xmlns="" xmlns:ma14="http://schemas.microsoft.com/office/mac/drawingml/2011/main" val="1"/>
+              <ma14:wrappingTextBoxFlag xmlns:ma14="http://schemas.microsoft.com/office/mac/drawingml/2011/main" xmlns="" val="1"/>
             </a:ext>
           </a:extLst>
         </p:spPr>
@@ -21815,7 +21844,7 @@
           </a:ln>
           <a:extLst>
             <a:ext uri="{C572A759-6A51-4108-AA02-DFA0A04FC94B}">
-              <ma14:wrappingTextBoxFlag xmlns="" xmlns:ma14="http://schemas.microsoft.com/office/mac/drawingml/2011/main" val="1"/>
+              <ma14:wrappingTextBoxFlag xmlns:ma14="http://schemas.microsoft.com/office/mac/drawingml/2011/main" xmlns="" val="1"/>
             </a:ext>
           </a:extLst>
         </p:spPr>
@@ -22084,7 +22113,7 @@
           </a:ln>
           <a:extLst>
             <a:ext uri="{C572A759-6A51-4108-AA02-DFA0A04FC94B}">
-              <ma14:wrappingTextBoxFlag xmlns="" xmlns:ma14="http://schemas.microsoft.com/office/mac/drawingml/2011/main" val="1"/>
+              <ma14:wrappingTextBoxFlag xmlns:ma14="http://schemas.microsoft.com/office/mac/drawingml/2011/main" xmlns="" val="1"/>
             </a:ext>
           </a:extLst>
         </p:spPr>
@@ -22134,7 +22163,7 @@
           </a:ln>
           <a:extLst>
             <a:ext uri="{C572A759-6A51-4108-AA02-DFA0A04FC94B}">
-              <ma14:wrappingTextBoxFlag xmlns="" xmlns:ma14="http://schemas.microsoft.com/office/mac/drawingml/2011/main" val="1"/>
+              <ma14:wrappingTextBoxFlag xmlns:ma14="http://schemas.microsoft.com/office/mac/drawingml/2011/main" xmlns="" val="1"/>
             </a:ext>
           </a:extLst>
         </p:spPr>
@@ -22394,7 +22423,7 @@
           </a:ln>
           <a:extLst>
             <a:ext uri="{C572A759-6A51-4108-AA02-DFA0A04FC94B}">
-              <ma14:wrappingTextBoxFlag xmlns="" xmlns:ma14="http://schemas.microsoft.com/office/mac/drawingml/2011/main" val="1"/>
+              <ma14:wrappingTextBoxFlag xmlns:ma14="http://schemas.microsoft.com/office/mac/drawingml/2011/main" xmlns="" val="1"/>
             </a:ext>
           </a:extLst>
         </p:spPr>
@@ -22772,7 +22801,7 @@
           </a:ln>
           <a:extLst>
             <a:ext uri="{C572A759-6A51-4108-AA02-DFA0A04FC94B}">
-              <ma14:wrappingTextBoxFlag xmlns="" xmlns:ma14="http://schemas.microsoft.com/office/mac/drawingml/2011/main" val="1"/>
+              <ma14:wrappingTextBoxFlag xmlns:ma14="http://schemas.microsoft.com/office/mac/drawingml/2011/main" xmlns="" val="1"/>
             </a:ext>
           </a:extLst>
         </p:spPr>
@@ -22829,7 +22858,7 @@
           </a:ln>
           <a:extLst>
             <a:ext uri="{C572A759-6A51-4108-AA02-DFA0A04FC94B}">
-              <ma14:wrappingTextBoxFlag xmlns="" xmlns:ma14="http://schemas.microsoft.com/office/mac/drawingml/2011/main" val="1"/>
+              <ma14:wrappingTextBoxFlag xmlns:ma14="http://schemas.microsoft.com/office/mac/drawingml/2011/main" xmlns="" val="1"/>
             </a:ext>
           </a:extLst>
         </p:spPr>
@@ -23033,7 +23062,7 @@
           </a:ln>
           <a:extLst>
             <a:ext uri="{C572A759-6A51-4108-AA02-DFA0A04FC94B}">
-              <ma14:wrappingTextBoxFlag xmlns="" xmlns:ma14="http://schemas.microsoft.com/office/mac/drawingml/2011/main" val="1"/>
+              <ma14:wrappingTextBoxFlag xmlns:ma14="http://schemas.microsoft.com/office/mac/drawingml/2011/main" xmlns="" val="1"/>
             </a:ext>
           </a:extLst>
         </p:spPr>
@@ -23080,7 +23109,7 @@
           </a:ln>
           <a:extLst>
             <a:ext uri="{C572A759-6A51-4108-AA02-DFA0A04FC94B}">
-              <ma14:wrappingTextBoxFlag xmlns="" xmlns:ma14="http://schemas.microsoft.com/office/mac/drawingml/2011/main" val="1"/>
+              <ma14:wrappingTextBoxFlag xmlns:ma14="http://schemas.microsoft.com/office/mac/drawingml/2011/main" xmlns="" val="1"/>
             </a:ext>
           </a:extLst>
         </p:spPr>
@@ -23514,7 +23543,7 @@
           </a:ln>
           <a:extLst>
             <a:ext uri="{C572A759-6A51-4108-AA02-DFA0A04FC94B}">
-              <ma14:wrappingTextBoxFlag xmlns="" xmlns:ma14="http://schemas.microsoft.com/office/mac/drawingml/2011/main" val="1"/>
+              <ma14:wrappingTextBoxFlag xmlns:ma14="http://schemas.microsoft.com/office/mac/drawingml/2011/main" xmlns="" val="1"/>
             </a:ext>
           </a:extLst>
         </p:spPr>
@@ -23698,7 +23727,7 @@
           </a:ln>
           <a:extLst>
             <a:ext uri="{C572A759-6A51-4108-AA02-DFA0A04FC94B}">
-              <ma14:wrappingTextBoxFlag xmlns="" xmlns:ma14="http://schemas.microsoft.com/office/mac/drawingml/2011/main" val="1"/>
+              <ma14:wrappingTextBoxFlag xmlns:ma14="http://schemas.microsoft.com/office/mac/drawingml/2011/main" xmlns="" val="1"/>
             </a:ext>
           </a:extLst>
         </p:spPr>
@@ -23745,7 +23774,7 @@
           </a:ln>
           <a:extLst>
             <a:ext uri="{C572A759-6A51-4108-AA02-DFA0A04FC94B}">
-              <ma14:wrappingTextBoxFlag xmlns="" xmlns:ma14="http://schemas.microsoft.com/office/mac/drawingml/2011/main" val="1"/>
+              <ma14:wrappingTextBoxFlag xmlns:ma14="http://schemas.microsoft.com/office/mac/drawingml/2011/main" xmlns="" val="1"/>
             </a:ext>
           </a:extLst>
         </p:spPr>
@@ -23905,7 +23934,7 @@
           </a:ln>
           <a:extLst>
             <a:ext uri="{C572A759-6A51-4108-AA02-DFA0A04FC94B}">
-              <ma14:wrappingTextBoxFlag xmlns="" xmlns:ma14="http://schemas.microsoft.com/office/mac/drawingml/2011/main" val="1"/>
+              <ma14:wrappingTextBoxFlag xmlns:ma14="http://schemas.microsoft.com/office/mac/drawingml/2011/main" xmlns="" val="1"/>
             </a:ext>
           </a:extLst>
         </p:spPr>
@@ -24079,7 +24108,7 @@
           </a:ln>
           <a:extLst>
             <a:ext uri="{C572A759-6A51-4108-AA02-DFA0A04FC94B}">
-              <ma14:wrappingTextBoxFlag xmlns="" xmlns:ma14="http://schemas.microsoft.com/office/mac/drawingml/2011/main" val="1"/>
+              <ma14:wrappingTextBoxFlag xmlns:ma14="http://schemas.microsoft.com/office/mac/drawingml/2011/main" xmlns="" val="1"/>
             </a:ext>
           </a:extLst>
         </p:spPr>
@@ -24194,7 +24223,7 @@
           </a:ln>
           <a:extLst>
             <a:ext uri="{C572A759-6A51-4108-AA02-DFA0A04FC94B}">
-              <ma14:wrappingTextBoxFlag xmlns="" xmlns:ma14="http://schemas.microsoft.com/office/mac/drawingml/2011/main" val="1"/>
+              <ma14:wrappingTextBoxFlag xmlns:ma14="http://schemas.microsoft.com/office/mac/drawingml/2011/main" xmlns="" val="1"/>
             </a:ext>
           </a:extLst>
         </p:spPr>
@@ -24241,7 +24270,7 @@
           </a:ln>
           <a:extLst>
             <a:ext uri="{C572A759-6A51-4108-AA02-DFA0A04FC94B}">
-              <ma14:wrappingTextBoxFlag xmlns="" xmlns:ma14="http://schemas.microsoft.com/office/mac/drawingml/2011/main" val="1"/>
+              <ma14:wrappingTextBoxFlag xmlns:ma14="http://schemas.microsoft.com/office/mac/drawingml/2011/main" xmlns="" val="1"/>
             </a:ext>
           </a:extLst>
         </p:spPr>
@@ -24391,7 +24420,7 @@
           </a:ln>
           <a:extLst>
             <a:ext uri="{C572A759-6A51-4108-AA02-DFA0A04FC94B}">
-              <ma14:wrappingTextBoxFlag xmlns="" xmlns:ma14="http://schemas.microsoft.com/office/mac/drawingml/2011/main" val="1"/>
+              <ma14:wrappingTextBoxFlag xmlns:ma14="http://schemas.microsoft.com/office/mac/drawingml/2011/main" xmlns="" val="1"/>
             </a:ext>
           </a:extLst>
         </p:spPr>
@@ -24571,7 +24600,7 @@
           </a:ln>
           <a:extLst>
             <a:ext uri="{C572A759-6A51-4108-AA02-DFA0A04FC94B}">
-              <ma14:wrappingTextBoxFlag xmlns="" xmlns:ma14="http://schemas.microsoft.com/office/mac/drawingml/2011/main" val="1"/>
+              <ma14:wrappingTextBoxFlag xmlns:ma14="http://schemas.microsoft.com/office/mac/drawingml/2011/main" xmlns="" val="1"/>
             </a:ext>
           </a:extLst>
         </p:spPr>
@@ -25018,7 +25047,7 @@
           </a:ln>
           <a:extLst>
             <a:ext uri="{C572A759-6A51-4108-AA02-DFA0A04FC94B}">
-              <ma14:wrappingTextBoxFlag xmlns="" xmlns:ma14="http://schemas.microsoft.com/office/mac/drawingml/2011/main" val="1"/>
+              <ma14:wrappingTextBoxFlag xmlns:ma14="http://schemas.microsoft.com/office/mac/drawingml/2011/main" xmlns="" val="1"/>
             </a:ext>
           </a:extLst>
         </p:spPr>
@@ -25065,7 +25094,7 @@
           </a:ln>
           <a:extLst>
             <a:ext uri="{C572A759-6A51-4108-AA02-DFA0A04FC94B}">
-              <ma14:wrappingTextBoxFlag xmlns="" xmlns:ma14="http://schemas.microsoft.com/office/mac/drawingml/2011/main" val="1"/>
+              <ma14:wrappingTextBoxFlag xmlns:ma14="http://schemas.microsoft.com/office/mac/drawingml/2011/main" xmlns="" val="1"/>
             </a:ext>
           </a:extLst>
         </p:spPr>
@@ -25215,7 +25244,7 @@
           </a:ln>
           <a:extLst>
             <a:ext uri="{C572A759-6A51-4108-AA02-DFA0A04FC94B}">
-              <ma14:wrappingTextBoxFlag xmlns="" xmlns:ma14="http://schemas.microsoft.com/office/mac/drawingml/2011/main" val="1"/>
+              <ma14:wrappingTextBoxFlag xmlns:ma14="http://schemas.microsoft.com/office/mac/drawingml/2011/main" xmlns="" val="1"/>
             </a:ext>
           </a:extLst>
         </p:spPr>
@@ -25442,7 +25471,7 @@
           </a:ln>
           <a:extLst>
             <a:ext uri="{C572A759-6A51-4108-AA02-DFA0A04FC94B}">
-              <ma14:wrappingTextBoxFlag xmlns="" xmlns:ma14="http://schemas.microsoft.com/office/mac/drawingml/2011/main" val="1"/>
+              <ma14:wrappingTextBoxFlag xmlns:ma14="http://schemas.microsoft.com/office/mac/drawingml/2011/main" xmlns="" val="1"/>
             </a:ext>
           </a:extLst>
         </p:spPr>
@@ -25705,7 +25734,7 @@
           </a:ln>
           <a:extLst>
             <a:ext uri="{C572A759-6A51-4108-AA02-DFA0A04FC94B}">
-              <ma14:wrappingTextBoxFlag xmlns="" xmlns:ma14="http://schemas.microsoft.com/office/mac/drawingml/2011/main" val="1"/>
+              <ma14:wrappingTextBoxFlag xmlns:ma14="http://schemas.microsoft.com/office/mac/drawingml/2011/main" xmlns="" val="1"/>
             </a:ext>
           </a:extLst>
         </p:spPr>
@@ -25833,7 +25862,7 @@
           </a:ln>
           <a:extLst>
             <a:ext uri="{C572A759-6A51-4108-AA02-DFA0A04FC94B}">
-              <ma14:wrappingTextBoxFlag xmlns="" xmlns:ma14="http://schemas.microsoft.com/office/mac/drawingml/2011/main" val="1"/>
+              <ma14:wrappingTextBoxFlag xmlns:ma14="http://schemas.microsoft.com/office/mac/drawingml/2011/main" xmlns="" val="1"/>
             </a:ext>
           </a:extLst>
         </p:spPr>
@@ -25880,7 +25909,7 @@
           </a:ln>
           <a:extLst>
             <a:ext uri="{C572A759-6A51-4108-AA02-DFA0A04FC94B}">
-              <ma14:wrappingTextBoxFlag xmlns="" xmlns:ma14="http://schemas.microsoft.com/office/mac/drawingml/2011/main" val="1"/>
+              <ma14:wrappingTextBoxFlag xmlns:ma14="http://schemas.microsoft.com/office/mac/drawingml/2011/main" xmlns="" val="1"/>
             </a:ext>
           </a:extLst>
         </p:spPr>
@@ -26157,7 +26186,7 @@
           </a:ln>
           <a:extLst>
             <a:ext uri="{C572A759-6A51-4108-AA02-DFA0A04FC94B}">
-              <ma14:wrappingTextBoxFlag xmlns="" xmlns:ma14="http://schemas.microsoft.com/office/mac/drawingml/2011/main" val="1"/>
+              <ma14:wrappingTextBoxFlag xmlns:ma14="http://schemas.microsoft.com/office/mac/drawingml/2011/main" xmlns="" val="1"/>
             </a:ext>
           </a:extLst>
         </p:spPr>
@@ -26204,7 +26233,7 @@
           </a:ln>
           <a:extLst>
             <a:ext uri="{C572A759-6A51-4108-AA02-DFA0A04FC94B}">
-              <ma14:wrappingTextBoxFlag xmlns="" xmlns:ma14="http://schemas.microsoft.com/office/mac/drawingml/2011/main" val="1"/>
+              <ma14:wrappingTextBoxFlag xmlns:ma14="http://schemas.microsoft.com/office/mac/drawingml/2011/main" xmlns="" val="1"/>
             </a:ext>
           </a:extLst>
         </p:spPr>
@@ -26464,7 +26493,7 @@
           </a:ln>
           <a:extLst>
             <a:ext uri="{C572A759-6A51-4108-AA02-DFA0A04FC94B}">
-              <ma14:wrappingTextBoxFlag xmlns="" xmlns:ma14="http://schemas.microsoft.com/office/mac/drawingml/2011/main" val="1"/>
+              <ma14:wrappingTextBoxFlag xmlns:ma14="http://schemas.microsoft.com/office/mac/drawingml/2011/main" xmlns="" val="1"/>
             </a:ext>
           </a:extLst>
         </p:spPr>
@@ -26511,7 +26540,7 @@
           </a:ln>
           <a:extLst>
             <a:ext uri="{C572A759-6A51-4108-AA02-DFA0A04FC94B}">
-              <ma14:wrappingTextBoxFlag xmlns="" xmlns:ma14="http://schemas.microsoft.com/office/mac/drawingml/2011/main" val="1"/>
+              <ma14:wrappingTextBoxFlag xmlns:ma14="http://schemas.microsoft.com/office/mac/drawingml/2011/main" xmlns="" val="1"/>
             </a:ext>
           </a:extLst>
         </p:spPr>
@@ -26810,7 +26839,7 @@
           </a:ln>
           <a:extLst>
             <a:ext uri="{C572A759-6A51-4108-AA02-DFA0A04FC94B}">
-              <ma14:wrappingTextBoxFlag xmlns="" xmlns:ma14="http://schemas.microsoft.com/office/mac/drawingml/2011/main" val="1"/>
+              <ma14:wrappingTextBoxFlag xmlns:ma14="http://schemas.microsoft.com/office/mac/drawingml/2011/main" xmlns="" val="1"/>
             </a:ext>
           </a:extLst>
         </p:spPr>
@@ -26857,7 +26886,7 @@
           </a:ln>
           <a:extLst>
             <a:ext uri="{C572A759-6A51-4108-AA02-DFA0A04FC94B}">
-              <ma14:wrappingTextBoxFlag xmlns="" xmlns:ma14="http://schemas.microsoft.com/office/mac/drawingml/2011/main" val="1"/>
+              <ma14:wrappingTextBoxFlag xmlns:ma14="http://schemas.microsoft.com/office/mac/drawingml/2011/main" xmlns="" val="1"/>
             </a:ext>
           </a:extLst>
         </p:spPr>
@@ -27053,7 +27082,7 @@
           </a:ln>
           <a:extLst>
             <a:ext uri="{C572A759-6A51-4108-AA02-DFA0A04FC94B}">
-              <ma14:wrappingTextBoxFlag xmlns="" xmlns:ma14="http://schemas.microsoft.com/office/mac/drawingml/2011/main" val="1"/>
+              <ma14:wrappingTextBoxFlag xmlns:ma14="http://schemas.microsoft.com/office/mac/drawingml/2011/main" xmlns="" val="1"/>
             </a:ext>
           </a:extLst>
         </p:spPr>
@@ -27100,7 +27129,7 @@
           </a:ln>
           <a:extLst>
             <a:ext uri="{C572A759-6A51-4108-AA02-DFA0A04FC94B}">
-              <ma14:wrappingTextBoxFlag xmlns="" xmlns:ma14="http://schemas.microsoft.com/office/mac/drawingml/2011/main" val="1"/>
+              <ma14:wrappingTextBoxFlag xmlns:ma14="http://schemas.microsoft.com/office/mac/drawingml/2011/main" xmlns="" val="1"/>
             </a:ext>
           </a:extLst>
         </p:spPr>
@@ -27298,7 +27327,7 @@
           </a:ln>
           <a:extLst>
             <a:ext uri="{C572A759-6A51-4108-AA02-DFA0A04FC94B}">
-              <ma14:wrappingTextBoxFlag xmlns="" xmlns:ma14="http://schemas.microsoft.com/office/mac/drawingml/2011/main" val="1"/>
+              <ma14:wrappingTextBoxFlag xmlns:ma14="http://schemas.microsoft.com/office/mac/drawingml/2011/main" xmlns="" val="1"/>
             </a:ext>
           </a:extLst>
         </p:spPr>
@@ -27345,7 +27374,7 @@
           </a:ln>
           <a:extLst>
             <a:ext uri="{C572A759-6A51-4108-AA02-DFA0A04FC94B}">
-              <ma14:wrappingTextBoxFlag xmlns="" xmlns:ma14="http://schemas.microsoft.com/office/mac/drawingml/2011/main" val="1"/>
+              <ma14:wrappingTextBoxFlag xmlns:ma14="http://schemas.microsoft.com/office/mac/drawingml/2011/main" xmlns="" val="1"/>
             </a:ext>
           </a:extLst>
         </p:spPr>
@@ -27775,7 +27804,7 @@
           </a:ln>
           <a:extLst>
             <a:ext uri="{C572A759-6A51-4108-AA02-DFA0A04FC94B}">
-              <ma14:wrappingTextBoxFlag xmlns="" xmlns:ma14="http://schemas.microsoft.com/office/mac/drawingml/2011/main" val="1"/>
+              <ma14:wrappingTextBoxFlag xmlns:ma14="http://schemas.microsoft.com/office/mac/drawingml/2011/main" xmlns="" val="1"/>
             </a:ext>
           </a:extLst>
         </p:spPr>
@@ -28330,7 +28359,7 @@
           </a:ln>
           <a:extLst>
             <a:ext uri="{C572A759-6A51-4108-AA02-DFA0A04FC94B}">
-              <ma14:wrappingTextBoxFlag xmlns="" xmlns:ma14="http://schemas.microsoft.com/office/mac/drawingml/2011/main" val="1"/>
+              <ma14:wrappingTextBoxFlag xmlns:ma14="http://schemas.microsoft.com/office/mac/drawingml/2011/main" xmlns="" val="1"/>
             </a:ext>
           </a:extLst>
         </p:spPr>
@@ -28460,7 +28489,7 @@
           </a:ln>
           <a:extLst>
             <a:ext uri="{C572A759-6A51-4108-AA02-DFA0A04FC94B}">
-              <ma14:wrappingTextBoxFlag xmlns="" xmlns:ma14="http://schemas.microsoft.com/office/mac/drawingml/2011/main" val="1"/>
+              <ma14:wrappingTextBoxFlag xmlns:ma14="http://schemas.microsoft.com/office/mac/drawingml/2011/main" xmlns="" val="1"/>
             </a:ext>
           </a:extLst>
         </p:spPr>
@@ -28533,7 +28562,7 @@
           </a:ln>
           <a:extLst>
             <a:ext uri="{C572A759-6A51-4108-AA02-DFA0A04FC94B}">
-              <ma14:wrappingTextBoxFlag xmlns="" xmlns:ma14="http://schemas.microsoft.com/office/mac/drawingml/2011/main" val="1"/>
+              <ma14:wrappingTextBoxFlag xmlns:ma14="http://schemas.microsoft.com/office/mac/drawingml/2011/main" xmlns="" val="1"/>
             </a:ext>
           </a:extLst>
         </p:spPr>
@@ -28580,7 +28609,7 @@
           </a:ln>
           <a:extLst>
             <a:ext uri="{C572A759-6A51-4108-AA02-DFA0A04FC94B}">
-              <ma14:wrappingTextBoxFlag xmlns="" xmlns:ma14="http://schemas.microsoft.com/office/mac/drawingml/2011/main" val="1"/>
+              <ma14:wrappingTextBoxFlag xmlns:ma14="http://schemas.microsoft.com/office/mac/drawingml/2011/main" xmlns="" val="1"/>
             </a:ext>
           </a:extLst>
         </p:spPr>
@@ -28765,7 +28794,7 @@
           </a:ln>
           <a:extLst>
             <a:ext uri="{C572A759-6A51-4108-AA02-DFA0A04FC94B}">
-              <ma14:wrappingTextBoxFlag xmlns="" xmlns:ma14="http://schemas.microsoft.com/office/mac/drawingml/2011/main" val="1"/>
+              <ma14:wrappingTextBoxFlag xmlns:ma14="http://schemas.microsoft.com/office/mac/drawingml/2011/main" xmlns="" val="1"/>
             </a:ext>
           </a:extLst>
         </p:spPr>
@@ -29032,7 +29061,7 @@
           </a:ln>
           <a:extLst>
             <a:ext uri="{C572A759-6A51-4108-AA02-DFA0A04FC94B}">
-              <ma14:wrappingTextBoxFlag xmlns="" xmlns:ma14="http://schemas.microsoft.com/office/mac/drawingml/2011/main" val="1"/>
+              <ma14:wrappingTextBoxFlag xmlns:ma14="http://schemas.microsoft.com/office/mac/drawingml/2011/main" xmlns="" val="1"/>
             </a:ext>
           </a:extLst>
         </p:spPr>
@@ -29079,7 +29108,7 @@
           </a:ln>
           <a:extLst>
             <a:ext uri="{C572A759-6A51-4108-AA02-DFA0A04FC94B}">
-              <ma14:wrappingTextBoxFlag xmlns="" xmlns:ma14="http://schemas.microsoft.com/office/mac/drawingml/2011/main" val="1"/>
+              <ma14:wrappingTextBoxFlag xmlns:ma14="http://schemas.microsoft.com/office/mac/drawingml/2011/main" xmlns="" val="1"/>
             </a:ext>
           </a:extLst>
         </p:spPr>
@@ -29126,7 +29155,7 @@
           </a:ln>
           <a:extLst>
             <a:ext uri="{C572A759-6A51-4108-AA02-DFA0A04FC94B}">
-              <ma14:wrappingTextBoxFlag xmlns="" xmlns:ma14="http://schemas.microsoft.com/office/mac/drawingml/2011/main" val="1"/>
+              <ma14:wrappingTextBoxFlag xmlns:ma14="http://schemas.microsoft.com/office/mac/drawingml/2011/main" xmlns="" val="1"/>
             </a:ext>
           </a:extLst>
         </p:spPr>
@@ -29291,7 +29320,7 @@
           </a:ln>
           <a:extLst>
             <a:ext uri="{C572A759-6A51-4108-AA02-DFA0A04FC94B}">
-              <ma14:wrappingTextBoxFlag xmlns="" xmlns:ma14="http://schemas.microsoft.com/office/mac/drawingml/2011/main" val="1"/>
+              <ma14:wrappingTextBoxFlag xmlns:ma14="http://schemas.microsoft.com/office/mac/drawingml/2011/main" xmlns="" val="1"/>
             </a:ext>
           </a:extLst>
         </p:spPr>
@@ -29623,7 +29652,7 @@
           </a:ln>
           <a:extLst>
             <a:ext uri="{C572A759-6A51-4108-AA02-DFA0A04FC94B}">
-              <ma14:wrappingTextBoxFlag xmlns="" xmlns:ma14="http://schemas.microsoft.com/office/mac/drawingml/2011/main" val="1"/>
+              <ma14:wrappingTextBoxFlag xmlns:ma14="http://schemas.microsoft.com/office/mac/drawingml/2011/main" xmlns="" val="1"/>
             </a:ext>
           </a:extLst>
         </p:spPr>
@@ -29670,7 +29699,7 @@
           </a:ln>
           <a:extLst>
             <a:ext uri="{C572A759-6A51-4108-AA02-DFA0A04FC94B}">
-              <ma14:wrappingTextBoxFlag xmlns="" xmlns:ma14="http://schemas.microsoft.com/office/mac/drawingml/2011/main" val="1"/>
+              <ma14:wrappingTextBoxFlag xmlns:ma14="http://schemas.microsoft.com/office/mac/drawingml/2011/main" xmlns="" val="1"/>
             </a:ext>
           </a:extLst>
         </p:spPr>
@@ -29829,7 +29858,7 @@
           </a:ln>
           <a:extLst>
             <a:ext uri="{C572A759-6A51-4108-AA02-DFA0A04FC94B}">
-              <ma14:wrappingTextBoxFlag xmlns="" xmlns:ma14="http://schemas.microsoft.com/office/mac/drawingml/2011/main" val="1"/>
+              <ma14:wrappingTextBoxFlag xmlns:ma14="http://schemas.microsoft.com/office/mac/drawingml/2011/main" xmlns="" val="1"/>
             </a:ext>
           </a:extLst>
         </p:spPr>
@@ -29876,7 +29905,7 @@
           </a:ln>
           <a:extLst>
             <a:ext uri="{C572A759-6A51-4108-AA02-DFA0A04FC94B}">
-              <ma14:wrappingTextBoxFlag xmlns="" xmlns:ma14="http://schemas.microsoft.com/office/mac/drawingml/2011/main" val="1"/>
+              <ma14:wrappingTextBoxFlag xmlns:ma14="http://schemas.microsoft.com/office/mac/drawingml/2011/main" xmlns="" val="1"/>
             </a:ext>
           </a:extLst>
         </p:spPr>

--- a/resources/java7m3.pptx
+++ b/resources/java7m3.pptx
@@ -5,59 +5,60 @@
     <p:sldMasterId id="2147483648" r:id="rId1"/>
   </p:sldMasterIdLst>
   <p:notesMasterIdLst>
-    <p:notesMasterId r:id="rId52"/>
+    <p:notesMasterId r:id="rId53"/>
   </p:notesMasterIdLst>
   <p:sldIdLst>
     <p:sldId id="256" r:id="rId2"/>
     <p:sldId id="257" r:id="rId3"/>
-    <p:sldId id="305" r:id="rId4"/>
-    <p:sldId id="258" r:id="rId5"/>
-    <p:sldId id="259" r:id="rId6"/>
-    <p:sldId id="260" r:id="rId7"/>
-    <p:sldId id="261" r:id="rId8"/>
-    <p:sldId id="262" r:id="rId9"/>
-    <p:sldId id="263" r:id="rId10"/>
-    <p:sldId id="264" r:id="rId11"/>
-    <p:sldId id="265" r:id="rId12"/>
-    <p:sldId id="266" r:id="rId13"/>
-    <p:sldId id="267" r:id="rId14"/>
-    <p:sldId id="268" r:id="rId15"/>
-    <p:sldId id="269" r:id="rId16"/>
-    <p:sldId id="270" r:id="rId17"/>
-    <p:sldId id="271" r:id="rId18"/>
-    <p:sldId id="272" r:id="rId19"/>
-    <p:sldId id="273" r:id="rId20"/>
-    <p:sldId id="274" r:id="rId21"/>
-    <p:sldId id="275" r:id="rId22"/>
-    <p:sldId id="276" r:id="rId23"/>
-    <p:sldId id="277" r:id="rId24"/>
-    <p:sldId id="278" r:id="rId25"/>
-    <p:sldId id="279" r:id="rId26"/>
-    <p:sldId id="280" r:id="rId27"/>
-    <p:sldId id="281" r:id="rId28"/>
-    <p:sldId id="282" r:id="rId29"/>
-    <p:sldId id="283" r:id="rId30"/>
-    <p:sldId id="284" r:id="rId31"/>
-    <p:sldId id="285" r:id="rId32"/>
-    <p:sldId id="286" r:id="rId33"/>
-    <p:sldId id="287" r:id="rId34"/>
-    <p:sldId id="288" r:id="rId35"/>
-    <p:sldId id="289" r:id="rId36"/>
-    <p:sldId id="290" r:id="rId37"/>
-    <p:sldId id="291" r:id="rId38"/>
-    <p:sldId id="292" r:id="rId39"/>
-    <p:sldId id="293" r:id="rId40"/>
-    <p:sldId id="294" r:id="rId41"/>
-    <p:sldId id="295" r:id="rId42"/>
-    <p:sldId id="296" r:id="rId43"/>
-    <p:sldId id="297" r:id="rId44"/>
-    <p:sldId id="298" r:id="rId45"/>
-    <p:sldId id="299" r:id="rId46"/>
-    <p:sldId id="300" r:id="rId47"/>
-    <p:sldId id="301" r:id="rId48"/>
-    <p:sldId id="302" r:id="rId49"/>
-    <p:sldId id="303" r:id="rId50"/>
-    <p:sldId id="304" r:id="rId51"/>
+    <p:sldId id="306" r:id="rId4"/>
+    <p:sldId id="305" r:id="rId5"/>
+    <p:sldId id="258" r:id="rId6"/>
+    <p:sldId id="259" r:id="rId7"/>
+    <p:sldId id="260" r:id="rId8"/>
+    <p:sldId id="261" r:id="rId9"/>
+    <p:sldId id="262" r:id="rId10"/>
+    <p:sldId id="263" r:id="rId11"/>
+    <p:sldId id="264" r:id="rId12"/>
+    <p:sldId id="265" r:id="rId13"/>
+    <p:sldId id="266" r:id="rId14"/>
+    <p:sldId id="267" r:id="rId15"/>
+    <p:sldId id="268" r:id="rId16"/>
+    <p:sldId id="269" r:id="rId17"/>
+    <p:sldId id="270" r:id="rId18"/>
+    <p:sldId id="271" r:id="rId19"/>
+    <p:sldId id="272" r:id="rId20"/>
+    <p:sldId id="273" r:id="rId21"/>
+    <p:sldId id="274" r:id="rId22"/>
+    <p:sldId id="275" r:id="rId23"/>
+    <p:sldId id="276" r:id="rId24"/>
+    <p:sldId id="277" r:id="rId25"/>
+    <p:sldId id="278" r:id="rId26"/>
+    <p:sldId id="279" r:id="rId27"/>
+    <p:sldId id="280" r:id="rId28"/>
+    <p:sldId id="281" r:id="rId29"/>
+    <p:sldId id="282" r:id="rId30"/>
+    <p:sldId id="283" r:id="rId31"/>
+    <p:sldId id="284" r:id="rId32"/>
+    <p:sldId id="285" r:id="rId33"/>
+    <p:sldId id="286" r:id="rId34"/>
+    <p:sldId id="287" r:id="rId35"/>
+    <p:sldId id="288" r:id="rId36"/>
+    <p:sldId id="289" r:id="rId37"/>
+    <p:sldId id="290" r:id="rId38"/>
+    <p:sldId id="291" r:id="rId39"/>
+    <p:sldId id="292" r:id="rId40"/>
+    <p:sldId id="293" r:id="rId41"/>
+    <p:sldId id="294" r:id="rId42"/>
+    <p:sldId id="295" r:id="rId43"/>
+    <p:sldId id="296" r:id="rId44"/>
+    <p:sldId id="297" r:id="rId45"/>
+    <p:sldId id="298" r:id="rId46"/>
+    <p:sldId id="299" r:id="rId47"/>
+    <p:sldId id="300" r:id="rId48"/>
+    <p:sldId id="301" r:id="rId49"/>
+    <p:sldId id="302" r:id="rId50"/>
+    <p:sldId id="303" r:id="rId51"/>
+    <p:sldId id="304" r:id="rId52"/>
   </p:sldIdLst>
   <p:sldSz cx="9144000" cy="5143500" type="screen16x9"/>
   <p:notesSz cx="6858000" cy="9144000"/>
@@ -2870,7 +2871,7 @@
           </a:ln>
           <a:extLst>
             <a:ext uri="{C572A759-6A51-4108-AA02-DFA0A04FC94B}">
-              <ma14:wrappingTextBoxFlag xmlns:ma14="http://schemas.microsoft.com/office/mac/drawingml/2011/main" xmlns="" val="1"/>
+              <ma14:wrappingTextBoxFlag xmlns="" xmlns:ma14="http://schemas.microsoft.com/office/mac/drawingml/2011/main" val="1"/>
             </a:ext>
           </a:extLst>
         </p:spPr>
@@ -2920,7 +2921,7 @@
           </a:ln>
           <a:extLst>
             <a:ext uri="{C572A759-6A51-4108-AA02-DFA0A04FC94B}">
-              <ma14:wrappingTextBoxFlag xmlns:ma14="http://schemas.microsoft.com/office/mac/drawingml/2011/main" xmlns="" val="1"/>
+              <ma14:wrappingTextBoxFlag xmlns="" xmlns:ma14="http://schemas.microsoft.com/office/mac/drawingml/2011/main" val="1"/>
             </a:ext>
           </a:extLst>
         </p:spPr>
@@ -2970,7 +2971,7 @@
           </a:ln>
           <a:extLst>
             <a:ext uri="{C572A759-6A51-4108-AA02-DFA0A04FC94B}">
-              <ma14:wrappingTextBoxFlag xmlns:ma14="http://schemas.microsoft.com/office/mac/drawingml/2011/main" xmlns="" val="1"/>
+              <ma14:wrappingTextBoxFlag xmlns="" xmlns:ma14="http://schemas.microsoft.com/office/mac/drawingml/2011/main" val="1"/>
             </a:ext>
           </a:extLst>
         </p:spPr>
@@ -3158,7 +3159,7 @@
           </a:ln>
           <a:extLst>
             <a:ext uri="{C572A759-6A51-4108-AA02-DFA0A04FC94B}">
-              <ma14:wrappingTextBoxFlag xmlns:ma14="http://schemas.microsoft.com/office/mac/drawingml/2011/main" xmlns="" val="1"/>
+              <ma14:wrappingTextBoxFlag xmlns="" xmlns:ma14="http://schemas.microsoft.com/office/mac/drawingml/2011/main" val="1"/>
             </a:ext>
           </a:extLst>
         </p:spPr>
@@ -3236,7 +3237,7 @@
           </a:ln>
           <a:extLst>
             <a:ext uri="{C572A759-6A51-4108-AA02-DFA0A04FC94B}">
-              <ma14:wrappingTextBoxFlag xmlns:ma14="http://schemas.microsoft.com/office/mac/drawingml/2011/main" xmlns="" val="1"/>
+              <ma14:wrappingTextBoxFlag xmlns="" xmlns:ma14="http://schemas.microsoft.com/office/mac/drawingml/2011/main" val="1"/>
             </a:ext>
           </a:extLst>
         </p:spPr>
@@ -3364,7 +3365,7 @@
           </a:ln>
           <a:extLst>
             <a:ext uri="{C572A759-6A51-4108-AA02-DFA0A04FC94B}">
-              <ma14:wrappingTextBoxFlag xmlns:ma14="http://schemas.microsoft.com/office/mac/drawingml/2011/main" xmlns="" val="1"/>
+              <ma14:wrappingTextBoxFlag xmlns="" xmlns:ma14="http://schemas.microsoft.com/office/mac/drawingml/2011/main" val="1"/>
             </a:ext>
           </a:extLst>
         </p:spPr>
@@ -3646,7 +3647,7 @@
           </a:ln>
           <a:extLst>
             <a:ext uri="{C572A759-6A51-4108-AA02-DFA0A04FC94B}">
-              <ma14:wrappingTextBoxFlag xmlns:ma14="http://schemas.microsoft.com/office/mac/drawingml/2011/main" xmlns="" val="1"/>
+              <ma14:wrappingTextBoxFlag xmlns="" xmlns:ma14="http://schemas.microsoft.com/office/mac/drawingml/2011/main" val="1"/>
             </a:ext>
           </a:extLst>
         </p:spPr>
@@ -3769,7 +3770,7 @@
           </a:ln>
           <a:extLst>
             <a:ext uri="{C572A759-6A51-4108-AA02-DFA0A04FC94B}">
-              <ma14:wrappingTextBoxFlag xmlns:ma14="http://schemas.microsoft.com/office/mac/drawingml/2011/main" xmlns="" val="1"/>
+              <ma14:wrappingTextBoxFlag xmlns="" xmlns:ma14="http://schemas.microsoft.com/office/mac/drawingml/2011/main" val="1"/>
             </a:ext>
           </a:extLst>
         </p:spPr>
@@ -3816,7 +3817,7 @@
           </a:ln>
           <a:extLst>
             <a:ext uri="{C572A759-6A51-4108-AA02-DFA0A04FC94B}">
-              <ma14:wrappingTextBoxFlag xmlns:ma14="http://schemas.microsoft.com/office/mac/drawingml/2011/main" xmlns="" val="1"/>
+              <ma14:wrappingTextBoxFlag xmlns="" xmlns:ma14="http://schemas.microsoft.com/office/mac/drawingml/2011/main" val="1"/>
             </a:ext>
           </a:extLst>
         </p:spPr>
@@ -3866,7 +3867,7 @@
           </a:ln>
           <a:extLst>
             <a:ext uri="{C572A759-6A51-4108-AA02-DFA0A04FC94B}">
-              <ma14:wrappingTextBoxFlag xmlns:ma14="http://schemas.microsoft.com/office/mac/drawingml/2011/main" xmlns="" val="1"/>
+              <ma14:wrappingTextBoxFlag xmlns="" xmlns:ma14="http://schemas.microsoft.com/office/mac/drawingml/2011/main" val="1"/>
             </a:ext>
           </a:extLst>
         </p:spPr>
@@ -3916,7 +3917,7 @@
           </a:ln>
           <a:extLst>
             <a:ext uri="{C572A759-6A51-4108-AA02-DFA0A04FC94B}">
-              <ma14:wrappingTextBoxFlag xmlns:ma14="http://schemas.microsoft.com/office/mac/drawingml/2011/main" xmlns="" val="1"/>
+              <ma14:wrappingTextBoxFlag xmlns="" xmlns:ma14="http://schemas.microsoft.com/office/mac/drawingml/2011/main" val="1"/>
             </a:ext>
           </a:extLst>
         </p:spPr>
@@ -4001,7 +4002,7 @@
           </a:ln>
           <a:extLst>
             <a:ext uri="{C572A759-6A51-4108-AA02-DFA0A04FC94B}">
-              <ma14:wrappingTextBoxFlag xmlns:ma14="http://schemas.microsoft.com/office/mac/drawingml/2011/main" xmlns="" val="1"/>
+              <ma14:wrappingTextBoxFlag xmlns="" xmlns:ma14="http://schemas.microsoft.com/office/mac/drawingml/2011/main" val="1"/>
             </a:ext>
           </a:extLst>
         </p:spPr>
@@ -4158,7 +4159,7 @@
           </a:ln>
           <a:extLst>
             <a:ext uri="{C572A759-6A51-4108-AA02-DFA0A04FC94B}">
-              <ma14:wrappingTextBoxFlag xmlns:ma14="http://schemas.microsoft.com/office/mac/drawingml/2011/main" xmlns="" val="1"/>
+              <ma14:wrappingTextBoxFlag xmlns="" xmlns:ma14="http://schemas.microsoft.com/office/mac/drawingml/2011/main" val="1"/>
             </a:ext>
           </a:extLst>
         </p:spPr>
@@ -4371,7 +4372,7 @@
           </a:ln>
           <a:extLst>
             <a:ext uri="{C572A759-6A51-4108-AA02-DFA0A04FC94B}">
-              <ma14:wrappingTextBoxFlag xmlns:ma14="http://schemas.microsoft.com/office/mac/drawingml/2011/main" xmlns="" val="1"/>
+              <ma14:wrappingTextBoxFlag xmlns="" xmlns:ma14="http://schemas.microsoft.com/office/mac/drawingml/2011/main" val="1"/>
             </a:ext>
           </a:extLst>
         </p:spPr>
@@ -4607,7 +4608,7 @@
           </a:ln>
           <a:extLst>
             <a:ext uri="{C572A759-6A51-4108-AA02-DFA0A04FC94B}">
-              <ma14:wrappingTextBoxFlag xmlns:ma14="http://schemas.microsoft.com/office/mac/drawingml/2011/main" xmlns="" val="1"/>
+              <ma14:wrappingTextBoxFlag xmlns="" xmlns:ma14="http://schemas.microsoft.com/office/mac/drawingml/2011/main" val="1"/>
             </a:ext>
           </a:extLst>
         </p:spPr>
@@ -4654,7 +4655,7 @@
           </a:ln>
           <a:extLst>
             <a:ext uri="{C572A759-6A51-4108-AA02-DFA0A04FC94B}">
-              <ma14:wrappingTextBoxFlag xmlns:ma14="http://schemas.microsoft.com/office/mac/drawingml/2011/main" xmlns="" val="1"/>
+              <ma14:wrappingTextBoxFlag xmlns="" xmlns:ma14="http://schemas.microsoft.com/office/mac/drawingml/2011/main" val="1"/>
             </a:ext>
           </a:extLst>
         </p:spPr>
@@ -5652,7 +5653,7 @@
           </a:ln>
           <a:extLst>
             <a:ext uri="{C572A759-6A51-4108-AA02-DFA0A04FC94B}">
-              <ma14:wrappingTextBoxFlag xmlns:ma14="http://schemas.microsoft.com/office/mac/drawingml/2011/main" xmlns="" val="1"/>
+              <ma14:wrappingTextBoxFlag xmlns="" xmlns:ma14="http://schemas.microsoft.com/office/mac/drawingml/2011/main" val="1"/>
             </a:ext>
           </a:extLst>
         </p:spPr>
@@ -12143,7 +12144,7 @@
           </a:ln>
           <a:extLst>
             <a:ext uri="{C572A759-6A51-4108-AA02-DFA0A04FC94B}">
-              <ma14:wrappingTextBoxFlag xmlns:ma14="http://schemas.microsoft.com/office/mac/drawingml/2011/main" xmlns="" val="1"/>
+              <ma14:wrappingTextBoxFlag xmlns="" xmlns:ma14="http://schemas.microsoft.com/office/mac/drawingml/2011/main" val="1"/>
             </a:ext>
           </a:extLst>
         </p:spPr>
@@ -12190,7 +12191,7 @@
           </a:ln>
           <a:extLst>
             <a:ext uri="{C572A759-6A51-4108-AA02-DFA0A04FC94B}">
-              <ma14:wrappingTextBoxFlag xmlns:ma14="http://schemas.microsoft.com/office/mac/drawingml/2011/main" xmlns="" val="1"/>
+              <ma14:wrappingTextBoxFlag xmlns="" xmlns:ma14="http://schemas.microsoft.com/office/mac/drawingml/2011/main" val="1"/>
             </a:ext>
           </a:extLst>
         </p:spPr>
@@ -12241,7 +12242,7 @@
           </a:ln>
           <a:extLst>
             <a:ext uri="{C572A759-6A51-4108-AA02-DFA0A04FC94B}">
-              <ma14:wrappingTextBoxFlag xmlns:ma14="http://schemas.microsoft.com/office/mac/drawingml/2011/main" xmlns="" val="1"/>
+              <ma14:wrappingTextBoxFlag xmlns="" xmlns:ma14="http://schemas.microsoft.com/office/mac/drawingml/2011/main" val="1"/>
             </a:ext>
           </a:extLst>
         </p:spPr>
@@ -12280,7 +12281,7 @@
           </a:ln>
           <a:extLst>
             <a:ext uri="{C572A759-6A51-4108-AA02-DFA0A04FC94B}">
-              <ma14:wrappingTextBoxFlag xmlns:ma14="http://schemas.microsoft.com/office/mac/drawingml/2011/main" xmlns="" val="1"/>
+              <ma14:wrappingTextBoxFlag xmlns="" xmlns:ma14="http://schemas.microsoft.com/office/mac/drawingml/2011/main" val="1"/>
             </a:ext>
           </a:extLst>
         </p:spPr>
@@ -13373,6 +13374,126 @@
       </p:grpSpPr>
       <p:sp>
         <p:nvSpPr>
+          <p:cNvPr id="321" name="Shape 321"/>
+          <p:cNvSpPr/>
+          <p:nvPr/>
+        </p:nvSpPr>
+        <p:spPr>
+          <a:xfrm>
+            <a:off x="292098" y="42616"/>
+            <a:ext cx="6669886" cy="462280"/>
+          </a:xfrm>
+          <a:prstGeom prst="rect">
+            <a:avLst/>
+          </a:prstGeom>
+          <a:ln w="12700">
+            <a:miter lim="400000"/>
+          </a:ln>
+          <a:extLst>
+            <a:ext uri="{C572A759-6A51-4108-AA02-DFA0A04FC94B}">
+              <ma14:wrappingTextBoxFlag xmlns="" xmlns:ma14="http://schemas.microsoft.com/office/mac/drawingml/2011/main" val="1"/>
+            </a:ext>
+          </a:extLst>
+        </p:spPr>
+        <p:txBody>
+          <a:bodyPr lIns="34289" tIns="34289" rIns="34289" bIns="34289">
+            <a:spAutoFit/>
+          </a:bodyPr>
+          <a:lstStyle>
+            <a:lvl1pPr>
+              <a:defRPr sz="2600" b="1">
+                <a:solidFill>
+                  <a:schemeClr val="accent2"/>
+                </a:solidFill>
+                <a:latin typeface="Myriad Pro"/>
+                <a:ea typeface="Myriad Pro"/>
+                <a:cs typeface="Myriad Pro"/>
+                <a:sym typeface="Myriad Pro"/>
+              </a:defRPr>
+            </a:lvl1pPr>
+          </a:lstStyle>
+          <a:p>
+            <a:r>
+              <a:t>Inner class</a:t>
+            </a:r>
+          </a:p>
+        </p:txBody>
+      </p:sp>
+      <p:sp>
+        <p:nvSpPr>
+          <p:cNvPr id="322" name="Shape 322"/>
+          <p:cNvSpPr/>
+          <p:nvPr/>
+        </p:nvSpPr>
+        <p:spPr>
+          <a:xfrm>
+            <a:off x="292100" y="1015999"/>
+            <a:ext cx="5073619" cy="462280"/>
+          </a:xfrm>
+          <a:prstGeom prst="rect">
+            <a:avLst/>
+          </a:prstGeom>
+          <a:ln w="12700">
+            <a:miter lim="400000"/>
+          </a:ln>
+          <a:extLst>
+            <a:ext uri="{C572A759-6A51-4108-AA02-DFA0A04FC94B}">
+              <ma14:wrappingTextBoxFlag xmlns="" xmlns:ma14="http://schemas.microsoft.com/office/mac/drawingml/2011/main" val="1"/>
+            </a:ext>
+          </a:extLst>
+        </p:spPr>
+        <p:txBody>
+          <a:bodyPr wrap="none" lIns="34289" tIns="34289" rIns="34289" bIns="34289">
+            <a:spAutoFit/>
+          </a:bodyPr>
+          <a:lstStyle>
+            <a:lvl1pPr defTabSz="685800">
+              <a:spcBef>
+                <a:spcPts val="500"/>
+              </a:spcBef>
+              <a:defRPr sz="2600">
+                <a:latin typeface="Myriad Pro"/>
+                <a:ea typeface="Myriad Pro"/>
+                <a:cs typeface="Myriad Pro"/>
+                <a:sym typeface="Myriad Pro"/>
+              </a:defRPr>
+            </a:lvl1pPr>
+          </a:lstStyle>
+          <a:p>
+            <a:r>
+              <a:t>Why do we need a class like that?</a:t>
+            </a:r>
+          </a:p>
+        </p:txBody>
+      </p:sp>
+    </p:spTree>
+  </p:cSld>
+  <p:clrMapOvr>
+    <a:masterClrMapping/>
+  </p:clrMapOvr>
+  <p:transition spd="med"/>
+</p:sld>
+</file>
+
+<file path=ppt/slides/slide11.xml><?xml version="1.0" encoding="utf-8"?>
+<p:sld xmlns:a="http://schemas.openxmlformats.org/drawingml/2006/main" xmlns:r="http://schemas.openxmlformats.org/officeDocument/2006/relationships" xmlns:p="http://schemas.openxmlformats.org/presentationml/2006/main">
+  <p:cSld>
+    <p:spTree>
+      <p:nvGrpSpPr>
+        <p:cNvPr id="1" name=""/>
+        <p:cNvGrpSpPr/>
+        <p:nvPr/>
+      </p:nvGrpSpPr>
+      <p:grpSpPr>
+        <a:xfrm>
+          <a:off x="0" y="0"/>
+          <a:ext cx="0" cy="0"/>
+          <a:chOff x="0" y="0"/>
+          <a:chExt cx="0" cy="0"/>
+        </a:xfrm>
+      </p:grpSpPr>
+      <p:sp>
+        <p:nvSpPr>
           <p:cNvPr id="325" name="Shape 325"/>
           <p:cNvSpPr/>
           <p:nvPr/>
@@ -13390,7 +13511,7 @@
           </a:ln>
           <a:extLst>
             <a:ext uri="{C572A759-6A51-4108-AA02-DFA0A04FC94B}">
-              <ma14:wrappingTextBoxFlag xmlns:ma14="http://schemas.microsoft.com/office/mac/drawingml/2011/main" xmlns="" val="1"/>
+              <ma14:wrappingTextBoxFlag xmlns="" xmlns:ma14="http://schemas.microsoft.com/office/mac/drawingml/2011/main" val="1"/>
             </a:ext>
           </a:extLst>
         </p:spPr>
@@ -13437,7 +13558,7 @@
           </a:ln>
           <a:extLst>
             <a:ext uri="{C572A759-6A51-4108-AA02-DFA0A04FC94B}">
-              <ma14:wrappingTextBoxFlag xmlns:ma14="http://schemas.microsoft.com/office/mac/drawingml/2011/main" xmlns="" val="1"/>
+              <ma14:wrappingTextBoxFlag xmlns="" xmlns:ma14="http://schemas.microsoft.com/office/mac/drawingml/2011/main" val="1"/>
             </a:ext>
           </a:extLst>
         </p:spPr>
@@ -13505,7 +13626,7 @@
 </p:sld>
 </file>
 
-<file path=ppt/slides/slide11.xml><?xml version="1.0" encoding="utf-8"?>
+<file path=ppt/slides/slide12.xml><?xml version="1.0" encoding="utf-8"?>
 <p:sld xmlns:a="http://schemas.openxmlformats.org/drawingml/2006/main" xmlns:r="http://schemas.openxmlformats.org/officeDocument/2006/relationships" xmlns:p="http://schemas.openxmlformats.org/presentationml/2006/main">
   <p:cSld>
     <p:spTree>
@@ -13541,7 +13662,7 @@
           </a:ln>
           <a:extLst>
             <a:ext uri="{C572A759-6A51-4108-AA02-DFA0A04FC94B}">
-              <ma14:wrappingTextBoxFlag xmlns:ma14="http://schemas.microsoft.com/office/mac/drawingml/2011/main" xmlns="" val="1"/>
+              <ma14:wrappingTextBoxFlag xmlns="" xmlns:ma14="http://schemas.microsoft.com/office/mac/drawingml/2011/main" val="1"/>
             </a:ext>
           </a:extLst>
         </p:spPr>
@@ -13588,7 +13709,7 @@
           </a:ln>
           <a:extLst>
             <a:ext uri="{C572A759-6A51-4108-AA02-DFA0A04FC94B}">
-              <ma14:wrappingTextBoxFlag xmlns:ma14="http://schemas.microsoft.com/office/mac/drawingml/2011/main" xmlns="" val="1"/>
+              <ma14:wrappingTextBoxFlag xmlns="" xmlns:ma14="http://schemas.microsoft.com/office/mac/drawingml/2011/main" val="1"/>
             </a:ext>
           </a:extLst>
         </p:spPr>
@@ -13631,7 +13752,7 @@
 </p:sld>
 </file>
 
-<file path=ppt/slides/slide12.xml><?xml version="1.0" encoding="utf-8"?>
+<file path=ppt/slides/slide13.xml><?xml version="1.0" encoding="utf-8"?>
 <p:sld xmlns:a="http://schemas.openxmlformats.org/drawingml/2006/main" xmlns:r="http://schemas.openxmlformats.org/officeDocument/2006/relationships" xmlns:p="http://schemas.openxmlformats.org/presentationml/2006/main">
   <p:cSld>
     <p:spTree>
@@ -13667,7 +13788,7 @@
           </a:ln>
           <a:extLst>
             <a:ext uri="{C572A759-6A51-4108-AA02-DFA0A04FC94B}">
-              <ma14:wrappingTextBoxFlag xmlns:ma14="http://schemas.microsoft.com/office/mac/drawingml/2011/main" xmlns="" val="1"/>
+              <ma14:wrappingTextBoxFlag xmlns="" xmlns:ma14="http://schemas.microsoft.com/office/mac/drawingml/2011/main" val="1"/>
             </a:ext>
           </a:extLst>
         </p:spPr>
@@ -13714,7 +13835,7 @@
           </a:ln>
           <a:extLst>
             <a:ext uri="{C572A759-6A51-4108-AA02-DFA0A04FC94B}">
-              <ma14:wrappingTextBoxFlag xmlns:ma14="http://schemas.microsoft.com/office/mac/drawingml/2011/main" xmlns="" val="1"/>
+              <ma14:wrappingTextBoxFlag xmlns="" xmlns:ma14="http://schemas.microsoft.com/office/mac/drawingml/2011/main" val="1"/>
             </a:ext>
           </a:extLst>
         </p:spPr>
@@ -13772,7 +13893,7 @@
 </p:sld>
 </file>
 
-<file path=ppt/slides/slide13.xml><?xml version="1.0" encoding="utf-8"?>
+<file path=ppt/slides/slide14.xml><?xml version="1.0" encoding="utf-8"?>
 <p:sld xmlns:a="http://schemas.openxmlformats.org/drawingml/2006/main" xmlns:r="http://schemas.openxmlformats.org/officeDocument/2006/relationships" xmlns:p="http://schemas.openxmlformats.org/presentationml/2006/main">
   <p:cSld>
     <p:spTree>
@@ -13808,7 +13929,7 @@
           </a:ln>
           <a:extLst>
             <a:ext uri="{C572A759-6A51-4108-AA02-DFA0A04FC94B}">
-              <ma14:wrappingTextBoxFlag xmlns:ma14="http://schemas.microsoft.com/office/mac/drawingml/2011/main" xmlns="" val="1"/>
+              <ma14:wrappingTextBoxFlag xmlns="" xmlns:ma14="http://schemas.microsoft.com/office/mac/drawingml/2011/main" val="1"/>
             </a:ext>
           </a:extLst>
         </p:spPr>
@@ -13855,7 +13976,7 @@
           </a:ln>
           <a:extLst>
             <a:ext uri="{C572A759-6A51-4108-AA02-DFA0A04FC94B}">
-              <ma14:wrappingTextBoxFlag xmlns:ma14="http://schemas.microsoft.com/office/mac/drawingml/2011/main" xmlns="" val="1"/>
+              <ma14:wrappingTextBoxFlag xmlns="" xmlns:ma14="http://schemas.microsoft.com/office/mac/drawingml/2011/main" val="1"/>
             </a:ext>
           </a:extLst>
         </p:spPr>
@@ -13991,7 +14112,7 @@
 </p:sld>
 </file>
 
-<file path=ppt/slides/slide14.xml><?xml version="1.0" encoding="utf-8"?>
+<file path=ppt/slides/slide15.xml><?xml version="1.0" encoding="utf-8"?>
 <p:sld xmlns:a="http://schemas.openxmlformats.org/drawingml/2006/main" xmlns:r="http://schemas.openxmlformats.org/officeDocument/2006/relationships" xmlns:p="http://schemas.openxmlformats.org/presentationml/2006/main">
   <p:cSld>
     <p:spTree>
@@ -14027,7 +14148,7 @@
           </a:ln>
           <a:extLst>
             <a:ext uri="{C572A759-6A51-4108-AA02-DFA0A04FC94B}">
-              <ma14:wrappingTextBoxFlag xmlns:ma14="http://schemas.microsoft.com/office/mac/drawingml/2011/main" xmlns="" val="1"/>
+              <ma14:wrappingTextBoxFlag xmlns="" xmlns:ma14="http://schemas.microsoft.com/office/mac/drawingml/2011/main" val="1"/>
             </a:ext>
           </a:extLst>
         </p:spPr>
@@ -14074,7 +14195,7 @@
           </a:ln>
           <a:extLst>
             <a:ext uri="{C572A759-6A51-4108-AA02-DFA0A04FC94B}">
-              <ma14:wrappingTextBoxFlag xmlns:ma14="http://schemas.microsoft.com/office/mac/drawingml/2011/main" xmlns="" val="1"/>
+              <ma14:wrappingTextBoxFlag xmlns="" xmlns:ma14="http://schemas.microsoft.com/office/mac/drawingml/2011/main" val="1"/>
             </a:ext>
           </a:extLst>
         </p:spPr>
@@ -14110,7 +14231,7 @@
 </p:sld>
 </file>
 
-<file path=ppt/slides/slide15.xml><?xml version="1.0" encoding="utf-8"?>
+<file path=ppt/slides/slide16.xml><?xml version="1.0" encoding="utf-8"?>
 <p:sld xmlns:a="http://schemas.openxmlformats.org/drawingml/2006/main" xmlns:r="http://schemas.openxmlformats.org/officeDocument/2006/relationships" xmlns:p="http://schemas.openxmlformats.org/presentationml/2006/main">
   <p:cSld>
     <p:spTree>
@@ -14146,7 +14267,7 @@
           </a:ln>
           <a:extLst>
             <a:ext uri="{C572A759-6A51-4108-AA02-DFA0A04FC94B}">
-              <ma14:wrappingTextBoxFlag xmlns:ma14="http://schemas.microsoft.com/office/mac/drawingml/2011/main" xmlns="" val="1"/>
+              <ma14:wrappingTextBoxFlag xmlns="" xmlns:ma14="http://schemas.microsoft.com/office/mac/drawingml/2011/main" val="1"/>
             </a:ext>
           </a:extLst>
         </p:spPr>
@@ -14193,7 +14314,7 @@
           </a:ln>
           <a:extLst>
             <a:ext uri="{C572A759-6A51-4108-AA02-DFA0A04FC94B}">
-              <ma14:wrappingTextBoxFlag xmlns:ma14="http://schemas.microsoft.com/office/mac/drawingml/2011/main" xmlns="" val="1"/>
+              <ma14:wrappingTextBoxFlag xmlns="" xmlns:ma14="http://schemas.microsoft.com/office/mac/drawingml/2011/main" val="1"/>
             </a:ext>
           </a:extLst>
         </p:spPr>
@@ -14288,7 +14409,7 @@
 </p:sld>
 </file>
 
-<file path=ppt/slides/slide16.xml><?xml version="1.0" encoding="utf-8"?>
+<file path=ppt/slides/slide17.xml><?xml version="1.0" encoding="utf-8"?>
 <p:sld xmlns:a="http://schemas.openxmlformats.org/drawingml/2006/main" xmlns:r="http://schemas.openxmlformats.org/officeDocument/2006/relationships" xmlns:p="http://schemas.openxmlformats.org/presentationml/2006/main">
   <p:cSld>
     <p:spTree>
@@ -14324,7 +14445,7 @@
           </a:ln>
           <a:extLst>
             <a:ext uri="{C572A759-6A51-4108-AA02-DFA0A04FC94B}">
-              <ma14:wrappingTextBoxFlag xmlns:ma14="http://schemas.microsoft.com/office/mac/drawingml/2011/main" xmlns="" val="1"/>
+              <ma14:wrappingTextBoxFlag xmlns="" xmlns:ma14="http://schemas.microsoft.com/office/mac/drawingml/2011/main" val="1"/>
             </a:ext>
           </a:extLst>
         </p:spPr>
@@ -14371,7 +14492,7 @@
           </a:ln>
           <a:extLst>
             <a:ext uri="{C572A759-6A51-4108-AA02-DFA0A04FC94B}">
-              <ma14:wrappingTextBoxFlag xmlns:ma14="http://schemas.microsoft.com/office/mac/drawingml/2011/main" xmlns="" val="1"/>
+              <ma14:wrappingTextBoxFlag xmlns="" xmlns:ma14="http://schemas.microsoft.com/office/mac/drawingml/2011/main" val="1"/>
             </a:ext>
           </a:extLst>
         </p:spPr>
@@ -14408,7 +14529,7 @@
 </p:sld>
 </file>
 
-<file path=ppt/slides/slide17.xml><?xml version="1.0" encoding="utf-8"?>
+<file path=ppt/slides/slide18.xml><?xml version="1.0" encoding="utf-8"?>
 <p:sld xmlns:a="http://schemas.openxmlformats.org/drawingml/2006/main" xmlns:r="http://schemas.openxmlformats.org/officeDocument/2006/relationships" xmlns:p="http://schemas.openxmlformats.org/presentationml/2006/main">
   <p:cSld>
     <p:spTree>
@@ -14444,7 +14565,7 @@
           </a:ln>
           <a:extLst>
             <a:ext uri="{C572A759-6A51-4108-AA02-DFA0A04FC94B}">
-              <ma14:wrappingTextBoxFlag xmlns:ma14="http://schemas.microsoft.com/office/mac/drawingml/2011/main" xmlns="" val="1"/>
+              <ma14:wrappingTextBoxFlag xmlns="" xmlns:ma14="http://schemas.microsoft.com/office/mac/drawingml/2011/main" val="1"/>
             </a:ext>
           </a:extLst>
         </p:spPr>
@@ -14491,7 +14612,7 @@
           </a:ln>
           <a:extLst>
             <a:ext uri="{C572A759-6A51-4108-AA02-DFA0A04FC94B}">
-              <ma14:wrappingTextBoxFlag xmlns:ma14="http://schemas.microsoft.com/office/mac/drawingml/2011/main" xmlns="" val="1"/>
+              <ma14:wrappingTextBoxFlag xmlns="" xmlns:ma14="http://schemas.microsoft.com/office/mac/drawingml/2011/main" val="1"/>
             </a:ext>
           </a:extLst>
         </p:spPr>
@@ -14631,7 +14752,7 @@
 </p:sld>
 </file>
 
-<file path=ppt/slides/slide18.xml><?xml version="1.0" encoding="utf-8"?>
+<file path=ppt/slides/slide19.xml><?xml version="1.0" encoding="utf-8"?>
 <p:sld xmlns:a="http://schemas.openxmlformats.org/drawingml/2006/main" xmlns:r="http://schemas.openxmlformats.org/officeDocument/2006/relationships" xmlns:p="http://schemas.openxmlformats.org/presentationml/2006/main">
   <p:cSld>
     <p:spTree>
@@ -14667,7 +14788,7 @@
           </a:ln>
           <a:extLst>
             <a:ext uri="{C572A759-6A51-4108-AA02-DFA0A04FC94B}">
-              <ma14:wrappingTextBoxFlag xmlns:ma14="http://schemas.microsoft.com/office/mac/drawingml/2011/main" xmlns="" val="1"/>
+              <ma14:wrappingTextBoxFlag xmlns="" xmlns:ma14="http://schemas.microsoft.com/office/mac/drawingml/2011/main" val="1"/>
             </a:ext>
           </a:extLst>
         </p:spPr>
@@ -14714,7 +14835,7 @@
           </a:ln>
           <a:extLst>
             <a:ext uri="{C572A759-6A51-4108-AA02-DFA0A04FC94B}">
-              <ma14:wrappingTextBoxFlag xmlns:ma14="http://schemas.microsoft.com/office/mac/drawingml/2011/main" xmlns="" val="1"/>
+              <ma14:wrappingTextBoxFlag xmlns="" xmlns:ma14="http://schemas.microsoft.com/office/mac/drawingml/2011/main" val="1"/>
             </a:ext>
           </a:extLst>
         </p:spPr>
@@ -14837,574 +14958,6 @@
             </a:r>
             <a:r>
               <a:t> is an anonymous class order number in the outer class. </a:t>
-            </a:r>
-          </a:p>
-        </p:txBody>
-      </p:sp>
-    </p:spTree>
-  </p:cSld>
-  <p:clrMapOvr>
-    <a:masterClrMapping/>
-  </p:clrMapOvr>
-  <p:transition spd="med"/>
-</p:sld>
-</file>
-
-<file path=ppt/slides/slide19.xml><?xml version="1.0" encoding="utf-8"?>
-<p:sld xmlns:a="http://schemas.openxmlformats.org/drawingml/2006/main" xmlns:r="http://schemas.openxmlformats.org/officeDocument/2006/relationships" xmlns:p="http://schemas.openxmlformats.org/presentationml/2006/main">
-  <p:cSld>
-    <p:spTree>
-      <p:nvGrpSpPr>
-        <p:cNvPr id="1" name=""/>
-        <p:cNvGrpSpPr/>
-        <p:nvPr/>
-      </p:nvGrpSpPr>
-      <p:grpSpPr>
-        <a:xfrm>
-          <a:off x="0" y="0"/>
-          <a:ext cx="0" cy="0"/>
-          <a:chOff x="0" y="0"/>
-          <a:chExt cx="0" cy="0"/>
-        </a:xfrm>
-      </p:grpSpPr>
-      <p:sp>
-        <p:nvSpPr>
-          <p:cNvPr id="371" name="Shape 371"/>
-          <p:cNvSpPr/>
-          <p:nvPr/>
-        </p:nvSpPr>
-        <p:spPr>
-          <a:xfrm>
-            <a:off x="292098" y="42616"/>
-            <a:ext cx="6669886" cy="462280"/>
-          </a:xfrm>
-          <a:prstGeom prst="rect">
-            <a:avLst/>
-          </a:prstGeom>
-          <a:ln w="12700">
-            <a:miter lim="400000"/>
-          </a:ln>
-          <a:extLst>
-            <a:ext uri="{C572A759-6A51-4108-AA02-DFA0A04FC94B}">
-              <ma14:wrappingTextBoxFlag xmlns:ma14="http://schemas.microsoft.com/office/mac/drawingml/2011/main" xmlns="" val="1"/>
-            </a:ext>
-          </a:extLst>
-        </p:spPr>
-        <p:txBody>
-          <a:bodyPr lIns="34289" tIns="34289" rIns="34289" bIns="34289">
-            <a:spAutoFit/>
-          </a:bodyPr>
-          <a:lstStyle>
-            <a:lvl1pPr>
-              <a:defRPr sz="2600" b="1">
-                <a:solidFill>
-                  <a:schemeClr val="accent2"/>
-                </a:solidFill>
-                <a:latin typeface="Myriad Pro"/>
-                <a:ea typeface="Myriad Pro"/>
-                <a:cs typeface="Myriad Pro"/>
-                <a:sym typeface="Myriad Pro"/>
-              </a:defRPr>
-            </a:lvl1pPr>
-          </a:lstStyle>
-          <a:p>
-            <a:r>
-              <a:t>Anonymous inner class</a:t>
-            </a:r>
-          </a:p>
-        </p:txBody>
-      </p:sp>
-      <p:sp>
-        <p:nvSpPr>
-          <p:cNvPr id="372" name="Shape 372"/>
-          <p:cNvSpPr/>
-          <p:nvPr/>
-        </p:nvSpPr>
-        <p:spPr>
-          <a:xfrm>
-            <a:off x="292100" y="762000"/>
-            <a:ext cx="8509000" cy="679667"/>
-          </a:xfrm>
-          <a:prstGeom prst="rect">
-            <a:avLst/>
-          </a:prstGeom>
-          <a:ln w="12700">
-            <a:miter lim="400000"/>
-          </a:ln>
-          <a:extLst>
-            <a:ext uri="{C572A759-6A51-4108-AA02-DFA0A04FC94B}">
-              <ma14:wrappingTextBoxFlag xmlns:ma14="http://schemas.microsoft.com/office/mac/drawingml/2011/main" xmlns="" val="1"/>
-            </a:ext>
-          </a:extLst>
-        </p:spPr>
-        <p:txBody>
-          <a:bodyPr lIns="34289" tIns="34289" rIns="34289" bIns="34289">
-            <a:spAutoFit/>
-          </a:bodyPr>
-          <a:lstStyle/>
-          <a:p>
-            <a:pPr defTabSz="685800">
-              <a:spcBef>
-                <a:spcPts val="500"/>
-              </a:spcBef>
-              <a:defRPr sz="2000">
-                <a:latin typeface="Myriad Pro"/>
-                <a:ea typeface="Myriad Pro"/>
-                <a:cs typeface="Myriad Pro"/>
-                <a:sym typeface="Myriad Pro"/>
-              </a:defRPr>
-            </a:pPr>
-            <a:r>
-              <a:t>For </a:t>
-            </a:r>
-            <a:r>
-              <a:rPr b="1"/>
-              <a:t>local</a:t>
-            </a:r>
-            <a:r>
-              <a:t> and </a:t>
-            </a:r>
-            <a:r>
-              <a:rPr b="1"/>
-              <a:t>anonymous</a:t>
-            </a:r>
-            <a:r>
-              <a:t> classes you can only access outer variables if they are declared as </a:t>
-            </a:r>
-            <a:r>
-              <a:rPr b="1">
-                <a:solidFill>
-                  <a:srgbClr val="011480"/>
-                </a:solidFill>
-                <a:latin typeface="Menlo"/>
-                <a:ea typeface="Menlo"/>
-                <a:cs typeface="Menlo"/>
-                <a:sym typeface="Menlo"/>
-              </a:rPr>
-              <a:t>final</a:t>
-            </a:r>
-            <a:r>
-              <a:t>.</a:t>
-            </a:r>
-          </a:p>
-        </p:txBody>
-      </p:sp>
-      <p:sp>
-        <p:nvSpPr>
-          <p:cNvPr id="373" name="Shape 373"/>
-          <p:cNvSpPr/>
-          <p:nvPr/>
-        </p:nvSpPr>
-        <p:spPr>
-          <a:xfrm>
-            <a:off x="292099" y="1778000"/>
-            <a:ext cx="4485401" cy="2913379"/>
-          </a:xfrm>
-          <a:prstGeom prst="rect">
-            <a:avLst/>
-          </a:prstGeom>
-          <a:ln w="12700">
-            <a:miter lim="400000"/>
-          </a:ln>
-          <a:extLst>
-            <a:ext uri="{C572A759-6A51-4108-AA02-DFA0A04FC94B}">
-              <ma14:wrappingTextBoxFlag xmlns:ma14="http://schemas.microsoft.com/office/mac/drawingml/2011/main" xmlns="" val="1"/>
-            </a:ext>
-          </a:extLst>
-        </p:spPr>
-        <p:txBody>
-          <a:bodyPr wrap="none" lIns="34289" tIns="34289" rIns="34289" bIns="34289">
-            <a:spAutoFit/>
-          </a:bodyPr>
-          <a:lstStyle/>
-          <a:p>
-            <a:pPr defTabSz="457200">
-              <a:defRPr b="1">
-                <a:solidFill>
-                  <a:srgbClr val="011480"/>
-                </a:solidFill>
-                <a:latin typeface="Menlo"/>
-                <a:ea typeface="Menlo"/>
-                <a:cs typeface="Menlo"/>
-                <a:sym typeface="Menlo"/>
-              </a:defRPr>
-            </a:pPr>
-            <a:r>
-              <a:t>public static void </a:t>
-            </a:r>
-            <a:r>
-              <a:rPr b="0">
-                <a:solidFill>
-                  <a:srgbClr val="000000"/>
-                </a:solidFill>
-              </a:rPr>
-              <a:t>print(String data, </a:t>
-            </a:r>
-            <a:r>
-              <a:t>int </a:t>
-            </a:r>
-            <a:r>
-              <a:rPr b="0">
-                <a:solidFill>
-                  <a:srgbClr val="000000"/>
-                </a:solidFill>
-              </a:rPr>
-              <a:t>times)</a:t>
-            </a:r>
-            <a:br>
-              <a:rPr b="0">
-                <a:solidFill>
-                  <a:srgbClr val="000000"/>
-                </a:solidFill>
-              </a:rPr>
-            </a:br>
-            <a:r>
-              <a:rPr b="0">
-                <a:solidFill>
-                  <a:srgbClr val="000000"/>
-                </a:solidFill>
-              </a:rPr>
-              <a:t>{</a:t>
-            </a:r>
-            <a:br>
-              <a:rPr b="0">
-                <a:solidFill>
-                  <a:srgbClr val="000000"/>
-                </a:solidFill>
-              </a:rPr>
-            </a:br>
-            <a:r>
-              <a:rPr b="0">
-                <a:solidFill>
-                  <a:srgbClr val="000000"/>
-                </a:solidFill>
-              </a:rPr>
-              <a:t>    </a:t>
-            </a:r>
-            <a:r>
-              <a:t>final </a:t>
-            </a:r>
-            <a:r>
-              <a:rPr b="0">
-                <a:solidFill>
-                  <a:srgbClr val="000000"/>
-                </a:solidFill>
-              </a:rPr>
-              <a:t>String </a:t>
-            </a:r>
-            <a:r>
-              <a:rPr>
-                <a:solidFill>
-                  <a:srgbClr val="FF2600"/>
-                </a:solidFill>
-              </a:rPr>
-              <a:t>fData</a:t>
-            </a:r>
-            <a:r>
-              <a:rPr b="0">
-                <a:solidFill>
-                  <a:srgbClr val="000000"/>
-                </a:solidFill>
-              </a:rPr>
-              <a:t> = data;</a:t>
-            </a:r>
-            <a:br>
-              <a:rPr b="0">
-                <a:solidFill>
-                  <a:srgbClr val="000000"/>
-                </a:solidFill>
-              </a:rPr>
-            </a:br>
-            <a:br>
-              <a:rPr b="0">
-                <a:solidFill>
-                  <a:srgbClr val="000000"/>
-                </a:solidFill>
-              </a:rPr>
-            </a:br>
-            <a:r>
-              <a:rPr b="0">
-                <a:solidFill>
-                  <a:srgbClr val="000000"/>
-                </a:solidFill>
-              </a:rPr>
-              <a:t>    </a:t>
-            </a:r>
-            <a:r>
-              <a:t>for </a:t>
-            </a:r>
-            <a:r>
-              <a:rPr b="0">
-                <a:solidFill>
-                  <a:srgbClr val="000000"/>
-                </a:solidFill>
-              </a:rPr>
-              <a:t>(</a:t>
-            </a:r>
-            <a:r>
-              <a:t>int </a:t>
-            </a:r>
-            <a:r>
-              <a:rPr b="0">
-                <a:solidFill>
-                  <a:srgbClr val="000000"/>
-                </a:solidFill>
-              </a:rPr>
-              <a:t>i = </a:t>
-            </a:r>
-            <a:r>
-              <a:rPr b="0">
-                <a:solidFill>
-                  <a:srgbClr val="0432FF"/>
-                </a:solidFill>
-              </a:rPr>
-              <a:t>0</a:t>
-            </a:r>
-            <a:r>
-              <a:rPr b="0">
-                <a:solidFill>
-                  <a:srgbClr val="000000"/>
-                </a:solidFill>
-              </a:rPr>
-              <a:t>; i &lt; times; i++)</a:t>
-            </a:r>
-            <a:br>
-              <a:rPr b="0">
-                <a:solidFill>
-                  <a:srgbClr val="000000"/>
-                </a:solidFill>
-              </a:rPr>
-            </a:br>
-            <a:r>
-              <a:rPr b="0">
-                <a:solidFill>
-                  <a:srgbClr val="000000"/>
-                </a:solidFill>
-              </a:rPr>
-              <a:t>    {</a:t>
-            </a:r>
-            <a:br>
-              <a:rPr b="0">
-                <a:solidFill>
-                  <a:srgbClr val="000000"/>
-                </a:solidFill>
-              </a:rPr>
-            </a:br>
-            <a:r>
-              <a:rPr b="0">
-                <a:solidFill>
-                  <a:srgbClr val="000000"/>
-                </a:solidFill>
-              </a:rPr>
-              <a:t>        </a:t>
-            </a:r>
-            <a:r>
-              <a:t>new </a:t>
-            </a:r>
-            <a:r>
-              <a:rPr b="0">
-                <a:solidFill>
-                  <a:srgbClr val="000000"/>
-                </a:solidFill>
-              </a:rPr>
-              <a:t>Thread(</a:t>
-            </a:r>
-            <a:r>
-              <a:t>new </a:t>
-            </a:r>
-            <a:r>
-              <a:rPr b="0">
-                <a:solidFill>
-                  <a:srgbClr val="000000"/>
-                </a:solidFill>
-              </a:rPr>
-              <a:t>Runnable()</a:t>
-            </a:r>
-            <a:br>
-              <a:rPr b="0">
-                <a:solidFill>
-                  <a:srgbClr val="000000"/>
-                </a:solidFill>
-              </a:rPr>
-            </a:br>
-            <a:r>
-              <a:rPr b="0">
-                <a:solidFill>
-                  <a:srgbClr val="000000"/>
-                </a:solidFill>
-              </a:rPr>
-              <a:t>        {</a:t>
-            </a:r>
-            <a:br>
-              <a:rPr b="0">
-                <a:solidFill>
-                  <a:srgbClr val="000000"/>
-                </a:solidFill>
-              </a:rPr>
-            </a:br>
-            <a:r>
-              <a:rPr b="0">
-                <a:solidFill>
-                  <a:srgbClr val="000000"/>
-                </a:solidFill>
-              </a:rPr>
-              <a:t>            </a:t>
-            </a:r>
-            <a:r>
-              <a:rPr b="0">
-                <a:solidFill>
-                  <a:srgbClr val="808002"/>
-                </a:solidFill>
-              </a:rPr>
-              <a:t>@Override</a:t>
-            </a:r>
-            <a:br>
-              <a:rPr b="0">
-                <a:solidFill>
-                  <a:srgbClr val="808002"/>
-                </a:solidFill>
-              </a:rPr>
-            </a:br>
-            <a:r>
-              <a:rPr b="0">
-                <a:solidFill>
-                  <a:srgbClr val="808002"/>
-                </a:solidFill>
-              </a:rPr>
-              <a:t>            </a:t>
-            </a:r>
-            <a:r>
-              <a:t>public void </a:t>
-            </a:r>
-            <a:r>
-              <a:rPr b="0">
-                <a:solidFill>
-                  <a:srgbClr val="000000"/>
-                </a:solidFill>
-              </a:rPr>
-              <a:t>run()</a:t>
-            </a:r>
-            <a:br>
-              <a:rPr b="0">
-                <a:solidFill>
-                  <a:srgbClr val="000000"/>
-                </a:solidFill>
-              </a:rPr>
-            </a:br>
-            <a:r>
-              <a:rPr b="0">
-                <a:solidFill>
-                  <a:srgbClr val="000000"/>
-                </a:solidFill>
-              </a:rPr>
-              <a:t>            {</a:t>
-            </a:r>
-            <a:br>
-              <a:rPr b="0">
-                <a:solidFill>
-                  <a:srgbClr val="000000"/>
-                </a:solidFill>
-              </a:rPr>
-            </a:br>
-            <a:r>
-              <a:rPr b="0">
-                <a:solidFill>
-                  <a:srgbClr val="000000"/>
-                </a:solidFill>
-              </a:rPr>
-              <a:t>                System.</a:t>
-            </a:r>
-            <a:r>
-              <a:rPr i="1">
-                <a:solidFill>
-                  <a:srgbClr val="66187A"/>
-                </a:solidFill>
-              </a:rPr>
-              <a:t>out</a:t>
-            </a:r>
-            <a:r>
-              <a:rPr b="0">
-                <a:solidFill>
-                  <a:srgbClr val="000000"/>
-                </a:solidFill>
-              </a:rPr>
-              <a:t>.println(</a:t>
-            </a:r>
-            <a:r>
-              <a:rPr>
-                <a:solidFill>
-                  <a:srgbClr val="FF2600"/>
-                </a:solidFill>
-              </a:rPr>
-              <a:t>fData</a:t>
-            </a:r>
-            <a:r>
-              <a:rPr b="0">
-                <a:solidFill>
-                  <a:srgbClr val="000000"/>
-                </a:solidFill>
-              </a:rPr>
-              <a:t>);</a:t>
-            </a:r>
-            <a:br>
-              <a:rPr b="0">
-                <a:solidFill>
-                  <a:srgbClr val="000000"/>
-                </a:solidFill>
-              </a:rPr>
-            </a:br>
-            <a:r>
-              <a:rPr b="0">
-                <a:solidFill>
-                  <a:srgbClr val="000000"/>
-                </a:solidFill>
-              </a:rPr>
-              <a:t>            }</a:t>
-            </a:r>
-            <a:br>
-              <a:rPr b="0">
-                <a:solidFill>
-                  <a:srgbClr val="000000"/>
-                </a:solidFill>
-              </a:rPr>
-            </a:br>
-            <a:r>
-              <a:rPr b="0">
-                <a:solidFill>
-                  <a:srgbClr val="000000"/>
-                </a:solidFill>
-              </a:rPr>
-              <a:t>        }).start();</a:t>
-            </a:r>
-            <a:br>
-              <a:rPr b="0">
-                <a:solidFill>
-                  <a:srgbClr val="000000"/>
-                </a:solidFill>
-              </a:rPr>
-            </a:br>
-            <a:r>
-              <a:rPr b="0">
-                <a:solidFill>
-                  <a:srgbClr val="000000"/>
-                </a:solidFill>
-              </a:rPr>
-              <a:t>    }</a:t>
-            </a:r>
-            <a:br>
-              <a:rPr b="0">
-                <a:solidFill>
-                  <a:srgbClr val="000000"/>
-                </a:solidFill>
-              </a:rPr>
-            </a:br>
-            <a:r>
-              <a:rPr b="0">
-                <a:solidFill>
-                  <a:srgbClr val="000000"/>
-                </a:solidFill>
-              </a:rPr>
-              <a:t>}</a:t>
             </a:r>
           </a:p>
         </p:txBody>
@@ -15480,6 +15033,7 @@
               </a:defRPr>
             </a:pPr>
             <a:r>
+              <a:rPr dirty="0"/>
               <a:t> Inner class</a:t>
             </a:r>
           </a:p>
@@ -15506,6 +15060,7 @@
               </a:defRPr>
             </a:pPr>
             <a:r>
+              <a:rPr dirty="0"/>
               <a:t> Static inner class</a:t>
             </a:r>
           </a:p>
@@ -15532,6 +15087,7 @@
               </a:defRPr>
             </a:pPr>
             <a:r>
+              <a:rPr dirty="0"/>
               <a:t> Anonymous and local inner classes</a:t>
             </a:r>
           </a:p>
@@ -15558,6 +15114,7 @@
               </a:defRPr>
             </a:pPr>
             <a:r>
+              <a:rPr dirty="0"/>
               <a:t> Exception handling</a:t>
             </a:r>
           </a:p>
@@ -15582,7 +15139,7 @@
           </a:ln>
           <a:extLst>
             <a:ext uri="{C572A759-6A51-4108-AA02-DFA0A04FC94B}">
-              <ma14:wrappingTextBoxFlag xmlns:ma14="http://schemas.microsoft.com/office/mac/drawingml/2011/main" xmlns="" val="1"/>
+              <ma14:wrappingTextBoxFlag xmlns="" xmlns:ma14="http://schemas.microsoft.com/office/mac/drawingml/2011/main" val="1"/>
             </a:ext>
           </a:extLst>
         </p:spPr>
@@ -15620,6 +15177,574 @@
 </file>
 
 <file path=ppt/slides/slide20.xml><?xml version="1.0" encoding="utf-8"?>
+<p:sld xmlns:a="http://schemas.openxmlformats.org/drawingml/2006/main" xmlns:r="http://schemas.openxmlformats.org/officeDocument/2006/relationships" xmlns:p="http://schemas.openxmlformats.org/presentationml/2006/main">
+  <p:cSld>
+    <p:spTree>
+      <p:nvGrpSpPr>
+        <p:cNvPr id="1" name=""/>
+        <p:cNvGrpSpPr/>
+        <p:nvPr/>
+      </p:nvGrpSpPr>
+      <p:grpSpPr>
+        <a:xfrm>
+          <a:off x="0" y="0"/>
+          <a:ext cx="0" cy="0"/>
+          <a:chOff x="0" y="0"/>
+          <a:chExt cx="0" cy="0"/>
+        </a:xfrm>
+      </p:grpSpPr>
+      <p:sp>
+        <p:nvSpPr>
+          <p:cNvPr id="371" name="Shape 371"/>
+          <p:cNvSpPr/>
+          <p:nvPr/>
+        </p:nvSpPr>
+        <p:spPr>
+          <a:xfrm>
+            <a:off x="292098" y="42616"/>
+            <a:ext cx="6669886" cy="462280"/>
+          </a:xfrm>
+          <a:prstGeom prst="rect">
+            <a:avLst/>
+          </a:prstGeom>
+          <a:ln w="12700">
+            <a:miter lim="400000"/>
+          </a:ln>
+          <a:extLst>
+            <a:ext uri="{C572A759-6A51-4108-AA02-DFA0A04FC94B}">
+              <ma14:wrappingTextBoxFlag xmlns="" xmlns:ma14="http://schemas.microsoft.com/office/mac/drawingml/2011/main" val="1"/>
+            </a:ext>
+          </a:extLst>
+        </p:spPr>
+        <p:txBody>
+          <a:bodyPr lIns="34289" tIns="34289" rIns="34289" bIns="34289">
+            <a:spAutoFit/>
+          </a:bodyPr>
+          <a:lstStyle>
+            <a:lvl1pPr>
+              <a:defRPr sz="2600" b="1">
+                <a:solidFill>
+                  <a:schemeClr val="accent2"/>
+                </a:solidFill>
+                <a:latin typeface="Myriad Pro"/>
+                <a:ea typeface="Myriad Pro"/>
+                <a:cs typeface="Myriad Pro"/>
+                <a:sym typeface="Myriad Pro"/>
+              </a:defRPr>
+            </a:lvl1pPr>
+          </a:lstStyle>
+          <a:p>
+            <a:r>
+              <a:t>Anonymous inner class</a:t>
+            </a:r>
+          </a:p>
+        </p:txBody>
+      </p:sp>
+      <p:sp>
+        <p:nvSpPr>
+          <p:cNvPr id="372" name="Shape 372"/>
+          <p:cNvSpPr/>
+          <p:nvPr/>
+        </p:nvSpPr>
+        <p:spPr>
+          <a:xfrm>
+            <a:off x="292100" y="762000"/>
+            <a:ext cx="8509000" cy="679667"/>
+          </a:xfrm>
+          <a:prstGeom prst="rect">
+            <a:avLst/>
+          </a:prstGeom>
+          <a:ln w="12700">
+            <a:miter lim="400000"/>
+          </a:ln>
+          <a:extLst>
+            <a:ext uri="{C572A759-6A51-4108-AA02-DFA0A04FC94B}">
+              <ma14:wrappingTextBoxFlag xmlns="" xmlns:ma14="http://schemas.microsoft.com/office/mac/drawingml/2011/main" val="1"/>
+            </a:ext>
+          </a:extLst>
+        </p:spPr>
+        <p:txBody>
+          <a:bodyPr lIns="34289" tIns="34289" rIns="34289" bIns="34289">
+            <a:spAutoFit/>
+          </a:bodyPr>
+          <a:lstStyle/>
+          <a:p>
+            <a:pPr defTabSz="685800">
+              <a:spcBef>
+                <a:spcPts val="500"/>
+              </a:spcBef>
+              <a:defRPr sz="2000">
+                <a:latin typeface="Myriad Pro"/>
+                <a:ea typeface="Myriad Pro"/>
+                <a:cs typeface="Myriad Pro"/>
+                <a:sym typeface="Myriad Pro"/>
+              </a:defRPr>
+            </a:pPr>
+            <a:r>
+              <a:t>For </a:t>
+            </a:r>
+            <a:r>
+              <a:rPr b="1"/>
+              <a:t>local</a:t>
+            </a:r>
+            <a:r>
+              <a:t> and </a:t>
+            </a:r>
+            <a:r>
+              <a:rPr b="1"/>
+              <a:t>anonymous</a:t>
+            </a:r>
+            <a:r>
+              <a:t> classes you can only access outer variables if they are declared as </a:t>
+            </a:r>
+            <a:r>
+              <a:rPr b="1">
+                <a:solidFill>
+                  <a:srgbClr val="011480"/>
+                </a:solidFill>
+                <a:latin typeface="Menlo"/>
+                <a:ea typeface="Menlo"/>
+                <a:cs typeface="Menlo"/>
+                <a:sym typeface="Menlo"/>
+              </a:rPr>
+              <a:t>final</a:t>
+            </a:r>
+            <a:r>
+              <a:t>.</a:t>
+            </a:r>
+          </a:p>
+        </p:txBody>
+      </p:sp>
+      <p:sp>
+        <p:nvSpPr>
+          <p:cNvPr id="373" name="Shape 373"/>
+          <p:cNvSpPr/>
+          <p:nvPr/>
+        </p:nvSpPr>
+        <p:spPr>
+          <a:xfrm>
+            <a:off x="292099" y="1778000"/>
+            <a:ext cx="4485401" cy="2913379"/>
+          </a:xfrm>
+          <a:prstGeom prst="rect">
+            <a:avLst/>
+          </a:prstGeom>
+          <a:ln w="12700">
+            <a:miter lim="400000"/>
+          </a:ln>
+          <a:extLst>
+            <a:ext uri="{C572A759-6A51-4108-AA02-DFA0A04FC94B}">
+              <ma14:wrappingTextBoxFlag xmlns="" xmlns:ma14="http://schemas.microsoft.com/office/mac/drawingml/2011/main" val="1"/>
+            </a:ext>
+          </a:extLst>
+        </p:spPr>
+        <p:txBody>
+          <a:bodyPr wrap="none" lIns="34289" tIns="34289" rIns="34289" bIns="34289">
+            <a:spAutoFit/>
+          </a:bodyPr>
+          <a:lstStyle/>
+          <a:p>
+            <a:pPr defTabSz="457200">
+              <a:defRPr b="1">
+                <a:solidFill>
+                  <a:srgbClr val="011480"/>
+                </a:solidFill>
+                <a:latin typeface="Menlo"/>
+                <a:ea typeface="Menlo"/>
+                <a:cs typeface="Menlo"/>
+                <a:sym typeface="Menlo"/>
+              </a:defRPr>
+            </a:pPr>
+            <a:r>
+              <a:t>public static void </a:t>
+            </a:r>
+            <a:r>
+              <a:rPr b="0">
+                <a:solidFill>
+                  <a:srgbClr val="000000"/>
+                </a:solidFill>
+              </a:rPr>
+              <a:t>print(String data, </a:t>
+            </a:r>
+            <a:r>
+              <a:t>int </a:t>
+            </a:r>
+            <a:r>
+              <a:rPr b="0">
+                <a:solidFill>
+                  <a:srgbClr val="000000"/>
+                </a:solidFill>
+              </a:rPr>
+              <a:t>times)</a:t>
+            </a:r>
+            <a:br>
+              <a:rPr b="0">
+                <a:solidFill>
+                  <a:srgbClr val="000000"/>
+                </a:solidFill>
+              </a:rPr>
+            </a:br>
+            <a:r>
+              <a:rPr b="0">
+                <a:solidFill>
+                  <a:srgbClr val="000000"/>
+                </a:solidFill>
+              </a:rPr>
+              <a:t>{</a:t>
+            </a:r>
+            <a:br>
+              <a:rPr b="0">
+                <a:solidFill>
+                  <a:srgbClr val="000000"/>
+                </a:solidFill>
+              </a:rPr>
+            </a:br>
+            <a:r>
+              <a:rPr b="0">
+                <a:solidFill>
+                  <a:srgbClr val="000000"/>
+                </a:solidFill>
+              </a:rPr>
+              <a:t>    </a:t>
+            </a:r>
+            <a:r>
+              <a:t>final </a:t>
+            </a:r>
+            <a:r>
+              <a:rPr b="0">
+                <a:solidFill>
+                  <a:srgbClr val="000000"/>
+                </a:solidFill>
+              </a:rPr>
+              <a:t>String </a:t>
+            </a:r>
+            <a:r>
+              <a:rPr>
+                <a:solidFill>
+                  <a:srgbClr val="FF2600"/>
+                </a:solidFill>
+              </a:rPr>
+              <a:t>fData</a:t>
+            </a:r>
+            <a:r>
+              <a:rPr b="0">
+                <a:solidFill>
+                  <a:srgbClr val="000000"/>
+                </a:solidFill>
+              </a:rPr>
+              <a:t> = data;</a:t>
+            </a:r>
+            <a:br>
+              <a:rPr b="0">
+                <a:solidFill>
+                  <a:srgbClr val="000000"/>
+                </a:solidFill>
+              </a:rPr>
+            </a:br>
+            <a:br>
+              <a:rPr b="0">
+                <a:solidFill>
+                  <a:srgbClr val="000000"/>
+                </a:solidFill>
+              </a:rPr>
+            </a:br>
+            <a:r>
+              <a:rPr b="0">
+                <a:solidFill>
+                  <a:srgbClr val="000000"/>
+                </a:solidFill>
+              </a:rPr>
+              <a:t>    </a:t>
+            </a:r>
+            <a:r>
+              <a:t>for </a:t>
+            </a:r>
+            <a:r>
+              <a:rPr b="0">
+                <a:solidFill>
+                  <a:srgbClr val="000000"/>
+                </a:solidFill>
+              </a:rPr>
+              <a:t>(</a:t>
+            </a:r>
+            <a:r>
+              <a:t>int </a:t>
+            </a:r>
+            <a:r>
+              <a:rPr b="0">
+                <a:solidFill>
+                  <a:srgbClr val="000000"/>
+                </a:solidFill>
+              </a:rPr>
+              <a:t>i = </a:t>
+            </a:r>
+            <a:r>
+              <a:rPr b="0">
+                <a:solidFill>
+                  <a:srgbClr val="0432FF"/>
+                </a:solidFill>
+              </a:rPr>
+              <a:t>0</a:t>
+            </a:r>
+            <a:r>
+              <a:rPr b="0">
+                <a:solidFill>
+                  <a:srgbClr val="000000"/>
+                </a:solidFill>
+              </a:rPr>
+              <a:t>; i &lt; times; i++)</a:t>
+            </a:r>
+            <a:br>
+              <a:rPr b="0">
+                <a:solidFill>
+                  <a:srgbClr val="000000"/>
+                </a:solidFill>
+              </a:rPr>
+            </a:br>
+            <a:r>
+              <a:rPr b="0">
+                <a:solidFill>
+                  <a:srgbClr val="000000"/>
+                </a:solidFill>
+              </a:rPr>
+              <a:t>    {</a:t>
+            </a:r>
+            <a:br>
+              <a:rPr b="0">
+                <a:solidFill>
+                  <a:srgbClr val="000000"/>
+                </a:solidFill>
+              </a:rPr>
+            </a:br>
+            <a:r>
+              <a:rPr b="0">
+                <a:solidFill>
+                  <a:srgbClr val="000000"/>
+                </a:solidFill>
+              </a:rPr>
+              <a:t>        </a:t>
+            </a:r>
+            <a:r>
+              <a:t>new </a:t>
+            </a:r>
+            <a:r>
+              <a:rPr b="0">
+                <a:solidFill>
+                  <a:srgbClr val="000000"/>
+                </a:solidFill>
+              </a:rPr>
+              <a:t>Thread(</a:t>
+            </a:r>
+            <a:r>
+              <a:t>new </a:t>
+            </a:r>
+            <a:r>
+              <a:rPr b="0">
+                <a:solidFill>
+                  <a:srgbClr val="000000"/>
+                </a:solidFill>
+              </a:rPr>
+              <a:t>Runnable()</a:t>
+            </a:r>
+            <a:br>
+              <a:rPr b="0">
+                <a:solidFill>
+                  <a:srgbClr val="000000"/>
+                </a:solidFill>
+              </a:rPr>
+            </a:br>
+            <a:r>
+              <a:rPr b="0">
+                <a:solidFill>
+                  <a:srgbClr val="000000"/>
+                </a:solidFill>
+              </a:rPr>
+              <a:t>        {</a:t>
+            </a:r>
+            <a:br>
+              <a:rPr b="0">
+                <a:solidFill>
+                  <a:srgbClr val="000000"/>
+                </a:solidFill>
+              </a:rPr>
+            </a:br>
+            <a:r>
+              <a:rPr b="0">
+                <a:solidFill>
+                  <a:srgbClr val="000000"/>
+                </a:solidFill>
+              </a:rPr>
+              <a:t>            </a:t>
+            </a:r>
+            <a:r>
+              <a:rPr b="0">
+                <a:solidFill>
+                  <a:srgbClr val="808002"/>
+                </a:solidFill>
+              </a:rPr>
+              <a:t>@Override</a:t>
+            </a:r>
+            <a:br>
+              <a:rPr b="0">
+                <a:solidFill>
+                  <a:srgbClr val="808002"/>
+                </a:solidFill>
+              </a:rPr>
+            </a:br>
+            <a:r>
+              <a:rPr b="0">
+                <a:solidFill>
+                  <a:srgbClr val="808002"/>
+                </a:solidFill>
+              </a:rPr>
+              <a:t>            </a:t>
+            </a:r>
+            <a:r>
+              <a:t>public void </a:t>
+            </a:r>
+            <a:r>
+              <a:rPr b="0">
+                <a:solidFill>
+                  <a:srgbClr val="000000"/>
+                </a:solidFill>
+              </a:rPr>
+              <a:t>run()</a:t>
+            </a:r>
+            <a:br>
+              <a:rPr b="0">
+                <a:solidFill>
+                  <a:srgbClr val="000000"/>
+                </a:solidFill>
+              </a:rPr>
+            </a:br>
+            <a:r>
+              <a:rPr b="0">
+                <a:solidFill>
+                  <a:srgbClr val="000000"/>
+                </a:solidFill>
+              </a:rPr>
+              <a:t>            {</a:t>
+            </a:r>
+            <a:br>
+              <a:rPr b="0">
+                <a:solidFill>
+                  <a:srgbClr val="000000"/>
+                </a:solidFill>
+              </a:rPr>
+            </a:br>
+            <a:r>
+              <a:rPr b="0">
+                <a:solidFill>
+                  <a:srgbClr val="000000"/>
+                </a:solidFill>
+              </a:rPr>
+              <a:t>                System.</a:t>
+            </a:r>
+            <a:r>
+              <a:rPr i="1">
+                <a:solidFill>
+                  <a:srgbClr val="66187A"/>
+                </a:solidFill>
+              </a:rPr>
+              <a:t>out</a:t>
+            </a:r>
+            <a:r>
+              <a:rPr b="0">
+                <a:solidFill>
+                  <a:srgbClr val="000000"/>
+                </a:solidFill>
+              </a:rPr>
+              <a:t>.println(</a:t>
+            </a:r>
+            <a:r>
+              <a:rPr>
+                <a:solidFill>
+                  <a:srgbClr val="FF2600"/>
+                </a:solidFill>
+              </a:rPr>
+              <a:t>fData</a:t>
+            </a:r>
+            <a:r>
+              <a:rPr b="0">
+                <a:solidFill>
+                  <a:srgbClr val="000000"/>
+                </a:solidFill>
+              </a:rPr>
+              <a:t>);</a:t>
+            </a:r>
+            <a:br>
+              <a:rPr b="0">
+                <a:solidFill>
+                  <a:srgbClr val="000000"/>
+                </a:solidFill>
+              </a:rPr>
+            </a:br>
+            <a:r>
+              <a:rPr b="0">
+                <a:solidFill>
+                  <a:srgbClr val="000000"/>
+                </a:solidFill>
+              </a:rPr>
+              <a:t>            }</a:t>
+            </a:r>
+            <a:br>
+              <a:rPr b="0">
+                <a:solidFill>
+                  <a:srgbClr val="000000"/>
+                </a:solidFill>
+              </a:rPr>
+            </a:br>
+            <a:r>
+              <a:rPr b="0">
+                <a:solidFill>
+                  <a:srgbClr val="000000"/>
+                </a:solidFill>
+              </a:rPr>
+              <a:t>        }).start();</a:t>
+            </a:r>
+            <a:br>
+              <a:rPr b="0">
+                <a:solidFill>
+                  <a:srgbClr val="000000"/>
+                </a:solidFill>
+              </a:rPr>
+            </a:br>
+            <a:r>
+              <a:rPr b="0">
+                <a:solidFill>
+                  <a:srgbClr val="000000"/>
+                </a:solidFill>
+              </a:rPr>
+              <a:t>    }</a:t>
+            </a:r>
+            <a:br>
+              <a:rPr b="0">
+                <a:solidFill>
+                  <a:srgbClr val="000000"/>
+                </a:solidFill>
+              </a:rPr>
+            </a:br>
+            <a:r>
+              <a:rPr b="0">
+                <a:solidFill>
+                  <a:srgbClr val="000000"/>
+                </a:solidFill>
+              </a:rPr>
+              <a:t>}</a:t>
+            </a:r>
+          </a:p>
+        </p:txBody>
+      </p:sp>
+    </p:spTree>
+  </p:cSld>
+  <p:clrMapOvr>
+    <a:masterClrMapping/>
+  </p:clrMapOvr>
+  <p:transition spd="med"/>
+</p:sld>
+</file>
+
+<file path=ppt/slides/slide21.xml><?xml version="1.0" encoding="utf-8"?>
 <p:sld xmlns:a="http://schemas.openxmlformats.org/drawingml/2006/main" xmlns:r="http://schemas.openxmlformats.org/officeDocument/2006/relationships" xmlns:p="http://schemas.openxmlformats.org/presentationml/2006/main">
   <p:cSld>
     <p:spTree>
@@ -15701,7 +15826,7 @@
           </a:ln>
           <a:extLst>
             <a:ext uri="{C572A759-6A51-4108-AA02-DFA0A04FC94B}">
-              <ma14:wrappingTextBoxFlag xmlns:ma14="http://schemas.microsoft.com/office/mac/drawingml/2011/main" xmlns="" val="1"/>
+              <ma14:wrappingTextBoxFlag xmlns="" xmlns:ma14="http://schemas.microsoft.com/office/mac/drawingml/2011/main" val="1"/>
             </a:ext>
           </a:extLst>
         </p:spPr>
@@ -15748,7 +15873,7 @@
           </a:ln>
           <a:extLst>
             <a:ext uri="{C572A759-6A51-4108-AA02-DFA0A04FC94B}">
-              <ma14:wrappingTextBoxFlag xmlns:ma14="http://schemas.microsoft.com/office/mac/drawingml/2011/main" xmlns="" val="1"/>
+              <ma14:wrappingTextBoxFlag xmlns="" xmlns:ma14="http://schemas.microsoft.com/office/mac/drawingml/2011/main" val="1"/>
             </a:ext>
           </a:extLst>
         </p:spPr>
@@ -16252,7 +16377,7 @@
           </a:ln>
           <a:extLst>
             <a:ext uri="{C572A759-6A51-4108-AA02-DFA0A04FC94B}">
-              <ma14:wrappingTextBoxFlag xmlns:ma14="http://schemas.microsoft.com/office/mac/drawingml/2011/main" xmlns="" val="1"/>
+              <ma14:wrappingTextBoxFlag xmlns="" xmlns:ma14="http://schemas.microsoft.com/office/mac/drawingml/2011/main" val="1"/>
             </a:ext>
           </a:extLst>
         </p:spPr>
@@ -16807,7 +16932,7 @@
 </p:sld>
 </file>
 
-<file path=ppt/slides/slide21.xml><?xml version="1.0" encoding="utf-8"?>
+<file path=ppt/slides/slide22.xml><?xml version="1.0" encoding="utf-8"?>
 <p:sld xmlns:a="http://schemas.openxmlformats.org/drawingml/2006/main" xmlns:r="http://schemas.openxmlformats.org/officeDocument/2006/relationships" xmlns:p="http://schemas.openxmlformats.org/presentationml/2006/main">
   <p:cSld>
     <p:spTree>
@@ -16889,7 +17014,7 @@
           </a:ln>
           <a:extLst>
             <a:ext uri="{C572A759-6A51-4108-AA02-DFA0A04FC94B}">
-              <ma14:wrappingTextBoxFlag xmlns:ma14="http://schemas.microsoft.com/office/mac/drawingml/2011/main" xmlns="" val="1"/>
+              <ma14:wrappingTextBoxFlag xmlns="" xmlns:ma14="http://schemas.microsoft.com/office/mac/drawingml/2011/main" val="1"/>
             </a:ext>
           </a:extLst>
         </p:spPr>
@@ -16936,7 +17061,7 @@
           </a:ln>
           <a:extLst>
             <a:ext uri="{C572A759-6A51-4108-AA02-DFA0A04FC94B}">
-              <ma14:wrappingTextBoxFlag xmlns:ma14="http://schemas.microsoft.com/office/mac/drawingml/2011/main" xmlns="" val="1"/>
+              <ma14:wrappingTextBoxFlag xmlns="" xmlns:ma14="http://schemas.microsoft.com/office/mac/drawingml/2011/main" val="1"/>
             </a:ext>
           </a:extLst>
         </p:spPr>
@@ -17327,7 +17452,7 @@
           </a:ln>
           <a:extLst>
             <a:ext uri="{C572A759-6A51-4108-AA02-DFA0A04FC94B}">
-              <ma14:wrappingTextBoxFlag xmlns:ma14="http://schemas.microsoft.com/office/mac/drawingml/2011/main" xmlns="" val="1"/>
+              <ma14:wrappingTextBoxFlag xmlns="" xmlns:ma14="http://schemas.microsoft.com/office/mac/drawingml/2011/main" val="1"/>
             </a:ext>
           </a:extLst>
         </p:spPr>
@@ -17809,7 +17934,7 @@
           </a:ln>
           <a:extLst>
             <a:ext uri="{C572A759-6A51-4108-AA02-DFA0A04FC94B}">
-              <ma14:wrappingTextBoxFlag xmlns:ma14="http://schemas.microsoft.com/office/mac/drawingml/2011/main" xmlns="" val="1"/>
+              <ma14:wrappingTextBoxFlag xmlns="" xmlns:ma14="http://schemas.microsoft.com/office/mac/drawingml/2011/main" val="1"/>
             </a:ext>
           </a:extLst>
         </p:spPr>
@@ -18071,7 +18196,7 @@
 </p:sld>
 </file>
 
-<file path=ppt/slides/slide22.xml><?xml version="1.0" encoding="utf-8"?>
+<file path=ppt/slides/slide23.xml><?xml version="1.0" encoding="utf-8"?>
 <p:sld xmlns:a="http://schemas.openxmlformats.org/drawingml/2006/main" xmlns:r="http://schemas.openxmlformats.org/officeDocument/2006/relationships" xmlns:p="http://schemas.openxmlformats.org/presentationml/2006/main">
   <p:cSld>
     <p:spTree>
@@ -18107,7 +18232,7 @@
           </a:ln>
           <a:extLst>
             <a:ext uri="{C572A759-6A51-4108-AA02-DFA0A04FC94B}">
-              <ma14:wrappingTextBoxFlag xmlns:ma14="http://schemas.microsoft.com/office/mac/drawingml/2011/main" xmlns="" val="1"/>
+              <ma14:wrappingTextBoxFlag xmlns="" xmlns:ma14="http://schemas.microsoft.com/office/mac/drawingml/2011/main" val="1"/>
             </a:ext>
           </a:extLst>
         </p:spPr>
@@ -18154,7 +18279,7 @@
           </a:ln>
           <a:extLst>
             <a:ext uri="{C572A759-6A51-4108-AA02-DFA0A04FC94B}">
-              <ma14:wrappingTextBoxFlag xmlns:ma14="http://schemas.microsoft.com/office/mac/drawingml/2011/main" xmlns="" val="1"/>
+              <ma14:wrappingTextBoxFlag xmlns="" xmlns:ma14="http://schemas.microsoft.com/office/mac/drawingml/2011/main" val="1"/>
             </a:ext>
           </a:extLst>
         </p:spPr>
@@ -18226,7 +18351,7 @@
           </a:ln>
           <a:extLst>
             <a:ext uri="{C572A759-6A51-4108-AA02-DFA0A04FC94B}">
-              <ma14:wrappingTextBoxFlag xmlns:ma14="http://schemas.microsoft.com/office/mac/drawingml/2011/main" xmlns="" val="1"/>
+              <ma14:wrappingTextBoxFlag xmlns="" xmlns:ma14="http://schemas.microsoft.com/office/mac/drawingml/2011/main" val="1"/>
             </a:ext>
           </a:extLst>
         </p:spPr>
@@ -18603,7 +18728,7 @@
 </p:sld>
 </file>
 
-<file path=ppt/slides/slide23.xml><?xml version="1.0" encoding="utf-8"?>
+<file path=ppt/slides/slide24.xml><?xml version="1.0" encoding="utf-8"?>
 <p:sld xmlns:a="http://schemas.openxmlformats.org/drawingml/2006/main" xmlns:r="http://schemas.openxmlformats.org/officeDocument/2006/relationships" xmlns:p="http://schemas.openxmlformats.org/presentationml/2006/main">
   <p:cSld>
     <p:spTree>
@@ -18639,7 +18764,7 @@
           </a:ln>
           <a:extLst>
             <a:ext uri="{C572A759-6A51-4108-AA02-DFA0A04FC94B}">
-              <ma14:wrappingTextBoxFlag xmlns:ma14="http://schemas.microsoft.com/office/mac/drawingml/2011/main" xmlns="" val="1"/>
+              <ma14:wrappingTextBoxFlag xmlns="" xmlns:ma14="http://schemas.microsoft.com/office/mac/drawingml/2011/main" val="1"/>
             </a:ext>
           </a:extLst>
         </p:spPr>
@@ -18686,7 +18811,7 @@
           </a:ln>
           <a:extLst>
             <a:ext uri="{C572A759-6A51-4108-AA02-DFA0A04FC94B}">
-              <ma14:wrappingTextBoxFlag xmlns:ma14="http://schemas.microsoft.com/office/mac/drawingml/2011/main" xmlns="" val="1"/>
+              <ma14:wrappingTextBoxFlag xmlns="" xmlns:ma14="http://schemas.microsoft.com/office/mac/drawingml/2011/main" val="1"/>
             </a:ext>
           </a:extLst>
         </p:spPr>
@@ -18739,7 +18864,7 @@
           </a:ln>
           <a:extLst>
             <a:ext uri="{C572A759-6A51-4108-AA02-DFA0A04FC94B}">
-              <ma14:wrappingTextBoxFlag xmlns:ma14="http://schemas.microsoft.com/office/mac/drawingml/2011/main" xmlns="" val="1"/>
+              <ma14:wrappingTextBoxFlag xmlns="" xmlns:ma14="http://schemas.microsoft.com/office/mac/drawingml/2011/main" val="1"/>
             </a:ext>
           </a:extLst>
         </p:spPr>
@@ -18978,7 +19103,7 @@
           </a:ln>
           <a:extLst>
             <a:ext uri="{C572A759-6A51-4108-AA02-DFA0A04FC94B}">
-              <ma14:wrappingTextBoxFlag xmlns:ma14="http://schemas.microsoft.com/office/mac/drawingml/2011/main" xmlns="" val="1"/>
+              <ma14:wrappingTextBoxFlag xmlns="" xmlns:ma14="http://schemas.microsoft.com/office/mac/drawingml/2011/main" val="1"/>
             </a:ext>
           </a:extLst>
         </p:spPr>
@@ -19015,7 +19140,7 @@
 </p:sld>
 </file>
 
-<file path=ppt/slides/slide24.xml><?xml version="1.0" encoding="utf-8"?>
+<file path=ppt/slides/slide25.xml><?xml version="1.0" encoding="utf-8"?>
 <p:sld xmlns:a="http://schemas.openxmlformats.org/drawingml/2006/main" xmlns:r="http://schemas.openxmlformats.org/officeDocument/2006/relationships" xmlns:p="http://schemas.openxmlformats.org/presentationml/2006/main">
   <p:cSld>
     <p:spTree>
@@ -19072,8 +19197,74 @@
             </a:pPr>
             <a:r>
               <a:rPr dirty="0"/>
-              <a:t>Exercise 1 - Dog</a:t>
-            </a:r>
+              <a:t>Exercise 1 </a:t>
+            </a:r>
+            <a:r>
+              <a:rPr lang="pl-PL" dirty="0"/>
+              <a:t>–</a:t>
+            </a:r>
+            <a:r>
+              <a:rPr dirty="0"/>
+              <a:t> Dog</a:t>
+            </a:r>
+            <a:endParaRPr lang="pl-PL" dirty="0"/>
+          </a:p>
+          <a:p>
+            <a:pPr marL="300789" indent="-300789">
+              <a:buClrTx/>
+              <a:buSzPct val="100000"/>
+              <a:buFontTx/>
+              <a:buChar char="•"/>
+              <a:defRPr sz="3000">
+                <a:solidFill>
+                  <a:srgbClr val="000000"/>
+                </a:solidFill>
+                <a:latin typeface="Myriad Pro"/>
+                <a:ea typeface="Myriad Pro"/>
+                <a:cs typeface="Myriad Pro"/>
+                <a:sym typeface="Myriad Pro"/>
+              </a:defRPr>
+            </a:pPr>
+            <a:r>
+              <a:rPr lang="pl-PL" dirty="0"/>
+              <a:t>Exercise 2 – Bank Application (Inner Classes)</a:t>
+            </a:r>
+          </a:p>
+          <a:p>
+            <a:pPr marL="300789" indent="-300789">
+              <a:buClrTx/>
+              <a:buSzPct val="100000"/>
+              <a:buFontTx/>
+              <a:buChar char="•"/>
+              <a:defRPr sz="3000">
+                <a:solidFill>
+                  <a:srgbClr val="000000"/>
+                </a:solidFill>
+                <a:latin typeface="Myriad Pro"/>
+                <a:ea typeface="Myriad Pro"/>
+                <a:cs typeface="Myriad Pro"/>
+                <a:sym typeface="Myriad Pro"/>
+              </a:defRPr>
+            </a:pPr>
+            <a:endParaRPr lang="pl-PL" dirty="0"/>
+          </a:p>
+          <a:p>
+            <a:pPr marL="300789" indent="-300789">
+              <a:buClrTx/>
+              <a:buSzPct val="100000"/>
+              <a:buFontTx/>
+              <a:buChar char="•"/>
+              <a:defRPr sz="3000">
+                <a:solidFill>
+                  <a:srgbClr val="000000"/>
+                </a:solidFill>
+                <a:latin typeface="Myriad Pro"/>
+                <a:ea typeface="Myriad Pro"/>
+                <a:cs typeface="Myriad Pro"/>
+                <a:sym typeface="Myriad Pro"/>
+              </a:defRPr>
+            </a:pPr>
+            <a:endParaRPr dirty="0"/>
           </a:p>
         </p:txBody>
       </p:sp>
@@ -19096,7 +19287,7 @@
           </a:ln>
           <a:extLst>
             <a:ext uri="{C572A759-6A51-4108-AA02-DFA0A04FC94B}">
-              <ma14:wrappingTextBoxFlag xmlns:ma14="http://schemas.microsoft.com/office/mac/drawingml/2011/main" xmlns="" val="1"/>
+              <ma14:wrappingTextBoxFlag xmlns="" xmlns:ma14="http://schemas.microsoft.com/office/mac/drawingml/2011/main" val="1"/>
             </a:ext>
           </a:extLst>
         </p:spPr>
@@ -19133,7 +19324,7 @@
 </p:sld>
 </file>
 
-<file path=ppt/slides/slide25.xml><?xml version="1.0" encoding="utf-8"?>
+<file path=ppt/slides/slide26.xml><?xml version="1.0" encoding="utf-8"?>
 <p:sld xmlns:a="http://schemas.openxmlformats.org/drawingml/2006/main" xmlns:r="http://schemas.openxmlformats.org/officeDocument/2006/relationships" xmlns:p="http://schemas.openxmlformats.org/presentationml/2006/main">
   <p:cSld>
     <p:spTree>
@@ -19297,7 +19488,7 @@
           </a:ln>
           <a:extLst>
             <a:ext uri="{C572A759-6A51-4108-AA02-DFA0A04FC94B}">
-              <ma14:wrappingTextBoxFlag xmlns:ma14="http://schemas.microsoft.com/office/mac/drawingml/2011/main" xmlns="" val="1"/>
+              <ma14:wrappingTextBoxFlag xmlns="" xmlns:ma14="http://schemas.microsoft.com/office/mac/drawingml/2011/main" val="1"/>
             </a:ext>
           </a:extLst>
         </p:spPr>
@@ -19334,7 +19525,7 @@
 </p:sld>
 </file>
 
-<file path=ppt/slides/slide26.xml><?xml version="1.0" encoding="utf-8"?>
+<file path=ppt/slides/slide27.xml><?xml version="1.0" encoding="utf-8"?>
 <p:sld xmlns:a="http://schemas.openxmlformats.org/drawingml/2006/main" xmlns:r="http://schemas.openxmlformats.org/officeDocument/2006/relationships" xmlns:p="http://schemas.openxmlformats.org/presentationml/2006/main">
   <p:cSld>
     <p:spTree>
@@ -19370,7 +19561,7 @@
           </a:ln>
           <a:extLst>
             <a:ext uri="{C572A759-6A51-4108-AA02-DFA0A04FC94B}">
-              <ma14:wrappingTextBoxFlag xmlns:ma14="http://schemas.microsoft.com/office/mac/drawingml/2011/main" xmlns="" val="1"/>
+              <ma14:wrappingTextBoxFlag xmlns="" xmlns:ma14="http://schemas.microsoft.com/office/mac/drawingml/2011/main" val="1"/>
             </a:ext>
           </a:extLst>
         </p:spPr>
@@ -19417,7 +19608,7 @@
           </a:ln>
           <a:extLst>
             <a:ext uri="{C572A759-6A51-4108-AA02-DFA0A04FC94B}">
-              <ma14:wrappingTextBoxFlag xmlns:ma14="http://schemas.microsoft.com/office/mac/drawingml/2011/main" xmlns="" val="1"/>
+              <ma14:wrappingTextBoxFlag xmlns="" xmlns:ma14="http://schemas.microsoft.com/office/mac/drawingml/2011/main" val="1"/>
             </a:ext>
           </a:extLst>
         </p:spPr>
@@ -19461,7 +19652,7 @@
           </a:ln>
           <a:extLst>
             <a:ext uri="{C572A759-6A51-4108-AA02-DFA0A04FC94B}">
-              <ma14:wrappingTextBoxFlag xmlns:ma14="http://schemas.microsoft.com/office/mac/drawingml/2011/main" xmlns="" val="1"/>
+              <ma14:wrappingTextBoxFlag xmlns="" xmlns:ma14="http://schemas.microsoft.com/office/mac/drawingml/2011/main" val="1"/>
             </a:ext>
           </a:extLst>
         </p:spPr>
@@ -19508,7 +19699,7 @@
           </a:ln>
           <a:extLst>
             <a:ext uri="{C572A759-6A51-4108-AA02-DFA0A04FC94B}">
-              <ma14:wrappingTextBoxFlag xmlns:ma14="http://schemas.microsoft.com/office/mac/drawingml/2011/main" xmlns="" val="1"/>
+              <ma14:wrappingTextBoxFlag xmlns="" xmlns:ma14="http://schemas.microsoft.com/office/mac/drawingml/2011/main" val="1"/>
             </a:ext>
           </a:extLst>
         </p:spPr>
@@ -19752,7 +19943,7 @@
           </a:ln>
           <a:extLst>
             <a:ext uri="{C572A759-6A51-4108-AA02-DFA0A04FC94B}">
-              <ma14:wrappingTextBoxFlag xmlns:ma14="http://schemas.microsoft.com/office/mac/drawingml/2011/main" xmlns="" val="1"/>
+              <ma14:wrappingTextBoxFlag xmlns="" xmlns:ma14="http://schemas.microsoft.com/office/mac/drawingml/2011/main" val="1"/>
             </a:ext>
           </a:extLst>
         </p:spPr>
@@ -19835,7 +20026,7 @@
           </a:ln>
           <a:extLst>
             <a:ext uri="{C572A759-6A51-4108-AA02-DFA0A04FC94B}">
-              <ma14:wrappingTextBoxFlag xmlns:ma14="http://schemas.microsoft.com/office/mac/drawingml/2011/main" xmlns="" val="1"/>
+              <ma14:wrappingTextBoxFlag xmlns="" xmlns:ma14="http://schemas.microsoft.com/office/mac/drawingml/2011/main" val="1"/>
             </a:ext>
           </a:extLst>
         </p:spPr>
@@ -19869,7 +20060,7 @@
 </p:sld>
 </file>
 
-<file path=ppt/slides/slide27.xml><?xml version="1.0" encoding="utf-8"?>
+<file path=ppt/slides/slide28.xml><?xml version="1.0" encoding="utf-8"?>
 <p:sld xmlns:a="http://schemas.openxmlformats.org/drawingml/2006/main" xmlns:r="http://schemas.openxmlformats.org/officeDocument/2006/relationships" xmlns:p="http://schemas.openxmlformats.org/presentationml/2006/main">
   <p:cSld>
     <p:spTree>
@@ -19905,7 +20096,7 @@
           </a:ln>
           <a:extLst>
             <a:ext uri="{C572A759-6A51-4108-AA02-DFA0A04FC94B}">
-              <ma14:wrappingTextBoxFlag xmlns:ma14="http://schemas.microsoft.com/office/mac/drawingml/2011/main" xmlns="" val="1"/>
+              <ma14:wrappingTextBoxFlag xmlns="" xmlns:ma14="http://schemas.microsoft.com/office/mac/drawingml/2011/main" val="1"/>
             </a:ext>
           </a:extLst>
         </p:spPr>
@@ -19952,7 +20143,7 @@
           </a:ln>
           <a:extLst>
             <a:ext uri="{C572A759-6A51-4108-AA02-DFA0A04FC94B}">
-              <ma14:wrappingTextBoxFlag xmlns:ma14="http://schemas.microsoft.com/office/mac/drawingml/2011/main" xmlns="" val="1"/>
+              <ma14:wrappingTextBoxFlag xmlns="" xmlns:ma14="http://schemas.microsoft.com/office/mac/drawingml/2011/main" val="1"/>
             </a:ext>
           </a:extLst>
         </p:spPr>
@@ -19999,7 +20190,7 @@
           </a:ln>
           <a:extLst>
             <a:ext uri="{C572A759-6A51-4108-AA02-DFA0A04FC94B}">
-              <ma14:wrappingTextBoxFlag xmlns:ma14="http://schemas.microsoft.com/office/mac/drawingml/2011/main" xmlns="" val="1"/>
+              <ma14:wrappingTextBoxFlag xmlns="" xmlns:ma14="http://schemas.microsoft.com/office/mac/drawingml/2011/main" val="1"/>
             </a:ext>
           </a:extLst>
         </p:spPr>
@@ -20183,7 +20374,7 @@
 </p:sld>
 </file>
 
-<file path=ppt/slides/slide28.xml><?xml version="1.0" encoding="utf-8"?>
+<file path=ppt/slides/slide29.xml><?xml version="1.0" encoding="utf-8"?>
 <p:sld xmlns:a="http://schemas.openxmlformats.org/drawingml/2006/main" xmlns:r="http://schemas.openxmlformats.org/officeDocument/2006/relationships" xmlns:p="http://schemas.openxmlformats.org/presentationml/2006/main">
   <p:cSld>
     <p:spTree>
@@ -20219,7 +20410,7 @@
           </a:ln>
           <a:extLst>
             <a:ext uri="{C572A759-6A51-4108-AA02-DFA0A04FC94B}">
-              <ma14:wrappingTextBoxFlag xmlns:ma14="http://schemas.microsoft.com/office/mac/drawingml/2011/main" xmlns="" val="1"/>
+              <ma14:wrappingTextBoxFlag xmlns="" xmlns:ma14="http://schemas.microsoft.com/office/mac/drawingml/2011/main" val="1"/>
             </a:ext>
           </a:extLst>
         </p:spPr>
@@ -20266,7 +20457,7 @@
           </a:ln>
           <a:extLst>
             <a:ext uri="{C572A759-6A51-4108-AA02-DFA0A04FC94B}">
-              <ma14:wrappingTextBoxFlag xmlns:ma14="http://schemas.microsoft.com/office/mac/drawingml/2011/main" xmlns="" val="1"/>
+              <ma14:wrappingTextBoxFlag xmlns="" xmlns:ma14="http://schemas.microsoft.com/office/mac/drawingml/2011/main" val="1"/>
             </a:ext>
           </a:extLst>
         </p:spPr>
@@ -20316,7 +20507,7 @@
           </a:ln>
           <a:extLst>
             <a:ext uri="{C572A759-6A51-4108-AA02-DFA0A04FC94B}">
-              <ma14:wrappingTextBoxFlag xmlns:ma14="http://schemas.microsoft.com/office/mac/drawingml/2011/main" xmlns="" val="1"/>
+              <ma14:wrappingTextBoxFlag xmlns="" xmlns:ma14="http://schemas.microsoft.com/office/mac/drawingml/2011/main" val="1"/>
             </a:ext>
           </a:extLst>
         </p:spPr>
@@ -20389,7 +20580,7 @@
           </a:ln>
           <a:extLst>
             <a:ext uri="{C572A759-6A51-4108-AA02-DFA0A04FC94B}">
-              <ma14:wrappingTextBoxFlag xmlns:ma14="http://schemas.microsoft.com/office/mac/drawingml/2011/main" xmlns="" val="1"/>
+              <ma14:wrappingTextBoxFlag xmlns="" xmlns:ma14="http://schemas.microsoft.com/office/mac/drawingml/2011/main" val="1"/>
             </a:ext>
           </a:extLst>
         </p:spPr>
@@ -20582,7 +20773,7 @@
           </a:ln>
           <a:extLst>
             <a:ext uri="{C572A759-6A51-4108-AA02-DFA0A04FC94B}">
-              <ma14:wrappingTextBoxFlag xmlns:ma14="http://schemas.microsoft.com/office/mac/drawingml/2011/main" xmlns="" val="1"/>
+              <ma14:wrappingTextBoxFlag xmlns="" xmlns:ma14="http://schemas.microsoft.com/office/mac/drawingml/2011/main" val="1"/>
             </a:ext>
           </a:extLst>
         </p:spPr>
@@ -20626,7 +20817,7 @@
           </a:ln>
           <a:extLst>
             <a:ext uri="{C572A759-6A51-4108-AA02-DFA0A04FC94B}">
-              <ma14:wrappingTextBoxFlag xmlns:ma14="http://schemas.microsoft.com/office/mac/drawingml/2011/main" xmlns="" val="1"/>
+              <ma14:wrappingTextBoxFlag xmlns="" xmlns:ma14="http://schemas.microsoft.com/office/mac/drawingml/2011/main" val="1"/>
             </a:ext>
           </a:extLst>
         </p:spPr>
@@ -20732,7 +20923,235 @@
 </p:sld>
 </file>
 
-<file path=ppt/slides/slide29.xml><?xml version="1.0" encoding="utf-8"?>
+<file path=ppt/slides/slide3.xml><?xml version="1.0" encoding="utf-8"?>
+<p:sld xmlns:a="http://schemas.openxmlformats.org/drawingml/2006/main" xmlns:r="http://schemas.openxmlformats.org/officeDocument/2006/relationships" xmlns:p="http://schemas.openxmlformats.org/presentationml/2006/main">
+  <p:cSld>
+    <p:spTree>
+      <p:nvGrpSpPr>
+        <p:cNvPr id="1" name=""/>
+        <p:cNvGrpSpPr/>
+        <p:nvPr/>
+      </p:nvGrpSpPr>
+      <p:grpSpPr>
+        <a:xfrm>
+          <a:off x="0" y="0"/>
+          <a:ext cx="0" cy="0"/>
+          <a:chOff x="0" y="0"/>
+          <a:chExt cx="0" cy="0"/>
+        </a:xfrm>
+      </p:grpSpPr>
+      <p:sp>
+        <p:nvSpPr>
+          <p:cNvPr id="7" name="TextBox 6">
+            <a:extLst>
+              <a:ext uri="{FF2B5EF4-FFF2-40B4-BE49-F238E27FC236}">
+                <a16:creationId xmlns:a16="http://schemas.microsoft.com/office/drawing/2014/main" id="{4B0E8737-FA8D-49B3-A948-F44F6642A364}"/>
+              </a:ext>
+            </a:extLst>
+          </p:cNvPr>
+          <p:cNvSpPr txBox="1"/>
+          <p:nvPr/>
+        </p:nvSpPr>
+        <p:spPr>
+          <a:xfrm>
+            <a:off x="802888" y="835272"/>
+            <a:ext cx="7538224" cy="2654571"/>
+          </a:xfrm>
+          <a:prstGeom prst="rect">
+            <a:avLst/>
+          </a:prstGeom>
+          <a:noFill/>
+          <a:ln w="12700" cap="flat">
+            <a:noFill/>
+            <a:miter lim="400000"/>
+          </a:ln>
+          <a:effectLst/>
+          <a:sp3d/>
+        </p:spPr>
+        <p:style>
+          <a:lnRef idx="0">
+            <a:scrgbClr r="0" g="0" b="0"/>
+          </a:lnRef>
+          <a:fillRef idx="0">
+            <a:scrgbClr r="0" g="0" b="0"/>
+          </a:fillRef>
+          <a:effectRef idx="0">
+            <a:scrgbClr r="0" g="0" b="0"/>
+          </a:effectRef>
+          <a:fontRef idx="none"/>
+        </p:style>
+        <p:txBody>
+          <a:bodyPr rot="0" spcFirstLastPara="1" vertOverflow="overflow" horzOverflow="overflow" vert="horz" wrap="square" lIns="34289" tIns="34289" rIns="34289" bIns="34289" numCol="1" spcCol="38100" rtlCol="0" anchor="t">
+            <a:spAutoFit/>
+          </a:bodyPr>
+          <a:lstStyle/>
+          <a:p>
+            <a:pPr marL="0" marR="0" indent="0" algn="l" defTabSz="342900" rtl="0" fontAlgn="auto" latinLnBrk="0" hangingPunct="0">
+              <a:lnSpc>
+                <a:spcPct val="100000"/>
+              </a:lnSpc>
+              <a:spcBef>
+                <a:spcPts val="0"/>
+              </a:spcBef>
+              <a:spcAft>
+                <a:spcPts val="0"/>
+              </a:spcAft>
+              <a:buClrTx/>
+              <a:buSzTx/>
+              <a:buFontTx/>
+              <a:buNone/>
+              <a:tabLst/>
+            </a:pPr>
+            <a:r>
+              <a:rPr lang="pl-PL" sz="2800" dirty="0">
+                <a:latin typeface="Myriad Pro"/>
+              </a:rPr>
+              <a:t>  9 - 12		Inner classes (break at 11)</a:t>
+            </a:r>
+          </a:p>
+          <a:p>
+            <a:pPr marL="0" marR="0" indent="0" algn="l" defTabSz="342900" rtl="0" fontAlgn="auto" latinLnBrk="0" hangingPunct="0">
+              <a:lnSpc>
+                <a:spcPct val="100000"/>
+              </a:lnSpc>
+              <a:spcBef>
+                <a:spcPts val="0"/>
+              </a:spcBef>
+              <a:spcAft>
+                <a:spcPts val="0"/>
+              </a:spcAft>
+              <a:buClrTx/>
+              <a:buSzTx/>
+              <a:buFontTx/>
+              <a:buNone/>
+              <a:tabLst/>
+            </a:pPr>
+            <a:r>
+              <a:rPr lang="pl-PL" sz="2800" dirty="0">
+                <a:latin typeface="Myriad Pro"/>
+              </a:rPr>
+              <a:t>12 - 13 		Launch</a:t>
+            </a:r>
+          </a:p>
+          <a:p>
+            <a:pPr marL="0" marR="0" indent="0" algn="l" defTabSz="342900" rtl="0" fontAlgn="auto" latinLnBrk="0" hangingPunct="0">
+              <a:lnSpc>
+                <a:spcPct val="100000"/>
+              </a:lnSpc>
+              <a:spcBef>
+                <a:spcPts val="0"/>
+              </a:spcBef>
+              <a:spcAft>
+                <a:spcPts val="0"/>
+              </a:spcAft>
+              <a:buClrTx/>
+              <a:buSzTx/>
+              <a:buFontTx/>
+              <a:buNone/>
+              <a:tabLst/>
+            </a:pPr>
+            <a:r>
+              <a:rPr lang="pl-PL" sz="2800" dirty="0">
+                <a:latin typeface="Myriad Pro"/>
+              </a:rPr>
+              <a:t>13 - 14 		Exercise 1&amp;2</a:t>
+            </a:r>
+          </a:p>
+          <a:p>
+            <a:pPr marL="0" marR="0" indent="0" algn="l" defTabSz="342900" rtl="0" fontAlgn="auto" latinLnBrk="0" hangingPunct="0">
+              <a:lnSpc>
+                <a:spcPct val="100000"/>
+              </a:lnSpc>
+              <a:spcBef>
+                <a:spcPts val="0"/>
+              </a:spcBef>
+              <a:spcAft>
+                <a:spcPts val="0"/>
+              </a:spcAft>
+              <a:buClrTx/>
+              <a:buSzTx/>
+              <a:buFontTx/>
+              <a:buNone/>
+              <a:tabLst/>
+            </a:pPr>
+            <a:r>
+              <a:rPr lang="pl-PL" sz="2800" dirty="0">
+                <a:latin typeface="Myriad Pro"/>
+              </a:rPr>
+              <a:t>15 - 16		Exceptions</a:t>
+            </a:r>
+          </a:p>
+          <a:p>
+            <a:pPr marL="0" marR="0" indent="0" algn="l" defTabSz="342900" rtl="0" fontAlgn="auto" latinLnBrk="0" hangingPunct="0">
+              <a:lnSpc>
+                <a:spcPct val="100000"/>
+              </a:lnSpc>
+              <a:spcBef>
+                <a:spcPts val="0"/>
+              </a:spcBef>
+              <a:spcAft>
+                <a:spcPts val="0"/>
+              </a:spcAft>
+              <a:buClrTx/>
+              <a:buSzTx/>
+              <a:buFontTx/>
+              <a:buNone/>
+              <a:tabLst/>
+            </a:pPr>
+            <a:r>
+              <a:rPr lang="pl-PL" sz="2800" dirty="0">
+                <a:latin typeface="Myriad Pro"/>
+              </a:rPr>
+              <a:t>16 - 17		Excersise 3</a:t>
+            </a:r>
+          </a:p>
+          <a:p>
+            <a:pPr marL="0" marR="0" indent="0" algn="l" defTabSz="342900" rtl="0" fontAlgn="auto" latinLnBrk="0" hangingPunct="0">
+              <a:lnSpc>
+                <a:spcPct val="100000"/>
+              </a:lnSpc>
+              <a:spcBef>
+                <a:spcPts val="0"/>
+              </a:spcBef>
+              <a:spcAft>
+                <a:spcPts val="0"/>
+              </a:spcAft>
+              <a:buClrTx/>
+              <a:buSzTx/>
+              <a:buFontTx/>
+              <a:buNone/>
+              <a:tabLst/>
+            </a:pPr>
+            <a:endParaRPr kumimoji="0" lang="pl-PL" sz="2800" b="0" i="0" u="none" strike="noStrike" cap="none" spc="0" normalizeH="0" baseline="0" dirty="0">
+              <a:ln>
+                <a:noFill/>
+              </a:ln>
+              <a:solidFill>
+                <a:srgbClr val="000000"/>
+              </a:solidFill>
+              <a:effectLst/>
+              <a:uFillTx/>
+              <a:latin typeface="Myriad Pro"/>
+              <a:sym typeface="Avenir Roman"/>
+            </a:endParaRPr>
+          </a:p>
+        </p:txBody>
+      </p:sp>
+    </p:spTree>
+    <p:extLst>
+      <p:ext uri="{BB962C8B-B14F-4D97-AF65-F5344CB8AC3E}">
+        <p14:creationId xmlns:p14="http://schemas.microsoft.com/office/powerpoint/2010/main" val="1135653744"/>
+      </p:ext>
+    </p:extLst>
+  </p:cSld>
+  <p:clrMapOvr>
+    <a:masterClrMapping/>
+  </p:clrMapOvr>
+  <p:transition spd="med"/>
+</p:sld>
+</file>
+
+<file path=ppt/slides/slide30.xml><?xml version="1.0" encoding="utf-8"?>
 <p:sld xmlns:a="http://schemas.openxmlformats.org/drawingml/2006/main" xmlns:r="http://schemas.openxmlformats.org/officeDocument/2006/relationships" xmlns:p="http://schemas.openxmlformats.org/presentationml/2006/main">
   <p:cSld>
     <p:spTree>
@@ -20846,7 +21265,7 @@
           </a:ln>
           <a:extLst>
             <a:ext uri="{C572A759-6A51-4108-AA02-DFA0A04FC94B}">
-              <ma14:wrappingTextBoxFlag xmlns:ma14="http://schemas.microsoft.com/office/mac/drawingml/2011/main" xmlns="" val="1"/>
+              <ma14:wrappingTextBoxFlag xmlns="" xmlns:ma14="http://schemas.microsoft.com/office/mac/drawingml/2011/main" val="1"/>
             </a:ext>
           </a:extLst>
         </p:spPr>
@@ -20893,7 +21312,7 @@
           </a:ln>
           <a:extLst>
             <a:ext uri="{C572A759-6A51-4108-AA02-DFA0A04FC94B}">
-              <ma14:wrappingTextBoxFlag xmlns:ma14="http://schemas.microsoft.com/office/mac/drawingml/2011/main" xmlns="" val="1"/>
+              <ma14:wrappingTextBoxFlag xmlns="" xmlns:ma14="http://schemas.microsoft.com/office/mac/drawingml/2011/main" val="1"/>
             </a:ext>
           </a:extLst>
         </p:spPr>
@@ -21057,7 +21476,7 @@
           </a:ln>
           <a:extLst>
             <a:ext uri="{C572A759-6A51-4108-AA02-DFA0A04FC94B}">
-              <ma14:wrappingTextBoxFlag xmlns:ma14="http://schemas.microsoft.com/office/mac/drawingml/2011/main" xmlns="" val="1"/>
+              <ma14:wrappingTextBoxFlag xmlns="" xmlns:ma14="http://schemas.microsoft.com/office/mac/drawingml/2011/main" val="1"/>
             </a:ext>
           </a:extLst>
         </p:spPr>
@@ -21149,119 +21568,7 @@
 </p:sld>
 </file>
 
-<file path=ppt/slides/slide3.xml><?xml version="1.0" encoding="utf-8"?>
-<p:sld xmlns:a="http://schemas.openxmlformats.org/drawingml/2006/main" xmlns:r="http://schemas.openxmlformats.org/officeDocument/2006/relationships" xmlns:p="http://schemas.openxmlformats.org/presentationml/2006/main">
-  <p:cSld>
-    <p:spTree>
-      <p:nvGrpSpPr>
-        <p:cNvPr id="1" name=""/>
-        <p:cNvGrpSpPr/>
-        <p:nvPr/>
-      </p:nvGrpSpPr>
-      <p:grpSpPr>
-        <a:xfrm>
-          <a:off x="0" y="0"/>
-          <a:ext cx="0" cy="0"/>
-          <a:chOff x="0" y="0"/>
-          <a:chExt cx="0" cy="0"/>
-        </a:xfrm>
-      </p:grpSpPr>
-      <p:sp>
-        <p:nvSpPr>
-          <p:cNvPr id="2" name="Rectangle 1">
-            <a:extLst>
-              <a:ext uri="{FF2B5EF4-FFF2-40B4-BE49-F238E27FC236}">
-                <a16:creationId xmlns:a16="http://schemas.microsoft.com/office/drawing/2014/main" id="{6DAB1FC2-53D0-4DA6-8DB5-861C33888FE6}"/>
-              </a:ext>
-            </a:extLst>
-          </p:cNvPr>
-          <p:cNvSpPr/>
-          <p:nvPr/>
-        </p:nvSpPr>
-        <p:spPr>
-          <a:xfrm>
-            <a:off x="6771216" y="4380997"/>
-            <a:ext cx="1983235" cy="276999"/>
-          </a:xfrm>
-          <a:prstGeom prst="rect">
-            <a:avLst/>
-          </a:prstGeom>
-        </p:spPr>
-        <p:txBody>
-          <a:bodyPr wrap="none">
-            <a:spAutoFit/>
-          </a:bodyPr>
-          <a:lstStyle/>
-          <a:p>
-            <a:r>
-              <a:rPr lang="pl-PL" dirty="0"/>
-              <a:t>http://www.jitendrazaa.com</a:t>
-            </a:r>
-          </a:p>
-        </p:txBody>
-      </p:sp>
-      <p:pic>
-        <p:nvPicPr>
-          <p:cNvPr id="3" name="Picture 2" descr="http://jitendrazaa.com/blog/wp-content/uploads/2011/03/Types-of-Nested-Classes-in-JAVA.jpg">
-            <a:extLst>
-              <a:ext uri="{FF2B5EF4-FFF2-40B4-BE49-F238E27FC236}">
-                <a16:creationId xmlns:a16="http://schemas.microsoft.com/office/drawing/2014/main" id="{AA2BC72A-847C-4231-9797-168FA37F0CAC}"/>
-              </a:ext>
-            </a:extLst>
-          </p:cNvPr>
-          <p:cNvPicPr>
-            <a:picLocks noChangeAspect="1" noChangeArrowheads="1"/>
-          </p:cNvPicPr>
-          <p:nvPr/>
-        </p:nvPicPr>
-        <p:blipFill>
-          <a:blip r:embed="rId2">
-            <a:extLst>
-              <a:ext uri="{28A0092B-C50C-407E-A947-70E740481C1C}">
-                <a14:useLocalDpi xmlns:a14="http://schemas.microsoft.com/office/drawing/2010/main" val="0"/>
-              </a:ext>
-            </a:extLst>
-          </a:blip>
-          <a:srcRect/>
-          <a:stretch>
-            <a:fillRect/>
-          </a:stretch>
-        </p:blipFill>
-        <p:spPr bwMode="auto">
-          <a:xfrm>
-            <a:off x="1585913" y="1276350"/>
-            <a:ext cx="5972175" cy="2590800"/>
-          </a:xfrm>
-          <a:prstGeom prst="rect">
-            <a:avLst/>
-          </a:prstGeom>
-          <a:noFill/>
-          <a:extLst>
-            <a:ext uri="{909E8E84-426E-40DD-AFC4-6F175D3DCCD1}">
-              <a14:hiddenFill xmlns:a14="http://schemas.microsoft.com/office/drawing/2010/main">
-                <a:solidFill>
-                  <a:srgbClr val="FFFFFF"/>
-                </a:solidFill>
-              </a14:hiddenFill>
-            </a:ext>
-          </a:extLst>
-        </p:spPr>
-      </p:pic>
-    </p:spTree>
-    <p:extLst>
-      <p:ext uri="{BB962C8B-B14F-4D97-AF65-F5344CB8AC3E}">
-        <p14:creationId xmlns:p14="http://schemas.microsoft.com/office/powerpoint/2010/main" val="434551779"/>
-      </p:ext>
-    </p:extLst>
-  </p:cSld>
-  <p:clrMapOvr>
-    <a:masterClrMapping/>
-  </p:clrMapOvr>
-  <p:transition spd="med"/>
-</p:sld>
-</file>
-
-<file path=ppt/slides/slide30.xml><?xml version="1.0" encoding="utf-8"?>
+<file path=ppt/slides/slide31.xml><?xml version="1.0" encoding="utf-8"?>
 <p:sld xmlns:a="http://schemas.openxmlformats.org/drawingml/2006/main" xmlns:r="http://schemas.openxmlformats.org/officeDocument/2006/relationships" xmlns:p="http://schemas.openxmlformats.org/presentationml/2006/main">
   <p:cSld>
     <p:spTree>
@@ -21297,7 +21604,7 @@
           </a:ln>
           <a:extLst>
             <a:ext uri="{C572A759-6A51-4108-AA02-DFA0A04FC94B}">
-              <ma14:wrappingTextBoxFlag xmlns:ma14="http://schemas.microsoft.com/office/mac/drawingml/2011/main" xmlns="" val="1"/>
+              <ma14:wrappingTextBoxFlag xmlns="" xmlns:ma14="http://schemas.microsoft.com/office/mac/drawingml/2011/main" val="1"/>
             </a:ext>
           </a:extLst>
         </p:spPr>
@@ -21489,7 +21796,7 @@
 </p:sld>
 </file>
 
-<file path=ppt/slides/slide31.xml><?xml version="1.0" encoding="utf-8"?>
+<file path=ppt/slides/slide32.xml><?xml version="1.0" encoding="utf-8"?>
 <p:sld xmlns:a="http://schemas.openxmlformats.org/drawingml/2006/main" xmlns:r="http://schemas.openxmlformats.org/officeDocument/2006/relationships" xmlns:p="http://schemas.openxmlformats.org/presentationml/2006/main">
   <p:cSld>
     <p:spTree>
@@ -21525,7 +21832,7 @@
           </a:ln>
           <a:extLst>
             <a:ext uri="{C572A759-6A51-4108-AA02-DFA0A04FC94B}">
-              <ma14:wrappingTextBoxFlag xmlns:ma14="http://schemas.microsoft.com/office/mac/drawingml/2011/main" xmlns="" val="1"/>
+              <ma14:wrappingTextBoxFlag xmlns="" xmlns:ma14="http://schemas.microsoft.com/office/mac/drawingml/2011/main" val="1"/>
             </a:ext>
           </a:extLst>
         </p:spPr>
@@ -21572,7 +21879,7 @@
           </a:ln>
           <a:extLst>
             <a:ext uri="{C572A759-6A51-4108-AA02-DFA0A04FC94B}">
-              <ma14:wrappingTextBoxFlag xmlns:ma14="http://schemas.microsoft.com/office/mac/drawingml/2011/main" xmlns="" val="1"/>
+              <ma14:wrappingTextBoxFlag xmlns="" xmlns:ma14="http://schemas.microsoft.com/office/mac/drawingml/2011/main" val="1"/>
             </a:ext>
           </a:extLst>
         </p:spPr>
@@ -21640,7 +21947,7 @@
           </a:ln>
           <a:extLst>
             <a:ext uri="{C572A759-6A51-4108-AA02-DFA0A04FC94B}">
-              <ma14:wrappingTextBoxFlag xmlns:ma14="http://schemas.microsoft.com/office/mac/drawingml/2011/main" xmlns="" val="1"/>
+              <ma14:wrappingTextBoxFlag xmlns="" xmlns:ma14="http://schemas.microsoft.com/office/mac/drawingml/2011/main" val="1"/>
             </a:ext>
           </a:extLst>
         </p:spPr>
@@ -21684,7 +21991,7 @@
           </a:ln>
           <a:extLst>
             <a:ext uri="{C572A759-6A51-4108-AA02-DFA0A04FC94B}">
-              <ma14:wrappingTextBoxFlag xmlns:ma14="http://schemas.microsoft.com/office/mac/drawingml/2011/main" xmlns="" val="1"/>
+              <ma14:wrappingTextBoxFlag xmlns="" xmlns:ma14="http://schemas.microsoft.com/office/mac/drawingml/2011/main" val="1"/>
             </a:ext>
           </a:extLst>
         </p:spPr>
@@ -21800,7 +22107,7 @@
           </a:ln>
           <a:extLst>
             <a:ext uri="{C572A759-6A51-4108-AA02-DFA0A04FC94B}">
-              <ma14:wrappingTextBoxFlag xmlns:ma14="http://schemas.microsoft.com/office/mac/drawingml/2011/main" xmlns="" val="1"/>
+              <ma14:wrappingTextBoxFlag xmlns="" xmlns:ma14="http://schemas.microsoft.com/office/mac/drawingml/2011/main" val="1"/>
             </a:ext>
           </a:extLst>
         </p:spPr>
@@ -21844,7 +22151,7 @@
           </a:ln>
           <a:extLst>
             <a:ext uri="{C572A759-6A51-4108-AA02-DFA0A04FC94B}">
-              <ma14:wrappingTextBoxFlag xmlns:ma14="http://schemas.microsoft.com/office/mac/drawingml/2011/main" xmlns="" val="1"/>
+              <ma14:wrappingTextBoxFlag xmlns="" xmlns:ma14="http://schemas.microsoft.com/office/mac/drawingml/2011/main" val="1"/>
             </a:ext>
           </a:extLst>
         </p:spPr>
@@ -22077,7 +22384,7 @@
 </p:sld>
 </file>
 
-<file path=ppt/slides/slide32.xml><?xml version="1.0" encoding="utf-8"?>
+<file path=ppt/slides/slide33.xml><?xml version="1.0" encoding="utf-8"?>
 <p:sld xmlns:a="http://schemas.openxmlformats.org/drawingml/2006/main" xmlns:r="http://schemas.openxmlformats.org/officeDocument/2006/relationships" xmlns:p="http://schemas.openxmlformats.org/presentationml/2006/main">
   <p:cSld>
     <p:spTree>
@@ -22113,7 +22420,7 @@
           </a:ln>
           <a:extLst>
             <a:ext uri="{C572A759-6A51-4108-AA02-DFA0A04FC94B}">
-              <ma14:wrappingTextBoxFlag xmlns:ma14="http://schemas.microsoft.com/office/mac/drawingml/2011/main" xmlns="" val="1"/>
+              <ma14:wrappingTextBoxFlag xmlns="" xmlns:ma14="http://schemas.microsoft.com/office/mac/drawingml/2011/main" val="1"/>
             </a:ext>
           </a:extLst>
         </p:spPr>
@@ -22163,7 +22470,7 @@
           </a:ln>
           <a:extLst>
             <a:ext uri="{C572A759-6A51-4108-AA02-DFA0A04FC94B}">
-              <ma14:wrappingTextBoxFlag xmlns:ma14="http://schemas.microsoft.com/office/mac/drawingml/2011/main" xmlns="" val="1"/>
+              <ma14:wrappingTextBoxFlag xmlns="" xmlns:ma14="http://schemas.microsoft.com/office/mac/drawingml/2011/main" val="1"/>
             </a:ext>
           </a:extLst>
         </p:spPr>
@@ -22423,7 +22730,7 @@
           </a:ln>
           <a:extLst>
             <a:ext uri="{C572A759-6A51-4108-AA02-DFA0A04FC94B}">
-              <ma14:wrappingTextBoxFlag xmlns:ma14="http://schemas.microsoft.com/office/mac/drawingml/2011/main" xmlns="" val="1"/>
+              <ma14:wrappingTextBoxFlag xmlns="" xmlns:ma14="http://schemas.microsoft.com/office/mac/drawingml/2011/main" val="1"/>
             </a:ext>
           </a:extLst>
         </p:spPr>
@@ -22688,7 +22995,7 @@
 </p:sld>
 </file>
 
-<file path=ppt/slides/slide33.xml><?xml version="1.0" encoding="utf-8"?>
+<file path=ppt/slides/slide34.xml><?xml version="1.0" encoding="utf-8"?>
 <p:sld xmlns:a="http://schemas.openxmlformats.org/drawingml/2006/main" xmlns:r="http://schemas.openxmlformats.org/officeDocument/2006/relationships" xmlns:p="http://schemas.openxmlformats.org/presentationml/2006/main">
   <p:cSld>
     <p:spTree>
@@ -22801,7 +23108,7 @@
           </a:ln>
           <a:extLst>
             <a:ext uri="{C572A759-6A51-4108-AA02-DFA0A04FC94B}">
-              <ma14:wrappingTextBoxFlag xmlns:ma14="http://schemas.microsoft.com/office/mac/drawingml/2011/main" xmlns="" val="1"/>
+              <ma14:wrappingTextBoxFlag xmlns="" xmlns:ma14="http://schemas.microsoft.com/office/mac/drawingml/2011/main" val="1"/>
             </a:ext>
           </a:extLst>
         </p:spPr>
@@ -22858,7 +23165,7 @@
           </a:ln>
           <a:extLst>
             <a:ext uri="{C572A759-6A51-4108-AA02-DFA0A04FC94B}">
-              <ma14:wrappingTextBoxFlag xmlns:ma14="http://schemas.microsoft.com/office/mac/drawingml/2011/main" xmlns="" val="1"/>
+              <ma14:wrappingTextBoxFlag xmlns="" xmlns:ma14="http://schemas.microsoft.com/office/mac/drawingml/2011/main" val="1"/>
             </a:ext>
           </a:extLst>
         </p:spPr>
@@ -22997,7 +23304,7 @@
 </p:sld>
 </file>
 
-<file path=ppt/slides/slide34.xml><?xml version="1.0" encoding="utf-8"?>
+<file path=ppt/slides/slide35.xml><?xml version="1.0" encoding="utf-8"?>
 <p:sld xmlns:a="http://schemas.openxmlformats.org/drawingml/2006/main" xmlns:r="http://schemas.openxmlformats.org/officeDocument/2006/relationships" xmlns:p="http://schemas.openxmlformats.org/presentationml/2006/main">
   <p:cSld>
     <p:spTree>
@@ -23062,7 +23369,7 @@
           </a:ln>
           <a:extLst>
             <a:ext uri="{C572A759-6A51-4108-AA02-DFA0A04FC94B}">
-              <ma14:wrappingTextBoxFlag xmlns:ma14="http://schemas.microsoft.com/office/mac/drawingml/2011/main" xmlns="" val="1"/>
+              <ma14:wrappingTextBoxFlag xmlns="" xmlns:ma14="http://schemas.microsoft.com/office/mac/drawingml/2011/main" val="1"/>
             </a:ext>
           </a:extLst>
         </p:spPr>
@@ -23109,7 +23416,7 @@
           </a:ln>
           <a:extLst>
             <a:ext uri="{C572A759-6A51-4108-AA02-DFA0A04FC94B}">
-              <ma14:wrappingTextBoxFlag xmlns:ma14="http://schemas.microsoft.com/office/mac/drawingml/2011/main" xmlns="" val="1"/>
+              <ma14:wrappingTextBoxFlag xmlns="" xmlns:ma14="http://schemas.microsoft.com/office/mac/drawingml/2011/main" val="1"/>
             </a:ext>
           </a:extLst>
         </p:spPr>
@@ -23543,7 +23850,7 @@
           </a:ln>
           <a:extLst>
             <a:ext uri="{C572A759-6A51-4108-AA02-DFA0A04FC94B}">
-              <ma14:wrappingTextBoxFlag xmlns:ma14="http://schemas.microsoft.com/office/mac/drawingml/2011/main" xmlns="" val="1"/>
+              <ma14:wrappingTextBoxFlag xmlns="" xmlns:ma14="http://schemas.microsoft.com/office/mac/drawingml/2011/main" val="1"/>
             </a:ext>
           </a:extLst>
         </p:spPr>
@@ -23691,7 +23998,7 @@
 </p:sld>
 </file>
 
-<file path=ppt/slides/slide35.xml><?xml version="1.0" encoding="utf-8"?>
+<file path=ppt/slides/slide36.xml><?xml version="1.0" encoding="utf-8"?>
 <p:sld xmlns:a="http://schemas.openxmlformats.org/drawingml/2006/main" xmlns:r="http://schemas.openxmlformats.org/officeDocument/2006/relationships" xmlns:p="http://schemas.openxmlformats.org/presentationml/2006/main">
   <p:cSld>
     <p:spTree>
@@ -23727,7 +24034,7 @@
           </a:ln>
           <a:extLst>
             <a:ext uri="{C572A759-6A51-4108-AA02-DFA0A04FC94B}">
-              <ma14:wrappingTextBoxFlag xmlns:ma14="http://schemas.microsoft.com/office/mac/drawingml/2011/main" xmlns="" val="1"/>
+              <ma14:wrappingTextBoxFlag xmlns="" xmlns:ma14="http://schemas.microsoft.com/office/mac/drawingml/2011/main" val="1"/>
             </a:ext>
           </a:extLst>
         </p:spPr>
@@ -23774,7 +24081,7 @@
           </a:ln>
           <a:extLst>
             <a:ext uri="{C572A759-6A51-4108-AA02-DFA0A04FC94B}">
-              <ma14:wrappingTextBoxFlag xmlns:ma14="http://schemas.microsoft.com/office/mac/drawingml/2011/main" xmlns="" val="1"/>
+              <ma14:wrappingTextBoxFlag xmlns="" xmlns:ma14="http://schemas.microsoft.com/office/mac/drawingml/2011/main" val="1"/>
             </a:ext>
           </a:extLst>
         </p:spPr>
@@ -23934,7 +24241,7 @@
           </a:ln>
           <a:extLst>
             <a:ext uri="{C572A759-6A51-4108-AA02-DFA0A04FC94B}">
-              <ma14:wrappingTextBoxFlag xmlns:ma14="http://schemas.microsoft.com/office/mac/drawingml/2011/main" xmlns="" val="1"/>
+              <ma14:wrappingTextBoxFlag xmlns="" xmlns:ma14="http://schemas.microsoft.com/office/mac/drawingml/2011/main" val="1"/>
             </a:ext>
           </a:extLst>
         </p:spPr>
@@ -24108,7 +24415,7 @@
           </a:ln>
           <a:extLst>
             <a:ext uri="{C572A759-6A51-4108-AA02-DFA0A04FC94B}">
-              <ma14:wrappingTextBoxFlag xmlns:ma14="http://schemas.microsoft.com/office/mac/drawingml/2011/main" xmlns="" val="1"/>
+              <ma14:wrappingTextBoxFlag xmlns="" xmlns:ma14="http://schemas.microsoft.com/office/mac/drawingml/2011/main" val="1"/>
             </a:ext>
           </a:extLst>
         </p:spPr>
@@ -24158,7 +24465,7 @@
 </p:sld>
 </file>
 
-<file path=ppt/slides/slide36.xml><?xml version="1.0" encoding="utf-8"?>
+<file path=ppt/slides/slide37.xml><?xml version="1.0" encoding="utf-8"?>
 <p:sld xmlns:a="http://schemas.openxmlformats.org/drawingml/2006/main" xmlns:r="http://schemas.openxmlformats.org/officeDocument/2006/relationships" xmlns:p="http://schemas.openxmlformats.org/presentationml/2006/main">
   <p:cSld>
     <p:spTree>
@@ -24223,7 +24530,7 @@
           </a:ln>
           <a:extLst>
             <a:ext uri="{C572A759-6A51-4108-AA02-DFA0A04FC94B}">
-              <ma14:wrappingTextBoxFlag xmlns:ma14="http://schemas.microsoft.com/office/mac/drawingml/2011/main" xmlns="" val="1"/>
+              <ma14:wrappingTextBoxFlag xmlns="" xmlns:ma14="http://schemas.microsoft.com/office/mac/drawingml/2011/main" val="1"/>
             </a:ext>
           </a:extLst>
         </p:spPr>
@@ -24270,7 +24577,7 @@
           </a:ln>
           <a:extLst>
             <a:ext uri="{C572A759-6A51-4108-AA02-DFA0A04FC94B}">
-              <ma14:wrappingTextBoxFlag xmlns:ma14="http://schemas.microsoft.com/office/mac/drawingml/2011/main" xmlns="" val="1"/>
+              <ma14:wrappingTextBoxFlag xmlns="" xmlns:ma14="http://schemas.microsoft.com/office/mac/drawingml/2011/main" val="1"/>
             </a:ext>
           </a:extLst>
         </p:spPr>
@@ -24420,7 +24727,7 @@
           </a:ln>
           <a:extLst>
             <a:ext uri="{C572A759-6A51-4108-AA02-DFA0A04FC94B}">
-              <ma14:wrappingTextBoxFlag xmlns:ma14="http://schemas.microsoft.com/office/mac/drawingml/2011/main" xmlns="" val="1"/>
+              <ma14:wrappingTextBoxFlag xmlns="" xmlns:ma14="http://schemas.microsoft.com/office/mac/drawingml/2011/main" val="1"/>
             </a:ext>
           </a:extLst>
         </p:spPr>
@@ -24564,7 +24871,7 @@
 </p:sld>
 </file>
 
-<file path=ppt/slides/slide37.xml><?xml version="1.0" encoding="utf-8"?>
+<file path=ppt/slides/slide38.xml><?xml version="1.0" encoding="utf-8"?>
 <p:sld xmlns:a="http://schemas.openxmlformats.org/drawingml/2006/main" xmlns:r="http://schemas.openxmlformats.org/officeDocument/2006/relationships" xmlns:p="http://schemas.openxmlformats.org/presentationml/2006/main">
   <p:cSld>
     <p:spTree>
@@ -24600,7 +24907,7 @@
           </a:ln>
           <a:extLst>
             <a:ext uri="{C572A759-6A51-4108-AA02-DFA0A04FC94B}">
-              <ma14:wrappingTextBoxFlag xmlns:ma14="http://schemas.microsoft.com/office/mac/drawingml/2011/main" xmlns="" val="1"/>
+              <ma14:wrappingTextBoxFlag xmlns="" xmlns:ma14="http://schemas.microsoft.com/office/mac/drawingml/2011/main" val="1"/>
             </a:ext>
           </a:extLst>
         </p:spPr>
@@ -24769,7 +25076,7 @@
 </p:sld>
 </file>
 
-<file path=ppt/slides/slide38.xml><?xml version="1.0" encoding="utf-8"?>
+<file path=ppt/slides/slide39.xml><?xml version="1.0" encoding="utf-8"?>
 <p:sld xmlns:a="http://schemas.openxmlformats.org/drawingml/2006/main" xmlns:r="http://schemas.openxmlformats.org/officeDocument/2006/relationships" xmlns:p="http://schemas.openxmlformats.org/presentationml/2006/main">
   <p:cSld>
     <p:spTree>
@@ -24956,7 +25263,119 @@
 </p:sld>
 </file>
 
-<file path=ppt/slides/slide39.xml><?xml version="1.0" encoding="utf-8"?>
+<file path=ppt/slides/slide4.xml><?xml version="1.0" encoding="utf-8"?>
+<p:sld xmlns:a="http://schemas.openxmlformats.org/drawingml/2006/main" xmlns:r="http://schemas.openxmlformats.org/officeDocument/2006/relationships" xmlns:p="http://schemas.openxmlformats.org/presentationml/2006/main">
+  <p:cSld>
+    <p:spTree>
+      <p:nvGrpSpPr>
+        <p:cNvPr id="1" name=""/>
+        <p:cNvGrpSpPr/>
+        <p:nvPr/>
+      </p:nvGrpSpPr>
+      <p:grpSpPr>
+        <a:xfrm>
+          <a:off x="0" y="0"/>
+          <a:ext cx="0" cy="0"/>
+          <a:chOff x="0" y="0"/>
+          <a:chExt cx="0" cy="0"/>
+        </a:xfrm>
+      </p:grpSpPr>
+      <p:sp>
+        <p:nvSpPr>
+          <p:cNvPr id="2" name="Rectangle 1">
+            <a:extLst>
+              <a:ext uri="{FF2B5EF4-FFF2-40B4-BE49-F238E27FC236}">
+                <a16:creationId xmlns:a16="http://schemas.microsoft.com/office/drawing/2014/main" id="{6DAB1FC2-53D0-4DA6-8DB5-861C33888FE6}"/>
+              </a:ext>
+            </a:extLst>
+          </p:cNvPr>
+          <p:cNvSpPr/>
+          <p:nvPr/>
+        </p:nvSpPr>
+        <p:spPr>
+          <a:xfrm>
+            <a:off x="6771216" y="4380997"/>
+            <a:ext cx="1983235" cy="276999"/>
+          </a:xfrm>
+          <a:prstGeom prst="rect">
+            <a:avLst/>
+          </a:prstGeom>
+        </p:spPr>
+        <p:txBody>
+          <a:bodyPr wrap="none">
+            <a:spAutoFit/>
+          </a:bodyPr>
+          <a:lstStyle/>
+          <a:p>
+            <a:r>
+              <a:rPr lang="pl-PL" dirty="0"/>
+              <a:t>http://www.jitendrazaa.com</a:t>
+            </a:r>
+          </a:p>
+        </p:txBody>
+      </p:sp>
+      <p:pic>
+        <p:nvPicPr>
+          <p:cNvPr id="3" name="Picture 2" descr="http://jitendrazaa.com/blog/wp-content/uploads/2011/03/Types-of-Nested-Classes-in-JAVA.jpg">
+            <a:extLst>
+              <a:ext uri="{FF2B5EF4-FFF2-40B4-BE49-F238E27FC236}">
+                <a16:creationId xmlns:a16="http://schemas.microsoft.com/office/drawing/2014/main" id="{AA2BC72A-847C-4231-9797-168FA37F0CAC}"/>
+              </a:ext>
+            </a:extLst>
+          </p:cNvPr>
+          <p:cNvPicPr>
+            <a:picLocks noChangeAspect="1" noChangeArrowheads="1"/>
+          </p:cNvPicPr>
+          <p:nvPr/>
+        </p:nvPicPr>
+        <p:blipFill>
+          <a:blip r:embed="rId2">
+            <a:extLst>
+              <a:ext uri="{28A0092B-C50C-407E-A947-70E740481C1C}">
+                <a14:useLocalDpi xmlns:a14="http://schemas.microsoft.com/office/drawing/2010/main" val="0"/>
+              </a:ext>
+            </a:extLst>
+          </a:blip>
+          <a:srcRect/>
+          <a:stretch>
+            <a:fillRect/>
+          </a:stretch>
+        </p:blipFill>
+        <p:spPr bwMode="auto">
+          <a:xfrm>
+            <a:off x="1585913" y="1276350"/>
+            <a:ext cx="5972175" cy="2590800"/>
+          </a:xfrm>
+          <a:prstGeom prst="rect">
+            <a:avLst/>
+          </a:prstGeom>
+          <a:noFill/>
+          <a:extLst>
+            <a:ext uri="{909E8E84-426E-40DD-AFC4-6F175D3DCCD1}">
+              <a14:hiddenFill xmlns:a14="http://schemas.microsoft.com/office/drawing/2010/main">
+                <a:solidFill>
+                  <a:srgbClr val="FFFFFF"/>
+                </a:solidFill>
+              </a14:hiddenFill>
+            </a:ext>
+          </a:extLst>
+        </p:spPr>
+      </p:pic>
+    </p:spTree>
+    <p:extLst>
+      <p:ext uri="{BB962C8B-B14F-4D97-AF65-F5344CB8AC3E}">
+        <p14:creationId xmlns:p14="http://schemas.microsoft.com/office/powerpoint/2010/main" val="434551779"/>
+      </p:ext>
+    </p:extLst>
+  </p:cSld>
+  <p:clrMapOvr>
+    <a:masterClrMapping/>
+  </p:clrMapOvr>
+  <p:transition spd="med"/>
+</p:sld>
+</file>
+
+<file path=ppt/slides/slide40.xml><?xml version="1.0" encoding="utf-8"?>
 <p:sld xmlns:a="http://schemas.openxmlformats.org/drawingml/2006/main" xmlns:r="http://schemas.openxmlformats.org/officeDocument/2006/relationships" xmlns:p="http://schemas.openxmlformats.org/presentationml/2006/main">
   <p:cSld>
     <p:spTree>
@@ -25011,127 +25430,7 @@
 </p:sld>
 </file>
 
-<file path=ppt/slides/slide4.xml><?xml version="1.0" encoding="utf-8"?>
-<p:sld xmlns:a="http://schemas.openxmlformats.org/drawingml/2006/main" xmlns:r="http://schemas.openxmlformats.org/officeDocument/2006/relationships" xmlns:p="http://schemas.openxmlformats.org/presentationml/2006/main">
-  <p:cSld>
-    <p:spTree>
-      <p:nvGrpSpPr>
-        <p:cNvPr id="1" name=""/>
-        <p:cNvGrpSpPr/>
-        <p:nvPr/>
-      </p:nvGrpSpPr>
-      <p:grpSpPr>
-        <a:xfrm>
-          <a:off x="0" y="0"/>
-          <a:ext cx="0" cy="0"/>
-          <a:chOff x="0" y="0"/>
-          <a:chExt cx="0" cy="0"/>
-        </a:xfrm>
-      </p:grpSpPr>
-      <p:sp>
-        <p:nvSpPr>
-          <p:cNvPr id="291" name="Shape 291"/>
-          <p:cNvSpPr/>
-          <p:nvPr/>
-        </p:nvSpPr>
-        <p:spPr>
-          <a:xfrm>
-            <a:off x="292098" y="42616"/>
-            <a:ext cx="6669886" cy="462280"/>
-          </a:xfrm>
-          <a:prstGeom prst="rect">
-            <a:avLst/>
-          </a:prstGeom>
-          <a:ln w="12700">
-            <a:miter lim="400000"/>
-          </a:ln>
-          <a:extLst>
-            <a:ext uri="{C572A759-6A51-4108-AA02-DFA0A04FC94B}">
-              <ma14:wrappingTextBoxFlag xmlns:ma14="http://schemas.microsoft.com/office/mac/drawingml/2011/main" xmlns="" val="1"/>
-            </a:ext>
-          </a:extLst>
-        </p:spPr>
-        <p:txBody>
-          <a:bodyPr lIns="34289" tIns="34289" rIns="34289" bIns="34289">
-            <a:spAutoFit/>
-          </a:bodyPr>
-          <a:lstStyle>
-            <a:lvl1pPr>
-              <a:defRPr sz="2600" b="1">
-                <a:solidFill>
-                  <a:schemeClr val="accent2"/>
-                </a:solidFill>
-                <a:latin typeface="Myriad Pro"/>
-                <a:ea typeface="Myriad Pro"/>
-                <a:cs typeface="Myriad Pro"/>
-                <a:sym typeface="Myriad Pro"/>
-              </a:defRPr>
-            </a:lvl1pPr>
-          </a:lstStyle>
-          <a:p>
-            <a:r>
-              <a:t>Inner class</a:t>
-            </a:r>
-          </a:p>
-        </p:txBody>
-      </p:sp>
-      <p:sp>
-        <p:nvSpPr>
-          <p:cNvPr id="292" name="Shape 292"/>
-          <p:cNvSpPr/>
-          <p:nvPr/>
-        </p:nvSpPr>
-        <p:spPr>
-          <a:xfrm>
-            <a:off x="292100" y="889000"/>
-            <a:ext cx="8509000" cy="855979"/>
-          </a:xfrm>
-          <a:prstGeom prst="rect">
-            <a:avLst/>
-          </a:prstGeom>
-          <a:ln w="12700">
-            <a:miter lim="400000"/>
-          </a:ln>
-          <a:extLst>
-            <a:ext uri="{C572A759-6A51-4108-AA02-DFA0A04FC94B}">
-              <ma14:wrappingTextBoxFlag xmlns:ma14="http://schemas.microsoft.com/office/mac/drawingml/2011/main" xmlns="" val="1"/>
-            </a:ext>
-          </a:extLst>
-        </p:spPr>
-        <p:txBody>
-          <a:bodyPr lIns="34289" tIns="34289" rIns="34289" bIns="34289">
-            <a:spAutoFit/>
-          </a:bodyPr>
-          <a:lstStyle>
-            <a:lvl1pPr defTabSz="685800">
-              <a:spcBef>
-                <a:spcPts val="500"/>
-              </a:spcBef>
-              <a:defRPr sz="2600">
-                <a:latin typeface="Myriad Pro"/>
-                <a:ea typeface="Myriad Pro"/>
-                <a:cs typeface="Myriad Pro"/>
-                <a:sym typeface="Myriad Pro"/>
-              </a:defRPr>
-            </a:lvl1pPr>
-          </a:lstStyle>
-          <a:p>
-            <a:r>
-              <a:t>You can declare a class in any block including blocks that are part of a method.</a:t>
-            </a:r>
-          </a:p>
-        </p:txBody>
-      </p:sp>
-    </p:spTree>
-  </p:cSld>
-  <p:clrMapOvr>
-    <a:masterClrMapping/>
-  </p:clrMapOvr>
-  <p:transition spd="med"/>
-</p:sld>
-</file>
-
-<file path=ppt/slides/slide40.xml><?xml version="1.0" encoding="utf-8"?>
+<file path=ppt/slides/slide41.xml><?xml version="1.0" encoding="utf-8"?>
 <p:sld xmlns:a="http://schemas.openxmlformats.org/drawingml/2006/main" xmlns:r="http://schemas.openxmlformats.org/officeDocument/2006/relationships" xmlns:p="http://schemas.openxmlformats.org/presentationml/2006/main">
   <p:cSld>
     <p:spTree>
@@ -25244,7 +25543,7 @@
           </a:ln>
           <a:extLst>
             <a:ext uri="{C572A759-6A51-4108-AA02-DFA0A04FC94B}">
-              <ma14:wrappingTextBoxFlag xmlns:ma14="http://schemas.microsoft.com/office/mac/drawingml/2011/main" xmlns="" val="1"/>
+              <ma14:wrappingTextBoxFlag xmlns="" xmlns:ma14="http://schemas.microsoft.com/office/mac/drawingml/2011/main" val="1"/>
             </a:ext>
           </a:extLst>
         </p:spPr>
@@ -25358,7 +25657,7 @@
 </p:sld>
 </file>
 
-<file path=ppt/slides/slide41.xml><?xml version="1.0" encoding="utf-8"?>
+<file path=ppt/slides/slide42.xml><?xml version="1.0" encoding="utf-8"?>
 <p:sld xmlns:a="http://schemas.openxmlformats.org/drawingml/2006/main" xmlns:r="http://schemas.openxmlformats.org/officeDocument/2006/relationships" xmlns:p="http://schemas.openxmlformats.org/presentationml/2006/main">
   <p:cSld>
     <p:spTree>
@@ -25471,7 +25770,7 @@
           </a:ln>
           <a:extLst>
             <a:ext uri="{C572A759-6A51-4108-AA02-DFA0A04FC94B}">
-              <ma14:wrappingTextBoxFlag xmlns:ma14="http://schemas.microsoft.com/office/mac/drawingml/2011/main" xmlns="" val="1"/>
+              <ma14:wrappingTextBoxFlag xmlns="" xmlns:ma14="http://schemas.microsoft.com/office/mac/drawingml/2011/main" val="1"/>
             </a:ext>
           </a:extLst>
         </p:spPr>
@@ -25640,7 +25939,7 @@
 </p:sld>
 </file>
 
-<file path=ppt/slides/slide42.xml><?xml version="1.0" encoding="utf-8"?>
+<file path=ppt/slides/slide43.xml><?xml version="1.0" encoding="utf-8"?>
 <p:sld xmlns:a="http://schemas.openxmlformats.org/drawingml/2006/main" xmlns:r="http://schemas.openxmlformats.org/officeDocument/2006/relationships" xmlns:p="http://schemas.openxmlformats.org/presentationml/2006/main">
   <p:cSld>
     <p:spTree>
@@ -25734,7 +26033,7 @@
           </a:ln>
           <a:extLst>
             <a:ext uri="{C572A759-6A51-4108-AA02-DFA0A04FC94B}">
-              <ma14:wrappingTextBoxFlag xmlns:ma14="http://schemas.microsoft.com/office/mac/drawingml/2011/main" xmlns="" val="1"/>
+              <ma14:wrappingTextBoxFlag xmlns="" xmlns:ma14="http://schemas.microsoft.com/office/mac/drawingml/2011/main" val="1"/>
             </a:ext>
           </a:extLst>
         </p:spPr>
@@ -25771,7 +26070,7 @@
 </p:sld>
 </file>
 
-<file path=ppt/slides/slide43.xml><?xml version="1.0" encoding="utf-8"?>
+<file path=ppt/slides/slide44.xml><?xml version="1.0" encoding="utf-8"?>
 <p:sld xmlns:a="http://schemas.openxmlformats.org/drawingml/2006/main" xmlns:r="http://schemas.openxmlformats.org/officeDocument/2006/relationships" xmlns:p="http://schemas.openxmlformats.org/presentationml/2006/main">
   <p:cSld>
     <p:spTree>
@@ -25826,7 +26125,7 @@
 </p:sld>
 </file>
 
-<file path=ppt/slides/slide44.xml><?xml version="1.0" encoding="utf-8"?>
+<file path=ppt/slides/slide45.xml><?xml version="1.0" encoding="utf-8"?>
 <p:sld xmlns:a="http://schemas.openxmlformats.org/drawingml/2006/main" xmlns:r="http://schemas.openxmlformats.org/officeDocument/2006/relationships" xmlns:p="http://schemas.openxmlformats.org/presentationml/2006/main">
   <p:cSld>
     <p:spTree>
@@ -25862,7 +26161,7 @@
           </a:ln>
           <a:extLst>
             <a:ext uri="{C572A759-6A51-4108-AA02-DFA0A04FC94B}">
-              <ma14:wrappingTextBoxFlag xmlns:ma14="http://schemas.microsoft.com/office/mac/drawingml/2011/main" xmlns="" val="1"/>
+              <ma14:wrappingTextBoxFlag xmlns="" xmlns:ma14="http://schemas.microsoft.com/office/mac/drawingml/2011/main" val="1"/>
             </a:ext>
           </a:extLst>
         </p:spPr>
@@ -25909,7 +26208,7 @@
           </a:ln>
           <a:extLst>
             <a:ext uri="{C572A759-6A51-4108-AA02-DFA0A04FC94B}">
-              <ma14:wrappingTextBoxFlag xmlns:ma14="http://schemas.microsoft.com/office/mac/drawingml/2011/main" xmlns="" val="1"/>
+              <ma14:wrappingTextBoxFlag xmlns="" xmlns:ma14="http://schemas.microsoft.com/office/mac/drawingml/2011/main" val="1"/>
             </a:ext>
           </a:extLst>
         </p:spPr>
@@ -26150,7 +26449,7 @@
 </p:sld>
 </file>
 
-<file path=ppt/slides/slide45.xml><?xml version="1.0" encoding="utf-8"?>
+<file path=ppt/slides/slide46.xml><?xml version="1.0" encoding="utf-8"?>
 <p:sld xmlns:a="http://schemas.openxmlformats.org/drawingml/2006/main" xmlns:r="http://schemas.openxmlformats.org/officeDocument/2006/relationships" xmlns:p="http://schemas.openxmlformats.org/presentationml/2006/main">
   <p:cSld>
     <p:spTree>
@@ -26186,7 +26485,7 @@
           </a:ln>
           <a:extLst>
             <a:ext uri="{C572A759-6A51-4108-AA02-DFA0A04FC94B}">
-              <ma14:wrappingTextBoxFlag xmlns:ma14="http://schemas.microsoft.com/office/mac/drawingml/2011/main" xmlns="" val="1"/>
+              <ma14:wrappingTextBoxFlag xmlns="" xmlns:ma14="http://schemas.microsoft.com/office/mac/drawingml/2011/main" val="1"/>
             </a:ext>
           </a:extLst>
         </p:spPr>
@@ -26233,7 +26532,7 @@
           </a:ln>
           <a:extLst>
             <a:ext uri="{C572A759-6A51-4108-AA02-DFA0A04FC94B}">
-              <ma14:wrappingTextBoxFlag xmlns:ma14="http://schemas.microsoft.com/office/mac/drawingml/2011/main" xmlns="" val="1"/>
+              <ma14:wrappingTextBoxFlag xmlns="" xmlns:ma14="http://schemas.microsoft.com/office/mac/drawingml/2011/main" val="1"/>
             </a:ext>
           </a:extLst>
         </p:spPr>
@@ -26457,7 +26756,7 @@
 </p:sld>
 </file>
 
-<file path=ppt/slides/slide46.xml><?xml version="1.0" encoding="utf-8"?>
+<file path=ppt/slides/slide47.xml><?xml version="1.0" encoding="utf-8"?>
 <p:sld xmlns:a="http://schemas.openxmlformats.org/drawingml/2006/main" xmlns:r="http://schemas.openxmlformats.org/officeDocument/2006/relationships" xmlns:p="http://schemas.openxmlformats.org/presentationml/2006/main">
   <p:cSld>
     <p:spTree>
@@ -26493,7 +26792,7 @@
           </a:ln>
           <a:extLst>
             <a:ext uri="{C572A759-6A51-4108-AA02-DFA0A04FC94B}">
-              <ma14:wrappingTextBoxFlag xmlns:ma14="http://schemas.microsoft.com/office/mac/drawingml/2011/main" xmlns="" val="1"/>
+              <ma14:wrappingTextBoxFlag xmlns="" xmlns:ma14="http://schemas.microsoft.com/office/mac/drawingml/2011/main" val="1"/>
             </a:ext>
           </a:extLst>
         </p:spPr>
@@ -26540,7 +26839,7 @@
           </a:ln>
           <a:extLst>
             <a:ext uri="{C572A759-6A51-4108-AA02-DFA0A04FC94B}">
-              <ma14:wrappingTextBoxFlag xmlns:ma14="http://schemas.microsoft.com/office/mac/drawingml/2011/main" xmlns="" val="1"/>
+              <ma14:wrappingTextBoxFlag xmlns="" xmlns:ma14="http://schemas.microsoft.com/office/mac/drawingml/2011/main" val="1"/>
             </a:ext>
           </a:extLst>
         </p:spPr>
@@ -26803,7 +27102,7 @@
 </p:sld>
 </file>
 
-<file path=ppt/slides/slide47.xml><?xml version="1.0" encoding="utf-8"?>
+<file path=ppt/slides/slide48.xml><?xml version="1.0" encoding="utf-8"?>
 <p:sld xmlns:a="http://schemas.openxmlformats.org/drawingml/2006/main" xmlns:r="http://schemas.openxmlformats.org/officeDocument/2006/relationships" xmlns:p="http://schemas.openxmlformats.org/presentationml/2006/main">
   <p:cSld>
     <p:spTree>
@@ -26839,7 +27138,7 @@
           </a:ln>
           <a:extLst>
             <a:ext uri="{C572A759-6A51-4108-AA02-DFA0A04FC94B}">
-              <ma14:wrappingTextBoxFlag xmlns:ma14="http://schemas.microsoft.com/office/mac/drawingml/2011/main" xmlns="" val="1"/>
+              <ma14:wrappingTextBoxFlag xmlns="" xmlns:ma14="http://schemas.microsoft.com/office/mac/drawingml/2011/main" val="1"/>
             </a:ext>
           </a:extLst>
         </p:spPr>
@@ -26886,7 +27185,7 @@
           </a:ln>
           <a:extLst>
             <a:ext uri="{C572A759-6A51-4108-AA02-DFA0A04FC94B}">
-              <ma14:wrappingTextBoxFlag xmlns:ma14="http://schemas.microsoft.com/office/mac/drawingml/2011/main" xmlns="" val="1"/>
+              <ma14:wrappingTextBoxFlag xmlns="" xmlns:ma14="http://schemas.microsoft.com/office/mac/drawingml/2011/main" val="1"/>
             </a:ext>
           </a:extLst>
         </p:spPr>
@@ -27046,7 +27345,7 @@
 </p:sld>
 </file>
 
-<file path=ppt/slides/slide48.xml><?xml version="1.0" encoding="utf-8"?>
+<file path=ppt/slides/slide49.xml><?xml version="1.0" encoding="utf-8"?>
 <p:sld xmlns:a="http://schemas.openxmlformats.org/drawingml/2006/main" xmlns:r="http://schemas.openxmlformats.org/officeDocument/2006/relationships" xmlns:p="http://schemas.openxmlformats.org/presentationml/2006/main">
   <p:cSld>
     <p:spTree>
@@ -27082,7 +27381,7 @@
           </a:ln>
           <a:extLst>
             <a:ext uri="{C572A759-6A51-4108-AA02-DFA0A04FC94B}">
-              <ma14:wrappingTextBoxFlag xmlns:ma14="http://schemas.microsoft.com/office/mac/drawingml/2011/main" xmlns="" val="1"/>
+              <ma14:wrappingTextBoxFlag xmlns="" xmlns:ma14="http://schemas.microsoft.com/office/mac/drawingml/2011/main" val="1"/>
             </a:ext>
           </a:extLst>
         </p:spPr>
@@ -27129,7 +27428,7 @@
           </a:ln>
           <a:extLst>
             <a:ext uri="{C572A759-6A51-4108-AA02-DFA0A04FC94B}">
-              <ma14:wrappingTextBoxFlag xmlns:ma14="http://schemas.microsoft.com/office/mac/drawingml/2011/main" xmlns="" val="1"/>
+              <ma14:wrappingTextBoxFlag xmlns="" xmlns:ma14="http://schemas.microsoft.com/office/mac/drawingml/2011/main" val="1"/>
             </a:ext>
           </a:extLst>
         </p:spPr>
@@ -27291,7 +27590,127 @@
 </p:sld>
 </file>
 
-<file path=ppt/slides/slide49.xml><?xml version="1.0" encoding="utf-8"?>
+<file path=ppt/slides/slide5.xml><?xml version="1.0" encoding="utf-8"?>
+<p:sld xmlns:a="http://schemas.openxmlformats.org/drawingml/2006/main" xmlns:r="http://schemas.openxmlformats.org/officeDocument/2006/relationships" xmlns:p="http://schemas.openxmlformats.org/presentationml/2006/main">
+  <p:cSld>
+    <p:spTree>
+      <p:nvGrpSpPr>
+        <p:cNvPr id="1" name=""/>
+        <p:cNvGrpSpPr/>
+        <p:nvPr/>
+      </p:nvGrpSpPr>
+      <p:grpSpPr>
+        <a:xfrm>
+          <a:off x="0" y="0"/>
+          <a:ext cx="0" cy="0"/>
+          <a:chOff x="0" y="0"/>
+          <a:chExt cx="0" cy="0"/>
+        </a:xfrm>
+      </p:grpSpPr>
+      <p:sp>
+        <p:nvSpPr>
+          <p:cNvPr id="291" name="Shape 291"/>
+          <p:cNvSpPr/>
+          <p:nvPr/>
+        </p:nvSpPr>
+        <p:spPr>
+          <a:xfrm>
+            <a:off x="292098" y="42616"/>
+            <a:ext cx="6669886" cy="462280"/>
+          </a:xfrm>
+          <a:prstGeom prst="rect">
+            <a:avLst/>
+          </a:prstGeom>
+          <a:ln w="12700">
+            <a:miter lim="400000"/>
+          </a:ln>
+          <a:extLst>
+            <a:ext uri="{C572A759-6A51-4108-AA02-DFA0A04FC94B}">
+              <ma14:wrappingTextBoxFlag xmlns="" xmlns:ma14="http://schemas.microsoft.com/office/mac/drawingml/2011/main" val="1"/>
+            </a:ext>
+          </a:extLst>
+        </p:spPr>
+        <p:txBody>
+          <a:bodyPr lIns="34289" tIns="34289" rIns="34289" bIns="34289">
+            <a:spAutoFit/>
+          </a:bodyPr>
+          <a:lstStyle>
+            <a:lvl1pPr>
+              <a:defRPr sz="2600" b="1">
+                <a:solidFill>
+                  <a:schemeClr val="accent2"/>
+                </a:solidFill>
+                <a:latin typeface="Myriad Pro"/>
+                <a:ea typeface="Myriad Pro"/>
+                <a:cs typeface="Myriad Pro"/>
+                <a:sym typeface="Myriad Pro"/>
+              </a:defRPr>
+            </a:lvl1pPr>
+          </a:lstStyle>
+          <a:p>
+            <a:r>
+              <a:t>Inner class</a:t>
+            </a:r>
+          </a:p>
+        </p:txBody>
+      </p:sp>
+      <p:sp>
+        <p:nvSpPr>
+          <p:cNvPr id="292" name="Shape 292"/>
+          <p:cNvSpPr/>
+          <p:nvPr/>
+        </p:nvSpPr>
+        <p:spPr>
+          <a:xfrm>
+            <a:off x="292100" y="889000"/>
+            <a:ext cx="8509000" cy="855979"/>
+          </a:xfrm>
+          <a:prstGeom prst="rect">
+            <a:avLst/>
+          </a:prstGeom>
+          <a:ln w="12700">
+            <a:miter lim="400000"/>
+          </a:ln>
+          <a:extLst>
+            <a:ext uri="{C572A759-6A51-4108-AA02-DFA0A04FC94B}">
+              <ma14:wrappingTextBoxFlag xmlns="" xmlns:ma14="http://schemas.microsoft.com/office/mac/drawingml/2011/main" val="1"/>
+            </a:ext>
+          </a:extLst>
+        </p:spPr>
+        <p:txBody>
+          <a:bodyPr lIns="34289" tIns="34289" rIns="34289" bIns="34289">
+            <a:spAutoFit/>
+          </a:bodyPr>
+          <a:lstStyle>
+            <a:lvl1pPr defTabSz="685800">
+              <a:spcBef>
+                <a:spcPts val="500"/>
+              </a:spcBef>
+              <a:defRPr sz="2600">
+                <a:latin typeface="Myriad Pro"/>
+                <a:ea typeface="Myriad Pro"/>
+                <a:cs typeface="Myriad Pro"/>
+                <a:sym typeface="Myriad Pro"/>
+              </a:defRPr>
+            </a:lvl1pPr>
+          </a:lstStyle>
+          <a:p>
+            <a:r>
+              <a:t>You can declare a class in any block including blocks that are part of a method.</a:t>
+            </a:r>
+          </a:p>
+        </p:txBody>
+      </p:sp>
+    </p:spTree>
+  </p:cSld>
+  <p:clrMapOvr>
+    <a:masterClrMapping/>
+  </p:clrMapOvr>
+  <p:transition spd="med"/>
+</p:sld>
+</file>
+
+<file path=ppt/slides/slide50.xml><?xml version="1.0" encoding="utf-8"?>
 <p:sld xmlns:a="http://schemas.openxmlformats.org/drawingml/2006/main" xmlns:r="http://schemas.openxmlformats.org/officeDocument/2006/relationships" xmlns:p="http://schemas.openxmlformats.org/presentationml/2006/main">
   <p:cSld>
     <p:spTree>
@@ -27327,7 +27746,7 @@
           </a:ln>
           <a:extLst>
             <a:ext uri="{C572A759-6A51-4108-AA02-DFA0A04FC94B}">
-              <ma14:wrappingTextBoxFlag xmlns:ma14="http://schemas.microsoft.com/office/mac/drawingml/2011/main" xmlns="" val="1"/>
+              <ma14:wrappingTextBoxFlag xmlns="" xmlns:ma14="http://schemas.microsoft.com/office/mac/drawingml/2011/main" val="1"/>
             </a:ext>
           </a:extLst>
         </p:spPr>
@@ -27374,7 +27793,7 @@
           </a:ln>
           <a:extLst>
             <a:ext uri="{C572A759-6A51-4108-AA02-DFA0A04FC94B}">
-              <ma14:wrappingTextBoxFlag xmlns:ma14="http://schemas.microsoft.com/office/mac/drawingml/2011/main" xmlns="" val="1"/>
+              <ma14:wrappingTextBoxFlag xmlns="" xmlns:ma14="http://schemas.microsoft.com/office/mac/drawingml/2011/main" val="1"/>
             </a:ext>
           </a:extLst>
         </p:spPr>
@@ -27768,7 +28187,137 @@
 </p:sld>
 </file>
 
-<file path=ppt/slides/slide5.xml><?xml version="1.0" encoding="utf-8"?>
+<file path=ppt/slides/slide51.xml><?xml version="1.0" encoding="utf-8"?>
+<p:sld xmlns:a="http://schemas.openxmlformats.org/drawingml/2006/main" xmlns:r="http://schemas.openxmlformats.org/officeDocument/2006/relationships" xmlns:p="http://schemas.openxmlformats.org/presentationml/2006/main">
+  <p:cSld>
+    <p:spTree>
+      <p:nvGrpSpPr>
+        <p:cNvPr id="1" name=""/>
+        <p:cNvGrpSpPr/>
+        <p:nvPr/>
+      </p:nvGrpSpPr>
+      <p:grpSpPr>
+        <a:xfrm>
+          <a:off x="0" y="0"/>
+          <a:ext cx="0" cy="0"/>
+          <a:chOff x="0" y="0"/>
+          <a:chExt cx="0" cy="0"/>
+        </a:xfrm>
+      </p:grpSpPr>
+      <p:sp>
+        <p:nvSpPr>
+          <p:cNvPr id="559" name="Shape 559"/>
+          <p:cNvSpPr>
+            <a:spLocks noGrp="1"/>
+          </p:cNvSpPr>
+          <p:nvPr>
+            <p:ph type="body" idx="4294967295"/>
+          </p:nvPr>
+        </p:nvSpPr>
+        <p:spPr>
+          <a:xfrm>
+            <a:off x="292099" y="866775"/>
+            <a:ext cx="8509001" cy="2821783"/>
+          </a:xfrm>
+          <a:prstGeom prst="rect">
+            <a:avLst/>
+          </a:prstGeom>
+        </p:spPr>
+        <p:txBody>
+          <a:bodyPr/>
+          <a:lstStyle>
+            <a:lvl1pPr marL="300789" indent="-300789">
+              <a:buClrTx/>
+              <a:buSzPct val="100000"/>
+              <a:buFontTx/>
+              <a:buChar char="•"/>
+              <a:defRPr sz="3000">
+                <a:solidFill>
+                  <a:srgbClr val="000000"/>
+                </a:solidFill>
+                <a:latin typeface="Myriad Pro"/>
+                <a:ea typeface="Myriad Pro"/>
+                <a:cs typeface="Myriad Pro"/>
+                <a:sym typeface="Myriad Pro"/>
+              </a:defRPr>
+            </a:lvl1pPr>
+          </a:lstStyle>
+          <a:p>
+            <a:pPr>
+              <a:defRPr sz="3000">
+                <a:solidFill>
+                  <a:srgbClr val="000000"/>
+                </a:solidFill>
+                <a:latin typeface="Myriad Pro"/>
+                <a:ea typeface="Myriad Pro"/>
+                <a:cs typeface="Myriad Pro"/>
+                <a:sym typeface="Myriad Pro"/>
+              </a:defRPr>
+            </a:pPr>
+            <a:r>
+              <a:rPr lang="pl-PL" dirty="0"/>
+              <a:t>Exercise 3 - Bank Application (Exceptions)</a:t>
+            </a:r>
+          </a:p>
+        </p:txBody>
+      </p:sp>
+      <p:sp>
+        <p:nvSpPr>
+          <p:cNvPr id="560" name="Shape 560"/>
+          <p:cNvSpPr/>
+          <p:nvPr/>
+        </p:nvSpPr>
+        <p:spPr>
+          <a:xfrm>
+            <a:off x="292098" y="42616"/>
+            <a:ext cx="6669886" cy="462280"/>
+          </a:xfrm>
+          <a:prstGeom prst="rect">
+            <a:avLst/>
+          </a:prstGeom>
+          <a:ln w="12700">
+            <a:miter lim="400000"/>
+          </a:ln>
+          <a:extLst>
+            <a:ext uri="{C572A759-6A51-4108-AA02-DFA0A04FC94B}">
+              <ma14:wrappingTextBoxFlag xmlns="" xmlns:ma14="http://schemas.microsoft.com/office/mac/drawingml/2011/main" val="1"/>
+            </a:ext>
+          </a:extLst>
+        </p:spPr>
+        <p:txBody>
+          <a:bodyPr lIns="34289" tIns="34289" rIns="34289" bIns="34289">
+            <a:spAutoFit/>
+          </a:bodyPr>
+          <a:lstStyle>
+            <a:lvl1pPr>
+              <a:defRPr sz="2600" b="1">
+                <a:solidFill>
+                  <a:schemeClr val="accent2"/>
+                </a:solidFill>
+                <a:latin typeface="Myriad Pro"/>
+                <a:ea typeface="Myriad Pro"/>
+                <a:cs typeface="Myriad Pro"/>
+                <a:sym typeface="Myriad Pro"/>
+              </a:defRPr>
+            </a:lvl1pPr>
+          </a:lstStyle>
+          <a:p>
+            <a:r>
+              <a:t>Exception Handling</a:t>
+            </a:r>
+          </a:p>
+        </p:txBody>
+      </p:sp>
+    </p:spTree>
+  </p:cSld>
+  <p:clrMapOvr>
+    <a:masterClrMapping/>
+  </p:clrMapOvr>
+  <p:transition spd="med"/>
+</p:sld>
+</file>
+
+<file path=ppt/slides/slide6.xml><?xml version="1.0" encoding="utf-8"?>
 <p:sld xmlns:a="http://schemas.openxmlformats.org/drawingml/2006/main" xmlns:r="http://schemas.openxmlformats.org/officeDocument/2006/relationships" xmlns:p="http://schemas.openxmlformats.org/presentationml/2006/main">
   <p:cSld>
     <p:spTree>
@@ -27804,7 +28353,7 @@
           </a:ln>
           <a:extLst>
             <a:ext uri="{C572A759-6A51-4108-AA02-DFA0A04FC94B}">
-              <ma14:wrappingTextBoxFlag xmlns:ma14="http://schemas.microsoft.com/office/mac/drawingml/2011/main" xmlns="" val="1"/>
+              <ma14:wrappingTextBoxFlag xmlns="" xmlns:ma14="http://schemas.microsoft.com/office/mac/drawingml/2011/main" val="1"/>
             </a:ext>
           </a:extLst>
         </p:spPr>
@@ -28359,7 +28908,7 @@
           </a:ln>
           <a:extLst>
             <a:ext uri="{C572A759-6A51-4108-AA02-DFA0A04FC94B}">
-              <ma14:wrappingTextBoxFlag xmlns:ma14="http://schemas.microsoft.com/office/mac/drawingml/2011/main" xmlns="" val="1"/>
+              <ma14:wrappingTextBoxFlag xmlns="" xmlns:ma14="http://schemas.microsoft.com/office/mac/drawingml/2011/main" val="1"/>
             </a:ext>
           </a:extLst>
         </p:spPr>
@@ -28396,137 +28945,7 @@
 </p:sld>
 </file>
 
-<file path=ppt/slides/slide50.xml><?xml version="1.0" encoding="utf-8"?>
-<p:sld xmlns:a="http://schemas.openxmlformats.org/drawingml/2006/main" xmlns:r="http://schemas.openxmlformats.org/officeDocument/2006/relationships" xmlns:p="http://schemas.openxmlformats.org/presentationml/2006/main">
-  <p:cSld>
-    <p:spTree>
-      <p:nvGrpSpPr>
-        <p:cNvPr id="1" name=""/>
-        <p:cNvGrpSpPr/>
-        <p:nvPr/>
-      </p:nvGrpSpPr>
-      <p:grpSpPr>
-        <a:xfrm>
-          <a:off x="0" y="0"/>
-          <a:ext cx="0" cy="0"/>
-          <a:chOff x="0" y="0"/>
-          <a:chExt cx="0" cy="0"/>
-        </a:xfrm>
-      </p:grpSpPr>
-      <p:sp>
-        <p:nvSpPr>
-          <p:cNvPr id="559" name="Shape 559"/>
-          <p:cNvSpPr>
-            <a:spLocks noGrp="1"/>
-          </p:cNvSpPr>
-          <p:nvPr>
-            <p:ph type="body" idx="4294967295"/>
-          </p:nvPr>
-        </p:nvSpPr>
-        <p:spPr>
-          <a:xfrm>
-            <a:off x="292099" y="866775"/>
-            <a:ext cx="8509001" cy="2821783"/>
-          </a:xfrm>
-          <a:prstGeom prst="rect">
-            <a:avLst/>
-          </a:prstGeom>
-        </p:spPr>
-        <p:txBody>
-          <a:bodyPr/>
-          <a:lstStyle>
-            <a:lvl1pPr marL="300789" indent="-300789">
-              <a:buClrTx/>
-              <a:buSzPct val="100000"/>
-              <a:buFontTx/>
-              <a:buChar char="•"/>
-              <a:defRPr sz="3000">
-                <a:solidFill>
-                  <a:srgbClr val="000000"/>
-                </a:solidFill>
-                <a:latin typeface="Myriad Pro"/>
-                <a:ea typeface="Myriad Pro"/>
-                <a:cs typeface="Myriad Pro"/>
-                <a:sym typeface="Myriad Pro"/>
-              </a:defRPr>
-            </a:lvl1pPr>
-          </a:lstStyle>
-          <a:p>
-            <a:pPr>
-              <a:defRPr sz="3000">
-                <a:solidFill>
-                  <a:srgbClr val="000000"/>
-                </a:solidFill>
-                <a:latin typeface="Myriad Pro"/>
-                <a:ea typeface="Myriad Pro"/>
-                <a:cs typeface="Myriad Pro"/>
-                <a:sym typeface="Myriad Pro"/>
-              </a:defRPr>
-            </a:pPr>
-            <a:r>
-              <a:rPr lang="pl-PL" dirty="0"/>
-              <a:t>Exercise 2 - Bank Application</a:t>
-            </a:r>
-          </a:p>
-        </p:txBody>
-      </p:sp>
-      <p:sp>
-        <p:nvSpPr>
-          <p:cNvPr id="560" name="Shape 560"/>
-          <p:cNvSpPr/>
-          <p:nvPr/>
-        </p:nvSpPr>
-        <p:spPr>
-          <a:xfrm>
-            <a:off x="292098" y="42616"/>
-            <a:ext cx="6669886" cy="462280"/>
-          </a:xfrm>
-          <a:prstGeom prst="rect">
-            <a:avLst/>
-          </a:prstGeom>
-          <a:ln w="12700">
-            <a:miter lim="400000"/>
-          </a:ln>
-          <a:extLst>
-            <a:ext uri="{C572A759-6A51-4108-AA02-DFA0A04FC94B}">
-              <ma14:wrappingTextBoxFlag xmlns:ma14="http://schemas.microsoft.com/office/mac/drawingml/2011/main" xmlns="" val="1"/>
-            </a:ext>
-          </a:extLst>
-        </p:spPr>
-        <p:txBody>
-          <a:bodyPr lIns="34289" tIns="34289" rIns="34289" bIns="34289">
-            <a:spAutoFit/>
-          </a:bodyPr>
-          <a:lstStyle>
-            <a:lvl1pPr>
-              <a:defRPr sz="2600" b="1">
-                <a:solidFill>
-                  <a:schemeClr val="accent2"/>
-                </a:solidFill>
-                <a:latin typeface="Myriad Pro"/>
-                <a:ea typeface="Myriad Pro"/>
-                <a:cs typeface="Myriad Pro"/>
-                <a:sym typeface="Myriad Pro"/>
-              </a:defRPr>
-            </a:lvl1pPr>
-          </a:lstStyle>
-          <a:p>
-            <a:r>
-              <a:t>Exception Handling</a:t>
-            </a:r>
-          </a:p>
-        </p:txBody>
-      </p:sp>
-    </p:spTree>
-  </p:cSld>
-  <p:clrMapOvr>
-    <a:masterClrMapping/>
-  </p:clrMapOvr>
-  <p:transition spd="med"/>
-</p:sld>
-</file>
-
-<file path=ppt/slides/slide6.xml><?xml version="1.0" encoding="utf-8"?>
+<file path=ppt/slides/slide7.xml><?xml version="1.0" encoding="utf-8"?>
 <p:sld xmlns:a="http://schemas.openxmlformats.org/drawingml/2006/main" xmlns:r="http://schemas.openxmlformats.org/officeDocument/2006/relationships" xmlns:p="http://schemas.openxmlformats.org/presentationml/2006/main">
   <p:cSld>
     <p:spTree>
@@ -28562,7 +28981,7 @@
           </a:ln>
           <a:extLst>
             <a:ext uri="{C572A759-6A51-4108-AA02-DFA0A04FC94B}">
-              <ma14:wrappingTextBoxFlag xmlns:ma14="http://schemas.microsoft.com/office/mac/drawingml/2011/main" xmlns="" val="1"/>
+              <ma14:wrappingTextBoxFlag xmlns="" xmlns:ma14="http://schemas.microsoft.com/office/mac/drawingml/2011/main" val="1"/>
             </a:ext>
           </a:extLst>
         </p:spPr>
@@ -28609,7 +29028,7 @@
           </a:ln>
           <a:extLst>
             <a:ext uri="{C572A759-6A51-4108-AA02-DFA0A04FC94B}">
-              <ma14:wrappingTextBoxFlag xmlns:ma14="http://schemas.microsoft.com/office/mac/drawingml/2011/main" xmlns="" val="1"/>
+              <ma14:wrappingTextBoxFlag xmlns="" xmlns:ma14="http://schemas.microsoft.com/office/mac/drawingml/2011/main" val="1"/>
             </a:ext>
           </a:extLst>
         </p:spPr>
@@ -28758,7 +29177,7 @@
 </p:sld>
 </file>
 
-<file path=ppt/slides/slide7.xml><?xml version="1.0" encoding="utf-8"?>
+<file path=ppt/slides/slide8.xml><?xml version="1.0" encoding="utf-8"?>
 <p:sld xmlns:a="http://schemas.openxmlformats.org/drawingml/2006/main" xmlns:r="http://schemas.openxmlformats.org/officeDocument/2006/relationships" xmlns:p="http://schemas.openxmlformats.org/presentationml/2006/main">
   <p:cSld>
     <p:spTree>
@@ -28794,7 +29213,7 @@
           </a:ln>
           <a:extLst>
             <a:ext uri="{C572A759-6A51-4108-AA02-DFA0A04FC94B}">
-              <ma14:wrappingTextBoxFlag xmlns:ma14="http://schemas.microsoft.com/office/mac/drawingml/2011/main" xmlns="" val="1"/>
+              <ma14:wrappingTextBoxFlag xmlns="" xmlns:ma14="http://schemas.microsoft.com/office/mac/drawingml/2011/main" val="1"/>
             </a:ext>
           </a:extLst>
         </p:spPr>
@@ -29061,7 +29480,7 @@
           </a:ln>
           <a:extLst>
             <a:ext uri="{C572A759-6A51-4108-AA02-DFA0A04FC94B}">
-              <ma14:wrappingTextBoxFlag xmlns:ma14="http://schemas.microsoft.com/office/mac/drawingml/2011/main" xmlns="" val="1"/>
+              <ma14:wrappingTextBoxFlag xmlns="" xmlns:ma14="http://schemas.microsoft.com/office/mac/drawingml/2011/main" val="1"/>
             </a:ext>
           </a:extLst>
         </p:spPr>
@@ -29108,7 +29527,7 @@
           </a:ln>
           <a:extLst>
             <a:ext uri="{C572A759-6A51-4108-AA02-DFA0A04FC94B}">
-              <ma14:wrappingTextBoxFlag xmlns:ma14="http://schemas.microsoft.com/office/mac/drawingml/2011/main" xmlns="" val="1"/>
+              <ma14:wrappingTextBoxFlag xmlns="" xmlns:ma14="http://schemas.microsoft.com/office/mac/drawingml/2011/main" val="1"/>
             </a:ext>
           </a:extLst>
         </p:spPr>
@@ -29155,7 +29574,7 @@
           </a:ln>
           <a:extLst>
             <a:ext uri="{C572A759-6A51-4108-AA02-DFA0A04FC94B}">
-              <ma14:wrappingTextBoxFlag xmlns:ma14="http://schemas.microsoft.com/office/mac/drawingml/2011/main" xmlns="" val="1"/>
+              <ma14:wrappingTextBoxFlag xmlns="" xmlns:ma14="http://schemas.microsoft.com/office/mac/drawingml/2011/main" val="1"/>
             </a:ext>
           </a:extLst>
         </p:spPr>
@@ -29284,7 +29703,7 @@
 </p:sld>
 </file>
 
-<file path=ppt/slides/slide8.xml><?xml version="1.0" encoding="utf-8"?>
+<file path=ppt/slides/slide9.xml><?xml version="1.0" encoding="utf-8"?>
 <p:sld xmlns:a="http://schemas.openxmlformats.org/drawingml/2006/main" xmlns:r="http://schemas.openxmlformats.org/officeDocument/2006/relationships" xmlns:p="http://schemas.openxmlformats.org/presentationml/2006/main">
   <p:cSld>
     <p:spTree>
@@ -29320,7 +29739,7 @@
           </a:ln>
           <a:extLst>
             <a:ext uri="{C572A759-6A51-4108-AA02-DFA0A04FC94B}">
-              <ma14:wrappingTextBoxFlag xmlns:ma14="http://schemas.microsoft.com/office/mac/drawingml/2011/main" xmlns="" val="1"/>
+              <ma14:wrappingTextBoxFlag xmlns="" xmlns:ma14="http://schemas.microsoft.com/office/mac/drawingml/2011/main" val="1"/>
             </a:ext>
           </a:extLst>
         </p:spPr>
@@ -29652,7 +30071,7 @@
           </a:ln>
           <a:extLst>
             <a:ext uri="{C572A759-6A51-4108-AA02-DFA0A04FC94B}">
-              <ma14:wrappingTextBoxFlag xmlns:ma14="http://schemas.microsoft.com/office/mac/drawingml/2011/main" xmlns="" val="1"/>
+              <ma14:wrappingTextBoxFlag xmlns="" xmlns:ma14="http://schemas.microsoft.com/office/mac/drawingml/2011/main" val="1"/>
             </a:ext>
           </a:extLst>
         </p:spPr>
@@ -29699,7 +30118,7 @@
           </a:ln>
           <a:extLst>
             <a:ext uri="{C572A759-6A51-4108-AA02-DFA0A04FC94B}">
-              <ma14:wrappingTextBoxFlag xmlns:ma14="http://schemas.microsoft.com/office/mac/drawingml/2011/main" xmlns="" val="1"/>
+              <ma14:wrappingTextBoxFlag xmlns="" xmlns:ma14="http://schemas.microsoft.com/office/mac/drawingml/2011/main" val="1"/>
             </a:ext>
           </a:extLst>
         </p:spPr>
@@ -29813,126 +30232,6 @@
           </a:effectLst>
         </p:spPr>
       </p:pic>
-    </p:spTree>
-  </p:cSld>
-  <p:clrMapOvr>
-    <a:masterClrMapping/>
-  </p:clrMapOvr>
-  <p:transition spd="med"/>
-</p:sld>
-</file>
-
-<file path=ppt/slides/slide9.xml><?xml version="1.0" encoding="utf-8"?>
-<p:sld xmlns:a="http://schemas.openxmlformats.org/drawingml/2006/main" xmlns:r="http://schemas.openxmlformats.org/officeDocument/2006/relationships" xmlns:p="http://schemas.openxmlformats.org/presentationml/2006/main">
-  <p:cSld>
-    <p:spTree>
-      <p:nvGrpSpPr>
-        <p:cNvPr id="1" name=""/>
-        <p:cNvGrpSpPr/>
-        <p:nvPr/>
-      </p:nvGrpSpPr>
-      <p:grpSpPr>
-        <a:xfrm>
-          <a:off x="0" y="0"/>
-          <a:ext cx="0" cy="0"/>
-          <a:chOff x="0" y="0"/>
-          <a:chExt cx="0" cy="0"/>
-        </a:xfrm>
-      </p:grpSpPr>
-      <p:sp>
-        <p:nvSpPr>
-          <p:cNvPr id="321" name="Shape 321"/>
-          <p:cNvSpPr/>
-          <p:nvPr/>
-        </p:nvSpPr>
-        <p:spPr>
-          <a:xfrm>
-            <a:off x="292098" y="42616"/>
-            <a:ext cx="6669886" cy="462280"/>
-          </a:xfrm>
-          <a:prstGeom prst="rect">
-            <a:avLst/>
-          </a:prstGeom>
-          <a:ln w="12700">
-            <a:miter lim="400000"/>
-          </a:ln>
-          <a:extLst>
-            <a:ext uri="{C572A759-6A51-4108-AA02-DFA0A04FC94B}">
-              <ma14:wrappingTextBoxFlag xmlns:ma14="http://schemas.microsoft.com/office/mac/drawingml/2011/main" xmlns="" val="1"/>
-            </a:ext>
-          </a:extLst>
-        </p:spPr>
-        <p:txBody>
-          <a:bodyPr lIns="34289" tIns="34289" rIns="34289" bIns="34289">
-            <a:spAutoFit/>
-          </a:bodyPr>
-          <a:lstStyle>
-            <a:lvl1pPr>
-              <a:defRPr sz="2600" b="1">
-                <a:solidFill>
-                  <a:schemeClr val="accent2"/>
-                </a:solidFill>
-                <a:latin typeface="Myriad Pro"/>
-                <a:ea typeface="Myriad Pro"/>
-                <a:cs typeface="Myriad Pro"/>
-                <a:sym typeface="Myriad Pro"/>
-              </a:defRPr>
-            </a:lvl1pPr>
-          </a:lstStyle>
-          <a:p>
-            <a:r>
-              <a:t>Inner class</a:t>
-            </a:r>
-          </a:p>
-        </p:txBody>
-      </p:sp>
-      <p:sp>
-        <p:nvSpPr>
-          <p:cNvPr id="322" name="Shape 322"/>
-          <p:cNvSpPr/>
-          <p:nvPr/>
-        </p:nvSpPr>
-        <p:spPr>
-          <a:xfrm>
-            <a:off x="292100" y="1015999"/>
-            <a:ext cx="5073619" cy="462280"/>
-          </a:xfrm>
-          <a:prstGeom prst="rect">
-            <a:avLst/>
-          </a:prstGeom>
-          <a:ln w="12700">
-            <a:miter lim="400000"/>
-          </a:ln>
-          <a:extLst>
-            <a:ext uri="{C572A759-6A51-4108-AA02-DFA0A04FC94B}">
-              <ma14:wrappingTextBoxFlag xmlns:ma14="http://schemas.microsoft.com/office/mac/drawingml/2011/main" xmlns="" val="1"/>
-            </a:ext>
-          </a:extLst>
-        </p:spPr>
-        <p:txBody>
-          <a:bodyPr wrap="none" lIns="34289" tIns="34289" rIns="34289" bIns="34289">
-            <a:spAutoFit/>
-          </a:bodyPr>
-          <a:lstStyle>
-            <a:lvl1pPr defTabSz="685800">
-              <a:spcBef>
-                <a:spcPts val="500"/>
-              </a:spcBef>
-              <a:defRPr sz="2600">
-                <a:latin typeface="Myriad Pro"/>
-                <a:ea typeface="Myriad Pro"/>
-                <a:cs typeface="Myriad Pro"/>
-                <a:sym typeface="Myriad Pro"/>
-              </a:defRPr>
-            </a:lvl1pPr>
-          </a:lstStyle>
-          <a:p>
-            <a:r>
-              <a:t>Why do we need a class like that?</a:t>
-            </a:r>
-          </a:p>
-        </p:txBody>
-      </p:sp>
     </p:spTree>
   </p:cSld>
   <p:clrMapOvr>

--- a/resources/java7m3.pptx
+++ b/resources/java7m3.pptx
@@ -5,60 +5,63 @@
     <p:sldMasterId id="2147483648" r:id="rId1"/>
   </p:sldMasterIdLst>
   <p:notesMasterIdLst>
-    <p:notesMasterId r:id="rId53"/>
+    <p:notesMasterId r:id="rId56"/>
   </p:notesMasterIdLst>
   <p:sldIdLst>
     <p:sldId id="256" r:id="rId2"/>
     <p:sldId id="257" r:id="rId3"/>
-    <p:sldId id="306" r:id="rId4"/>
-    <p:sldId id="305" r:id="rId5"/>
-    <p:sldId id="258" r:id="rId6"/>
-    <p:sldId id="259" r:id="rId7"/>
-    <p:sldId id="260" r:id="rId8"/>
-    <p:sldId id="261" r:id="rId9"/>
-    <p:sldId id="262" r:id="rId10"/>
-    <p:sldId id="263" r:id="rId11"/>
-    <p:sldId id="264" r:id="rId12"/>
-    <p:sldId id="265" r:id="rId13"/>
-    <p:sldId id="266" r:id="rId14"/>
-    <p:sldId id="267" r:id="rId15"/>
-    <p:sldId id="268" r:id="rId16"/>
-    <p:sldId id="269" r:id="rId17"/>
-    <p:sldId id="270" r:id="rId18"/>
-    <p:sldId id="271" r:id="rId19"/>
-    <p:sldId id="272" r:id="rId20"/>
-    <p:sldId id="273" r:id="rId21"/>
-    <p:sldId id="274" r:id="rId22"/>
-    <p:sldId id="275" r:id="rId23"/>
-    <p:sldId id="276" r:id="rId24"/>
-    <p:sldId id="277" r:id="rId25"/>
-    <p:sldId id="278" r:id="rId26"/>
-    <p:sldId id="279" r:id="rId27"/>
-    <p:sldId id="280" r:id="rId28"/>
-    <p:sldId id="281" r:id="rId29"/>
-    <p:sldId id="282" r:id="rId30"/>
-    <p:sldId id="283" r:id="rId31"/>
-    <p:sldId id="284" r:id="rId32"/>
-    <p:sldId id="285" r:id="rId33"/>
-    <p:sldId id="286" r:id="rId34"/>
-    <p:sldId id="287" r:id="rId35"/>
-    <p:sldId id="288" r:id="rId36"/>
-    <p:sldId id="289" r:id="rId37"/>
-    <p:sldId id="290" r:id="rId38"/>
-    <p:sldId id="291" r:id="rId39"/>
-    <p:sldId id="292" r:id="rId40"/>
-    <p:sldId id="293" r:id="rId41"/>
-    <p:sldId id="294" r:id="rId42"/>
-    <p:sldId id="295" r:id="rId43"/>
-    <p:sldId id="296" r:id="rId44"/>
-    <p:sldId id="297" r:id="rId45"/>
-    <p:sldId id="298" r:id="rId46"/>
-    <p:sldId id="299" r:id="rId47"/>
-    <p:sldId id="300" r:id="rId48"/>
-    <p:sldId id="301" r:id="rId49"/>
-    <p:sldId id="302" r:id="rId50"/>
-    <p:sldId id="303" r:id="rId51"/>
-    <p:sldId id="304" r:id="rId52"/>
+    <p:sldId id="308" r:id="rId4"/>
+    <p:sldId id="306" r:id="rId5"/>
+    <p:sldId id="305" r:id="rId6"/>
+    <p:sldId id="258" r:id="rId7"/>
+    <p:sldId id="259" r:id="rId8"/>
+    <p:sldId id="260" r:id="rId9"/>
+    <p:sldId id="261" r:id="rId10"/>
+    <p:sldId id="262" r:id="rId11"/>
+    <p:sldId id="263" r:id="rId12"/>
+    <p:sldId id="264" r:id="rId13"/>
+    <p:sldId id="265" r:id="rId14"/>
+    <p:sldId id="266" r:id="rId15"/>
+    <p:sldId id="267" r:id="rId16"/>
+    <p:sldId id="268" r:id="rId17"/>
+    <p:sldId id="269" r:id="rId18"/>
+    <p:sldId id="270" r:id="rId19"/>
+    <p:sldId id="271" r:id="rId20"/>
+    <p:sldId id="272" r:id="rId21"/>
+    <p:sldId id="273" r:id="rId22"/>
+    <p:sldId id="274" r:id="rId23"/>
+    <p:sldId id="275" r:id="rId24"/>
+    <p:sldId id="310" r:id="rId25"/>
+    <p:sldId id="276" r:id="rId26"/>
+    <p:sldId id="277" r:id="rId27"/>
+    <p:sldId id="278" r:id="rId28"/>
+    <p:sldId id="279" r:id="rId29"/>
+    <p:sldId id="280" r:id="rId30"/>
+    <p:sldId id="281" r:id="rId31"/>
+    <p:sldId id="282" r:id="rId32"/>
+    <p:sldId id="283" r:id="rId33"/>
+    <p:sldId id="284" r:id="rId34"/>
+    <p:sldId id="285" r:id="rId35"/>
+    <p:sldId id="286" r:id="rId36"/>
+    <p:sldId id="287" r:id="rId37"/>
+    <p:sldId id="288" r:id="rId38"/>
+    <p:sldId id="289" r:id="rId39"/>
+    <p:sldId id="290" r:id="rId40"/>
+    <p:sldId id="291" r:id="rId41"/>
+    <p:sldId id="292" r:id="rId42"/>
+    <p:sldId id="293" r:id="rId43"/>
+    <p:sldId id="294" r:id="rId44"/>
+    <p:sldId id="295" r:id="rId45"/>
+    <p:sldId id="296" r:id="rId46"/>
+    <p:sldId id="297" r:id="rId47"/>
+    <p:sldId id="298" r:id="rId48"/>
+    <p:sldId id="299" r:id="rId49"/>
+    <p:sldId id="300" r:id="rId50"/>
+    <p:sldId id="301" r:id="rId51"/>
+    <p:sldId id="302" r:id="rId52"/>
+    <p:sldId id="303" r:id="rId53"/>
+    <p:sldId id="304" r:id="rId54"/>
+    <p:sldId id="309" r:id="rId55"/>
   </p:sldIdLst>
   <p:sldSz cx="9144000" cy="5143500" type="screen16x9"/>
   <p:notesSz cx="6858000" cy="9144000"/>
@@ -2871,7 +2874,7 @@
           </a:ln>
           <a:extLst>
             <a:ext uri="{C572A759-6A51-4108-AA02-DFA0A04FC94B}">
-              <ma14:wrappingTextBoxFlag xmlns="" xmlns:ma14="http://schemas.microsoft.com/office/mac/drawingml/2011/main" val="1"/>
+              <ma14:wrappingTextBoxFlag xmlns:ma14="http://schemas.microsoft.com/office/mac/drawingml/2011/main" xmlns="" val="1"/>
             </a:ext>
           </a:extLst>
         </p:spPr>
@@ -2921,7 +2924,7 @@
           </a:ln>
           <a:extLst>
             <a:ext uri="{C572A759-6A51-4108-AA02-DFA0A04FC94B}">
-              <ma14:wrappingTextBoxFlag xmlns="" xmlns:ma14="http://schemas.microsoft.com/office/mac/drawingml/2011/main" val="1"/>
+              <ma14:wrappingTextBoxFlag xmlns:ma14="http://schemas.microsoft.com/office/mac/drawingml/2011/main" xmlns="" val="1"/>
             </a:ext>
           </a:extLst>
         </p:spPr>
@@ -2971,7 +2974,7 @@
           </a:ln>
           <a:extLst>
             <a:ext uri="{C572A759-6A51-4108-AA02-DFA0A04FC94B}">
-              <ma14:wrappingTextBoxFlag xmlns="" xmlns:ma14="http://schemas.microsoft.com/office/mac/drawingml/2011/main" val="1"/>
+              <ma14:wrappingTextBoxFlag xmlns:ma14="http://schemas.microsoft.com/office/mac/drawingml/2011/main" xmlns="" val="1"/>
             </a:ext>
           </a:extLst>
         </p:spPr>
@@ -3159,7 +3162,7 @@
           </a:ln>
           <a:extLst>
             <a:ext uri="{C572A759-6A51-4108-AA02-DFA0A04FC94B}">
-              <ma14:wrappingTextBoxFlag xmlns="" xmlns:ma14="http://schemas.microsoft.com/office/mac/drawingml/2011/main" val="1"/>
+              <ma14:wrappingTextBoxFlag xmlns:ma14="http://schemas.microsoft.com/office/mac/drawingml/2011/main" xmlns="" val="1"/>
             </a:ext>
           </a:extLst>
         </p:spPr>
@@ -3237,7 +3240,7 @@
           </a:ln>
           <a:extLst>
             <a:ext uri="{C572A759-6A51-4108-AA02-DFA0A04FC94B}">
-              <ma14:wrappingTextBoxFlag xmlns="" xmlns:ma14="http://schemas.microsoft.com/office/mac/drawingml/2011/main" val="1"/>
+              <ma14:wrappingTextBoxFlag xmlns:ma14="http://schemas.microsoft.com/office/mac/drawingml/2011/main" xmlns="" val="1"/>
             </a:ext>
           </a:extLst>
         </p:spPr>
@@ -3365,7 +3368,7 @@
           </a:ln>
           <a:extLst>
             <a:ext uri="{C572A759-6A51-4108-AA02-DFA0A04FC94B}">
-              <ma14:wrappingTextBoxFlag xmlns="" xmlns:ma14="http://schemas.microsoft.com/office/mac/drawingml/2011/main" val="1"/>
+              <ma14:wrappingTextBoxFlag xmlns:ma14="http://schemas.microsoft.com/office/mac/drawingml/2011/main" xmlns="" val="1"/>
             </a:ext>
           </a:extLst>
         </p:spPr>
@@ -3647,7 +3650,7 @@
           </a:ln>
           <a:extLst>
             <a:ext uri="{C572A759-6A51-4108-AA02-DFA0A04FC94B}">
-              <ma14:wrappingTextBoxFlag xmlns="" xmlns:ma14="http://schemas.microsoft.com/office/mac/drawingml/2011/main" val="1"/>
+              <ma14:wrappingTextBoxFlag xmlns:ma14="http://schemas.microsoft.com/office/mac/drawingml/2011/main" xmlns="" val="1"/>
             </a:ext>
           </a:extLst>
         </p:spPr>
@@ -3770,7 +3773,7 @@
           </a:ln>
           <a:extLst>
             <a:ext uri="{C572A759-6A51-4108-AA02-DFA0A04FC94B}">
-              <ma14:wrappingTextBoxFlag xmlns="" xmlns:ma14="http://schemas.microsoft.com/office/mac/drawingml/2011/main" val="1"/>
+              <ma14:wrappingTextBoxFlag xmlns:ma14="http://schemas.microsoft.com/office/mac/drawingml/2011/main" xmlns="" val="1"/>
             </a:ext>
           </a:extLst>
         </p:spPr>
@@ -3817,7 +3820,7 @@
           </a:ln>
           <a:extLst>
             <a:ext uri="{C572A759-6A51-4108-AA02-DFA0A04FC94B}">
-              <ma14:wrappingTextBoxFlag xmlns="" xmlns:ma14="http://schemas.microsoft.com/office/mac/drawingml/2011/main" val="1"/>
+              <ma14:wrappingTextBoxFlag xmlns:ma14="http://schemas.microsoft.com/office/mac/drawingml/2011/main" xmlns="" val="1"/>
             </a:ext>
           </a:extLst>
         </p:spPr>
@@ -3867,7 +3870,7 @@
           </a:ln>
           <a:extLst>
             <a:ext uri="{C572A759-6A51-4108-AA02-DFA0A04FC94B}">
-              <ma14:wrappingTextBoxFlag xmlns="" xmlns:ma14="http://schemas.microsoft.com/office/mac/drawingml/2011/main" val="1"/>
+              <ma14:wrappingTextBoxFlag xmlns:ma14="http://schemas.microsoft.com/office/mac/drawingml/2011/main" xmlns="" val="1"/>
             </a:ext>
           </a:extLst>
         </p:spPr>
@@ -3917,7 +3920,7 @@
           </a:ln>
           <a:extLst>
             <a:ext uri="{C572A759-6A51-4108-AA02-DFA0A04FC94B}">
-              <ma14:wrappingTextBoxFlag xmlns="" xmlns:ma14="http://schemas.microsoft.com/office/mac/drawingml/2011/main" val="1"/>
+              <ma14:wrappingTextBoxFlag xmlns:ma14="http://schemas.microsoft.com/office/mac/drawingml/2011/main" xmlns="" val="1"/>
             </a:ext>
           </a:extLst>
         </p:spPr>
@@ -4002,7 +4005,7 @@
           </a:ln>
           <a:extLst>
             <a:ext uri="{C572A759-6A51-4108-AA02-DFA0A04FC94B}">
-              <ma14:wrappingTextBoxFlag xmlns="" xmlns:ma14="http://schemas.microsoft.com/office/mac/drawingml/2011/main" val="1"/>
+              <ma14:wrappingTextBoxFlag xmlns:ma14="http://schemas.microsoft.com/office/mac/drawingml/2011/main" xmlns="" val="1"/>
             </a:ext>
           </a:extLst>
         </p:spPr>
@@ -4159,7 +4162,7 @@
           </a:ln>
           <a:extLst>
             <a:ext uri="{C572A759-6A51-4108-AA02-DFA0A04FC94B}">
-              <ma14:wrappingTextBoxFlag xmlns="" xmlns:ma14="http://schemas.microsoft.com/office/mac/drawingml/2011/main" val="1"/>
+              <ma14:wrappingTextBoxFlag xmlns:ma14="http://schemas.microsoft.com/office/mac/drawingml/2011/main" xmlns="" val="1"/>
             </a:ext>
           </a:extLst>
         </p:spPr>
@@ -4372,7 +4375,7 @@
           </a:ln>
           <a:extLst>
             <a:ext uri="{C572A759-6A51-4108-AA02-DFA0A04FC94B}">
-              <ma14:wrappingTextBoxFlag xmlns="" xmlns:ma14="http://schemas.microsoft.com/office/mac/drawingml/2011/main" val="1"/>
+              <ma14:wrappingTextBoxFlag xmlns:ma14="http://schemas.microsoft.com/office/mac/drawingml/2011/main" xmlns="" val="1"/>
             </a:ext>
           </a:extLst>
         </p:spPr>
@@ -4608,7 +4611,7 @@
           </a:ln>
           <a:extLst>
             <a:ext uri="{C572A759-6A51-4108-AA02-DFA0A04FC94B}">
-              <ma14:wrappingTextBoxFlag xmlns="" xmlns:ma14="http://schemas.microsoft.com/office/mac/drawingml/2011/main" val="1"/>
+              <ma14:wrappingTextBoxFlag xmlns:ma14="http://schemas.microsoft.com/office/mac/drawingml/2011/main" xmlns="" val="1"/>
             </a:ext>
           </a:extLst>
         </p:spPr>
@@ -4655,7 +4658,7 @@
           </a:ln>
           <a:extLst>
             <a:ext uri="{C572A759-6A51-4108-AA02-DFA0A04FC94B}">
-              <ma14:wrappingTextBoxFlag xmlns="" xmlns:ma14="http://schemas.microsoft.com/office/mac/drawingml/2011/main" val="1"/>
+              <ma14:wrappingTextBoxFlag xmlns:ma14="http://schemas.microsoft.com/office/mac/drawingml/2011/main" xmlns="" val="1"/>
             </a:ext>
           </a:extLst>
         </p:spPr>
@@ -5653,7 +5656,7 @@
           </a:ln>
           <a:extLst>
             <a:ext uri="{C572A759-6A51-4108-AA02-DFA0A04FC94B}">
-              <ma14:wrappingTextBoxFlag xmlns="" xmlns:ma14="http://schemas.microsoft.com/office/mac/drawingml/2011/main" val="1"/>
+              <ma14:wrappingTextBoxFlag xmlns:ma14="http://schemas.microsoft.com/office/mac/drawingml/2011/main" xmlns="" val="1"/>
             </a:ext>
           </a:extLst>
         </p:spPr>
@@ -12144,7 +12147,7 @@
           </a:ln>
           <a:extLst>
             <a:ext uri="{C572A759-6A51-4108-AA02-DFA0A04FC94B}">
-              <ma14:wrappingTextBoxFlag xmlns="" xmlns:ma14="http://schemas.microsoft.com/office/mac/drawingml/2011/main" val="1"/>
+              <ma14:wrappingTextBoxFlag xmlns:ma14="http://schemas.microsoft.com/office/mac/drawingml/2011/main" xmlns="" val="1"/>
             </a:ext>
           </a:extLst>
         </p:spPr>
@@ -12191,7 +12194,7 @@
           </a:ln>
           <a:extLst>
             <a:ext uri="{C572A759-6A51-4108-AA02-DFA0A04FC94B}">
-              <ma14:wrappingTextBoxFlag xmlns="" xmlns:ma14="http://schemas.microsoft.com/office/mac/drawingml/2011/main" val="1"/>
+              <ma14:wrappingTextBoxFlag xmlns:ma14="http://schemas.microsoft.com/office/mac/drawingml/2011/main" xmlns="" val="1"/>
             </a:ext>
           </a:extLst>
         </p:spPr>
@@ -12242,7 +12245,7 @@
           </a:ln>
           <a:extLst>
             <a:ext uri="{C572A759-6A51-4108-AA02-DFA0A04FC94B}">
-              <ma14:wrappingTextBoxFlag xmlns="" xmlns:ma14="http://schemas.microsoft.com/office/mac/drawingml/2011/main" val="1"/>
+              <ma14:wrappingTextBoxFlag xmlns:ma14="http://schemas.microsoft.com/office/mac/drawingml/2011/main" xmlns="" val="1"/>
             </a:ext>
           </a:extLst>
         </p:spPr>
@@ -12281,7 +12284,7 @@
           </a:ln>
           <a:extLst>
             <a:ext uri="{C572A759-6A51-4108-AA02-DFA0A04FC94B}">
-              <ma14:wrappingTextBoxFlag xmlns="" xmlns:ma14="http://schemas.microsoft.com/office/mac/drawingml/2011/main" val="1"/>
+              <ma14:wrappingTextBoxFlag xmlns:ma14="http://schemas.microsoft.com/office/mac/drawingml/2011/main" xmlns="" val="1"/>
             </a:ext>
           </a:extLst>
         </p:spPr>
@@ -13374,6 +13377,544 @@
       </p:grpSpPr>
       <p:sp>
         <p:nvSpPr>
+          <p:cNvPr id="316" name="Shape 316"/>
+          <p:cNvSpPr/>
+          <p:nvPr/>
+        </p:nvSpPr>
+        <p:spPr>
+          <a:xfrm>
+            <a:off x="292099" y="1778000"/>
+            <a:ext cx="5097084" cy="2964179"/>
+          </a:xfrm>
+          <a:prstGeom prst="rect">
+            <a:avLst/>
+          </a:prstGeom>
+          <a:ln w="12700">
+            <a:miter lim="400000"/>
+          </a:ln>
+          <a:extLst>
+            <a:ext uri="{C572A759-6A51-4108-AA02-DFA0A04FC94B}">
+              <ma14:wrappingTextBoxFlag xmlns:ma14="http://schemas.microsoft.com/office/mac/drawingml/2011/main" xmlns="" val="1"/>
+            </a:ext>
+          </a:extLst>
+        </p:spPr>
+        <p:txBody>
+          <a:bodyPr wrap="none" lIns="34289" tIns="34289" rIns="34289" bIns="34289">
+            <a:spAutoFit/>
+          </a:bodyPr>
+          <a:lstStyle/>
+          <a:p>
+            <a:pPr defTabSz="457200">
+              <a:defRPr sz="1600" b="1">
+                <a:solidFill>
+                  <a:srgbClr val="011480"/>
+                </a:solidFill>
+                <a:latin typeface="Menlo"/>
+                <a:ea typeface="Menlo"/>
+                <a:cs typeface="Menlo"/>
+                <a:sym typeface="Menlo"/>
+              </a:defRPr>
+            </a:pPr>
+            <a:r>
+              <a:rPr dirty="0"/>
+              <a:t>public class </a:t>
+            </a:r>
+            <a:r>
+              <a:rPr b="0" dirty="0">
+                <a:solidFill>
+                  <a:srgbClr val="000000"/>
+                </a:solidFill>
+              </a:rPr>
+              <a:t>Outer</a:t>
+            </a:r>
+            <a:br>
+              <a:rPr b="0" dirty="0">
+                <a:solidFill>
+                  <a:srgbClr val="000000"/>
+                </a:solidFill>
+              </a:rPr>
+            </a:br>
+            <a:r>
+              <a:rPr b="0" dirty="0">
+                <a:solidFill>
+                  <a:srgbClr val="000000"/>
+                </a:solidFill>
+              </a:rPr>
+              <a:t>{</a:t>
+            </a:r>
+            <a:br>
+              <a:rPr b="0" dirty="0">
+                <a:solidFill>
+                  <a:srgbClr val="000000"/>
+                </a:solidFill>
+              </a:rPr>
+            </a:br>
+            <a:r>
+              <a:rPr b="0" dirty="0">
+                <a:solidFill>
+                  <a:srgbClr val="000000"/>
+                </a:solidFill>
+              </a:rPr>
+              <a:t>    </a:t>
+            </a:r>
+            <a:r>
+              <a:rPr dirty="0"/>
+              <a:t>private </a:t>
+            </a:r>
+            <a:r>
+              <a:rPr dirty="0" err="1"/>
+              <a:t>int</a:t>
+            </a:r>
+            <a:r>
+              <a:rPr dirty="0"/>
+              <a:t> </a:t>
+            </a:r>
+            <a:r>
+              <a:rPr dirty="0">
+                <a:solidFill>
+                  <a:srgbClr val="66187A"/>
+                </a:solidFill>
+              </a:rPr>
+              <a:t>data</a:t>
+            </a:r>
+            <a:r>
+              <a:rPr b="0" dirty="0">
+                <a:solidFill>
+                  <a:srgbClr val="000000"/>
+                </a:solidFill>
+              </a:rPr>
+              <a:t>;</a:t>
+            </a:r>
+            <a:br>
+              <a:rPr b="0" dirty="0">
+                <a:solidFill>
+                  <a:srgbClr val="000000"/>
+                </a:solidFill>
+              </a:rPr>
+            </a:br>
+            <a:br>
+              <a:rPr b="0" dirty="0">
+                <a:solidFill>
+                  <a:srgbClr val="000000"/>
+                </a:solidFill>
+              </a:rPr>
+            </a:br>
+            <a:r>
+              <a:rPr b="0" dirty="0">
+                <a:solidFill>
+                  <a:srgbClr val="000000"/>
+                </a:solidFill>
+              </a:rPr>
+              <a:t>    </a:t>
+            </a:r>
+            <a:r>
+              <a:rPr dirty="0"/>
+              <a:t>class </a:t>
+            </a:r>
+            <a:r>
+              <a:rPr b="0" dirty="0">
+                <a:solidFill>
+                  <a:srgbClr val="000000"/>
+                </a:solidFill>
+              </a:rPr>
+              <a:t>Inner</a:t>
+            </a:r>
+            <a:br>
+              <a:rPr b="0" dirty="0">
+                <a:solidFill>
+                  <a:srgbClr val="000000"/>
+                </a:solidFill>
+              </a:rPr>
+            </a:br>
+            <a:r>
+              <a:rPr b="0" dirty="0">
+                <a:solidFill>
+                  <a:srgbClr val="000000"/>
+                </a:solidFill>
+              </a:rPr>
+              <a:t>    {</a:t>
+            </a:r>
+            <a:br>
+              <a:rPr b="0" dirty="0">
+                <a:solidFill>
+                  <a:srgbClr val="000000"/>
+                </a:solidFill>
+              </a:rPr>
+            </a:br>
+            <a:r>
+              <a:rPr b="0" dirty="0">
+                <a:solidFill>
+                  <a:srgbClr val="000000"/>
+                </a:solidFill>
+              </a:rPr>
+              <a:t>        </a:t>
+            </a:r>
+            <a:r>
+              <a:rPr dirty="0"/>
+              <a:t>public </a:t>
+            </a:r>
+            <a:r>
+              <a:rPr dirty="0" err="1"/>
+              <a:t>int</a:t>
+            </a:r>
+            <a:r>
+              <a:rPr dirty="0"/>
+              <a:t> </a:t>
+            </a:r>
+            <a:r>
+              <a:rPr b="0" dirty="0">
+                <a:solidFill>
+                  <a:srgbClr val="000000"/>
+                </a:solidFill>
+              </a:rPr>
+              <a:t>calculate()</a:t>
+            </a:r>
+            <a:br>
+              <a:rPr b="0" dirty="0">
+                <a:solidFill>
+                  <a:srgbClr val="000000"/>
+                </a:solidFill>
+              </a:rPr>
+            </a:br>
+            <a:r>
+              <a:rPr b="0" dirty="0">
+                <a:solidFill>
+                  <a:srgbClr val="000000"/>
+                </a:solidFill>
+              </a:rPr>
+              <a:t>        {</a:t>
+            </a:r>
+            <a:br>
+              <a:rPr b="0" dirty="0">
+                <a:solidFill>
+                  <a:srgbClr val="000000"/>
+                </a:solidFill>
+              </a:rPr>
+            </a:br>
+            <a:r>
+              <a:rPr b="0" dirty="0">
+                <a:solidFill>
+                  <a:srgbClr val="000000"/>
+                </a:solidFill>
+              </a:rPr>
+              <a:t>            </a:t>
+            </a:r>
+            <a:r>
+              <a:rPr dirty="0"/>
+              <a:t>return </a:t>
+            </a:r>
+            <a:r>
+              <a:rPr b="0" dirty="0">
+                <a:solidFill>
+                  <a:srgbClr val="000000"/>
+                </a:solidFill>
+              </a:rPr>
+              <a:t>(</a:t>
+            </a:r>
+            <a:r>
+              <a:rPr dirty="0">
+                <a:solidFill>
+                  <a:srgbClr val="66187A"/>
+                </a:solidFill>
+              </a:rPr>
+              <a:t>data </a:t>
+            </a:r>
+            <a:r>
+              <a:rPr b="0" dirty="0">
+                <a:solidFill>
+                  <a:srgbClr val="000000"/>
+                </a:solidFill>
+              </a:rPr>
+              <a:t>+ </a:t>
+            </a:r>
+            <a:r>
+              <a:rPr dirty="0">
+                <a:solidFill>
+                  <a:srgbClr val="66187A"/>
+                </a:solidFill>
+              </a:rPr>
+              <a:t>data</a:t>
+            </a:r>
+            <a:r>
+              <a:rPr b="0" dirty="0">
+                <a:solidFill>
+                  <a:srgbClr val="000000"/>
+                </a:solidFill>
+              </a:rPr>
+              <a:t>) * </a:t>
+            </a:r>
+            <a:r>
+              <a:rPr b="0" dirty="0">
+                <a:solidFill>
+                  <a:srgbClr val="0433FF"/>
+                </a:solidFill>
+              </a:rPr>
+              <a:t>2</a:t>
+            </a:r>
+            <a:r>
+              <a:rPr b="0" dirty="0">
+                <a:solidFill>
+                  <a:srgbClr val="000000"/>
+                </a:solidFill>
+              </a:rPr>
+              <a:t>;    </a:t>
+            </a:r>
+            <a:br>
+              <a:rPr b="0" dirty="0">
+                <a:solidFill>
+                  <a:srgbClr val="000000"/>
+                </a:solidFill>
+              </a:rPr>
+            </a:br>
+            <a:r>
+              <a:rPr b="0" dirty="0">
+                <a:solidFill>
+                  <a:srgbClr val="000000"/>
+                </a:solidFill>
+              </a:rPr>
+              <a:t>        }</a:t>
+            </a:r>
+            <a:br>
+              <a:rPr b="0" dirty="0">
+                <a:solidFill>
+                  <a:srgbClr val="000000"/>
+                </a:solidFill>
+              </a:rPr>
+            </a:br>
+            <a:r>
+              <a:rPr b="0" dirty="0">
+                <a:solidFill>
+                  <a:srgbClr val="000000"/>
+                </a:solidFill>
+              </a:rPr>
+              <a:t>    }</a:t>
+            </a:r>
+            <a:br>
+              <a:rPr b="0" dirty="0">
+                <a:solidFill>
+                  <a:srgbClr val="000000"/>
+                </a:solidFill>
+              </a:rPr>
+            </a:br>
+            <a:r>
+              <a:rPr b="0" dirty="0">
+                <a:solidFill>
+                  <a:srgbClr val="000000"/>
+                </a:solidFill>
+              </a:rPr>
+              <a:t>}</a:t>
+            </a:r>
+          </a:p>
+        </p:txBody>
+      </p:sp>
+      <p:sp>
+        <p:nvSpPr>
+          <p:cNvPr id="314" name="Shape 314"/>
+          <p:cNvSpPr/>
+          <p:nvPr/>
+        </p:nvSpPr>
+        <p:spPr>
+          <a:xfrm>
+            <a:off x="292098" y="42616"/>
+            <a:ext cx="6669886" cy="462280"/>
+          </a:xfrm>
+          <a:prstGeom prst="rect">
+            <a:avLst/>
+          </a:prstGeom>
+          <a:ln w="12700">
+            <a:miter lim="400000"/>
+          </a:ln>
+          <a:extLst>
+            <a:ext uri="{C572A759-6A51-4108-AA02-DFA0A04FC94B}">
+              <ma14:wrappingTextBoxFlag xmlns:ma14="http://schemas.microsoft.com/office/mac/drawingml/2011/main" xmlns="" val="1"/>
+            </a:ext>
+          </a:extLst>
+        </p:spPr>
+        <p:txBody>
+          <a:bodyPr lIns="34289" tIns="34289" rIns="34289" bIns="34289">
+            <a:spAutoFit/>
+          </a:bodyPr>
+          <a:lstStyle>
+            <a:lvl1pPr>
+              <a:defRPr sz="2600" b="1">
+                <a:solidFill>
+                  <a:schemeClr val="accent2"/>
+                </a:solidFill>
+                <a:latin typeface="Myriad Pro"/>
+                <a:ea typeface="Myriad Pro"/>
+                <a:cs typeface="Myriad Pro"/>
+                <a:sym typeface="Myriad Pro"/>
+              </a:defRPr>
+            </a:lvl1pPr>
+          </a:lstStyle>
+          <a:p>
+            <a:r>
+              <a:t>Inner class</a:t>
+            </a:r>
+          </a:p>
+        </p:txBody>
+      </p:sp>
+      <p:sp>
+        <p:nvSpPr>
+          <p:cNvPr id="315" name="Shape 315"/>
+          <p:cNvSpPr/>
+          <p:nvPr/>
+        </p:nvSpPr>
+        <p:spPr>
+          <a:xfrm>
+            <a:off x="292100" y="889000"/>
+            <a:ext cx="8509000" cy="679667"/>
+          </a:xfrm>
+          <a:prstGeom prst="rect">
+            <a:avLst/>
+          </a:prstGeom>
+          <a:ln w="12700">
+            <a:miter lim="400000"/>
+          </a:ln>
+          <a:extLst>
+            <a:ext uri="{C572A759-6A51-4108-AA02-DFA0A04FC94B}">
+              <ma14:wrappingTextBoxFlag xmlns:ma14="http://schemas.microsoft.com/office/mac/drawingml/2011/main" xmlns="" val="1"/>
+            </a:ext>
+          </a:extLst>
+        </p:spPr>
+        <p:txBody>
+          <a:bodyPr lIns="34289" tIns="34289" rIns="34289" bIns="34289">
+            <a:spAutoFit/>
+          </a:bodyPr>
+          <a:lstStyle/>
+          <a:p>
+            <a:pPr defTabSz="685800">
+              <a:spcBef>
+                <a:spcPts val="500"/>
+              </a:spcBef>
+              <a:defRPr sz="2000">
+                <a:latin typeface="Myriad Pro"/>
+                <a:ea typeface="Myriad Pro"/>
+                <a:cs typeface="Myriad Pro"/>
+                <a:sym typeface="Myriad Pro"/>
+              </a:defRPr>
+            </a:pPr>
+            <a:r>
+              <a:t>Inner classes instance has access to all the data of enclosing type including </a:t>
+            </a:r>
+            <a:r>
+              <a:rPr b="1">
+                <a:solidFill>
+                  <a:srgbClr val="011480"/>
+                </a:solidFill>
+                <a:latin typeface="Menlo"/>
+                <a:ea typeface="Menlo"/>
+                <a:cs typeface="Menlo"/>
+                <a:sym typeface="Menlo"/>
+              </a:rPr>
+              <a:t>private</a:t>
+            </a:r>
+            <a:r>
+              <a:t>.</a:t>
+            </a:r>
+          </a:p>
+        </p:txBody>
+      </p:sp>
+      <p:pic>
+        <p:nvPicPr>
+          <p:cNvPr id="317" name="image21.png"/>
+          <p:cNvPicPr>
+            <a:picLocks noChangeAspect="1"/>
+          </p:cNvPicPr>
+          <p:nvPr/>
+        </p:nvPicPr>
+        <p:blipFill>
+          <a:blip r:embed="rId2">
+            <a:extLst/>
+          </a:blip>
+          <a:stretch>
+            <a:fillRect/>
+          </a:stretch>
+        </p:blipFill>
+        <p:spPr>
+          <a:xfrm>
+            <a:off x="1122414" y="2518782"/>
+            <a:ext cx="760483" cy="76200"/>
+          </a:xfrm>
+          <a:prstGeom prst="rect">
+            <a:avLst/>
+          </a:prstGeom>
+          <a:ln w="12700">
+            <a:miter lim="400000"/>
+          </a:ln>
+          <a:effectLst>
+            <a:outerShdw blurRad="25400" dist="12700" dir="5400000" rotWithShape="0">
+              <a:srgbClr val="000000">
+                <a:alpha val="38000"/>
+              </a:srgbClr>
+            </a:outerShdw>
+          </a:effectLst>
+        </p:spPr>
+      </p:pic>
+      <p:pic>
+        <p:nvPicPr>
+          <p:cNvPr id="318" name="image22.png"/>
+          <p:cNvPicPr>
+            <a:picLocks noChangeAspect="1"/>
+          </p:cNvPicPr>
+          <p:nvPr/>
+        </p:nvPicPr>
+        <p:blipFill>
+          <a:blip r:embed="rId3">
+            <a:extLst/>
+          </a:blip>
+          <a:stretch>
+            <a:fillRect/>
+          </a:stretch>
+        </p:blipFill>
+        <p:spPr>
+          <a:xfrm>
+            <a:off x="1362056" y="4007882"/>
+            <a:ext cx="1597359" cy="76203"/>
+          </a:xfrm>
+          <a:prstGeom prst="rect">
+            <a:avLst/>
+          </a:prstGeom>
+          <a:ln w="12700">
+            <a:miter lim="400000"/>
+          </a:ln>
+          <a:effectLst>
+            <a:outerShdw blurRad="25400" dist="12700" dir="5400000" rotWithShape="0">
+              <a:srgbClr val="000000">
+                <a:alpha val="38000"/>
+              </a:srgbClr>
+            </a:outerShdw>
+          </a:effectLst>
+        </p:spPr>
+      </p:pic>
+    </p:spTree>
+  </p:cSld>
+  <p:clrMapOvr>
+    <a:masterClrMapping/>
+  </p:clrMapOvr>
+  <p:transition spd="med"/>
+</p:sld>
+</file>
+
+<file path=ppt/slides/slide11.xml><?xml version="1.0" encoding="utf-8"?>
+<p:sld xmlns:a="http://schemas.openxmlformats.org/drawingml/2006/main" xmlns:r="http://schemas.openxmlformats.org/officeDocument/2006/relationships" xmlns:p="http://schemas.openxmlformats.org/presentationml/2006/main">
+  <p:cSld>
+    <p:spTree>
+      <p:nvGrpSpPr>
+        <p:cNvPr id="1" name=""/>
+        <p:cNvGrpSpPr/>
+        <p:nvPr/>
+      </p:nvGrpSpPr>
+      <p:grpSpPr>
+        <a:xfrm>
+          <a:off x="0" y="0"/>
+          <a:ext cx="0" cy="0"/>
+          <a:chOff x="0" y="0"/>
+          <a:chExt cx="0" cy="0"/>
+        </a:xfrm>
+      </p:grpSpPr>
+      <p:sp>
+        <p:nvSpPr>
           <p:cNvPr id="321" name="Shape 321"/>
           <p:cNvSpPr/>
           <p:nvPr/>
@@ -13391,7 +13932,7 @@
           </a:ln>
           <a:extLst>
             <a:ext uri="{C572A759-6A51-4108-AA02-DFA0A04FC94B}">
-              <ma14:wrappingTextBoxFlag xmlns="" xmlns:ma14="http://schemas.microsoft.com/office/mac/drawingml/2011/main" val="1"/>
+              <ma14:wrappingTextBoxFlag xmlns:ma14="http://schemas.microsoft.com/office/mac/drawingml/2011/main" xmlns="" val="1"/>
             </a:ext>
           </a:extLst>
         </p:spPr>
@@ -13438,7 +13979,7 @@
           </a:ln>
           <a:extLst>
             <a:ext uri="{C572A759-6A51-4108-AA02-DFA0A04FC94B}">
-              <ma14:wrappingTextBoxFlag xmlns="" xmlns:ma14="http://schemas.microsoft.com/office/mac/drawingml/2011/main" val="1"/>
+              <ma14:wrappingTextBoxFlag xmlns:ma14="http://schemas.microsoft.com/office/mac/drawingml/2011/main" xmlns="" val="1"/>
             </a:ext>
           </a:extLst>
         </p:spPr>
@@ -13475,7 +14016,7 @@
 </p:sld>
 </file>
 
-<file path=ppt/slides/slide11.xml><?xml version="1.0" encoding="utf-8"?>
+<file path=ppt/slides/slide12.xml><?xml version="1.0" encoding="utf-8"?>
 <p:sld xmlns:a="http://schemas.openxmlformats.org/drawingml/2006/main" xmlns:r="http://schemas.openxmlformats.org/officeDocument/2006/relationships" xmlns:p="http://schemas.openxmlformats.org/presentationml/2006/main">
   <p:cSld>
     <p:spTree>
@@ -13511,7 +14052,7 @@
           </a:ln>
           <a:extLst>
             <a:ext uri="{C572A759-6A51-4108-AA02-DFA0A04FC94B}">
-              <ma14:wrappingTextBoxFlag xmlns="" xmlns:ma14="http://schemas.microsoft.com/office/mac/drawingml/2011/main" val="1"/>
+              <ma14:wrappingTextBoxFlag xmlns:ma14="http://schemas.microsoft.com/office/mac/drawingml/2011/main" xmlns="" val="1"/>
             </a:ext>
           </a:extLst>
         </p:spPr>
@@ -13558,7 +14099,7 @@
           </a:ln>
           <a:extLst>
             <a:ext uri="{C572A759-6A51-4108-AA02-DFA0A04FC94B}">
-              <ma14:wrappingTextBoxFlag xmlns="" xmlns:ma14="http://schemas.microsoft.com/office/mac/drawingml/2011/main" val="1"/>
+              <ma14:wrappingTextBoxFlag xmlns:ma14="http://schemas.microsoft.com/office/mac/drawingml/2011/main" xmlns="" val="1"/>
             </a:ext>
           </a:extLst>
         </p:spPr>
@@ -13626,7 +14167,7 @@
 </p:sld>
 </file>
 
-<file path=ppt/slides/slide12.xml><?xml version="1.0" encoding="utf-8"?>
+<file path=ppt/slides/slide13.xml><?xml version="1.0" encoding="utf-8"?>
 <p:sld xmlns:a="http://schemas.openxmlformats.org/drawingml/2006/main" xmlns:r="http://schemas.openxmlformats.org/officeDocument/2006/relationships" xmlns:p="http://schemas.openxmlformats.org/presentationml/2006/main">
   <p:cSld>
     <p:spTree>
@@ -13662,7 +14203,7 @@
           </a:ln>
           <a:extLst>
             <a:ext uri="{C572A759-6A51-4108-AA02-DFA0A04FC94B}">
-              <ma14:wrappingTextBoxFlag xmlns="" xmlns:ma14="http://schemas.microsoft.com/office/mac/drawingml/2011/main" val="1"/>
+              <ma14:wrappingTextBoxFlag xmlns:ma14="http://schemas.microsoft.com/office/mac/drawingml/2011/main" xmlns="" val="1"/>
             </a:ext>
           </a:extLst>
         </p:spPr>
@@ -13709,7 +14250,7 @@
           </a:ln>
           <a:extLst>
             <a:ext uri="{C572A759-6A51-4108-AA02-DFA0A04FC94B}">
-              <ma14:wrappingTextBoxFlag xmlns="" xmlns:ma14="http://schemas.microsoft.com/office/mac/drawingml/2011/main" val="1"/>
+              <ma14:wrappingTextBoxFlag xmlns:ma14="http://schemas.microsoft.com/office/mac/drawingml/2011/main" xmlns="" val="1"/>
             </a:ext>
           </a:extLst>
         </p:spPr>
@@ -13752,7 +14293,7 @@
 </p:sld>
 </file>
 
-<file path=ppt/slides/slide13.xml><?xml version="1.0" encoding="utf-8"?>
+<file path=ppt/slides/slide14.xml><?xml version="1.0" encoding="utf-8"?>
 <p:sld xmlns:a="http://schemas.openxmlformats.org/drawingml/2006/main" xmlns:r="http://schemas.openxmlformats.org/officeDocument/2006/relationships" xmlns:p="http://schemas.openxmlformats.org/presentationml/2006/main">
   <p:cSld>
     <p:spTree>
@@ -13788,7 +14329,7 @@
           </a:ln>
           <a:extLst>
             <a:ext uri="{C572A759-6A51-4108-AA02-DFA0A04FC94B}">
-              <ma14:wrappingTextBoxFlag xmlns="" xmlns:ma14="http://schemas.microsoft.com/office/mac/drawingml/2011/main" val="1"/>
+              <ma14:wrappingTextBoxFlag xmlns:ma14="http://schemas.microsoft.com/office/mac/drawingml/2011/main" xmlns="" val="1"/>
             </a:ext>
           </a:extLst>
         </p:spPr>
@@ -13835,7 +14376,7 @@
           </a:ln>
           <a:extLst>
             <a:ext uri="{C572A759-6A51-4108-AA02-DFA0A04FC94B}">
-              <ma14:wrappingTextBoxFlag xmlns="" xmlns:ma14="http://schemas.microsoft.com/office/mac/drawingml/2011/main" val="1"/>
+              <ma14:wrappingTextBoxFlag xmlns:ma14="http://schemas.microsoft.com/office/mac/drawingml/2011/main" xmlns="" val="1"/>
             </a:ext>
           </a:extLst>
         </p:spPr>
@@ -13893,7 +14434,7 @@
 </p:sld>
 </file>
 
-<file path=ppt/slides/slide14.xml><?xml version="1.0" encoding="utf-8"?>
+<file path=ppt/slides/slide15.xml><?xml version="1.0" encoding="utf-8"?>
 <p:sld xmlns:a="http://schemas.openxmlformats.org/drawingml/2006/main" xmlns:r="http://schemas.openxmlformats.org/officeDocument/2006/relationships" xmlns:p="http://schemas.openxmlformats.org/presentationml/2006/main">
   <p:cSld>
     <p:spTree>
@@ -13929,7 +14470,7 @@
           </a:ln>
           <a:extLst>
             <a:ext uri="{C572A759-6A51-4108-AA02-DFA0A04FC94B}">
-              <ma14:wrappingTextBoxFlag xmlns="" xmlns:ma14="http://schemas.microsoft.com/office/mac/drawingml/2011/main" val="1"/>
+              <ma14:wrappingTextBoxFlag xmlns:ma14="http://schemas.microsoft.com/office/mac/drawingml/2011/main" xmlns="" val="1"/>
             </a:ext>
           </a:extLst>
         </p:spPr>
@@ -13976,7 +14517,7 @@
           </a:ln>
           <a:extLst>
             <a:ext uri="{C572A759-6A51-4108-AA02-DFA0A04FC94B}">
-              <ma14:wrappingTextBoxFlag xmlns="" xmlns:ma14="http://schemas.microsoft.com/office/mac/drawingml/2011/main" val="1"/>
+              <ma14:wrappingTextBoxFlag xmlns:ma14="http://schemas.microsoft.com/office/mac/drawingml/2011/main" xmlns="" val="1"/>
             </a:ext>
           </a:extLst>
         </p:spPr>
@@ -14112,7 +14653,7 @@
 </p:sld>
 </file>
 
-<file path=ppt/slides/slide15.xml><?xml version="1.0" encoding="utf-8"?>
+<file path=ppt/slides/slide16.xml><?xml version="1.0" encoding="utf-8"?>
 <p:sld xmlns:a="http://schemas.openxmlformats.org/drawingml/2006/main" xmlns:r="http://schemas.openxmlformats.org/officeDocument/2006/relationships" xmlns:p="http://schemas.openxmlformats.org/presentationml/2006/main">
   <p:cSld>
     <p:spTree>
@@ -14148,7 +14689,7 @@
           </a:ln>
           <a:extLst>
             <a:ext uri="{C572A759-6A51-4108-AA02-DFA0A04FC94B}">
-              <ma14:wrappingTextBoxFlag xmlns="" xmlns:ma14="http://schemas.microsoft.com/office/mac/drawingml/2011/main" val="1"/>
+              <ma14:wrappingTextBoxFlag xmlns:ma14="http://schemas.microsoft.com/office/mac/drawingml/2011/main" xmlns="" val="1"/>
             </a:ext>
           </a:extLst>
         </p:spPr>
@@ -14195,7 +14736,7 @@
           </a:ln>
           <a:extLst>
             <a:ext uri="{C572A759-6A51-4108-AA02-DFA0A04FC94B}">
-              <ma14:wrappingTextBoxFlag xmlns="" xmlns:ma14="http://schemas.microsoft.com/office/mac/drawingml/2011/main" val="1"/>
+              <ma14:wrappingTextBoxFlag xmlns:ma14="http://schemas.microsoft.com/office/mac/drawingml/2011/main" xmlns="" val="1"/>
             </a:ext>
           </a:extLst>
         </p:spPr>
@@ -14231,7 +14772,7 @@
 </p:sld>
 </file>
 
-<file path=ppt/slides/slide16.xml><?xml version="1.0" encoding="utf-8"?>
+<file path=ppt/slides/slide17.xml><?xml version="1.0" encoding="utf-8"?>
 <p:sld xmlns:a="http://schemas.openxmlformats.org/drawingml/2006/main" xmlns:r="http://schemas.openxmlformats.org/officeDocument/2006/relationships" xmlns:p="http://schemas.openxmlformats.org/presentationml/2006/main">
   <p:cSld>
     <p:spTree>
@@ -14267,7 +14808,7 @@
           </a:ln>
           <a:extLst>
             <a:ext uri="{C572A759-6A51-4108-AA02-DFA0A04FC94B}">
-              <ma14:wrappingTextBoxFlag xmlns="" xmlns:ma14="http://schemas.microsoft.com/office/mac/drawingml/2011/main" val="1"/>
+              <ma14:wrappingTextBoxFlag xmlns:ma14="http://schemas.microsoft.com/office/mac/drawingml/2011/main" xmlns="" val="1"/>
             </a:ext>
           </a:extLst>
         </p:spPr>
@@ -14314,7 +14855,7 @@
           </a:ln>
           <a:extLst>
             <a:ext uri="{C572A759-6A51-4108-AA02-DFA0A04FC94B}">
-              <ma14:wrappingTextBoxFlag xmlns="" xmlns:ma14="http://schemas.microsoft.com/office/mac/drawingml/2011/main" val="1"/>
+              <ma14:wrappingTextBoxFlag xmlns:ma14="http://schemas.microsoft.com/office/mac/drawingml/2011/main" xmlns="" val="1"/>
             </a:ext>
           </a:extLst>
         </p:spPr>
@@ -14409,7 +14950,7 @@
 </p:sld>
 </file>
 
-<file path=ppt/slides/slide17.xml><?xml version="1.0" encoding="utf-8"?>
+<file path=ppt/slides/slide18.xml><?xml version="1.0" encoding="utf-8"?>
 <p:sld xmlns:a="http://schemas.openxmlformats.org/drawingml/2006/main" xmlns:r="http://schemas.openxmlformats.org/officeDocument/2006/relationships" xmlns:p="http://schemas.openxmlformats.org/presentationml/2006/main">
   <p:cSld>
     <p:spTree>
@@ -14445,7 +14986,7 @@
           </a:ln>
           <a:extLst>
             <a:ext uri="{C572A759-6A51-4108-AA02-DFA0A04FC94B}">
-              <ma14:wrappingTextBoxFlag xmlns="" xmlns:ma14="http://schemas.microsoft.com/office/mac/drawingml/2011/main" val="1"/>
+              <ma14:wrappingTextBoxFlag xmlns:ma14="http://schemas.microsoft.com/office/mac/drawingml/2011/main" xmlns="" val="1"/>
             </a:ext>
           </a:extLst>
         </p:spPr>
@@ -14492,7 +15033,7 @@
           </a:ln>
           <a:extLst>
             <a:ext uri="{C572A759-6A51-4108-AA02-DFA0A04FC94B}">
-              <ma14:wrappingTextBoxFlag xmlns="" xmlns:ma14="http://schemas.microsoft.com/office/mac/drawingml/2011/main" val="1"/>
+              <ma14:wrappingTextBoxFlag xmlns:ma14="http://schemas.microsoft.com/office/mac/drawingml/2011/main" xmlns="" val="1"/>
             </a:ext>
           </a:extLst>
         </p:spPr>
@@ -14529,7 +15070,7 @@
 </p:sld>
 </file>
 
-<file path=ppt/slides/slide18.xml><?xml version="1.0" encoding="utf-8"?>
+<file path=ppt/slides/slide19.xml><?xml version="1.0" encoding="utf-8"?>
 <p:sld xmlns:a="http://schemas.openxmlformats.org/drawingml/2006/main" xmlns:r="http://schemas.openxmlformats.org/officeDocument/2006/relationships" xmlns:p="http://schemas.openxmlformats.org/presentationml/2006/main">
   <p:cSld>
     <p:spTree>
@@ -14565,7 +15106,7 @@
           </a:ln>
           <a:extLst>
             <a:ext uri="{C572A759-6A51-4108-AA02-DFA0A04FC94B}">
-              <ma14:wrappingTextBoxFlag xmlns="" xmlns:ma14="http://schemas.microsoft.com/office/mac/drawingml/2011/main" val="1"/>
+              <ma14:wrappingTextBoxFlag xmlns:ma14="http://schemas.microsoft.com/office/mac/drawingml/2011/main" xmlns="" val="1"/>
             </a:ext>
           </a:extLst>
         </p:spPr>
@@ -14612,7 +15153,7 @@
           </a:ln>
           <a:extLst>
             <a:ext uri="{C572A759-6A51-4108-AA02-DFA0A04FC94B}">
-              <ma14:wrappingTextBoxFlag xmlns="" xmlns:ma14="http://schemas.microsoft.com/office/mac/drawingml/2011/main" val="1"/>
+              <ma14:wrappingTextBoxFlag xmlns:ma14="http://schemas.microsoft.com/office/mac/drawingml/2011/main" xmlns="" val="1"/>
             </a:ext>
           </a:extLst>
         </p:spPr>
@@ -14739,225 +15280,6 @@
             </a:pPr>
             <a:r>
               <a:t>The superclass constructor can be called.</a:t>
-            </a:r>
-          </a:p>
-        </p:txBody>
-      </p:sp>
-    </p:spTree>
-  </p:cSld>
-  <p:clrMapOvr>
-    <a:masterClrMapping/>
-  </p:clrMapOvr>
-  <p:transition spd="med"/>
-</p:sld>
-</file>
-
-<file path=ppt/slides/slide19.xml><?xml version="1.0" encoding="utf-8"?>
-<p:sld xmlns:a="http://schemas.openxmlformats.org/drawingml/2006/main" xmlns:r="http://schemas.openxmlformats.org/officeDocument/2006/relationships" xmlns:p="http://schemas.openxmlformats.org/presentationml/2006/main">
-  <p:cSld>
-    <p:spTree>
-      <p:nvGrpSpPr>
-        <p:cNvPr id="1" name=""/>
-        <p:cNvGrpSpPr/>
-        <p:nvPr/>
-      </p:nvGrpSpPr>
-      <p:grpSpPr>
-        <a:xfrm>
-          <a:off x="0" y="0"/>
-          <a:ext cx="0" cy="0"/>
-          <a:chOff x="0" y="0"/>
-          <a:chExt cx="0" cy="0"/>
-        </a:xfrm>
-      </p:grpSpPr>
-      <p:sp>
-        <p:nvSpPr>
-          <p:cNvPr id="368" name="Shape 368"/>
-          <p:cNvSpPr/>
-          <p:nvPr/>
-        </p:nvSpPr>
-        <p:spPr>
-          <a:xfrm>
-            <a:off x="292098" y="42616"/>
-            <a:ext cx="6669886" cy="462280"/>
-          </a:xfrm>
-          <a:prstGeom prst="rect">
-            <a:avLst/>
-          </a:prstGeom>
-          <a:ln w="12700">
-            <a:miter lim="400000"/>
-          </a:ln>
-          <a:extLst>
-            <a:ext uri="{C572A759-6A51-4108-AA02-DFA0A04FC94B}">
-              <ma14:wrappingTextBoxFlag xmlns="" xmlns:ma14="http://schemas.microsoft.com/office/mac/drawingml/2011/main" val="1"/>
-            </a:ext>
-          </a:extLst>
-        </p:spPr>
-        <p:txBody>
-          <a:bodyPr lIns="34289" tIns="34289" rIns="34289" bIns="34289">
-            <a:spAutoFit/>
-          </a:bodyPr>
-          <a:lstStyle>
-            <a:lvl1pPr>
-              <a:defRPr sz="2600" b="1">
-                <a:solidFill>
-                  <a:schemeClr val="accent2"/>
-                </a:solidFill>
-                <a:latin typeface="Myriad Pro"/>
-                <a:ea typeface="Myriad Pro"/>
-                <a:cs typeface="Myriad Pro"/>
-                <a:sym typeface="Myriad Pro"/>
-              </a:defRPr>
-            </a:lvl1pPr>
-          </a:lstStyle>
-          <a:p>
-            <a:r>
-              <a:t>Anonymous inner class</a:t>
-            </a:r>
-          </a:p>
-        </p:txBody>
-      </p:sp>
-      <p:sp>
-        <p:nvSpPr>
-          <p:cNvPr id="369" name="Shape 369"/>
-          <p:cNvSpPr/>
-          <p:nvPr/>
-        </p:nvSpPr>
-        <p:spPr>
-          <a:xfrm>
-            <a:off x="292100" y="1015999"/>
-            <a:ext cx="8509000" cy="3372440"/>
-          </a:xfrm>
-          <a:prstGeom prst="rect">
-            <a:avLst/>
-          </a:prstGeom>
-          <a:ln w="12700">
-            <a:miter lim="400000"/>
-          </a:ln>
-          <a:extLst>
-            <a:ext uri="{C572A759-6A51-4108-AA02-DFA0A04FC94B}">
-              <ma14:wrappingTextBoxFlag xmlns="" xmlns:ma14="http://schemas.microsoft.com/office/mac/drawingml/2011/main" val="1"/>
-            </a:ext>
-          </a:extLst>
-        </p:spPr>
-        <p:txBody>
-          <a:bodyPr lIns="34289" tIns="34289" rIns="34289" bIns="34289">
-            <a:spAutoFit/>
-          </a:bodyPr>
-          <a:lstStyle/>
-          <a:p>
-            <a:pPr marL="228600" indent="-228600" algn="just" defTabSz="685800">
-              <a:spcBef>
-                <a:spcPts val="500"/>
-              </a:spcBef>
-              <a:buSzPct val="100000"/>
-              <a:buChar char="•"/>
-              <a:defRPr sz="2500">
-                <a:latin typeface="Myriad Pro"/>
-                <a:ea typeface="Myriad Pro"/>
-                <a:cs typeface="Myriad Pro"/>
-                <a:sym typeface="Myriad Pro"/>
-              </a:defRPr>
-            </a:pPr>
-            <a:r>
-              <a:t>Practical when you do not want to use trivial names for classes.</a:t>
-            </a:r>
-          </a:p>
-          <a:p>
-            <a:pPr marL="228600" indent="-228600" algn="just" defTabSz="685800">
-              <a:spcBef>
-                <a:spcPts val="500"/>
-              </a:spcBef>
-              <a:buSzPct val="100000"/>
-              <a:buChar char="•"/>
-              <a:defRPr sz="2500">
-                <a:latin typeface="Myriad Pro"/>
-                <a:ea typeface="Myriad Pro"/>
-                <a:cs typeface="Myriad Pro"/>
-                <a:sym typeface="Myriad Pro"/>
-              </a:defRPr>
-            </a:pPr>
-            <a:endParaRPr/>
-          </a:p>
-          <a:p>
-            <a:pPr marL="228600" indent="-228600" algn="just" defTabSz="685800">
-              <a:spcBef>
-                <a:spcPts val="500"/>
-              </a:spcBef>
-              <a:buSzPct val="100000"/>
-              <a:buChar char="•"/>
-              <a:defRPr sz="2500">
-                <a:latin typeface="Myriad Pro"/>
-                <a:ea typeface="Myriad Pro"/>
-                <a:cs typeface="Myriad Pro"/>
-                <a:sym typeface="Myriad Pro"/>
-              </a:defRPr>
-            </a:pPr>
-            <a:r>
-              <a:t>The class code contains several lines.</a:t>
-            </a:r>
-          </a:p>
-          <a:p>
-            <a:pPr marL="228600" indent="-228600" algn="just" defTabSz="685800">
-              <a:spcBef>
-                <a:spcPts val="500"/>
-              </a:spcBef>
-              <a:buSzPct val="100000"/>
-              <a:buChar char="•"/>
-              <a:defRPr sz="2500">
-                <a:latin typeface="Myriad Pro"/>
-                <a:ea typeface="Myriad Pro"/>
-                <a:cs typeface="Myriad Pro"/>
-                <a:sym typeface="Myriad Pro"/>
-              </a:defRPr>
-            </a:pPr>
-            <a:endParaRPr/>
-          </a:p>
-          <a:p>
-            <a:pPr marL="228600" indent="-228600" algn="just" defTabSz="685800">
-              <a:spcBef>
-                <a:spcPts val="500"/>
-              </a:spcBef>
-              <a:buSzPct val="100000"/>
-              <a:buChar char="•"/>
-              <a:defRPr sz="2500">
-                <a:latin typeface="Myriad Pro"/>
-                <a:ea typeface="Myriad Pro"/>
-                <a:cs typeface="Myriad Pro"/>
-                <a:sym typeface="Myriad Pro"/>
-              </a:defRPr>
-            </a:pPr>
-            <a:r>
-              <a:t>When compiling an anonymous class, a separate class named </a:t>
-            </a:r>
-            <a:r>
-              <a:rPr b="1">
-                <a:solidFill>
-                  <a:srgbClr val="011480"/>
-                </a:solidFill>
-                <a:latin typeface="Menlo"/>
-                <a:ea typeface="Menlo"/>
-                <a:cs typeface="Menlo"/>
-                <a:sym typeface="Menlo"/>
-              </a:rPr>
-              <a:t>EnclosingClassName$n</a:t>
-            </a:r>
-            <a:r>
-              <a:t> is created, where </a:t>
-            </a:r>
-            <a:r>
-              <a:rPr b="1">
-                <a:solidFill>
-                  <a:srgbClr val="011480"/>
-                </a:solidFill>
-                <a:latin typeface="Menlo"/>
-                <a:ea typeface="Menlo"/>
-                <a:cs typeface="Menlo"/>
-                <a:sym typeface="Menlo"/>
-              </a:rPr>
-              <a:t>n</a:t>
-            </a:r>
-            <a:r>
-              <a:t> is an anonymous class order number in the outer class. </a:t>
             </a:r>
           </a:p>
         </p:txBody>
@@ -15001,7 +15323,7 @@
         <p:spPr>
           <a:xfrm>
             <a:off x="292098" y="866775"/>
-            <a:ext cx="6103148" cy="2821783"/>
+            <a:ext cx="8569404" cy="2821783"/>
           </a:xfrm>
           <a:prstGeom prst="rect">
             <a:avLst/>
@@ -15011,7 +15333,7 @@
           <a:bodyPr/>
           <a:lstStyle/>
           <a:p>
-            <a:pPr marL="263892" indent="-263892" defTabSz="644651">
+            <a:pPr marL="0" indent="0" defTabSz="644651">
               <a:lnSpc>
                 <a:spcPct val="150000"/>
               </a:lnSpc>
@@ -15020,8 +15342,7 @@
               </a:spcBef>
               <a:buClrTx/>
               <a:buSzPct val="100000"/>
-              <a:buFontTx/>
-              <a:buAutoNum type="arabicPeriod"/>
+              <a:buNone/>
               <a:defRPr sz="2800">
                 <a:solidFill>
                   <a:srgbClr val="000000"/>
@@ -15033,12 +15354,15 @@
               </a:defRPr>
             </a:pPr>
             <a:r>
-              <a:rPr dirty="0"/>
-              <a:t> Inner class</a:t>
-            </a:r>
-          </a:p>
-          <a:p>
-            <a:pPr marL="263892" indent="-263892" defTabSz="644651">
+              <a:rPr lang="pl-PL" dirty="0">
+                <a:hlinkClick r:id="rId2"/>
+              </a:rPr>
+              <a:t>https://github.com/kinder112/java7m3</a:t>
+            </a:r>
+            <a:endParaRPr lang="pl-PL" dirty="0"/>
+          </a:p>
+          <a:p>
+            <a:pPr marL="0" indent="0" defTabSz="644651">
               <a:lnSpc>
                 <a:spcPct val="150000"/>
               </a:lnSpc>
@@ -15047,8 +15371,7 @@
               </a:spcBef>
               <a:buClrTx/>
               <a:buSzPct val="100000"/>
-              <a:buFontTx/>
-              <a:buAutoNum type="arabicPeriod"/>
+              <a:buNone/>
               <a:defRPr sz="2800">
                 <a:solidFill>
                   <a:srgbClr val="000000"/>
@@ -15060,69 +15383,112 @@
               </a:defRPr>
             </a:pPr>
             <a:r>
-              <a:rPr dirty="0"/>
-              <a:t> Static inner class</a:t>
-            </a:r>
-          </a:p>
-          <a:p>
-            <a:pPr marL="263892" indent="-263892" defTabSz="644651">
-              <a:lnSpc>
-                <a:spcPct val="150000"/>
-              </a:lnSpc>
-              <a:spcBef>
-                <a:spcPts val="400"/>
-              </a:spcBef>
-              <a:buClrTx/>
-              <a:buSzPct val="100000"/>
-              <a:buFontTx/>
-              <a:buAutoNum type="arabicPeriod"/>
-              <a:defRPr sz="2800">
-                <a:solidFill>
-                  <a:srgbClr val="000000"/>
-                </a:solidFill>
-                <a:latin typeface="Myriad Pro"/>
-                <a:ea typeface="Myriad Pro"/>
-                <a:cs typeface="Myriad Pro"/>
+              <a:rPr lang="en-US" sz="2800" dirty="0">
                 <a:sym typeface="Myriad Pro"/>
-              </a:defRPr>
-            </a:pPr>
-            <a:r>
-              <a:rPr dirty="0"/>
-              <a:t> Anonymous and local inner classes</a:t>
-            </a:r>
-          </a:p>
-          <a:p>
-            <a:pPr marL="263892" indent="-263892" defTabSz="644651">
-              <a:lnSpc>
-                <a:spcPct val="150000"/>
-              </a:lnSpc>
-              <a:spcBef>
-                <a:spcPts val="400"/>
-              </a:spcBef>
-              <a:buClrTx/>
-              <a:buSzPct val="100000"/>
-              <a:buFontTx/>
-              <a:buAutoNum type="arabicPeriod"/>
-              <a:defRPr sz="2800">
-                <a:solidFill>
-                  <a:srgbClr val="000000"/>
-                </a:solidFill>
-                <a:latin typeface="Myriad Pro"/>
-                <a:ea typeface="Myriad Pro"/>
-                <a:cs typeface="Myriad Pro"/>
+              </a:rPr>
+              <a:t>Smart </a:t>
+            </a:r>
+            <a:r>
+              <a:rPr lang="en-US" sz="2800" dirty="0" err="1">
                 <a:sym typeface="Myriad Pro"/>
-              </a:defRPr>
-            </a:pPr>
-            <a:r>
-              <a:rPr dirty="0"/>
-              <a:t> Exception handling</a:t>
-            </a:r>
+              </a:rPr>
+              <a:t>Bridgit</a:t>
+            </a:r>
+            <a:r>
+              <a:rPr lang="en-US" sz="2800" dirty="0">
+                <a:sym typeface="Myriad Pro"/>
+              </a:rPr>
+              <a:t>: </a:t>
+            </a:r>
+            <a:r>
+              <a:rPr lang="en-US" sz="2800" dirty="0">
+                <a:sym typeface="Myriad Pro"/>
+                <a:hlinkClick r:id="rId3"/>
+              </a:rPr>
+              <a:t>http://ptc-bridgit.luxoft.com/</a:t>
+            </a:r>
+            <a:endParaRPr dirty="0"/>
           </a:p>
         </p:txBody>
       </p:sp>
       <p:sp>
         <p:nvSpPr>
           <p:cNvPr id="287" name="Shape 287"/>
+          <p:cNvSpPr/>
+          <p:nvPr/>
+        </p:nvSpPr>
+        <p:spPr>
+          <a:xfrm>
+            <a:off x="292098" y="42616"/>
+            <a:ext cx="6669886" cy="469357"/>
+          </a:xfrm>
+          <a:prstGeom prst="rect">
+            <a:avLst/>
+          </a:prstGeom>
+          <a:ln w="12700">
+            <a:miter lim="400000"/>
+          </a:ln>
+          <a:extLst>
+            <a:ext uri="{C572A759-6A51-4108-AA02-DFA0A04FC94B}">
+              <ma14:wrappingTextBoxFlag xmlns:ma14="http://schemas.microsoft.com/office/mac/drawingml/2011/main" xmlns="" val="1"/>
+            </a:ext>
+          </a:extLst>
+        </p:spPr>
+        <p:txBody>
+          <a:bodyPr lIns="34289" tIns="34289" rIns="34289" bIns="34289">
+            <a:spAutoFit/>
+          </a:bodyPr>
+          <a:lstStyle>
+            <a:lvl1pPr>
+              <a:defRPr sz="2600" b="1">
+                <a:solidFill>
+                  <a:schemeClr val="accent2"/>
+                </a:solidFill>
+                <a:latin typeface="Myriad Pro"/>
+                <a:ea typeface="Myriad Pro"/>
+                <a:cs typeface="Myriad Pro"/>
+                <a:sym typeface="Myriad Pro"/>
+              </a:defRPr>
+            </a:lvl1pPr>
+          </a:lstStyle>
+          <a:p>
+            <a:r>
+              <a:rPr lang="pl-PL" dirty="0"/>
+              <a:t>Materials</a:t>
+            </a:r>
+            <a:endParaRPr dirty="0"/>
+          </a:p>
+        </p:txBody>
+      </p:sp>
+    </p:spTree>
+  </p:cSld>
+  <p:clrMapOvr>
+    <a:masterClrMapping/>
+  </p:clrMapOvr>
+  <p:transition spd="med"/>
+</p:sld>
+</file>
+
+<file path=ppt/slides/slide20.xml><?xml version="1.0" encoding="utf-8"?>
+<p:sld xmlns:a="http://schemas.openxmlformats.org/drawingml/2006/main" xmlns:r="http://schemas.openxmlformats.org/officeDocument/2006/relationships" xmlns:p="http://schemas.openxmlformats.org/presentationml/2006/main">
+  <p:cSld>
+    <p:spTree>
+      <p:nvGrpSpPr>
+        <p:cNvPr id="1" name=""/>
+        <p:cNvGrpSpPr/>
+        <p:nvPr/>
+      </p:nvGrpSpPr>
+      <p:grpSpPr>
+        <a:xfrm>
+          <a:off x="0" y="0"/>
+          <a:ext cx="0" cy="0"/>
+          <a:chOff x="0" y="0"/>
+          <a:chExt cx="0" cy="0"/>
+        </a:xfrm>
+      </p:grpSpPr>
+      <p:sp>
+        <p:nvSpPr>
+          <p:cNvPr id="368" name="Shape 368"/>
           <p:cNvSpPr/>
           <p:nvPr/>
         </p:nvSpPr>
@@ -15139,7 +15505,7 @@
           </a:ln>
           <a:extLst>
             <a:ext uri="{C572A759-6A51-4108-AA02-DFA0A04FC94B}">
-              <ma14:wrappingTextBoxFlag xmlns="" xmlns:ma14="http://schemas.microsoft.com/office/mac/drawingml/2011/main" val="1"/>
+              <ma14:wrappingTextBoxFlag xmlns:ma14="http://schemas.microsoft.com/office/mac/drawingml/2011/main" xmlns="" val="1"/>
             </a:ext>
           </a:extLst>
         </p:spPr>
@@ -15162,7 +15528,153 @@
           </a:lstStyle>
           <a:p>
             <a:r>
-              <a:t>Contents</a:t>
+              <a:t>Anonymous inner class</a:t>
+            </a:r>
+          </a:p>
+        </p:txBody>
+      </p:sp>
+      <p:sp>
+        <p:nvSpPr>
+          <p:cNvPr id="369" name="Shape 369"/>
+          <p:cNvSpPr/>
+          <p:nvPr/>
+        </p:nvSpPr>
+        <p:spPr>
+          <a:xfrm>
+            <a:off x="292100" y="1015999"/>
+            <a:ext cx="8509000" cy="3372440"/>
+          </a:xfrm>
+          <a:prstGeom prst="rect">
+            <a:avLst/>
+          </a:prstGeom>
+          <a:ln w="12700">
+            <a:miter lim="400000"/>
+          </a:ln>
+          <a:extLst>
+            <a:ext uri="{C572A759-6A51-4108-AA02-DFA0A04FC94B}">
+              <ma14:wrappingTextBoxFlag xmlns:ma14="http://schemas.microsoft.com/office/mac/drawingml/2011/main" xmlns="" val="1"/>
+            </a:ext>
+          </a:extLst>
+        </p:spPr>
+        <p:txBody>
+          <a:bodyPr lIns="34289" tIns="34289" rIns="34289" bIns="34289">
+            <a:spAutoFit/>
+          </a:bodyPr>
+          <a:lstStyle/>
+          <a:p>
+            <a:pPr marL="228600" indent="-228600" algn="just" defTabSz="685800">
+              <a:spcBef>
+                <a:spcPts val="500"/>
+              </a:spcBef>
+              <a:buSzPct val="100000"/>
+              <a:buChar char="•"/>
+              <a:defRPr sz="2500">
+                <a:latin typeface="Myriad Pro"/>
+                <a:ea typeface="Myriad Pro"/>
+                <a:cs typeface="Myriad Pro"/>
+                <a:sym typeface="Myriad Pro"/>
+              </a:defRPr>
+            </a:pPr>
+            <a:r>
+              <a:t>Practical when you do not want to use trivial names for classes.</a:t>
+            </a:r>
+          </a:p>
+          <a:p>
+            <a:pPr marL="228600" indent="-228600" algn="just" defTabSz="685800">
+              <a:spcBef>
+                <a:spcPts val="500"/>
+              </a:spcBef>
+              <a:buSzPct val="100000"/>
+              <a:buChar char="•"/>
+              <a:defRPr sz="2500">
+                <a:latin typeface="Myriad Pro"/>
+                <a:ea typeface="Myriad Pro"/>
+                <a:cs typeface="Myriad Pro"/>
+                <a:sym typeface="Myriad Pro"/>
+              </a:defRPr>
+            </a:pPr>
+            <a:endParaRPr/>
+          </a:p>
+          <a:p>
+            <a:pPr marL="228600" indent="-228600" algn="just" defTabSz="685800">
+              <a:spcBef>
+                <a:spcPts val="500"/>
+              </a:spcBef>
+              <a:buSzPct val="100000"/>
+              <a:buChar char="•"/>
+              <a:defRPr sz="2500">
+                <a:latin typeface="Myriad Pro"/>
+                <a:ea typeface="Myriad Pro"/>
+                <a:cs typeface="Myriad Pro"/>
+                <a:sym typeface="Myriad Pro"/>
+              </a:defRPr>
+            </a:pPr>
+            <a:r>
+              <a:t>The class code contains several lines.</a:t>
+            </a:r>
+          </a:p>
+          <a:p>
+            <a:pPr marL="228600" indent="-228600" algn="just" defTabSz="685800">
+              <a:spcBef>
+                <a:spcPts val="500"/>
+              </a:spcBef>
+              <a:buSzPct val="100000"/>
+              <a:buChar char="•"/>
+              <a:defRPr sz="2500">
+                <a:latin typeface="Myriad Pro"/>
+                <a:ea typeface="Myriad Pro"/>
+                <a:cs typeface="Myriad Pro"/>
+                <a:sym typeface="Myriad Pro"/>
+              </a:defRPr>
+            </a:pPr>
+            <a:endParaRPr/>
+          </a:p>
+          <a:p>
+            <a:pPr marL="228600" indent="-228600" algn="just" defTabSz="685800">
+              <a:spcBef>
+                <a:spcPts val="500"/>
+              </a:spcBef>
+              <a:buSzPct val="100000"/>
+              <a:buChar char="•"/>
+              <a:defRPr sz="2500">
+                <a:latin typeface="Myriad Pro"/>
+                <a:ea typeface="Myriad Pro"/>
+                <a:cs typeface="Myriad Pro"/>
+                <a:sym typeface="Myriad Pro"/>
+              </a:defRPr>
+            </a:pPr>
+            <a:r>
+              <a:t>When compiling an anonymous class, a separate class named </a:t>
+            </a:r>
+            <a:r>
+              <a:rPr b="1">
+                <a:solidFill>
+                  <a:srgbClr val="011480"/>
+                </a:solidFill>
+                <a:latin typeface="Menlo"/>
+                <a:ea typeface="Menlo"/>
+                <a:cs typeface="Menlo"/>
+                <a:sym typeface="Menlo"/>
+              </a:rPr>
+              <a:t>EnclosingClassName$n</a:t>
+            </a:r>
+            <a:r>
+              <a:t> is created, where </a:t>
+            </a:r>
+            <a:r>
+              <a:rPr b="1">
+                <a:solidFill>
+                  <a:srgbClr val="011480"/>
+                </a:solidFill>
+                <a:latin typeface="Menlo"/>
+                <a:ea typeface="Menlo"/>
+                <a:cs typeface="Menlo"/>
+                <a:sym typeface="Menlo"/>
+              </a:rPr>
+              <a:t>n</a:t>
+            </a:r>
+            <a:r>
+              <a:t> is an anonymous class order number in the outer class. </a:t>
             </a:r>
           </a:p>
         </p:txBody>
@@ -15176,7 +15688,7 @@
 </p:sld>
 </file>
 
-<file path=ppt/slides/slide20.xml><?xml version="1.0" encoding="utf-8"?>
+<file path=ppt/slides/slide21.xml><?xml version="1.0" encoding="utf-8"?>
 <p:sld xmlns:a="http://schemas.openxmlformats.org/drawingml/2006/main" xmlns:r="http://schemas.openxmlformats.org/officeDocument/2006/relationships" xmlns:p="http://schemas.openxmlformats.org/presentationml/2006/main">
   <p:cSld>
     <p:spTree>
@@ -15212,7 +15724,7 @@
           </a:ln>
           <a:extLst>
             <a:ext uri="{C572A759-6A51-4108-AA02-DFA0A04FC94B}">
-              <ma14:wrappingTextBoxFlag xmlns="" xmlns:ma14="http://schemas.microsoft.com/office/mac/drawingml/2011/main" val="1"/>
+              <ma14:wrappingTextBoxFlag xmlns:ma14="http://schemas.microsoft.com/office/mac/drawingml/2011/main" xmlns="" val="1"/>
             </a:ext>
           </a:extLst>
         </p:spPr>
@@ -15259,7 +15771,7 @@
           </a:ln>
           <a:extLst>
             <a:ext uri="{C572A759-6A51-4108-AA02-DFA0A04FC94B}">
-              <ma14:wrappingTextBoxFlag xmlns="" xmlns:ma14="http://schemas.microsoft.com/office/mac/drawingml/2011/main" val="1"/>
+              <ma14:wrappingTextBoxFlag xmlns:ma14="http://schemas.microsoft.com/office/mac/drawingml/2011/main" xmlns="" val="1"/>
             </a:ext>
           </a:extLst>
         </p:spPr>
@@ -15334,7 +15846,7 @@
           </a:ln>
           <a:extLst>
             <a:ext uri="{C572A759-6A51-4108-AA02-DFA0A04FC94B}">
-              <ma14:wrappingTextBoxFlag xmlns="" xmlns:ma14="http://schemas.microsoft.com/office/mac/drawingml/2011/main" val="1"/>
+              <ma14:wrappingTextBoxFlag xmlns:ma14="http://schemas.microsoft.com/office/mac/drawingml/2011/main" xmlns="" val="1"/>
             </a:ext>
           </a:extLst>
         </p:spPr>
@@ -15744,7 +16256,7 @@
 </p:sld>
 </file>
 
-<file path=ppt/slides/slide21.xml><?xml version="1.0" encoding="utf-8"?>
+<file path=ppt/slides/slide22.xml><?xml version="1.0" encoding="utf-8"?>
 <p:sld xmlns:a="http://schemas.openxmlformats.org/drawingml/2006/main" xmlns:r="http://schemas.openxmlformats.org/officeDocument/2006/relationships" xmlns:p="http://schemas.openxmlformats.org/presentationml/2006/main">
   <p:cSld>
     <p:spTree>
@@ -15826,7 +16338,7 @@
           </a:ln>
           <a:extLst>
             <a:ext uri="{C572A759-6A51-4108-AA02-DFA0A04FC94B}">
-              <ma14:wrappingTextBoxFlag xmlns="" xmlns:ma14="http://schemas.microsoft.com/office/mac/drawingml/2011/main" val="1"/>
+              <ma14:wrappingTextBoxFlag xmlns:ma14="http://schemas.microsoft.com/office/mac/drawingml/2011/main" xmlns="" val="1"/>
             </a:ext>
           </a:extLst>
         </p:spPr>
@@ -15873,7 +16385,7 @@
           </a:ln>
           <a:extLst>
             <a:ext uri="{C572A759-6A51-4108-AA02-DFA0A04FC94B}">
-              <ma14:wrappingTextBoxFlag xmlns="" xmlns:ma14="http://schemas.microsoft.com/office/mac/drawingml/2011/main" val="1"/>
+              <ma14:wrappingTextBoxFlag xmlns:ma14="http://schemas.microsoft.com/office/mac/drawingml/2011/main" xmlns="" val="1"/>
             </a:ext>
           </a:extLst>
         </p:spPr>
@@ -15892,10 +16404,11 @@
               </a:defRPr>
             </a:pPr>
             <a:r>
+              <a:rPr dirty="0"/>
               <a:t>List&lt;Pet&gt; pets = </a:t>
             </a:r>
             <a:r>
-              <a:rPr b="1">
+              <a:rPr b="1" dirty="0">
                 <a:solidFill>
                   <a:srgbClr val="011480"/>
                 </a:solidFill>
@@ -15903,9 +16416,14 @@
               <a:t>new </a:t>
             </a:r>
             <a:r>
-              <a:t>ArrayList&lt;&gt;();</a:t>
-            </a:r>
-            <a:endParaRPr i="1">
+              <a:rPr dirty="0" err="1"/>
+              <a:t>ArrayList</a:t>
+            </a:r>
+            <a:r>
+              <a:rPr dirty="0"/>
+              <a:t>&lt;&gt;();</a:t>
+            </a:r>
+            <a:endParaRPr i="1" dirty="0">
               <a:solidFill>
                 <a:srgbClr val="808080"/>
               </a:solidFill>
@@ -15920,7 +16438,7 @@
                 <a:sym typeface="Menlo"/>
               </a:defRPr>
             </a:pPr>
-            <a:endParaRPr i="1">
+            <a:endParaRPr i="1" dirty="0">
               <a:solidFill>
                 <a:srgbClr val="808080"/>
               </a:solidFill>
@@ -15939,19 +16457,30 @@
               </a:defRPr>
             </a:pPr>
             <a:r>
+              <a:rPr dirty="0"/>
               <a:t>// create anonymous class inherited from Cat</a:t>
             </a:r>
-            <a:br/>
-            <a:r>
-              <a:rPr i="0">
-                <a:solidFill>
-                  <a:srgbClr val="000000"/>
-                </a:solidFill>
-              </a:rPr>
-              <a:t>pets.add(</a:t>
-            </a:r>
-            <a:r>
-              <a:rPr b="1" i="0">
+            <a:br>
+              <a:rPr dirty="0"/>
+            </a:br>
+            <a:r>
+              <a:rPr i="0" dirty="0" err="1">
+                <a:solidFill>
+                  <a:srgbClr val="000000"/>
+                </a:solidFill>
+              </a:rPr>
+              <a:t>pets.add</a:t>
+            </a:r>
+            <a:r>
+              <a:rPr i="0" dirty="0">
+                <a:solidFill>
+                  <a:srgbClr val="000000"/>
+                </a:solidFill>
+              </a:rPr>
+              <a:t>(</a:t>
+            </a:r>
+            <a:r>
+              <a:rPr b="1" i="0" dirty="0">
                 <a:solidFill>
                   <a:srgbClr val="011480"/>
                 </a:solidFill>
@@ -15959,7 +16488,7 @@
               <a:t>new </a:t>
             </a:r>
             <a:r>
-              <a:rPr i="0">
+              <a:rPr i="0" dirty="0">
                 <a:solidFill>
                   <a:srgbClr val="000000"/>
                 </a:solidFill>
@@ -15967,7 +16496,7 @@
               <a:t>Cat(</a:t>
             </a:r>
             <a:r>
-              <a:rPr b="1" i="0">
+              <a:rPr b="1" i="0" dirty="0">
                 <a:solidFill>
                   <a:srgbClr val="018001"/>
                 </a:solidFill>
@@ -15975,7 +16504,7 @@
               <a:t>"Tiger"</a:t>
             </a:r>
             <a:r>
-              <a:rPr i="0">
+              <a:rPr i="0" dirty="0">
                 <a:solidFill>
                   <a:srgbClr val="000000"/>
                 </a:solidFill>
@@ -15983,14 +16512,14 @@
               <a:t>)</a:t>
             </a:r>
             <a:br>
-              <a:rPr i="0">
+              <a:rPr i="0" dirty="0">
                 <a:solidFill>
                   <a:srgbClr val="000000"/>
                 </a:solidFill>
               </a:rPr>
             </a:br>
             <a:r>
-              <a:rPr i="0">
+              <a:rPr i="0" dirty="0">
                 <a:solidFill>
                   <a:srgbClr val="000000"/>
                 </a:solidFill>
@@ -15998,14 +16527,14 @@
               <a:t>{</a:t>
             </a:r>
             <a:br>
-              <a:rPr i="0">
+              <a:rPr i="0" dirty="0">
                 <a:solidFill>
                   <a:srgbClr val="000000"/>
                 </a:solidFill>
               </a:rPr>
             </a:br>
             <a:r>
-              <a:rPr i="0">
+              <a:rPr i="0" dirty="0">
                 <a:solidFill>
                   <a:srgbClr val="000000"/>
                 </a:solidFill>
@@ -16013,7 +16542,7 @@
               <a:t> </a:t>
             </a:r>
             <a:r>
-              <a:rPr i="0">
+              <a:rPr i="0" dirty="0">
                 <a:solidFill>
                   <a:srgbClr val="808002"/>
                 </a:solidFill>
@@ -16021,7 +16550,7 @@
               <a:t>   </a:t>
             </a:r>
             <a:r>
-              <a:rPr b="1" i="0">
+              <a:rPr b="1" i="0" dirty="0">
                 <a:solidFill>
                   <a:srgbClr val="011480"/>
                 </a:solidFill>
@@ -16029,15 +16558,31 @@
               <a:t>public </a:t>
             </a:r>
             <a:r>
-              <a:rPr i="0">
-                <a:solidFill>
-                  <a:srgbClr val="000000"/>
-                </a:solidFill>
-              </a:rPr>
-              <a:t>String getName() { </a:t>
-            </a:r>
-            <a:r>
-              <a:rPr b="1" i="0">
+              <a:rPr i="0" dirty="0">
+                <a:solidFill>
+                  <a:srgbClr val="000000"/>
+                </a:solidFill>
+              </a:rPr>
+              <a:t>String </a:t>
+            </a:r>
+            <a:r>
+              <a:rPr i="0" dirty="0" err="1">
+                <a:solidFill>
+                  <a:srgbClr val="000000"/>
+                </a:solidFill>
+              </a:rPr>
+              <a:t>getName</a:t>
+            </a:r>
+            <a:r>
+              <a:rPr i="0" dirty="0">
+                <a:solidFill>
+                  <a:srgbClr val="000000"/>
+                </a:solidFill>
+              </a:rPr>
+              <a:t>() { </a:t>
+            </a:r>
+            <a:r>
+              <a:rPr b="1" i="0" dirty="0">
                 <a:solidFill>
                   <a:srgbClr val="011480"/>
                 </a:solidFill>
@@ -16045,7 +16590,7 @@
               <a:t>return </a:t>
             </a:r>
             <a:r>
-              <a:rPr b="1" i="0">
+              <a:rPr b="1" i="0" dirty="0">
                 <a:solidFill>
                   <a:srgbClr val="018001"/>
                 </a:solidFill>
@@ -16053,7 +16598,7 @@
               <a:t>""</a:t>
             </a:r>
             <a:r>
-              <a:rPr i="0">
+              <a:rPr i="0" dirty="0">
                 <a:solidFill>
                   <a:srgbClr val="000000"/>
                 </a:solidFill>
@@ -16061,21 +16606,21 @@
               <a:t>; }</a:t>
             </a:r>
             <a:br>
-              <a:rPr i="0">
+              <a:rPr i="0" dirty="0">
                 <a:solidFill>
                   <a:srgbClr val="000000"/>
                 </a:solidFill>
               </a:rPr>
             </a:br>
             <a:br>
-              <a:rPr i="0">
+              <a:rPr i="0" dirty="0">
                 <a:solidFill>
                   <a:srgbClr val="000000"/>
                 </a:solidFill>
               </a:rPr>
             </a:br>
             <a:r>
-              <a:rPr i="0">
+              <a:rPr i="0" dirty="0">
                 <a:solidFill>
                   <a:srgbClr val="808002"/>
                 </a:solidFill>
@@ -16083,7 +16628,7 @@
               <a:t>    </a:t>
             </a:r>
             <a:r>
-              <a:rPr b="1" i="0">
+              <a:rPr b="1" i="0" dirty="0">
                 <a:solidFill>
                   <a:srgbClr val="011480"/>
                 </a:solidFill>
@@ -16091,22 +16636,30 @@
               <a:t>public void </a:t>
             </a:r>
             <a:r>
-              <a:rPr i="0">
-                <a:solidFill>
-                  <a:srgbClr val="000000"/>
-                </a:solidFill>
-              </a:rPr>
-              <a:t>beFriendly()</a:t>
+              <a:rPr i="0" dirty="0" err="1">
+                <a:solidFill>
+                  <a:srgbClr val="000000"/>
+                </a:solidFill>
+              </a:rPr>
+              <a:t>beFriendly</a:t>
+            </a:r>
+            <a:r>
+              <a:rPr i="0" dirty="0">
+                <a:solidFill>
+                  <a:srgbClr val="000000"/>
+                </a:solidFill>
+              </a:rPr>
+              <a:t>()</a:t>
             </a:r>
             <a:br>
-              <a:rPr i="0">
+              <a:rPr i="0" dirty="0">
                 <a:solidFill>
                   <a:srgbClr val="000000"/>
                 </a:solidFill>
               </a:rPr>
             </a:br>
             <a:r>
-              <a:rPr i="0">
+              <a:rPr i="0" dirty="0">
                 <a:solidFill>
                   <a:srgbClr val="000000"/>
                 </a:solidFill>
@@ -16114,22 +16667,30 @@
               <a:t>    {</a:t>
             </a:r>
             <a:br>
-              <a:rPr i="0">
+              <a:rPr i="0" dirty="0">
                 <a:solidFill>
                   <a:srgbClr val="000000"/>
                 </a:solidFill>
               </a:rPr>
             </a:br>
             <a:r>
-              <a:rPr i="0">
-                <a:solidFill>
-                  <a:srgbClr val="000000"/>
-                </a:solidFill>
-              </a:rPr>
-              <a:t>        System.</a:t>
-            </a:r>
-            <a:r>
-              <a:rPr b="1">
+              <a:rPr i="0" dirty="0">
+                <a:solidFill>
+                  <a:srgbClr val="000000"/>
+                </a:solidFill>
+              </a:rPr>
+              <a:t>        </a:t>
+            </a:r>
+            <a:r>
+              <a:rPr i="0" dirty="0" err="1">
+                <a:solidFill>
+                  <a:srgbClr val="000000"/>
+                </a:solidFill>
+              </a:rPr>
+              <a:t>System.</a:t>
+            </a:r>
+            <a:r>
+              <a:rPr b="1" dirty="0" err="1">
                 <a:solidFill>
                   <a:srgbClr val="66187A"/>
                 </a:solidFill>
@@ -16137,15 +16698,23 @@
               <a:t>out</a:t>
             </a:r>
             <a:r>
-              <a:rPr i="0">
-                <a:solidFill>
-                  <a:srgbClr val="000000"/>
-                </a:solidFill>
-              </a:rPr>
-              <a:t>.println(</a:t>
-            </a:r>
-            <a:r>
-              <a:rPr b="1" i="0">
+              <a:rPr i="0" dirty="0" err="1">
+                <a:solidFill>
+                  <a:srgbClr val="000000"/>
+                </a:solidFill>
+              </a:rPr>
+              <a:t>.println</a:t>
+            </a:r>
+            <a:r>
+              <a:rPr i="0" dirty="0">
+                <a:solidFill>
+                  <a:srgbClr val="000000"/>
+                </a:solidFill>
+              </a:rPr>
+              <a:t>(</a:t>
+            </a:r>
+            <a:r>
+              <a:rPr b="1" i="0" dirty="0">
                 <a:solidFill>
                   <a:srgbClr val="018001"/>
                 </a:solidFill>
@@ -16153,7 +16722,7 @@
               <a:t>"I'm Tiger, not friendly!"</a:t>
             </a:r>
             <a:r>
-              <a:rPr i="0">
+              <a:rPr i="0" dirty="0">
                 <a:solidFill>
                   <a:srgbClr val="000000"/>
                 </a:solidFill>
@@ -16161,14 +16730,14 @@
               <a:t>);</a:t>
             </a:r>
             <a:br>
-              <a:rPr i="0">
+              <a:rPr i="0" dirty="0">
                 <a:solidFill>
                   <a:srgbClr val="000000"/>
                 </a:solidFill>
               </a:rPr>
             </a:br>
             <a:r>
-              <a:rPr i="0">
+              <a:rPr i="0" dirty="0">
                 <a:solidFill>
                   <a:srgbClr val="000000"/>
                 </a:solidFill>
@@ -16176,14 +16745,14 @@
               <a:t>    }</a:t>
             </a:r>
             <a:br>
-              <a:rPr i="0">
+              <a:rPr i="0" dirty="0">
                 <a:solidFill>
                   <a:srgbClr val="000000"/>
                 </a:solidFill>
               </a:rPr>
             </a:br>
             <a:r>
-              <a:rPr i="0">
+              <a:rPr i="0" dirty="0">
                 <a:solidFill>
                   <a:srgbClr val="000000"/>
                 </a:solidFill>
@@ -16191,33 +16760,44 @@
               <a:t>});</a:t>
             </a:r>
             <a:br>
-              <a:rPr i="0">
+              <a:rPr i="0" dirty="0">
                 <a:solidFill>
                   <a:srgbClr val="000000"/>
                 </a:solidFill>
               </a:rPr>
             </a:br>
             <a:br>
-              <a:rPr i="0">
+              <a:rPr i="0" dirty="0">
                 <a:solidFill>
                   <a:srgbClr val="000000"/>
                 </a:solidFill>
               </a:rPr>
             </a:br>
             <a:r>
+              <a:rPr dirty="0"/>
               <a:t>// adding Pet interface implementation</a:t>
             </a:r>
-            <a:br/>
-            <a:r>
-              <a:rPr i="0">
-                <a:solidFill>
-                  <a:srgbClr val="000000"/>
-                </a:solidFill>
-              </a:rPr>
-              <a:t>pets.add(</a:t>
-            </a:r>
-            <a:r>
-              <a:rPr b="1" i="0">
+            <a:br>
+              <a:rPr dirty="0"/>
+            </a:br>
+            <a:r>
+              <a:rPr i="0" dirty="0" err="1">
+                <a:solidFill>
+                  <a:srgbClr val="000000"/>
+                </a:solidFill>
+              </a:rPr>
+              <a:t>pets.add</a:t>
+            </a:r>
+            <a:r>
+              <a:rPr i="0" dirty="0">
+                <a:solidFill>
+                  <a:srgbClr val="000000"/>
+                </a:solidFill>
+              </a:rPr>
+              <a:t>(</a:t>
+            </a:r>
+            <a:r>
+              <a:rPr b="1" i="0" dirty="0">
                 <a:solidFill>
                   <a:srgbClr val="011480"/>
                 </a:solidFill>
@@ -16225,7 +16805,7 @@
               <a:t>new </a:t>
             </a:r>
             <a:r>
-              <a:rPr i="0">
+              <a:rPr i="0" dirty="0">
                 <a:solidFill>
                   <a:srgbClr val="000000"/>
                 </a:solidFill>
@@ -16233,14 +16813,14 @@
               <a:t>Pet()</a:t>
             </a:r>
             <a:br>
-              <a:rPr i="0">
+              <a:rPr i="0" dirty="0">
                 <a:solidFill>
                   <a:srgbClr val="000000"/>
                 </a:solidFill>
               </a:rPr>
             </a:br>
             <a:r>
-              <a:rPr i="0">
+              <a:rPr i="0" dirty="0">
                 <a:solidFill>
                   <a:srgbClr val="000000"/>
                 </a:solidFill>
@@ -16248,14 +16828,14 @@
               <a:t>{</a:t>
             </a:r>
             <a:br>
-              <a:rPr i="0">
+              <a:rPr i="0" dirty="0">
                 <a:solidFill>
                   <a:srgbClr val="000000"/>
                 </a:solidFill>
               </a:rPr>
             </a:br>
             <a:r>
-              <a:rPr i="0">
+              <a:rPr i="0" dirty="0">
                 <a:solidFill>
                   <a:srgbClr val="808002"/>
                 </a:solidFill>
@@ -16263,7 +16843,7 @@
               <a:t>    </a:t>
             </a:r>
             <a:r>
-              <a:rPr b="1" i="0">
+              <a:rPr b="1" i="0" dirty="0">
                 <a:solidFill>
                   <a:srgbClr val="011480"/>
                 </a:solidFill>
@@ -16271,15 +16851,31 @@
               <a:t>public </a:t>
             </a:r>
             <a:r>
-              <a:rPr i="0">
-                <a:solidFill>
-                  <a:srgbClr val="000000"/>
-                </a:solidFill>
-              </a:rPr>
-              <a:t>String getName() { </a:t>
-            </a:r>
-            <a:r>
-              <a:rPr b="1" i="0">
+              <a:rPr i="0" dirty="0">
+                <a:solidFill>
+                  <a:srgbClr val="000000"/>
+                </a:solidFill>
+              </a:rPr>
+              <a:t>String </a:t>
+            </a:r>
+            <a:r>
+              <a:rPr i="0" dirty="0" err="1">
+                <a:solidFill>
+                  <a:srgbClr val="000000"/>
+                </a:solidFill>
+              </a:rPr>
+              <a:t>getName</a:t>
+            </a:r>
+            <a:r>
+              <a:rPr i="0" dirty="0">
+                <a:solidFill>
+                  <a:srgbClr val="000000"/>
+                </a:solidFill>
+              </a:rPr>
+              <a:t>() { </a:t>
+            </a:r>
+            <a:r>
+              <a:rPr b="1" i="0" dirty="0">
                 <a:solidFill>
                   <a:srgbClr val="011480"/>
                 </a:solidFill>
@@ -16287,7 +16883,7 @@
               <a:t>return </a:t>
             </a:r>
             <a:r>
-              <a:rPr b="1" i="0">
+              <a:rPr b="1" i="0" dirty="0">
                 <a:solidFill>
                   <a:srgbClr val="018001"/>
                 </a:solidFill>
@@ -16295,7 +16891,7 @@
               <a:t>"I'm a Pet"</a:t>
             </a:r>
             <a:r>
-              <a:rPr i="0">
+              <a:rPr i="0" dirty="0">
                 <a:solidFill>
                   <a:srgbClr val="000000"/>
                 </a:solidFill>
@@ -16303,21 +16899,21 @@
               <a:t>; }</a:t>
             </a:r>
             <a:br>
-              <a:rPr i="0">
+              <a:rPr i="0" dirty="0">
                 <a:solidFill>
                   <a:srgbClr val="000000"/>
                 </a:solidFill>
               </a:rPr>
             </a:br>
             <a:br>
-              <a:rPr i="0">
+              <a:rPr i="0" dirty="0">
                 <a:solidFill>
                   <a:srgbClr val="000000"/>
                 </a:solidFill>
               </a:rPr>
             </a:br>
             <a:r>
-              <a:rPr i="0">
+              <a:rPr i="0" dirty="0">
                 <a:solidFill>
                   <a:srgbClr val="808002"/>
                 </a:solidFill>
@@ -16325,7 +16921,7 @@
               <a:t>    </a:t>
             </a:r>
             <a:r>
-              <a:rPr b="1" i="0">
+              <a:rPr b="1" i="0" dirty="0">
                 <a:solidFill>
                   <a:srgbClr val="011480"/>
                 </a:solidFill>
@@ -16333,22 +16929,30 @@
               <a:t>public void </a:t>
             </a:r>
             <a:r>
-              <a:rPr i="0">
-                <a:solidFill>
-                  <a:srgbClr val="000000"/>
-                </a:solidFill>
-              </a:rPr>
-              <a:t>beFriendly() { }</a:t>
+              <a:rPr i="0" dirty="0" err="1">
+                <a:solidFill>
+                  <a:srgbClr val="000000"/>
+                </a:solidFill>
+              </a:rPr>
+              <a:t>beFriendly</a:t>
+            </a:r>
+            <a:r>
+              <a:rPr i="0" dirty="0">
+                <a:solidFill>
+                  <a:srgbClr val="000000"/>
+                </a:solidFill>
+              </a:rPr>
+              <a:t>() { }</a:t>
             </a:r>
             <a:br>
-              <a:rPr i="0">
+              <a:rPr i="0" dirty="0">
                 <a:solidFill>
                   <a:srgbClr val="000000"/>
                 </a:solidFill>
               </a:rPr>
             </a:br>
             <a:r>
-              <a:rPr i="0">
+              <a:rPr i="0" dirty="0">
                 <a:solidFill>
                   <a:srgbClr val="000000"/>
                 </a:solidFill>
@@ -16377,7 +16981,7 @@
           </a:ln>
           <a:extLst>
             <a:ext uri="{C572A759-6A51-4108-AA02-DFA0A04FC94B}">
-              <ma14:wrappingTextBoxFlag xmlns="" xmlns:ma14="http://schemas.microsoft.com/office/mac/drawingml/2011/main" val="1"/>
+              <ma14:wrappingTextBoxFlag xmlns:ma14="http://schemas.microsoft.com/office/mac/drawingml/2011/main" xmlns="" val="1"/>
             </a:ext>
           </a:extLst>
         </p:spPr>
@@ -16932,7 +17536,7 @@
 </p:sld>
 </file>
 
-<file path=ppt/slides/slide22.xml><?xml version="1.0" encoding="utf-8"?>
+<file path=ppt/slides/slide23.xml><?xml version="1.0" encoding="utf-8"?>
 <p:sld xmlns:a="http://schemas.openxmlformats.org/drawingml/2006/main" xmlns:r="http://schemas.openxmlformats.org/officeDocument/2006/relationships" xmlns:p="http://schemas.openxmlformats.org/presentationml/2006/main">
   <p:cSld>
     <p:spTree>
@@ -17014,7 +17618,7 @@
           </a:ln>
           <a:extLst>
             <a:ext uri="{C572A759-6A51-4108-AA02-DFA0A04FC94B}">
-              <ma14:wrappingTextBoxFlag xmlns="" xmlns:ma14="http://schemas.microsoft.com/office/mac/drawingml/2011/main" val="1"/>
+              <ma14:wrappingTextBoxFlag xmlns:ma14="http://schemas.microsoft.com/office/mac/drawingml/2011/main" xmlns="" val="1"/>
             </a:ext>
           </a:extLst>
         </p:spPr>
@@ -17061,7 +17665,7 @@
           </a:ln>
           <a:extLst>
             <a:ext uri="{C572A759-6A51-4108-AA02-DFA0A04FC94B}">
-              <ma14:wrappingTextBoxFlag xmlns="" xmlns:ma14="http://schemas.microsoft.com/office/mac/drawingml/2011/main" val="1"/>
+              <ma14:wrappingTextBoxFlag xmlns:ma14="http://schemas.microsoft.com/office/mac/drawingml/2011/main" xmlns="" val="1"/>
             </a:ext>
           </a:extLst>
         </p:spPr>
@@ -17452,7 +18056,7 @@
           </a:ln>
           <a:extLst>
             <a:ext uri="{C572A759-6A51-4108-AA02-DFA0A04FC94B}">
-              <ma14:wrappingTextBoxFlag xmlns="" xmlns:ma14="http://schemas.microsoft.com/office/mac/drawingml/2011/main" val="1"/>
+              <ma14:wrappingTextBoxFlag xmlns:ma14="http://schemas.microsoft.com/office/mac/drawingml/2011/main" xmlns="" val="1"/>
             </a:ext>
           </a:extLst>
         </p:spPr>
@@ -17934,7 +18538,7 @@
           </a:ln>
           <a:extLst>
             <a:ext uri="{C572A759-6A51-4108-AA02-DFA0A04FC94B}">
-              <ma14:wrappingTextBoxFlag xmlns="" xmlns:ma14="http://schemas.microsoft.com/office/mac/drawingml/2011/main" val="1"/>
+              <ma14:wrappingTextBoxFlag xmlns:ma14="http://schemas.microsoft.com/office/mac/drawingml/2011/main" xmlns="" val="1"/>
             </a:ext>
           </a:extLst>
         </p:spPr>
@@ -18196,7 +18800,181 @@
 </p:sld>
 </file>
 
-<file path=ppt/slides/slide23.xml><?xml version="1.0" encoding="utf-8"?>
+<file path=ppt/slides/slide24.xml><?xml version="1.0" encoding="utf-8"?>
+<p:sld xmlns:a="http://schemas.openxmlformats.org/drawingml/2006/main" xmlns:r="http://schemas.openxmlformats.org/officeDocument/2006/relationships" xmlns:p="http://schemas.openxmlformats.org/presentationml/2006/main">
+  <p:cSld>
+    <p:spTree>
+      <p:nvGrpSpPr>
+        <p:cNvPr id="1" name=""/>
+        <p:cNvGrpSpPr/>
+        <p:nvPr/>
+      </p:nvGrpSpPr>
+      <p:grpSpPr>
+        <a:xfrm>
+          <a:off x="0" y="0"/>
+          <a:ext cx="0" cy="0"/>
+          <a:chOff x="0" y="0"/>
+          <a:chExt cx="0" cy="0"/>
+        </a:xfrm>
+      </p:grpSpPr>
+      <p:sp>
+        <p:nvSpPr>
+          <p:cNvPr id="385" name="Shape 385"/>
+          <p:cNvSpPr/>
+          <p:nvPr/>
+        </p:nvSpPr>
+        <p:spPr>
+          <a:xfrm>
+            <a:off x="292098" y="42616"/>
+            <a:ext cx="6669886" cy="469357"/>
+          </a:xfrm>
+          <a:prstGeom prst="rect">
+            <a:avLst/>
+          </a:prstGeom>
+          <a:ln w="12700">
+            <a:miter lim="400000"/>
+          </a:ln>
+          <a:extLst>
+            <a:ext uri="{C572A759-6A51-4108-AA02-DFA0A04FC94B}">
+              <ma14:wrappingTextBoxFlag xmlns:ma14="http://schemas.microsoft.com/office/mac/drawingml/2011/main" xmlns="" val="1"/>
+            </a:ext>
+          </a:extLst>
+        </p:spPr>
+        <p:txBody>
+          <a:bodyPr lIns="34289" tIns="34289" rIns="34289" bIns="34289">
+            <a:spAutoFit/>
+          </a:bodyPr>
+          <a:lstStyle>
+            <a:lvl1pPr>
+              <a:defRPr sz="2600" b="1">
+                <a:solidFill>
+                  <a:schemeClr val="accent2"/>
+                </a:solidFill>
+                <a:latin typeface="Myriad Pro"/>
+                <a:ea typeface="Myriad Pro"/>
+                <a:cs typeface="Myriad Pro"/>
+                <a:sym typeface="Myriad Pro"/>
+              </a:defRPr>
+            </a:lvl1pPr>
+          </a:lstStyle>
+          <a:p>
+            <a:r>
+              <a:rPr lang="pl-PL" dirty="0"/>
+              <a:t>Why Use Nested Classes?</a:t>
+            </a:r>
+          </a:p>
+        </p:txBody>
+      </p:sp>
+      <p:sp>
+        <p:nvSpPr>
+          <p:cNvPr id="387" name="Shape 387"/>
+          <p:cNvSpPr/>
+          <p:nvPr/>
+        </p:nvSpPr>
+        <p:spPr>
+          <a:xfrm>
+            <a:off x="292098" y="727514"/>
+            <a:ext cx="8432802" cy="2946959"/>
+          </a:xfrm>
+          <a:prstGeom prst="rect">
+            <a:avLst/>
+          </a:prstGeom>
+          <a:ln w="12700">
+            <a:miter lim="400000"/>
+          </a:ln>
+          <a:extLst>
+            <a:ext uri="{C572A759-6A51-4108-AA02-DFA0A04FC94B}">
+              <ma14:wrappingTextBoxFlag xmlns:ma14="http://schemas.microsoft.com/office/mac/drawingml/2011/main" xmlns="" val="1"/>
+            </a:ext>
+          </a:extLst>
+        </p:spPr>
+        <p:txBody>
+          <a:bodyPr wrap="square" lIns="34289" tIns="34289" rIns="34289" bIns="34289">
+            <a:spAutoFit/>
+          </a:bodyPr>
+          <a:lstStyle/>
+          <a:p>
+            <a:r>
+              <a:rPr lang="en-US" sz="1600" b="1" dirty="0"/>
+              <a:t>Logical grouping of classes</a:t>
+            </a:r>
+            <a:r>
+              <a:rPr lang="pl-PL" sz="1600" b="1" dirty="0"/>
+              <a:t> -</a:t>
+            </a:r>
+            <a:r>
+              <a:rPr lang="en-US" sz="1600" dirty="0"/>
+              <a:t> If a class is useful to only one other class, then it is logical to embed it in that class and keep the two together. Nesting such “helper classes” makes their package more streamlined.</a:t>
+            </a:r>
+            <a:endParaRPr lang="pl-PL" sz="1600" dirty="0"/>
+          </a:p>
+          <a:p>
+            <a:endParaRPr lang="en-US" sz="1600" dirty="0"/>
+          </a:p>
+          <a:p>
+            <a:r>
+              <a:rPr lang="en-US" sz="1600" b="1" dirty="0"/>
+              <a:t>Increased encapsulation</a:t>
+            </a:r>
+            <a:r>
+              <a:rPr lang="pl-PL" sz="1600" b="1" dirty="0"/>
+              <a:t> - </a:t>
+            </a:r>
+            <a:r>
+              <a:rPr lang="en-US" sz="1600" dirty="0"/>
+              <a:t>Consider two top-level classes, A and B, where B needs access to members of A that would otherwise be declared private. By hiding class B within class A, A’s members can be declared private and B can access them. In addition, B itself can be hidden from the outside world.</a:t>
+            </a:r>
+            <a:endParaRPr lang="pl-PL" sz="1600" dirty="0"/>
+          </a:p>
+          <a:p>
+            <a:endParaRPr lang="en-US" sz="1600" dirty="0"/>
+          </a:p>
+          <a:p>
+            <a:r>
+              <a:rPr lang="en-US" sz="1600" b="1" dirty="0"/>
+              <a:t>More readable, maintainable code</a:t>
+            </a:r>
+            <a:r>
+              <a:rPr lang="pl-PL" sz="1600" b="1" dirty="0"/>
+              <a:t> - </a:t>
+            </a:r>
+            <a:r>
+              <a:rPr lang="en-US" sz="1600" dirty="0"/>
+              <a:t>Nesting small classes within top-level classes places the code closer to where it is used.</a:t>
+            </a:r>
+          </a:p>
+          <a:p>
+            <a:pPr defTabSz="457200">
+              <a:defRPr sz="1100">
+                <a:latin typeface="Menlo"/>
+                <a:ea typeface="Menlo"/>
+                <a:cs typeface="Menlo"/>
+                <a:sym typeface="Menlo"/>
+              </a:defRPr>
+            </a:pPr>
+            <a:endParaRPr i="0" dirty="0">
+              <a:solidFill>
+                <a:srgbClr val="000000"/>
+              </a:solidFill>
+            </a:endParaRPr>
+          </a:p>
+        </p:txBody>
+      </p:sp>
+    </p:spTree>
+    <p:extLst>
+      <p:ext uri="{BB962C8B-B14F-4D97-AF65-F5344CB8AC3E}">
+        <p14:creationId xmlns:p14="http://schemas.microsoft.com/office/powerpoint/2010/main" val="187496872"/>
+      </p:ext>
+    </p:extLst>
+  </p:cSld>
+  <p:clrMapOvr>
+    <a:masterClrMapping/>
+  </p:clrMapOvr>
+  <p:transition spd="med"/>
+</p:sld>
+</file>
+
+<file path=ppt/slides/slide25.xml><?xml version="1.0" encoding="utf-8"?>
 <p:sld xmlns:a="http://schemas.openxmlformats.org/drawingml/2006/main" xmlns:r="http://schemas.openxmlformats.org/officeDocument/2006/relationships" xmlns:p="http://schemas.openxmlformats.org/presentationml/2006/main">
   <p:cSld>
     <p:spTree>
@@ -18232,7 +19010,7 @@
           </a:ln>
           <a:extLst>
             <a:ext uri="{C572A759-6A51-4108-AA02-DFA0A04FC94B}">
-              <ma14:wrappingTextBoxFlag xmlns="" xmlns:ma14="http://schemas.microsoft.com/office/mac/drawingml/2011/main" val="1"/>
+              <ma14:wrappingTextBoxFlag xmlns:ma14="http://schemas.microsoft.com/office/mac/drawingml/2011/main" xmlns="" val="1"/>
             </a:ext>
           </a:extLst>
         </p:spPr>
@@ -18279,7 +19057,7 @@
           </a:ln>
           <a:extLst>
             <a:ext uri="{C572A759-6A51-4108-AA02-DFA0A04FC94B}">
-              <ma14:wrappingTextBoxFlag xmlns="" xmlns:ma14="http://schemas.microsoft.com/office/mac/drawingml/2011/main" val="1"/>
+              <ma14:wrappingTextBoxFlag xmlns:ma14="http://schemas.microsoft.com/office/mac/drawingml/2011/main" xmlns="" val="1"/>
             </a:ext>
           </a:extLst>
         </p:spPr>
@@ -18351,7 +19129,7 @@
           </a:ln>
           <a:extLst>
             <a:ext uri="{C572A759-6A51-4108-AA02-DFA0A04FC94B}">
-              <ma14:wrappingTextBoxFlag xmlns="" xmlns:ma14="http://schemas.microsoft.com/office/mac/drawingml/2011/main" val="1"/>
+              <ma14:wrappingTextBoxFlag xmlns:ma14="http://schemas.microsoft.com/office/mac/drawingml/2011/main" xmlns="" val="1"/>
             </a:ext>
           </a:extLst>
         </p:spPr>
@@ -18728,7 +19506,7 @@
 </p:sld>
 </file>
 
-<file path=ppt/slides/slide24.xml><?xml version="1.0" encoding="utf-8"?>
+<file path=ppt/slides/slide26.xml><?xml version="1.0" encoding="utf-8"?>
 <p:sld xmlns:a="http://schemas.openxmlformats.org/drawingml/2006/main" xmlns:r="http://schemas.openxmlformats.org/officeDocument/2006/relationships" xmlns:p="http://schemas.openxmlformats.org/presentationml/2006/main">
   <p:cSld>
     <p:spTree>
@@ -18764,7 +19542,7 @@
           </a:ln>
           <a:extLst>
             <a:ext uri="{C572A759-6A51-4108-AA02-DFA0A04FC94B}">
-              <ma14:wrappingTextBoxFlag xmlns="" xmlns:ma14="http://schemas.microsoft.com/office/mac/drawingml/2011/main" val="1"/>
+              <ma14:wrappingTextBoxFlag xmlns:ma14="http://schemas.microsoft.com/office/mac/drawingml/2011/main" xmlns="" val="1"/>
             </a:ext>
           </a:extLst>
         </p:spPr>
@@ -18811,7 +19589,7 @@
           </a:ln>
           <a:extLst>
             <a:ext uri="{C572A759-6A51-4108-AA02-DFA0A04FC94B}">
-              <ma14:wrappingTextBoxFlag xmlns="" xmlns:ma14="http://schemas.microsoft.com/office/mac/drawingml/2011/main" val="1"/>
+              <ma14:wrappingTextBoxFlag xmlns:ma14="http://schemas.microsoft.com/office/mac/drawingml/2011/main" xmlns="" val="1"/>
             </a:ext>
           </a:extLst>
         </p:spPr>
@@ -18864,7 +19642,7 @@
           </a:ln>
           <a:extLst>
             <a:ext uri="{C572A759-6A51-4108-AA02-DFA0A04FC94B}">
-              <ma14:wrappingTextBoxFlag xmlns="" xmlns:ma14="http://schemas.microsoft.com/office/mac/drawingml/2011/main" val="1"/>
+              <ma14:wrappingTextBoxFlag xmlns:ma14="http://schemas.microsoft.com/office/mac/drawingml/2011/main" xmlns="" val="1"/>
             </a:ext>
           </a:extLst>
         </p:spPr>
@@ -19103,7 +19881,7 @@
           </a:ln>
           <a:extLst>
             <a:ext uri="{C572A759-6A51-4108-AA02-DFA0A04FC94B}">
-              <ma14:wrappingTextBoxFlag xmlns="" xmlns:ma14="http://schemas.microsoft.com/office/mac/drawingml/2011/main" val="1"/>
+              <ma14:wrappingTextBoxFlag xmlns:ma14="http://schemas.microsoft.com/office/mac/drawingml/2011/main" xmlns="" val="1"/>
             </a:ext>
           </a:extLst>
         </p:spPr>
@@ -19140,7 +19918,7 @@
 </p:sld>
 </file>
 
-<file path=ppt/slides/slide25.xml><?xml version="1.0" encoding="utf-8"?>
+<file path=ppt/slides/slide27.xml><?xml version="1.0" encoding="utf-8"?>
 <p:sld xmlns:a="http://schemas.openxmlformats.org/drawingml/2006/main" xmlns:r="http://schemas.openxmlformats.org/officeDocument/2006/relationships" xmlns:p="http://schemas.openxmlformats.org/presentationml/2006/main">
   <p:cSld>
     <p:spTree>
@@ -19287,7 +20065,7 @@
           </a:ln>
           <a:extLst>
             <a:ext uri="{C572A759-6A51-4108-AA02-DFA0A04FC94B}">
-              <ma14:wrappingTextBoxFlag xmlns="" xmlns:ma14="http://schemas.microsoft.com/office/mac/drawingml/2011/main" val="1"/>
+              <ma14:wrappingTextBoxFlag xmlns:ma14="http://schemas.microsoft.com/office/mac/drawingml/2011/main" xmlns="" val="1"/>
             </a:ext>
           </a:extLst>
         </p:spPr>
@@ -19324,7 +20102,7 @@
 </p:sld>
 </file>
 
-<file path=ppt/slides/slide26.xml><?xml version="1.0" encoding="utf-8"?>
+<file path=ppt/slides/slide28.xml><?xml version="1.0" encoding="utf-8"?>
 <p:sld xmlns:a="http://schemas.openxmlformats.org/drawingml/2006/main" xmlns:r="http://schemas.openxmlformats.org/officeDocument/2006/relationships" xmlns:p="http://schemas.openxmlformats.org/presentationml/2006/main">
   <p:cSld>
     <p:spTree>
@@ -19488,7 +20266,7 @@
           </a:ln>
           <a:extLst>
             <a:ext uri="{C572A759-6A51-4108-AA02-DFA0A04FC94B}">
-              <ma14:wrappingTextBoxFlag xmlns="" xmlns:ma14="http://schemas.microsoft.com/office/mac/drawingml/2011/main" val="1"/>
+              <ma14:wrappingTextBoxFlag xmlns:ma14="http://schemas.microsoft.com/office/mac/drawingml/2011/main" xmlns="" val="1"/>
             </a:ext>
           </a:extLst>
         </p:spPr>
@@ -19525,7 +20303,7 @@
 </p:sld>
 </file>
 
-<file path=ppt/slides/slide27.xml><?xml version="1.0" encoding="utf-8"?>
+<file path=ppt/slides/slide29.xml><?xml version="1.0" encoding="utf-8"?>
 <p:sld xmlns:a="http://schemas.openxmlformats.org/drawingml/2006/main" xmlns:r="http://schemas.openxmlformats.org/officeDocument/2006/relationships" xmlns:p="http://schemas.openxmlformats.org/presentationml/2006/main">
   <p:cSld>
     <p:spTree>
@@ -19561,7 +20339,7 @@
           </a:ln>
           <a:extLst>
             <a:ext uri="{C572A759-6A51-4108-AA02-DFA0A04FC94B}">
-              <ma14:wrappingTextBoxFlag xmlns="" xmlns:ma14="http://schemas.microsoft.com/office/mac/drawingml/2011/main" val="1"/>
+              <ma14:wrappingTextBoxFlag xmlns:ma14="http://schemas.microsoft.com/office/mac/drawingml/2011/main" xmlns="" val="1"/>
             </a:ext>
           </a:extLst>
         </p:spPr>
@@ -19608,7 +20386,7 @@
           </a:ln>
           <a:extLst>
             <a:ext uri="{C572A759-6A51-4108-AA02-DFA0A04FC94B}">
-              <ma14:wrappingTextBoxFlag xmlns="" xmlns:ma14="http://schemas.microsoft.com/office/mac/drawingml/2011/main" val="1"/>
+              <ma14:wrappingTextBoxFlag xmlns:ma14="http://schemas.microsoft.com/office/mac/drawingml/2011/main" xmlns="" val="1"/>
             </a:ext>
           </a:extLst>
         </p:spPr>
@@ -19652,7 +20430,7 @@
           </a:ln>
           <a:extLst>
             <a:ext uri="{C572A759-6A51-4108-AA02-DFA0A04FC94B}">
-              <ma14:wrappingTextBoxFlag xmlns="" xmlns:ma14="http://schemas.microsoft.com/office/mac/drawingml/2011/main" val="1"/>
+              <ma14:wrappingTextBoxFlag xmlns:ma14="http://schemas.microsoft.com/office/mac/drawingml/2011/main" xmlns="" val="1"/>
             </a:ext>
           </a:extLst>
         </p:spPr>
@@ -19699,7 +20477,7 @@
           </a:ln>
           <a:extLst>
             <a:ext uri="{C572A759-6A51-4108-AA02-DFA0A04FC94B}">
-              <ma14:wrappingTextBoxFlag xmlns="" xmlns:ma14="http://schemas.microsoft.com/office/mac/drawingml/2011/main" val="1"/>
+              <ma14:wrappingTextBoxFlag xmlns:ma14="http://schemas.microsoft.com/office/mac/drawingml/2011/main" xmlns="" val="1"/>
             </a:ext>
           </a:extLst>
         </p:spPr>
@@ -19943,7 +20721,7 @@
           </a:ln>
           <a:extLst>
             <a:ext uri="{C572A759-6A51-4108-AA02-DFA0A04FC94B}">
-              <ma14:wrappingTextBoxFlag xmlns="" xmlns:ma14="http://schemas.microsoft.com/office/mac/drawingml/2011/main" val="1"/>
+              <ma14:wrappingTextBoxFlag xmlns:ma14="http://schemas.microsoft.com/office/mac/drawingml/2011/main" xmlns="" val="1"/>
             </a:ext>
           </a:extLst>
         </p:spPr>
@@ -20026,7 +20804,7 @@
           </a:ln>
           <a:extLst>
             <a:ext uri="{C572A759-6A51-4108-AA02-DFA0A04FC94B}">
-              <ma14:wrappingTextBoxFlag xmlns="" xmlns:ma14="http://schemas.microsoft.com/office/mac/drawingml/2011/main" val="1"/>
+              <ma14:wrappingTextBoxFlag xmlns:ma14="http://schemas.microsoft.com/office/mac/drawingml/2011/main" xmlns="" val="1"/>
             </a:ext>
           </a:extLst>
         </p:spPr>
@@ -20060,7 +20838,217 @@
 </p:sld>
 </file>
 
-<file path=ppt/slides/slide28.xml><?xml version="1.0" encoding="utf-8"?>
+<file path=ppt/slides/slide3.xml><?xml version="1.0" encoding="utf-8"?>
+<p:sld xmlns:a="http://schemas.openxmlformats.org/drawingml/2006/main" xmlns:r="http://schemas.openxmlformats.org/officeDocument/2006/relationships" xmlns:p="http://schemas.openxmlformats.org/presentationml/2006/main">
+  <p:cSld>
+    <p:spTree>
+      <p:nvGrpSpPr>
+        <p:cNvPr id="1" name=""/>
+        <p:cNvGrpSpPr/>
+        <p:nvPr/>
+      </p:nvGrpSpPr>
+      <p:grpSpPr>
+        <a:xfrm>
+          <a:off x="0" y="0"/>
+          <a:ext cx="0" cy="0"/>
+          <a:chOff x="0" y="0"/>
+          <a:chExt cx="0" cy="0"/>
+        </a:xfrm>
+      </p:grpSpPr>
+      <p:sp>
+        <p:nvSpPr>
+          <p:cNvPr id="286" name="Shape 286"/>
+          <p:cNvSpPr>
+            <a:spLocks noGrp="1"/>
+          </p:cNvSpPr>
+          <p:nvPr>
+            <p:ph type="body" sz="half" idx="4294967295"/>
+          </p:nvPr>
+        </p:nvSpPr>
+        <p:spPr>
+          <a:xfrm>
+            <a:off x="292098" y="866775"/>
+            <a:ext cx="6103148" cy="2821783"/>
+          </a:xfrm>
+          <a:prstGeom prst="rect">
+            <a:avLst/>
+          </a:prstGeom>
+        </p:spPr>
+        <p:txBody>
+          <a:bodyPr/>
+          <a:lstStyle/>
+          <a:p>
+            <a:pPr marL="263892" indent="-263892" defTabSz="644651">
+              <a:lnSpc>
+                <a:spcPct val="150000"/>
+              </a:lnSpc>
+              <a:spcBef>
+                <a:spcPts val="400"/>
+              </a:spcBef>
+              <a:buClrTx/>
+              <a:buSzPct val="100000"/>
+              <a:buFontTx/>
+              <a:buAutoNum type="arabicPeriod"/>
+              <a:defRPr sz="2800">
+                <a:solidFill>
+                  <a:srgbClr val="000000"/>
+                </a:solidFill>
+                <a:latin typeface="Myriad Pro"/>
+                <a:ea typeface="Myriad Pro"/>
+                <a:cs typeface="Myriad Pro"/>
+                <a:sym typeface="Myriad Pro"/>
+              </a:defRPr>
+            </a:pPr>
+            <a:r>
+              <a:rPr dirty="0"/>
+              <a:t> Inner class</a:t>
+            </a:r>
+          </a:p>
+          <a:p>
+            <a:pPr marL="263892" indent="-263892" defTabSz="644651">
+              <a:lnSpc>
+                <a:spcPct val="150000"/>
+              </a:lnSpc>
+              <a:spcBef>
+                <a:spcPts val="400"/>
+              </a:spcBef>
+              <a:buClrTx/>
+              <a:buSzPct val="100000"/>
+              <a:buFontTx/>
+              <a:buAutoNum type="arabicPeriod"/>
+              <a:defRPr sz="2800">
+                <a:solidFill>
+                  <a:srgbClr val="000000"/>
+                </a:solidFill>
+                <a:latin typeface="Myriad Pro"/>
+                <a:ea typeface="Myriad Pro"/>
+                <a:cs typeface="Myriad Pro"/>
+                <a:sym typeface="Myriad Pro"/>
+              </a:defRPr>
+            </a:pPr>
+            <a:r>
+              <a:rPr dirty="0"/>
+              <a:t> Static inner class</a:t>
+            </a:r>
+          </a:p>
+          <a:p>
+            <a:pPr marL="263892" indent="-263892" defTabSz="644651">
+              <a:lnSpc>
+                <a:spcPct val="150000"/>
+              </a:lnSpc>
+              <a:spcBef>
+                <a:spcPts val="400"/>
+              </a:spcBef>
+              <a:buClrTx/>
+              <a:buSzPct val="100000"/>
+              <a:buFontTx/>
+              <a:buAutoNum type="arabicPeriod"/>
+              <a:defRPr sz="2800">
+                <a:solidFill>
+                  <a:srgbClr val="000000"/>
+                </a:solidFill>
+                <a:latin typeface="Myriad Pro"/>
+                <a:ea typeface="Myriad Pro"/>
+                <a:cs typeface="Myriad Pro"/>
+                <a:sym typeface="Myriad Pro"/>
+              </a:defRPr>
+            </a:pPr>
+            <a:r>
+              <a:rPr dirty="0"/>
+              <a:t> Anonymous and local inner classes</a:t>
+            </a:r>
+          </a:p>
+          <a:p>
+            <a:pPr marL="263892" indent="-263892" defTabSz="644651">
+              <a:lnSpc>
+                <a:spcPct val="150000"/>
+              </a:lnSpc>
+              <a:spcBef>
+                <a:spcPts val="400"/>
+              </a:spcBef>
+              <a:buClrTx/>
+              <a:buSzPct val="100000"/>
+              <a:buFontTx/>
+              <a:buAutoNum type="arabicPeriod"/>
+              <a:defRPr sz="2800">
+                <a:solidFill>
+                  <a:srgbClr val="000000"/>
+                </a:solidFill>
+                <a:latin typeface="Myriad Pro"/>
+                <a:ea typeface="Myriad Pro"/>
+                <a:cs typeface="Myriad Pro"/>
+                <a:sym typeface="Myriad Pro"/>
+              </a:defRPr>
+            </a:pPr>
+            <a:r>
+              <a:rPr dirty="0"/>
+              <a:t> Exception handling</a:t>
+            </a:r>
+          </a:p>
+        </p:txBody>
+      </p:sp>
+      <p:sp>
+        <p:nvSpPr>
+          <p:cNvPr id="287" name="Shape 287"/>
+          <p:cNvSpPr/>
+          <p:nvPr/>
+        </p:nvSpPr>
+        <p:spPr>
+          <a:xfrm>
+            <a:off x="292098" y="42616"/>
+            <a:ext cx="6669886" cy="462280"/>
+          </a:xfrm>
+          <a:prstGeom prst="rect">
+            <a:avLst/>
+          </a:prstGeom>
+          <a:ln w="12700">
+            <a:miter lim="400000"/>
+          </a:ln>
+          <a:extLst>
+            <a:ext uri="{C572A759-6A51-4108-AA02-DFA0A04FC94B}">
+              <ma14:wrappingTextBoxFlag xmlns:ma14="http://schemas.microsoft.com/office/mac/drawingml/2011/main" xmlns="" val="1"/>
+            </a:ext>
+          </a:extLst>
+        </p:spPr>
+        <p:txBody>
+          <a:bodyPr lIns="34289" tIns="34289" rIns="34289" bIns="34289">
+            <a:spAutoFit/>
+          </a:bodyPr>
+          <a:lstStyle>
+            <a:lvl1pPr>
+              <a:defRPr sz="2600" b="1">
+                <a:solidFill>
+                  <a:schemeClr val="accent2"/>
+                </a:solidFill>
+                <a:latin typeface="Myriad Pro"/>
+                <a:ea typeface="Myriad Pro"/>
+                <a:cs typeface="Myriad Pro"/>
+                <a:sym typeface="Myriad Pro"/>
+              </a:defRPr>
+            </a:lvl1pPr>
+          </a:lstStyle>
+          <a:p>
+            <a:r>
+              <a:t>Contents</a:t>
+            </a:r>
+          </a:p>
+        </p:txBody>
+      </p:sp>
+    </p:spTree>
+    <p:extLst>
+      <p:ext uri="{BB962C8B-B14F-4D97-AF65-F5344CB8AC3E}">
+        <p14:creationId xmlns:p14="http://schemas.microsoft.com/office/powerpoint/2010/main" val="1792384141"/>
+      </p:ext>
+    </p:extLst>
+  </p:cSld>
+  <p:clrMapOvr>
+    <a:masterClrMapping/>
+  </p:clrMapOvr>
+  <p:transition spd="med"/>
+</p:sld>
+</file>
+
+<file path=ppt/slides/slide30.xml><?xml version="1.0" encoding="utf-8"?>
 <p:sld xmlns:a="http://schemas.openxmlformats.org/drawingml/2006/main" xmlns:r="http://schemas.openxmlformats.org/officeDocument/2006/relationships" xmlns:p="http://schemas.openxmlformats.org/presentationml/2006/main">
   <p:cSld>
     <p:spTree>
@@ -20096,7 +21084,7 @@
           </a:ln>
           <a:extLst>
             <a:ext uri="{C572A759-6A51-4108-AA02-DFA0A04FC94B}">
-              <ma14:wrappingTextBoxFlag xmlns="" xmlns:ma14="http://schemas.microsoft.com/office/mac/drawingml/2011/main" val="1"/>
+              <ma14:wrappingTextBoxFlag xmlns:ma14="http://schemas.microsoft.com/office/mac/drawingml/2011/main" xmlns="" val="1"/>
             </a:ext>
           </a:extLst>
         </p:spPr>
@@ -20143,7 +21131,7 @@
           </a:ln>
           <a:extLst>
             <a:ext uri="{C572A759-6A51-4108-AA02-DFA0A04FC94B}">
-              <ma14:wrappingTextBoxFlag xmlns="" xmlns:ma14="http://schemas.microsoft.com/office/mac/drawingml/2011/main" val="1"/>
+              <ma14:wrappingTextBoxFlag xmlns:ma14="http://schemas.microsoft.com/office/mac/drawingml/2011/main" xmlns="" val="1"/>
             </a:ext>
           </a:extLst>
         </p:spPr>
@@ -20190,7 +21178,7 @@
           </a:ln>
           <a:extLst>
             <a:ext uri="{C572A759-6A51-4108-AA02-DFA0A04FC94B}">
-              <ma14:wrappingTextBoxFlag xmlns="" xmlns:ma14="http://schemas.microsoft.com/office/mac/drawingml/2011/main" val="1"/>
+              <ma14:wrappingTextBoxFlag xmlns:ma14="http://schemas.microsoft.com/office/mac/drawingml/2011/main" xmlns="" val="1"/>
             </a:ext>
           </a:extLst>
         </p:spPr>
@@ -20374,7 +21362,7 @@
 </p:sld>
 </file>
 
-<file path=ppt/slides/slide29.xml><?xml version="1.0" encoding="utf-8"?>
+<file path=ppt/slides/slide31.xml><?xml version="1.0" encoding="utf-8"?>
 <p:sld xmlns:a="http://schemas.openxmlformats.org/drawingml/2006/main" xmlns:r="http://schemas.openxmlformats.org/officeDocument/2006/relationships" xmlns:p="http://schemas.openxmlformats.org/presentationml/2006/main">
   <p:cSld>
     <p:spTree>
@@ -20410,7 +21398,7 @@
           </a:ln>
           <a:extLst>
             <a:ext uri="{C572A759-6A51-4108-AA02-DFA0A04FC94B}">
-              <ma14:wrappingTextBoxFlag xmlns="" xmlns:ma14="http://schemas.microsoft.com/office/mac/drawingml/2011/main" val="1"/>
+              <ma14:wrappingTextBoxFlag xmlns:ma14="http://schemas.microsoft.com/office/mac/drawingml/2011/main" xmlns="" val="1"/>
             </a:ext>
           </a:extLst>
         </p:spPr>
@@ -20457,7 +21445,7 @@
           </a:ln>
           <a:extLst>
             <a:ext uri="{C572A759-6A51-4108-AA02-DFA0A04FC94B}">
-              <ma14:wrappingTextBoxFlag xmlns="" xmlns:ma14="http://schemas.microsoft.com/office/mac/drawingml/2011/main" val="1"/>
+              <ma14:wrappingTextBoxFlag xmlns:ma14="http://schemas.microsoft.com/office/mac/drawingml/2011/main" xmlns="" val="1"/>
             </a:ext>
           </a:extLst>
         </p:spPr>
@@ -20507,7 +21495,7 @@
           </a:ln>
           <a:extLst>
             <a:ext uri="{C572A759-6A51-4108-AA02-DFA0A04FC94B}">
-              <ma14:wrappingTextBoxFlag xmlns="" xmlns:ma14="http://schemas.microsoft.com/office/mac/drawingml/2011/main" val="1"/>
+              <ma14:wrappingTextBoxFlag xmlns:ma14="http://schemas.microsoft.com/office/mac/drawingml/2011/main" xmlns="" val="1"/>
             </a:ext>
           </a:extLst>
         </p:spPr>
@@ -20580,7 +21568,7 @@
           </a:ln>
           <a:extLst>
             <a:ext uri="{C572A759-6A51-4108-AA02-DFA0A04FC94B}">
-              <ma14:wrappingTextBoxFlag xmlns="" xmlns:ma14="http://schemas.microsoft.com/office/mac/drawingml/2011/main" val="1"/>
+              <ma14:wrappingTextBoxFlag xmlns:ma14="http://schemas.microsoft.com/office/mac/drawingml/2011/main" xmlns="" val="1"/>
             </a:ext>
           </a:extLst>
         </p:spPr>
@@ -20773,7 +21761,7 @@
           </a:ln>
           <a:extLst>
             <a:ext uri="{C572A759-6A51-4108-AA02-DFA0A04FC94B}">
-              <ma14:wrappingTextBoxFlag xmlns="" xmlns:ma14="http://schemas.microsoft.com/office/mac/drawingml/2011/main" val="1"/>
+              <ma14:wrappingTextBoxFlag xmlns:ma14="http://schemas.microsoft.com/office/mac/drawingml/2011/main" xmlns="" val="1"/>
             </a:ext>
           </a:extLst>
         </p:spPr>
@@ -20817,7 +21805,7 @@
           </a:ln>
           <a:extLst>
             <a:ext uri="{C572A759-6A51-4108-AA02-DFA0A04FC94B}">
-              <ma14:wrappingTextBoxFlag xmlns="" xmlns:ma14="http://schemas.microsoft.com/office/mac/drawingml/2011/main" val="1"/>
+              <ma14:wrappingTextBoxFlag xmlns:ma14="http://schemas.microsoft.com/office/mac/drawingml/2011/main" xmlns="" val="1"/>
             </a:ext>
           </a:extLst>
         </p:spPr>
@@ -20923,235 +21911,7 @@
 </p:sld>
 </file>
 
-<file path=ppt/slides/slide3.xml><?xml version="1.0" encoding="utf-8"?>
-<p:sld xmlns:a="http://schemas.openxmlformats.org/drawingml/2006/main" xmlns:r="http://schemas.openxmlformats.org/officeDocument/2006/relationships" xmlns:p="http://schemas.openxmlformats.org/presentationml/2006/main">
-  <p:cSld>
-    <p:spTree>
-      <p:nvGrpSpPr>
-        <p:cNvPr id="1" name=""/>
-        <p:cNvGrpSpPr/>
-        <p:nvPr/>
-      </p:nvGrpSpPr>
-      <p:grpSpPr>
-        <a:xfrm>
-          <a:off x="0" y="0"/>
-          <a:ext cx="0" cy="0"/>
-          <a:chOff x="0" y="0"/>
-          <a:chExt cx="0" cy="0"/>
-        </a:xfrm>
-      </p:grpSpPr>
-      <p:sp>
-        <p:nvSpPr>
-          <p:cNvPr id="7" name="TextBox 6">
-            <a:extLst>
-              <a:ext uri="{FF2B5EF4-FFF2-40B4-BE49-F238E27FC236}">
-                <a16:creationId xmlns:a16="http://schemas.microsoft.com/office/drawing/2014/main" id="{4B0E8737-FA8D-49B3-A948-F44F6642A364}"/>
-              </a:ext>
-            </a:extLst>
-          </p:cNvPr>
-          <p:cNvSpPr txBox="1"/>
-          <p:nvPr/>
-        </p:nvSpPr>
-        <p:spPr>
-          <a:xfrm>
-            <a:off x="802888" y="835272"/>
-            <a:ext cx="7538224" cy="2654571"/>
-          </a:xfrm>
-          <a:prstGeom prst="rect">
-            <a:avLst/>
-          </a:prstGeom>
-          <a:noFill/>
-          <a:ln w="12700" cap="flat">
-            <a:noFill/>
-            <a:miter lim="400000"/>
-          </a:ln>
-          <a:effectLst/>
-          <a:sp3d/>
-        </p:spPr>
-        <p:style>
-          <a:lnRef idx="0">
-            <a:scrgbClr r="0" g="0" b="0"/>
-          </a:lnRef>
-          <a:fillRef idx="0">
-            <a:scrgbClr r="0" g="0" b="0"/>
-          </a:fillRef>
-          <a:effectRef idx="0">
-            <a:scrgbClr r="0" g="0" b="0"/>
-          </a:effectRef>
-          <a:fontRef idx="none"/>
-        </p:style>
-        <p:txBody>
-          <a:bodyPr rot="0" spcFirstLastPara="1" vertOverflow="overflow" horzOverflow="overflow" vert="horz" wrap="square" lIns="34289" tIns="34289" rIns="34289" bIns="34289" numCol="1" spcCol="38100" rtlCol="0" anchor="t">
-            <a:spAutoFit/>
-          </a:bodyPr>
-          <a:lstStyle/>
-          <a:p>
-            <a:pPr marL="0" marR="0" indent="0" algn="l" defTabSz="342900" rtl="0" fontAlgn="auto" latinLnBrk="0" hangingPunct="0">
-              <a:lnSpc>
-                <a:spcPct val="100000"/>
-              </a:lnSpc>
-              <a:spcBef>
-                <a:spcPts val="0"/>
-              </a:spcBef>
-              <a:spcAft>
-                <a:spcPts val="0"/>
-              </a:spcAft>
-              <a:buClrTx/>
-              <a:buSzTx/>
-              <a:buFontTx/>
-              <a:buNone/>
-              <a:tabLst/>
-            </a:pPr>
-            <a:r>
-              <a:rPr lang="pl-PL" sz="2800" dirty="0">
-                <a:latin typeface="Myriad Pro"/>
-              </a:rPr>
-              <a:t>  9 - 12		Inner classes (break at 11)</a:t>
-            </a:r>
-          </a:p>
-          <a:p>
-            <a:pPr marL="0" marR="0" indent="0" algn="l" defTabSz="342900" rtl="0" fontAlgn="auto" latinLnBrk="0" hangingPunct="0">
-              <a:lnSpc>
-                <a:spcPct val="100000"/>
-              </a:lnSpc>
-              <a:spcBef>
-                <a:spcPts val="0"/>
-              </a:spcBef>
-              <a:spcAft>
-                <a:spcPts val="0"/>
-              </a:spcAft>
-              <a:buClrTx/>
-              <a:buSzTx/>
-              <a:buFontTx/>
-              <a:buNone/>
-              <a:tabLst/>
-            </a:pPr>
-            <a:r>
-              <a:rPr lang="pl-PL" sz="2800" dirty="0">
-                <a:latin typeface="Myriad Pro"/>
-              </a:rPr>
-              <a:t>12 - 13 		Launch</a:t>
-            </a:r>
-          </a:p>
-          <a:p>
-            <a:pPr marL="0" marR="0" indent="0" algn="l" defTabSz="342900" rtl="0" fontAlgn="auto" latinLnBrk="0" hangingPunct="0">
-              <a:lnSpc>
-                <a:spcPct val="100000"/>
-              </a:lnSpc>
-              <a:spcBef>
-                <a:spcPts val="0"/>
-              </a:spcBef>
-              <a:spcAft>
-                <a:spcPts val="0"/>
-              </a:spcAft>
-              <a:buClrTx/>
-              <a:buSzTx/>
-              <a:buFontTx/>
-              <a:buNone/>
-              <a:tabLst/>
-            </a:pPr>
-            <a:r>
-              <a:rPr lang="pl-PL" sz="2800" dirty="0">
-                <a:latin typeface="Myriad Pro"/>
-              </a:rPr>
-              <a:t>13 - 14 		Exercise 1&amp;2</a:t>
-            </a:r>
-          </a:p>
-          <a:p>
-            <a:pPr marL="0" marR="0" indent="0" algn="l" defTabSz="342900" rtl="0" fontAlgn="auto" latinLnBrk="0" hangingPunct="0">
-              <a:lnSpc>
-                <a:spcPct val="100000"/>
-              </a:lnSpc>
-              <a:spcBef>
-                <a:spcPts val="0"/>
-              </a:spcBef>
-              <a:spcAft>
-                <a:spcPts val="0"/>
-              </a:spcAft>
-              <a:buClrTx/>
-              <a:buSzTx/>
-              <a:buFontTx/>
-              <a:buNone/>
-              <a:tabLst/>
-            </a:pPr>
-            <a:r>
-              <a:rPr lang="pl-PL" sz="2800" dirty="0">
-                <a:latin typeface="Myriad Pro"/>
-              </a:rPr>
-              <a:t>15 - 16		Exceptions</a:t>
-            </a:r>
-          </a:p>
-          <a:p>
-            <a:pPr marL="0" marR="0" indent="0" algn="l" defTabSz="342900" rtl="0" fontAlgn="auto" latinLnBrk="0" hangingPunct="0">
-              <a:lnSpc>
-                <a:spcPct val="100000"/>
-              </a:lnSpc>
-              <a:spcBef>
-                <a:spcPts val="0"/>
-              </a:spcBef>
-              <a:spcAft>
-                <a:spcPts val="0"/>
-              </a:spcAft>
-              <a:buClrTx/>
-              <a:buSzTx/>
-              <a:buFontTx/>
-              <a:buNone/>
-              <a:tabLst/>
-            </a:pPr>
-            <a:r>
-              <a:rPr lang="pl-PL" sz="2800" dirty="0">
-                <a:latin typeface="Myriad Pro"/>
-              </a:rPr>
-              <a:t>16 - 17		Excersise 3</a:t>
-            </a:r>
-          </a:p>
-          <a:p>
-            <a:pPr marL="0" marR="0" indent="0" algn="l" defTabSz="342900" rtl="0" fontAlgn="auto" latinLnBrk="0" hangingPunct="0">
-              <a:lnSpc>
-                <a:spcPct val="100000"/>
-              </a:lnSpc>
-              <a:spcBef>
-                <a:spcPts val="0"/>
-              </a:spcBef>
-              <a:spcAft>
-                <a:spcPts val="0"/>
-              </a:spcAft>
-              <a:buClrTx/>
-              <a:buSzTx/>
-              <a:buFontTx/>
-              <a:buNone/>
-              <a:tabLst/>
-            </a:pPr>
-            <a:endParaRPr kumimoji="0" lang="pl-PL" sz="2800" b="0" i="0" u="none" strike="noStrike" cap="none" spc="0" normalizeH="0" baseline="0" dirty="0">
-              <a:ln>
-                <a:noFill/>
-              </a:ln>
-              <a:solidFill>
-                <a:srgbClr val="000000"/>
-              </a:solidFill>
-              <a:effectLst/>
-              <a:uFillTx/>
-              <a:latin typeface="Myriad Pro"/>
-              <a:sym typeface="Avenir Roman"/>
-            </a:endParaRPr>
-          </a:p>
-        </p:txBody>
-      </p:sp>
-    </p:spTree>
-    <p:extLst>
-      <p:ext uri="{BB962C8B-B14F-4D97-AF65-F5344CB8AC3E}">
-        <p14:creationId xmlns:p14="http://schemas.microsoft.com/office/powerpoint/2010/main" val="1135653744"/>
-      </p:ext>
-    </p:extLst>
-  </p:cSld>
-  <p:clrMapOvr>
-    <a:masterClrMapping/>
-  </p:clrMapOvr>
-  <p:transition spd="med"/>
-</p:sld>
-</file>
-
-<file path=ppt/slides/slide30.xml><?xml version="1.0" encoding="utf-8"?>
+<file path=ppt/slides/slide32.xml><?xml version="1.0" encoding="utf-8"?>
 <p:sld xmlns:a="http://schemas.openxmlformats.org/drawingml/2006/main" xmlns:r="http://schemas.openxmlformats.org/officeDocument/2006/relationships" xmlns:p="http://schemas.openxmlformats.org/presentationml/2006/main">
   <p:cSld>
     <p:spTree>
@@ -21265,7 +22025,7 @@
           </a:ln>
           <a:extLst>
             <a:ext uri="{C572A759-6A51-4108-AA02-DFA0A04FC94B}">
-              <ma14:wrappingTextBoxFlag xmlns="" xmlns:ma14="http://schemas.microsoft.com/office/mac/drawingml/2011/main" val="1"/>
+              <ma14:wrappingTextBoxFlag xmlns:ma14="http://schemas.microsoft.com/office/mac/drawingml/2011/main" xmlns="" val="1"/>
             </a:ext>
           </a:extLst>
         </p:spPr>
@@ -21312,7 +22072,7 @@
           </a:ln>
           <a:extLst>
             <a:ext uri="{C572A759-6A51-4108-AA02-DFA0A04FC94B}">
-              <ma14:wrappingTextBoxFlag xmlns="" xmlns:ma14="http://schemas.microsoft.com/office/mac/drawingml/2011/main" val="1"/>
+              <ma14:wrappingTextBoxFlag xmlns:ma14="http://schemas.microsoft.com/office/mac/drawingml/2011/main" xmlns="" val="1"/>
             </a:ext>
           </a:extLst>
         </p:spPr>
@@ -21476,7 +22236,7 @@
           </a:ln>
           <a:extLst>
             <a:ext uri="{C572A759-6A51-4108-AA02-DFA0A04FC94B}">
-              <ma14:wrappingTextBoxFlag xmlns="" xmlns:ma14="http://schemas.microsoft.com/office/mac/drawingml/2011/main" val="1"/>
+              <ma14:wrappingTextBoxFlag xmlns:ma14="http://schemas.microsoft.com/office/mac/drawingml/2011/main" xmlns="" val="1"/>
             </a:ext>
           </a:extLst>
         </p:spPr>
@@ -21568,7 +22328,7 @@
 </p:sld>
 </file>
 
-<file path=ppt/slides/slide31.xml><?xml version="1.0" encoding="utf-8"?>
+<file path=ppt/slides/slide33.xml><?xml version="1.0" encoding="utf-8"?>
 <p:sld xmlns:a="http://schemas.openxmlformats.org/drawingml/2006/main" xmlns:r="http://schemas.openxmlformats.org/officeDocument/2006/relationships" xmlns:p="http://schemas.openxmlformats.org/presentationml/2006/main">
   <p:cSld>
     <p:spTree>
@@ -21604,7 +22364,7 @@
           </a:ln>
           <a:extLst>
             <a:ext uri="{C572A759-6A51-4108-AA02-DFA0A04FC94B}">
-              <ma14:wrappingTextBoxFlag xmlns="" xmlns:ma14="http://schemas.microsoft.com/office/mac/drawingml/2011/main" val="1"/>
+              <ma14:wrappingTextBoxFlag xmlns:ma14="http://schemas.microsoft.com/office/mac/drawingml/2011/main" xmlns="" val="1"/>
             </a:ext>
           </a:extLst>
         </p:spPr>
@@ -21796,7 +22556,7 @@
 </p:sld>
 </file>
 
-<file path=ppt/slides/slide32.xml><?xml version="1.0" encoding="utf-8"?>
+<file path=ppt/slides/slide34.xml><?xml version="1.0" encoding="utf-8"?>
 <p:sld xmlns:a="http://schemas.openxmlformats.org/drawingml/2006/main" xmlns:r="http://schemas.openxmlformats.org/officeDocument/2006/relationships" xmlns:p="http://schemas.openxmlformats.org/presentationml/2006/main">
   <p:cSld>
     <p:spTree>
@@ -21832,7 +22592,7 @@
           </a:ln>
           <a:extLst>
             <a:ext uri="{C572A759-6A51-4108-AA02-DFA0A04FC94B}">
-              <ma14:wrappingTextBoxFlag xmlns="" xmlns:ma14="http://schemas.microsoft.com/office/mac/drawingml/2011/main" val="1"/>
+              <ma14:wrappingTextBoxFlag xmlns:ma14="http://schemas.microsoft.com/office/mac/drawingml/2011/main" xmlns="" val="1"/>
             </a:ext>
           </a:extLst>
         </p:spPr>
@@ -21879,7 +22639,7 @@
           </a:ln>
           <a:extLst>
             <a:ext uri="{C572A759-6A51-4108-AA02-DFA0A04FC94B}">
-              <ma14:wrappingTextBoxFlag xmlns="" xmlns:ma14="http://schemas.microsoft.com/office/mac/drawingml/2011/main" val="1"/>
+              <ma14:wrappingTextBoxFlag xmlns:ma14="http://schemas.microsoft.com/office/mac/drawingml/2011/main" xmlns="" val="1"/>
             </a:ext>
           </a:extLst>
         </p:spPr>
@@ -21947,7 +22707,7 @@
           </a:ln>
           <a:extLst>
             <a:ext uri="{C572A759-6A51-4108-AA02-DFA0A04FC94B}">
-              <ma14:wrappingTextBoxFlag xmlns="" xmlns:ma14="http://schemas.microsoft.com/office/mac/drawingml/2011/main" val="1"/>
+              <ma14:wrappingTextBoxFlag xmlns:ma14="http://schemas.microsoft.com/office/mac/drawingml/2011/main" xmlns="" val="1"/>
             </a:ext>
           </a:extLst>
         </p:spPr>
@@ -21991,7 +22751,7 @@
           </a:ln>
           <a:extLst>
             <a:ext uri="{C572A759-6A51-4108-AA02-DFA0A04FC94B}">
-              <ma14:wrappingTextBoxFlag xmlns="" xmlns:ma14="http://schemas.microsoft.com/office/mac/drawingml/2011/main" val="1"/>
+              <ma14:wrappingTextBoxFlag xmlns:ma14="http://schemas.microsoft.com/office/mac/drawingml/2011/main" xmlns="" val="1"/>
             </a:ext>
           </a:extLst>
         </p:spPr>
@@ -22107,7 +22867,7 @@
           </a:ln>
           <a:extLst>
             <a:ext uri="{C572A759-6A51-4108-AA02-DFA0A04FC94B}">
-              <ma14:wrappingTextBoxFlag xmlns="" xmlns:ma14="http://schemas.microsoft.com/office/mac/drawingml/2011/main" val="1"/>
+              <ma14:wrappingTextBoxFlag xmlns:ma14="http://schemas.microsoft.com/office/mac/drawingml/2011/main" xmlns="" val="1"/>
             </a:ext>
           </a:extLst>
         </p:spPr>
@@ -22151,7 +22911,7 @@
           </a:ln>
           <a:extLst>
             <a:ext uri="{C572A759-6A51-4108-AA02-DFA0A04FC94B}">
-              <ma14:wrappingTextBoxFlag xmlns="" xmlns:ma14="http://schemas.microsoft.com/office/mac/drawingml/2011/main" val="1"/>
+              <ma14:wrappingTextBoxFlag xmlns:ma14="http://schemas.microsoft.com/office/mac/drawingml/2011/main" xmlns="" val="1"/>
             </a:ext>
           </a:extLst>
         </p:spPr>
@@ -22384,7 +23144,7 @@
 </p:sld>
 </file>
 
-<file path=ppt/slides/slide33.xml><?xml version="1.0" encoding="utf-8"?>
+<file path=ppt/slides/slide35.xml><?xml version="1.0" encoding="utf-8"?>
 <p:sld xmlns:a="http://schemas.openxmlformats.org/drawingml/2006/main" xmlns:r="http://schemas.openxmlformats.org/officeDocument/2006/relationships" xmlns:p="http://schemas.openxmlformats.org/presentationml/2006/main">
   <p:cSld>
     <p:spTree>
@@ -22420,7 +23180,7 @@
           </a:ln>
           <a:extLst>
             <a:ext uri="{C572A759-6A51-4108-AA02-DFA0A04FC94B}">
-              <ma14:wrappingTextBoxFlag xmlns="" xmlns:ma14="http://schemas.microsoft.com/office/mac/drawingml/2011/main" val="1"/>
+              <ma14:wrappingTextBoxFlag xmlns:ma14="http://schemas.microsoft.com/office/mac/drawingml/2011/main" xmlns="" val="1"/>
             </a:ext>
           </a:extLst>
         </p:spPr>
@@ -22470,7 +23230,7 @@
           </a:ln>
           <a:extLst>
             <a:ext uri="{C572A759-6A51-4108-AA02-DFA0A04FC94B}">
-              <ma14:wrappingTextBoxFlag xmlns="" xmlns:ma14="http://schemas.microsoft.com/office/mac/drawingml/2011/main" val="1"/>
+              <ma14:wrappingTextBoxFlag xmlns:ma14="http://schemas.microsoft.com/office/mac/drawingml/2011/main" xmlns="" val="1"/>
             </a:ext>
           </a:extLst>
         </p:spPr>
@@ -22730,7 +23490,7 @@
           </a:ln>
           <a:extLst>
             <a:ext uri="{C572A759-6A51-4108-AA02-DFA0A04FC94B}">
-              <ma14:wrappingTextBoxFlag xmlns="" xmlns:ma14="http://schemas.microsoft.com/office/mac/drawingml/2011/main" val="1"/>
+              <ma14:wrappingTextBoxFlag xmlns:ma14="http://schemas.microsoft.com/office/mac/drawingml/2011/main" xmlns="" val="1"/>
             </a:ext>
           </a:extLst>
         </p:spPr>
@@ -22995,7 +23755,7 @@
 </p:sld>
 </file>
 
-<file path=ppt/slides/slide34.xml><?xml version="1.0" encoding="utf-8"?>
+<file path=ppt/slides/slide36.xml><?xml version="1.0" encoding="utf-8"?>
 <p:sld xmlns:a="http://schemas.openxmlformats.org/drawingml/2006/main" xmlns:r="http://schemas.openxmlformats.org/officeDocument/2006/relationships" xmlns:p="http://schemas.openxmlformats.org/presentationml/2006/main">
   <p:cSld>
     <p:spTree>
@@ -23108,7 +23868,7 @@
           </a:ln>
           <a:extLst>
             <a:ext uri="{C572A759-6A51-4108-AA02-DFA0A04FC94B}">
-              <ma14:wrappingTextBoxFlag xmlns="" xmlns:ma14="http://schemas.microsoft.com/office/mac/drawingml/2011/main" val="1"/>
+              <ma14:wrappingTextBoxFlag xmlns:ma14="http://schemas.microsoft.com/office/mac/drawingml/2011/main" xmlns="" val="1"/>
             </a:ext>
           </a:extLst>
         </p:spPr>
@@ -23165,7 +23925,7 @@
           </a:ln>
           <a:extLst>
             <a:ext uri="{C572A759-6A51-4108-AA02-DFA0A04FC94B}">
-              <ma14:wrappingTextBoxFlag xmlns="" xmlns:ma14="http://schemas.microsoft.com/office/mac/drawingml/2011/main" val="1"/>
+              <ma14:wrappingTextBoxFlag xmlns:ma14="http://schemas.microsoft.com/office/mac/drawingml/2011/main" xmlns="" val="1"/>
             </a:ext>
           </a:extLst>
         </p:spPr>
@@ -23304,7 +24064,7 @@
 </p:sld>
 </file>
 
-<file path=ppt/slides/slide35.xml><?xml version="1.0" encoding="utf-8"?>
+<file path=ppt/slides/slide37.xml><?xml version="1.0" encoding="utf-8"?>
 <p:sld xmlns:a="http://schemas.openxmlformats.org/drawingml/2006/main" xmlns:r="http://schemas.openxmlformats.org/officeDocument/2006/relationships" xmlns:p="http://schemas.openxmlformats.org/presentationml/2006/main">
   <p:cSld>
     <p:spTree>
@@ -23369,7 +24129,7 @@
           </a:ln>
           <a:extLst>
             <a:ext uri="{C572A759-6A51-4108-AA02-DFA0A04FC94B}">
-              <ma14:wrappingTextBoxFlag xmlns="" xmlns:ma14="http://schemas.microsoft.com/office/mac/drawingml/2011/main" val="1"/>
+              <ma14:wrappingTextBoxFlag xmlns:ma14="http://schemas.microsoft.com/office/mac/drawingml/2011/main" xmlns="" val="1"/>
             </a:ext>
           </a:extLst>
         </p:spPr>
@@ -23416,7 +24176,7 @@
           </a:ln>
           <a:extLst>
             <a:ext uri="{C572A759-6A51-4108-AA02-DFA0A04FC94B}">
-              <ma14:wrappingTextBoxFlag xmlns="" xmlns:ma14="http://schemas.microsoft.com/office/mac/drawingml/2011/main" val="1"/>
+              <ma14:wrappingTextBoxFlag xmlns:ma14="http://schemas.microsoft.com/office/mac/drawingml/2011/main" xmlns="" val="1"/>
             </a:ext>
           </a:extLst>
         </p:spPr>
@@ -23850,7 +24610,7 @@
           </a:ln>
           <a:extLst>
             <a:ext uri="{C572A759-6A51-4108-AA02-DFA0A04FC94B}">
-              <ma14:wrappingTextBoxFlag xmlns="" xmlns:ma14="http://schemas.microsoft.com/office/mac/drawingml/2011/main" val="1"/>
+              <ma14:wrappingTextBoxFlag xmlns:ma14="http://schemas.microsoft.com/office/mac/drawingml/2011/main" xmlns="" val="1"/>
             </a:ext>
           </a:extLst>
         </p:spPr>
@@ -23998,7 +24758,7 @@
 </p:sld>
 </file>
 
-<file path=ppt/slides/slide36.xml><?xml version="1.0" encoding="utf-8"?>
+<file path=ppt/slides/slide38.xml><?xml version="1.0" encoding="utf-8"?>
 <p:sld xmlns:a="http://schemas.openxmlformats.org/drawingml/2006/main" xmlns:r="http://schemas.openxmlformats.org/officeDocument/2006/relationships" xmlns:p="http://schemas.openxmlformats.org/presentationml/2006/main">
   <p:cSld>
     <p:spTree>
@@ -24034,7 +24794,7 @@
           </a:ln>
           <a:extLst>
             <a:ext uri="{C572A759-6A51-4108-AA02-DFA0A04FC94B}">
-              <ma14:wrappingTextBoxFlag xmlns="" xmlns:ma14="http://schemas.microsoft.com/office/mac/drawingml/2011/main" val="1"/>
+              <ma14:wrappingTextBoxFlag xmlns:ma14="http://schemas.microsoft.com/office/mac/drawingml/2011/main" xmlns="" val="1"/>
             </a:ext>
           </a:extLst>
         </p:spPr>
@@ -24081,7 +24841,7 @@
           </a:ln>
           <a:extLst>
             <a:ext uri="{C572A759-6A51-4108-AA02-DFA0A04FC94B}">
-              <ma14:wrappingTextBoxFlag xmlns="" xmlns:ma14="http://schemas.microsoft.com/office/mac/drawingml/2011/main" val="1"/>
+              <ma14:wrappingTextBoxFlag xmlns:ma14="http://schemas.microsoft.com/office/mac/drawingml/2011/main" xmlns="" val="1"/>
             </a:ext>
           </a:extLst>
         </p:spPr>
@@ -24241,7 +25001,7 @@
           </a:ln>
           <a:extLst>
             <a:ext uri="{C572A759-6A51-4108-AA02-DFA0A04FC94B}">
-              <ma14:wrappingTextBoxFlag xmlns="" xmlns:ma14="http://schemas.microsoft.com/office/mac/drawingml/2011/main" val="1"/>
+              <ma14:wrappingTextBoxFlag xmlns:ma14="http://schemas.microsoft.com/office/mac/drawingml/2011/main" xmlns="" val="1"/>
             </a:ext>
           </a:extLst>
         </p:spPr>
@@ -24415,7 +25175,7 @@
           </a:ln>
           <a:extLst>
             <a:ext uri="{C572A759-6A51-4108-AA02-DFA0A04FC94B}">
-              <ma14:wrappingTextBoxFlag xmlns="" xmlns:ma14="http://schemas.microsoft.com/office/mac/drawingml/2011/main" val="1"/>
+              <ma14:wrappingTextBoxFlag xmlns:ma14="http://schemas.microsoft.com/office/mac/drawingml/2011/main" xmlns="" val="1"/>
             </a:ext>
           </a:extLst>
         </p:spPr>
@@ -24465,7 +25225,7 @@
 </p:sld>
 </file>
 
-<file path=ppt/slides/slide37.xml><?xml version="1.0" encoding="utf-8"?>
+<file path=ppt/slides/slide39.xml><?xml version="1.0" encoding="utf-8"?>
 <p:sld xmlns:a="http://schemas.openxmlformats.org/drawingml/2006/main" xmlns:r="http://schemas.openxmlformats.org/officeDocument/2006/relationships" xmlns:p="http://schemas.openxmlformats.org/presentationml/2006/main">
   <p:cSld>
     <p:spTree>
@@ -24530,7 +25290,7 @@
           </a:ln>
           <a:extLst>
             <a:ext uri="{C572A759-6A51-4108-AA02-DFA0A04FC94B}">
-              <ma14:wrappingTextBoxFlag xmlns="" xmlns:ma14="http://schemas.microsoft.com/office/mac/drawingml/2011/main" val="1"/>
+              <ma14:wrappingTextBoxFlag xmlns:ma14="http://schemas.microsoft.com/office/mac/drawingml/2011/main" xmlns="" val="1"/>
             </a:ext>
           </a:extLst>
         </p:spPr>
@@ -24577,7 +25337,7 @@
           </a:ln>
           <a:extLst>
             <a:ext uri="{C572A759-6A51-4108-AA02-DFA0A04FC94B}">
-              <ma14:wrappingTextBoxFlag xmlns="" xmlns:ma14="http://schemas.microsoft.com/office/mac/drawingml/2011/main" val="1"/>
+              <ma14:wrappingTextBoxFlag xmlns:ma14="http://schemas.microsoft.com/office/mac/drawingml/2011/main" xmlns="" val="1"/>
             </a:ext>
           </a:extLst>
         </p:spPr>
@@ -24727,7 +25487,7 @@
           </a:ln>
           <a:extLst>
             <a:ext uri="{C572A759-6A51-4108-AA02-DFA0A04FC94B}">
-              <ma14:wrappingTextBoxFlag xmlns="" xmlns:ma14="http://schemas.microsoft.com/office/mac/drawingml/2011/main" val="1"/>
+              <ma14:wrappingTextBoxFlag xmlns:ma14="http://schemas.microsoft.com/office/mac/drawingml/2011/main" xmlns="" val="1"/>
             </a:ext>
           </a:extLst>
         </p:spPr>
@@ -24871,7 +25631,235 @@
 </p:sld>
 </file>
 
-<file path=ppt/slides/slide38.xml><?xml version="1.0" encoding="utf-8"?>
+<file path=ppt/slides/slide4.xml><?xml version="1.0" encoding="utf-8"?>
+<p:sld xmlns:a="http://schemas.openxmlformats.org/drawingml/2006/main" xmlns:r="http://schemas.openxmlformats.org/officeDocument/2006/relationships" xmlns:p="http://schemas.openxmlformats.org/presentationml/2006/main">
+  <p:cSld>
+    <p:spTree>
+      <p:nvGrpSpPr>
+        <p:cNvPr id="1" name=""/>
+        <p:cNvGrpSpPr/>
+        <p:nvPr/>
+      </p:nvGrpSpPr>
+      <p:grpSpPr>
+        <a:xfrm>
+          <a:off x="0" y="0"/>
+          <a:ext cx="0" cy="0"/>
+          <a:chOff x="0" y="0"/>
+          <a:chExt cx="0" cy="0"/>
+        </a:xfrm>
+      </p:grpSpPr>
+      <p:sp>
+        <p:nvSpPr>
+          <p:cNvPr id="7" name="TextBox 6">
+            <a:extLst>
+              <a:ext uri="{FF2B5EF4-FFF2-40B4-BE49-F238E27FC236}">
+                <a16:creationId xmlns:a16="http://schemas.microsoft.com/office/drawing/2014/main" id="{4B0E8737-FA8D-49B3-A948-F44F6642A364}"/>
+              </a:ext>
+            </a:extLst>
+          </p:cNvPr>
+          <p:cNvSpPr txBox="1"/>
+          <p:nvPr/>
+        </p:nvSpPr>
+        <p:spPr>
+          <a:xfrm>
+            <a:off x="802888" y="835272"/>
+            <a:ext cx="7538224" cy="2654571"/>
+          </a:xfrm>
+          <a:prstGeom prst="rect">
+            <a:avLst/>
+          </a:prstGeom>
+          <a:noFill/>
+          <a:ln w="12700" cap="flat">
+            <a:noFill/>
+            <a:miter lim="400000"/>
+          </a:ln>
+          <a:effectLst/>
+          <a:sp3d/>
+        </p:spPr>
+        <p:style>
+          <a:lnRef idx="0">
+            <a:scrgbClr r="0" g="0" b="0"/>
+          </a:lnRef>
+          <a:fillRef idx="0">
+            <a:scrgbClr r="0" g="0" b="0"/>
+          </a:fillRef>
+          <a:effectRef idx="0">
+            <a:scrgbClr r="0" g="0" b="0"/>
+          </a:effectRef>
+          <a:fontRef idx="none"/>
+        </p:style>
+        <p:txBody>
+          <a:bodyPr rot="0" spcFirstLastPara="1" vertOverflow="overflow" horzOverflow="overflow" vert="horz" wrap="square" lIns="34289" tIns="34289" rIns="34289" bIns="34289" numCol="1" spcCol="38100" rtlCol="0" anchor="t">
+            <a:spAutoFit/>
+          </a:bodyPr>
+          <a:lstStyle/>
+          <a:p>
+            <a:pPr marL="0" marR="0" indent="0" algn="l" defTabSz="342900" rtl="0" fontAlgn="auto" latinLnBrk="0" hangingPunct="0">
+              <a:lnSpc>
+                <a:spcPct val="100000"/>
+              </a:lnSpc>
+              <a:spcBef>
+                <a:spcPts val="0"/>
+              </a:spcBef>
+              <a:spcAft>
+                <a:spcPts val="0"/>
+              </a:spcAft>
+              <a:buClrTx/>
+              <a:buSzTx/>
+              <a:buFontTx/>
+              <a:buNone/>
+              <a:tabLst/>
+            </a:pPr>
+            <a:r>
+              <a:rPr lang="pl-PL" sz="2800" dirty="0">
+                <a:latin typeface="Myriad Pro"/>
+              </a:rPr>
+              <a:t>  9 - 12		Inner classes (break at 10:30)</a:t>
+            </a:r>
+          </a:p>
+          <a:p>
+            <a:pPr marL="0" marR="0" indent="0" algn="l" defTabSz="342900" rtl="0" fontAlgn="auto" latinLnBrk="0" hangingPunct="0">
+              <a:lnSpc>
+                <a:spcPct val="100000"/>
+              </a:lnSpc>
+              <a:spcBef>
+                <a:spcPts val="0"/>
+              </a:spcBef>
+              <a:spcAft>
+                <a:spcPts val="0"/>
+              </a:spcAft>
+              <a:buClrTx/>
+              <a:buSzTx/>
+              <a:buFontTx/>
+              <a:buNone/>
+              <a:tabLst/>
+            </a:pPr>
+            <a:r>
+              <a:rPr lang="pl-PL" sz="2800" dirty="0">
+                <a:latin typeface="Myriad Pro"/>
+              </a:rPr>
+              <a:t>12 - 13 		Launch</a:t>
+            </a:r>
+          </a:p>
+          <a:p>
+            <a:pPr marL="0" marR="0" indent="0" algn="l" defTabSz="342900" rtl="0" fontAlgn="auto" latinLnBrk="0" hangingPunct="0">
+              <a:lnSpc>
+                <a:spcPct val="100000"/>
+              </a:lnSpc>
+              <a:spcBef>
+                <a:spcPts val="0"/>
+              </a:spcBef>
+              <a:spcAft>
+                <a:spcPts val="0"/>
+              </a:spcAft>
+              <a:buClrTx/>
+              <a:buSzTx/>
+              <a:buFontTx/>
+              <a:buNone/>
+              <a:tabLst/>
+            </a:pPr>
+            <a:r>
+              <a:rPr lang="pl-PL" sz="2800" dirty="0">
+                <a:latin typeface="Myriad Pro"/>
+              </a:rPr>
+              <a:t>13 - 14 		Exercise 1&amp;2 (break at end)</a:t>
+            </a:r>
+          </a:p>
+          <a:p>
+            <a:pPr marL="0" marR="0" indent="0" algn="l" defTabSz="342900" rtl="0" fontAlgn="auto" latinLnBrk="0" hangingPunct="0">
+              <a:lnSpc>
+                <a:spcPct val="100000"/>
+              </a:lnSpc>
+              <a:spcBef>
+                <a:spcPts val="0"/>
+              </a:spcBef>
+              <a:spcAft>
+                <a:spcPts val="0"/>
+              </a:spcAft>
+              <a:buClrTx/>
+              <a:buSzTx/>
+              <a:buFontTx/>
+              <a:buNone/>
+              <a:tabLst/>
+            </a:pPr>
+            <a:r>
+              <a:rPr lang="pl-PL" sz="2800" dirty="0">
+                <a:latin typeface="Myriad Pro"/>
+              </a:rPr>
+              <a:t>15 - 16		Exceptions</a:t>
+            </a:r>
+          </a:p>
+          <a:p>
+            <a:pPr marL="0" marR="0" indent="0" algn="l" defTabSz="342900" rtl="0" fontAlgn="auto" latinLnBrk="0" hangingPunct="0">
+              <a:lnSpc>
+                <a:spcPct val="100000"/>
+              </a:lnSpc>
+              <a:spcBef>
+                <a:spcPts val="0"/>
+              </a:spcBef>
+              <a:spcAft>
+                <a:spcPts val="0"/>
+              </a:spcAft>
+              <a:buClrTx/>
+              <a:buSzTx/>
+              <a:buFontTx/>
+              <a:buNone/>
+              <a:tabLst/>
+            </a:pPr>
+            <a:r>
+              <a:rPr lang="pl-PL" sz="2800" dirty="0">
+                <a:latin typeface="Myriad Pro"/>
+              </a:rPr>
+              <a:t>16 - 17		Excersise 3</a:t>
+            </a:r>
+          </a:p>
+          <a:p>
+            <a:pPr marL="0" marR="0" indent="0" algn="l" defTabSz="342900" rtl="0" fontAlgn="auto" latinLnBrk="0" hangingPunct="0">
+              <a:lnSpc>
+                <a:spcPct val="100000"/>
+              </a:lnSpc>
+              <a:spcBef>
+                <a:spcPts val="0"/>
+              </a:spcBef>
+              <a:spcAft>
+                <a:spcPts val="0"/>
+              </a:spcAft>
+              <a:buClrTx/>
+              <a:buSzTx/>
+              <a:buFontTx/>
+              <a:buNone/>
+              <a:tabLst/>
+            </a:pPr>
+            <a:endParaRPr kumimoji="0" lang="pl-PL" sz="2800" b="0" i="0" u="none" strike="noStrike" cap="none" spc="0" normalizeH="0" baseline="0" dirty="0">
+              <a:ln>
+                <a:noFill/>
+              </a:ln>
+              <a:solidFill>
+                <a:srgbClr val="000000"/>
+              </a:solidFill>
+              <a:effectLst/>
+              <a:uFillTx/>
+              <a:latin typeface="Myriad Pro"/>
+              <a:sym typeface="Avenir Roman"/>
+            </a:endParaRPr>
+          </a:p>
+        </p:txBody>
+      </p:sp>
+    </p:spTree>
+    <p:extLst>
+      <p:ext uri="{BB962C8B-B14F-4D97-AF65-F5344CB8AC3E}">
+        <p14:creationId xmlns:p14="http://schemas.microsoft.com/office/powerpoint/2010/main" val="1135653744"/>
+      </p:ext>
+    </p:extLst>
+  </p:cSld>
+  <p:clrMapOvr>
+    <a:masterClrMapping/>
+  </p:clrMapOvr>
+  <p:transition spd="med"/>
+</p:sld>
+</file>
+
+<file path=ppt/slides/slide40.xml><?xml version="1.0" encoding="utf-8"?>
 <p:sld xmlns:a="http://schemas.openxmlformats.org/drawingml/2006/main" xmlns:r="http://schemas.openxmlformats.org/officeDocument/2006/relationships" xmlns:p="http://schemas.openxmlformats.org/presentationml/2006/main">
   <p:cSld>
     <p:spTree>
@@ -24907,7 +25895,7 @@
           </a:ln>
           <a:extLst>
             <a:ext uri="{C572A759-6A51-4108-AA02-DFA0A04FC94B}">
-              <ma14:wrappingTextBoxFlag xmlns="" xmlns:ma14="http://schemas.microsoft.com/office/mac/drawingml/2011/main" val="1"/>
+              <ma14:wrappingTextBoxFlag xmlns:ma14="http://schemas.microsoft.com/office/mac/drawingml/2011/main" xmlns="" val="1"/>
             </a:ext>
           </a:extLst>
         </p:spPr>
@@ -25076,7 +26064,7 @@
 </p:sld>
 </file>
 
-<file path=ppt/slides/slide39.xml><?xml version="1.0" encoding="utf-8"?>
+<file path=ppt/slides/slide41.xml><?xml version="1.0" encoding="utf-8"?>
 <p:sld xmlns:a="http://schemas.openxmlformats.org/drawingml/2006/main" xmlns:r="http://schemas.openxmlformats.org/officeDocument/2006/relationships" xmlns:p="http://schemas.openxmlformats.org/presentationml/2006/main">
   <p:cSld>
     <p:spTree>
@@ -25263,119 +26251,7 @@
 </p:sld>
 </file>
 
-<file path=ppt/slides/slide4.xml><?xml version="1.0" encoding="utf-8"?>
-<p:sld xmlns:a="http://schemas.openxmlformats.org/drawingml/2006/main" xmlns:r="http://schemas.openxmlformats.org/officeDocument/2006/relationships" xmlns:p="http://schemas.openxmlformats.org/presentationml/2006/main">
-  <p:cSld>
-    <p:spTree>
-      <p:nvGrpSpPr>
-        <p:cNvPr id="1" name=""/>
-        <p:cNvGrpSpPr/>
-        <p:nvPr/>
-      </p:nvGrpSpPr>
-      <p:grpSpPr>
-        <a:xfrm>
-          <a:off x="0" y="0"/>
-          <a:ext cx="0" cy="0"/>
-          <a:chOff x="0" y="0"/>
-          <a:chExt cx="0" cy="0"/>
-        </a:xfrm>
-      </p:grpSpPr>
-      <p:sp>
-        <p:nvSpPr>
-          <p:cNvPr id="2" name="Rectangle 1">
-            <a:extLst>
-              <a:ext uri="{FF2B5EF4-FFF2-40B4-BE49-F238E27FC236}">
-                <a16:creationId xmlns:a16="http://schemas.microsoft.com/office/drawing/2014/main" id="{6DAB1FC2-53D0-4DA6-8DB5-861C33888FE6}"/>
-              </a:ext>
-            </a:extLst>
-          </p:cNvPr>
-          <p:cNvSpPr/>
-          <p:nvPr/>
-        </p:nvSpPr>
-        <p:spPr>
-          <a:xfrm>
-            <a:off x="6771216" y="4380997"/>
-            <a:ext cx="1983235" cy="276999"/>
-          </a:xfrm>
-          <a:prstGeom prst="rect">
-            <a:avLst/>
-          </a:prstGeom>
-        </p:spPr>
-        <p:txBody>
-          <a:bodyPr wrap="none">
-            <a:spAutoFit/>
-          </a:bodyPr>
-          <a:lstStyle/>
-          <a:p>
-            <a:r>
-              <a:rPr lang="pl-PL" dirty="0"/>
-              <a:t>http://www.jitendrazaa.com</a:t>
-            </a:r>
-          </a:p>
-        </p:txBody>
-      </p:sp>
-      <p:pic>
-        <p:nvPicPr>
-          <p:cNvPr id="3" name="Picture 2" descr="http://jitendrazaa.com/blog/wp-content/uploads/2011/03/Types-of-Nested-Classes-in-JAVA.jpg">
-            <a:extLst>
-              <a:ext uri="{FF2B5EF4-FFF2-40B4-BE49-F238E27FC236}">
-                <a16:creationId xmlns:a16="http://schemas.microsoft.com/office/drawing/2014/main" id="{AA2BC72A-847C-4231-9797-168FA37F0CAC}"/>
-              </a:ext>
-            </a:extLst>
-          </p:cNvPr>
-          <p:cNvPicPr>
-            <a:picLocks noChangeAspect="1" noChangeArrowheads="1"/>
-          </p:cNvPicPr>
-          <p:nvPr/>
-        </p:nvPicPr>
-        <p:blipFill>
-          <a:blip r:embed="rId2">
-            <a:extLst>
-              <a:ext uri="{28A0092B-C50C-407E-A947-70E740481C1C}">
-                <a14:useLocalDpi xmlns:a14="http://schemas.microsoft.com/office/drawing/2010/main" val="0"/>
-              </a:ext>
-            </a:extLst>
-          </a:blip>
-          <a:srcRect/>
-          <a:stretch>
-            <a:fillRect/>
-          </a:stretch>
-        </p:blipFill>
-        <p:spPr bwMode="auto">
-          <a:xfrm>
-            <a:off x="1585913" y="1276350"/>
-            <a:ext cx="5972175" cy="2590800"/>
-          </a:xfrm>
-          <a:prstGeom prst="rect">
-            <a:avLst/>
-          </a:prstGeom>
-          <a:noFill/>
-          <a:extLst>
-            <a:ext uri="{909E8E84-426E-40DD-AFC4-6F175D3DCCD1}">
-              <a14:hiddenFill xmlns:a14="http://schemas.microsoft.com/office/drawing/2010/main">
-                <a:solidFill>
-                  <a:srgbClr val="FFFFFF"/>
-                </a:solidFill>
-              </a14:hiddenFill>
-            </a:ext>
-          </a:extLst>
-        </p:spPr>
-      </p:pic>
-    </p:spTree>
-    <p:extLst>
-      <p:ext uri="{BB962C8B-B14F-4D97-AF65-F5344CB8AC3E}">
-        <p14:creationId xmlns:p14="http://schemas.microsoft.com/office/powerpoint/2010/main" val="434551779"/>
-      </p:ext>
-    </p:extLst>
-  </p:cSld>
-  <p:clrMapOvr>
-    <a:masterClrMapping/>
-  </p:clrMapOvr>
-  <p:transition spd="med"/>
-</p:sld>
-</file>
-
-<file path=ppt/slides/slide40.xml><?xml version="1.0" encoding="utf-8"?>
+<file path=ppt/slides/slide42.xml><?xml version="1.0" encoding="utf-8"?>
 <p:sld xmlns:a="http://schemas.openxmlformats.org/drawingml/2006/main" xmlns:r="http://schemas.openxmlformats.org/officeDocument/2006/relationships" xmlns:p="http://schemas.openxmlformats.org/presentationml/2006/main">
   <p:cSld>
     <p:spTree>
@@ -25430,7 +26306,7 @@
 </p:sld>
 </file>
 
-<file path=ppt/slides/slide41.xml><?xml version="1.0" encoding="utf-8"?>
+<file path=ppt/slides/slide43.xml><?xml version="1.0" encoding="utf-8"?>
 <p:sld xmlns:a="http://schemas.openxmlformats.org/drawingml/2006/main" xmlns:r="http://schemas.openxmlformats.org/officeDocument/2006/relationships" xmlns:p="http://schemas.openxmlformats.org/presentationml/2006/main">
   <p:cSld>
     <p:spTree>
@@ -25543,7 +26419,7 @@
           </a:ln>
           <a:extLst>
             <a:ext uri="{C572A759-6A51-4108-AA02-DFA0A04FC94B}">
-              <ma14:wrappingTextBoxFlag xmlns="" xmlns:ma14="http://schemas.microsoft.com/office/mac/drawingml/2011/main" val="1"/>
+              <ma14:wrappingTextBoxFlag xmlns:ma14="http://schemas.microsoft.com/office/mac/drawingml/2011/main" xmlns="" val="1"/>
             </a:ext>
           </a:extLst>
         </p:spPr>
@@ -25657,7 +26533,7 @@
 </p:sld>
 </file>
 
-<file path=ppt/slides/slide42.xml><?xml version="1.0" encoding="utf-8"?>
+<file path=ppt/slides/slide44.xml><?xml version="1.0" encoding="utf-8"?>
 <p:sld xmlns:a="http://schemas.openxmlformats.org/drawingml/2006/main" xmlns:r="http://schemas.openxmlformats.org/officeDocument/2006/relationships" xmlns:p="http://schemas.openxmlformats.org/presentationml/2006/main">
   <p:cSld>
     <p:spTree>
@@ -25770,7 +26646,7 @@
           </a:ln>
           <a:extLst>
             <a:ext uri="{C572A759-6A51-4108-AA02-DFA0A04FC94B}">
-              <ma14:wrappingTextBoxFlag xmlns="" xmlns:ma14="http://schemas.microsoft.com/office/mac/drawingml/2011/main" val="1"/>
+              <ma14:wrappingTextBoxFlag xmlns:ma14="http://schemas.microsoft.com/office/mac/drawingml/2011/main" xmlns="" val="1"/>
             </a:ext>
           </a:extLst>
         </p:spPr>
@@ -25939,7 +26815,7 @@
 </p:sld>
 </file>
 
-<file path=ppt/slides/slide43.xml><?xml version="1.0" encoding="utf-8"?>
+<file path=ppt/slides/slide45.xml><?xml version="1.0" encoding="utf-8"?>
 <p:sld xmlns:a="http://schemas.openxmlformats.org/drawingml/2006/main" xmlns:r="http://schemas.openxmlformats.org/officeDocument/2006/relationships" xmlns:p="http://schemas.openxmlformats.org/presentationml/2006/main">
   <p:cSld>
     <p:spTree>
@@ -26033,7 +26909,7 @@
           </a:ln>
           <a:extLst>
             <a:ext uri="{C572A759-6A51-4108-AA02-DFA0A04FC94B}">
-              <ma14:wrappingTextBoxFlag xmlns="" xmlns:ma14="http://schemas.microsoft.com/office/mac/drawingml/2011/main" val="1"/>
+              <ma14:wrappingTextBoxFlag xmlns:ma14="http://schemas.microsoft.com/office/mac/drawingml/2011/main" xmlns="" val="1"/>
             </a:ext>
           </a:extLst>
         </p:spPr>
@@ -26070,7 +26946,7 @@
 </p:sld>
 </file>
 
-<file path=ppt/slides/slide44.xml><?xml version="1.0" encoding="utf-8"?>
+<file path=ppt/slides/slide46.xml><?xml version="1.0" encoding="utf-8"?>
 <p:sld xmlns:a="http://schemas.openxmlformats.org/drawingml/2006/main" xmlns:r="http://schemas.openxmlformats.org/officeDocument/2006/relationships" xmlns:p="http://schemas.openxmlformats.org/presentationml/2006/main">
   <p:cSld>
     <p:spTree>
@@ -26125,7 +27001,7 @@
 </p:sld>
 </file>
 
-<file path=ppt/slides/slide45.xml><?xml version="1.0" encoding="utf-8"?>
+<file path=ppt/slides/slide47.xml><?xml version="1.0" encoding="utf-8"?>
 <p:sld xmlns:a="http://schemas.openxmlformats.org/drawingml/2006/main" xmlns:r="http://schemas.openxmlformats.org/officeDocument/2006/relationships" xmlns:p="http://schemas.openxmlformats.org/presentationml/2006/main">
   <p:cSld>
     <p:spTree>
@@ -26161,7 +27037,7 @@
           </a:ln>
           <a:extLst>
             <a:ext uri="{C572A759-6A51-4108-AA02-DFA0A04FC94B}">
-              <ma14:wrappingTextBoxFlag xmlns="" xmlns:ma14="http://schemas.microsoft.com/office/mac/drawingml/2011/main" val="1"/>
+              <ma14:wrappingTextBoxFlag xmlns:ma14="http://schemas.microsoft.com/office/mac/drawingml/2011/main" xmlns="" val="1"/>
             </a:ext>
           </a:extLst>
         </p:spPr>
@@ -26208,7 +27084,7 @@
           </a:ln>
           <a:extLst>
             <a:ext uri="{C572A759-6A51-4108-AA02-DFA0A04FC94B}">
-              <ma14:wrappingTextBoxFlag xmlns="" xmlns:ma14="http://schemas.microsoft.com/office/mac/drawingml/2011/main" val="1"/>
+              <ma14:wrappingTextBoxFlag xmlns:ma14="http://schemas.microsoft.com/office/mac/drawingml/2011/main" xmlns="" val="1"/>
             </a:ext>
           </a:extLst>
         </p:spPr>
@@ -26449,7 +27325,7 @@
 </p:sld>
 </file>
 
-<file path=ppt/slides/slide46.xml><?xml version="1.0" encoding="utf-8"?>
+<file path=ppt/slides/slide48.xml><?xml version="1.0" encoding="utf-8"?>
 <p:sld xmlns:a="http://schemas.openxmlformats.org/drawingml/2006/main" xmlns:r="http://schemas.openxmlformats.org/officeDocument/2006/relationships" xmlns:p="http://schemas.openxmlformats.org/presentationml/2006/main">
   <p:cSld>
     <p:spTree>
@@ -26485,7 +27361,7 @@
           </a:ln>
           <a:extLst>
             <a:ext uri="{C572A759-6A51-4108-AA02-DFA0A04FC94B}">
-              <ma14:wrappingTextBoxFlag xmlns="" xmlns:ma14="http://schemas.microsoft.com/office/mac/drawingml/2011/main" val="1"/>
+              <ma14:wrappingTextBoxFlag xmlns:ma14="http://schemas.microsoft.com/office/mac/drawingml/2011/main" xmlns="" val="1"/>
             </a:ext>
           </a:extLst>
         </p:spPr>
@@ -26532,7 +27408,7 @@
           </a:ln>
           <a:extLst>
             <a:ext uri="{C572A759-6A51-4108-AA02-DFA0A04FC94B}">
-              <ma14:wrappingTextBoxFlag xmlns="" xmlns:ma14="http://schemas.microsoft.com/office/mac/drawingml/2011/main" val="1"/>
+              <ma14:wrappingTextBoxFlag xmlns:ma14="http://schemas.microsoft.com/office/mac/drawingml/2011/main" xmlns="" val="1"/>
             </a:ext>
           </a:extLst>
         </p:spPr>
@@ -26756,7 +27632,7 @@
 </p:sld>
 </file>
 
-<file path=ppt/slides/slide47.xml><?xml version="1.0" encoding="utf-8"?>
+<file path=ppt/slides/slide49.xml><?xml version="1.0" encoding="utf-8"?>
 <p:sld xmlns:a="http://schemas.openxmlformats.org/drawingml/2006/main" xmlns:r="http://schemas.openxmlformats.org/officeDocument/2006/relationships" xmlns:p="http://schemas.openxmlformats.org/presentationml/2006/main">
   <p:cSld>
     <p:spTree>
@@ -26792,7 +27668,7 @@
           </a:ln>
           <a:extLst>
             <a:ext uri="{C572A759-6A51-4108-AA02-DFA0A04FC94B}">
-              <ma14:wrappingTextBoxFlag xmlns="" xmlns:ma14="http://schemas.microsoft.com/office/mac/drawingml/2011/main" val="1"/>
+              <ma14:wrappingTextBoxFlag xmlns:ma14="http://schemas.microsoft.com/office/mac/drawingml/2011/main" xmlns="" val="1"/>
             </a:ext>
           </a:extLst>
         </p:spPr>
@@ -26839,7 +27715,7 @@
           </a:ln>
           <a:extLst>
             <a:ext uri="{C572A759-6A51-4108-AA02-DFA0A04FC94B}">
-              <ma14:wrappingTextBoxFlag xmlns="" xmlns:ma14="http://schemas.microsoft.com/office/mac/drawingml/2011/main" val="1"/>
+              <ma14:wrappingTextBoxFlag xmlns:ma14="http://schemas.microsoft.com/office/mac/drawingml/2011/main" xmlns="" val="1"/>
             </a:ext>
           </a:extLst>
         </p:spPr>
@@ -27102,7 +27978,119 @@
 </p:sld>
 </file>
 
-<file path=ppt/slides/slide48.xml><?xml version="1.0" encoding="utf-8"?>
+<file path=ppt/slides/slide5.xml><?xml version="1.0" encoding="utf-8"?>
+<p:sld xmlns:a="http://schemas.openxmlformats.org/drawingml/2006/main" xmlns:r="http://schemas.openxmlformats.org/officeDocument/2006/relationships" xmlns:p="http://schemas.openxmlformats.org/presentationml/2006/main">
+  <p:cSld>
+    <p:spTree>
+      <p:nvGrpSpPr>
+        <p:cNvPr id="1" name=""/>
+        <p:cNvGrpSpPr/>
+        <p:nvPr/>
+      </p:nvGrpSpPr>
+      <p:grpSpPr>
+        <a:xfrm>
+          <a:off x="0" y="0"/>
+          <a:ext cx="0" cy="0"/>
+          <a:chOff x="0" y="0"/>
+          <a:chExt cx="0" cy="0"/>
+        </a:xfrm>
+      </p:grpSpPr>
+      <p:sp>
+        <p:nvSpPr>
+          <p:cNvPr id="2" name="Rectangle 1">
+            <a:extLst>
+              <a:ext uri="{FF2B5EF4-FFF2-40B4-BE49-F238E27FC236}">
+                <a16:creationId xmlns:a16="http://schemas.microsoft.com/office/drawing/2014/main" id="{6DAB1FC2-53D0-4DA6-8DB5-861C33888FE6}"/>
+              </a:ext>
+            </a:extLst>
+          </p:cNvPr>
+          <p:cNvSpPr/>
+          <p:nvPr/>
+        </p:nvSpPr>
+        <p:spPr>
+          <a:xfrm>
+            <a:off x="6771216" y="4380997"/>
+            <a:ext cx="1983235" cy="276999"/>
+          </a:xfrm>
+          <a:prstGeom prst="rect">
+            <a:avLst/>
+          </a:prstGeom>
+        </p:spPr>
+        <p:txBody>
+          <a:bodyPr wrap="none">
+            <a:spAutoFit/>
+          </a:bodyPr>
+          <a:lstStyle/>
+          <a:p>
+            <a:r>
+              <a:rPr lang="pl-PL" dirty="0"/>
+              <a:t>http://www.jitendrazaa.com</a:t>
+            </a:r>
+          </a:p>
+        </p:txBody>
+      </p:sp>
+      <p:pic>
+        <p:nvPicPr>
+          <p:cNvPr id="3" name="Picture 2" descr="http://jitendrazaa.com/blog/wp-content/uploads/2011/03/Types-of-Nested-Classes-in-JAVA.jpg">
+            <a:extLst>
+              <a:ext uri="{FF2B5EF4-FFF2-40B4-BE49-F238E27FC236}">
+                <a16:creationId xmlns:a16="http://schemas.microsoft.com/office/drawing/2014/main" id="{AA2BC72A-847C-4231-9797-168FA37F0CAC}"/>
+              </a:ext>
+            </a:extLst>
+          </p:cNvPr>
+          <p:cNvPicPr>
+            <a:picLocks noChangeAspect="1" noChangeArrowheads="1"/>
+          </p:cNvPicPr>
+          <p:nvPr/>
+        </p:nvPicPr>
+        <p:blipFill>
+          <a:blip r:embed="rId2">
+            <a:extLst>
+              <a:ext uri="{28A0092B-C50C-407E-A947-70E740481C1C}">
+                <a14:useLocalDpi xmlns:a14="http://schemas.microsoft.com/office/drawing/2010/main" val="0"/>
+              </a:ext>
+            </a:extLst>
+          </a:blip>
+          <a:srcRect/>
+          <a:stretch>
+            <a:fillRect/>
+          </a:stretch>
+        </p:blipFill>
+        <p:spPr bwMode="auto">
+          <a:xfrm>
+            <a:off x="1585913" y="1276350"/>
+            <a:ext cx="5972175" cy="2590800"/>
+          </a:xfrm>
+          <a:prstGeom prst="rect">
+            <a:avLst/>
+          </a:prstGeom>
+          <a:noFill/>
+          <a:extLst>
+            <a:ext uri="{909E8E84-426E-40DD-AFC4-6F175D3DCCD1}">
+              <a14:hiddenFill xmlns:a14="http://schemas.microsoft.com/office/drawing/2010/main">
+                <a:solidFill>
+                  <a:srgbClr val="FFFFFF"/>
+                </a:solidFill>
+              </a14:hiddenFill>
+            </a:ext>
+          </a:extLst>
+        </p:spPr>
+      </p:pic>
+    </p:spTree>
+    <p:extLst>
+      <p:ext uri="{BB962C8B-B14F-4D97-AF65-F5344CB8AC3E}">
+        <p14:creationId xmlns:p14="http://schemas.microsoft.com/office/powerpoint/2010/main" val="434551779"/>
+      </p:ext>
+    </p:extLst>
+  </p:cSld>
+  <p:clrMapOvr>
+    <a:masterClrMapping/>
+  </p:clrMapOvr>
+  <p:transition spd="med"/>
+</p:sld>
+</file>
+
+<file path=ppt/slides/slide50.xml><?xml version="1.0" encoding="utf-8"?>
 <p:sld xmlns:a="http://schemas.openxmlformats.org/drawingml/2006/main" xmlns:r="http://schemas.openxmlformats.org/officeDocument/2006/relationships" xmlns:p="http://schemas.openxmlformats.org/presentationml/2006/main">
   <p:cSld>
     <p:spTree>
@@ -27138,7 +28126,7 @@
           </a:ln>
           <a:extLst>
             <a:ext uri="{C572A759-6A51-4108-AA02-DFA0A04FC94B}">
-              <ma14:wrappingTextBoxFlag xmlns="" xmlns:ma14="http://schemas.microsoft.com/office/mac/drawingml/2011/main" val="1"/>
+              <ma14:wrappingTextBoxFlag xmlns:ma14="http://schemas.microsoft.com/office/mac/drawingml/2011/main" xmlns="" val="1"/>
             </a:ext>
           </a:extLst>
         </p:spPr>
@@ -27185,7 +28173,7 @@
           </a:ln>
           <a:extLst>
             <a:ext uri="{C572A759-6A51-4108-AA02-DFA0A04FC94B}">
-              <ma14:wrappingTextBoxFlag xmlns="" xmlns:ma14="http://schemas.microsoft.com/office/mac/drawingml/2011/main" val="1"/>
+              <ma14:wrappingTextBoxFlag xmlns:ma14="http://schemas.microsoft.com/office/mac/drawingml/2011/main" xmlns="" val="1"/>
             </a:ext>
           </a:extLst>
         </p:spPr>
@@ -27345,7 +28333,7 @@
 </p:sld>
 </file>
 
-<file path=ppt/slides/slide49.xml><?xml version="1.0" encoding="utf-8"?>
+<file path=ppt/slides/slide51.xml><?xml version="1.0" encoding="utf-8"?>
 <p:sld xmlns:a="http://schemas.openxmlformats.org/drawingml/2006/main" xmlns:r="http://schemas.openxmlformats.org/officeDocument/2006/relationships" xmlns:p="http://schemas.openxmlformats.org/presentationml/2006/main">
   <p:cSld>
     <p:spTree>
@@ -27381,7 +28369,7 @@
           </a:ln>
           <a:extLst>
             <a:ext uri="{C572A759-6A51-4108-AA02-DFA0A04FC94B}">
-              <ma14:wrappingTextBoxFlag xmlns="" xmlns:ma14="http://schemas.microsoft.com/office/mac/drawingml/2011/main" val="1"/>
+              <ma14:wrappingTextBoxFlag xmlns:ma14="http://schemas.microsoft.com/office/mac/drawingml/2011/main" xmlns="" val="1"/>
             </a:ext>
           </a:extLst>
         </p:spPr>
@@ -27428,7 +28416,7 @@
           </a:ln>
           <a:extLst>
             <a:ext uri="{C572A759-6A51-4108-AA02-DFA0A04FC94B}">
-              <ma14:wrappingTextBoxFlag xmlns="" xmlns:ma14="http://schemas.microsoft.com/office/mac/drawingml/2011/main" val="1"/>
+              <ma14:wrappingTextBoxFlag xmlns:ma14="http://schemas.microsoft.com/office/mac/drawingml/2011/main" xmlns="" val="1"/>
             </a:ext>
           </a:extLst>
         </p:spPr>
@@ -27590,127 +28578,7 @@
 </p:sld>
 </file>
 
-<file path=ppt/slides/slide5.xml><?xml version="1.0" encoding="utf-8"?>
-<p:sld xmlns:a="http://schemas.openxmlformats.org/drawingml/2006/main" xmlns:r="http://schemas.openxmlformats.org/officeDocument/2006/relationships" xmlns:p="http://schemas.openxmlformats.org/presentationml/2006/main">
-  <p:cSld>
-    <p:spTree>
-      <p:nvGrpSpPr>
-        <p:cNvPr id="1" name=""/>
-        <p:cNvGrpSpPr/>
-        <p:nvPr/>
-      </p:nvGrpSpPr>
-      <p:grpSpPr>
-        <a:xfrm>
-          <a:off x="0" y="0"/>
-          <a:ext cx="0" cy="0"/>
-          <a:chOff x="0" y="0"/>
-          <a:chExt cx="0" cy="0"/>
-        </a:xfrm>
-      </p:grpSpPr>
-      <p:sp>
-        <p:nvSpPr>
-          <p:cNvPr id="291" name="Shape 291"/>
-          <p:cNvSpPr/>
-          <p:nvPr/>
-        </p:nvSpPr>
-        <p:spPr>
-          <a:xfrm>
-            <a:off x="292098" y="42616"/>
-            <a:ext cx="6669886" cy="462280"/>
-          </a:xfrm>
-          <a:prstGeom prst="rect">
-            <a:avLst/>
-          </a:prstGeom>
-          <a:ln w="12700">
-            <a:miter lim="400000"/>
-          </a:ln>
-          <a:extLst>
-            <a:ext uri="{C572A759-6A51-4108-AA02-DFA0A04FC94B}">
-              <ma14:wrappingTextBoxFlag xmlns="" xmlns:ma14="http://schemas.microsoft.com/office/mac/drawingml/2011/main" val="1"/>
-            </a:ext>
-          </a:extLst>
-        </p:spPr>
-        <p:txBody>
-          <a:bodyPr lIns="34289" tIns="34289" rIns="34289" bIns="34289">
-            <a:spAutoFit/>
-          </a:bodyPr>
-          <a:lstStyle>
-            <a:lvl1pPr>
-              <a:defRPr sz="2600" b="1">
-                <a:solidFill>
-                  <a:schemeClr val="accent2"/>
-                </a:solidFill>
-                <a:latin typeface="Myriad Pro"/>
-                <a:ea typeface="Myriad Pro"/>
-                <a:cs typeface="Myriad Pro"/>
-                <a:sym typeface="Myriad Pro"/>
-              </a:defRPr>
-            </a:lvl1pPr>
-          </a:lstStyle>
-          <a:p>
-            <a:r>
-              <a:t>Inner class</a:t>
-            </a:r>
-          </a:p>
-        </p:txBody>
-      </p:sp>
-      <p:sp>
-        <p:nvSpPr>
-          <p:cNvPr id="292" name="Shape 292"/>
-          <p:cNvSpPr/>
-          <p:nvPr/>
-        </p:nvSpPr>
-        <p:spPr>
-          <a:xfrm>
-            <a:off x="292100" y="889000"/>
-            <a:ext cx="8509000" cy="855979"/>
-          </a:xfrm>
-          <a:prstGeom prst="rect">
-            <a:avLst/>
-          </a:prstGeom>
-          <a:ln w="12700">
-            <a:miter lim="400000"/>
-          </a:ln>
-          <a:extLst>
-            <a:ext uri="{C572A759-6A51-4108-AA02-DFA0A04FC94B}">
-              <ma14:wrappingTextBoxFlag xmlns="" xmlns:ma14="http://schemas.microsoft.com/office/mac/drawingml/2011/main" val="1"/>
-            </a:ext>
-          </a:extLst>
-        </p:spPr>
-        <p:txBody>
-          <a:bodyPr lIns="34289" tIns="34289" rIns="34289" bIns="34289">
-            <a:spAutoFit/>
-          </a:bodyPr>
-          <a:lstStyle>
-            <a:lvl1pPr defTabSz="685800">
-              <a:spcBef>
-                <a:spcPts val="500"/>
-              </a:spcBef>
-              <a:defRPr sz="2600">
-                <a:latin typeface="Myriad Pro"/>
-                <a:ea typeface="Myriad Pro"/>
-                <a:cs typeface="Myriad Pro"/>
-                <a:sym typeface="Myriad Pro"/>
-              </a:defRPr>
-            </a:lvl1pPr>
-          </a:lstStyle>
-          <a:p>
-            <a:r>
-              <a:t>You can declare a class in any block including blocks that are part of a method.</a:t>
-            </a:r>
-          </a:p>
-        </p:txBody>
-      </p:sp>
-    </p:spTree>
-  </p:cSld>
-  <p:clrMapOvr>
-    <a:masterClrMapping/>
-  </p:clrMapOvr>
-  <p:transition spd="med"/>
-</p:sld>
-</file>
-
-<file path=ppt/slides/slide50.xml><?xml version="1.0" encoding="utf-8"?>
+<file path=ppt/slides/slide52.xml><?xml version="1.0" encoding="utf-8"?>
 <p:sld xmlns:a="http://schemas.openxmlformats.org/drawingml/2006/main" xmlns:r="http://schemas.openxmlformats.org/officeDocument/2006/relationships" xmlns:p="http://schemas.openxmlformats.org/presentationml/2006/main">
   <p:cSld>
     <p:spTree>
@@ -27746,7 +28614,7 @@
           </a:ln>
           <a:extLst>
             <a:ext uri="{C572A759-6A51-4108-AA02-DFA0A04FC94B}">
-              <ma14:wrappingTextBoxFlag xmlns="" xmlns:ma14="http://schemas.microsoft.com/office/mac/drawingml/2011/main" val="1"/>
+              <ma14:wrappingTextBoxFlag xmlns:ma14="http://schemas.microsoft.com/office/mac/drawingml/2011/main" xmlns="" val="1"/>
             </a:ext>
           </a:extLst>
         </p:spPr>
@@ -27793,7 +28661,7 @@
           </a:ln>
           <a:extLst>
             <a:ext uri="{C572A759-6A51-4108-AA02-DFA0A04FC94B}">
-              <ma14:wrappingTextBoxFlag xmlns="" xmlns:ma14="http://schemas.microsoft.com/office/mac/drawingml/2011/main" val="1"/>
+              <ma14:wrappingTextBoxFlag xmlns:ma14="http://schemas.microsoft.com/office/mac/drawingml/2011/main" xmlns="" val="1"/>
             </a:ext>
           </a:extLst>
         </p:spPr>
@@ -28187,7 +29055,7 @@
 </p:sld>
 </file>
 
-<file path=ppt/slides/slide51.xml><?xml version="1.0" encoding="utf-8"?>
+<file path=ppt/slides/slide53.xml><?xml version="1.0" encoding="utf-8"?>
 <p:sld xmlns:a="http://schemas.openxmlformats.org/drawingml/2006/main" xmlns:r="http://schemas.openxmlformats.org/officeDocument/2006/relationships" xmlns:p="http://schemas.openxmlformats.org/presentationml/2006/main">
   <p:cSld>
     <p:spTree>
@@ -28280,7 +29148,7 @@
           </a:ln>
           <a:extLst>
             <a:ext uri="{C572A759-6A51-4108-AA02-DFA0A04FC94B}">
-              <ma14:wrappingTextBoxFlag xmlns="" xmlns:ma14="http://schemas.microsoft.com/office/mac/drawingml/2011/main" val="1"/>
+              <ma14:wrappingTextBoxFlag xmlns:ma14="http://schemas.microsoft.com/office/mac/drawingml/2011/main" xmlns="" val="1"/>
             </a:ext>
           </a:extLst>
         </p:spPr>
@@ -28317,7 +29185,565 @@
 </p:sld>
 </file>
 
+<file path=ppt/slides/slide54.xml><?xml version="1.0" encoding="utf-8"?>
+<p:sld xmlns:a="http://schemas.openxmlformats.org/drawingml/2006/main" xmlns:r="http://schemas.openxmlformats.org/officeDocument/2006/relationships" xmlns:p="http://schemas.openxmlformats.org/presentationml/2006/main">
+  <p:cSld>
+    <p:spTree>
+      <p:nvGrpSpPr>
+        <p:cNvPr id="1" name=""/>
+        <p:cNvGrpSpPr/>
+        <p:nvPr/>
+      </p:nvGrpSpPr>
+      <p:grpSpPr>
+        <a:xfrm>
+          <a:off x="0" y="0"/>
+          <a:ext cx="0" cy="0"/>
+          <a:chOff x="0" y="0"/>
+          <a:chExt cx="0" cy="0"/>
+        </a:xfrm>
+      </p:grpSpPr>
+      <p:sp>
+        <p:nvSpPr>
+          <p:cNvPr id="560" name="Shape 560"/>
+          <p:cNvSpPr/>
+          <p:nvPr/>
+        </p:nvSpPr>
+        <p:spPr>
+          <a:xfrm>
+            <a:off x="292098" y="42616"/>
+            <a:ext cx="6669886" cy="469357"/>
+          </a:xfrm>
+          <a:prstGeom prst="rect">
+            <a:avLst/>
+          </a:prstGeom>
+          <a:ln w="12700">
+            <a:miter lim="400000"/>
+          </a:ln>
+          <a:extLst>
+            <a:ext uri="{C572A759-6A51-4108-AA02-DFA0A04FC94B}">
+              <ma14:wrappingTextBoxFlag xmlns:ma14="http://schemas.microsoft.com/office/mac/drawingml/2011/main" xmlns="" val="1"/>
+            </a:ext>
+          </a:extLst>
+        </p:spPr>
+        <p:txBody>
+          <a:bodyPr lIns="34289" tIns="34289" rIns="34289" bIns="34289">
+            <a:spAutoFit/>
+          </a:bodyPr>
+          <a:lstStyle>
+            <a:lvl1pPr>
+              <a:defRPr sz="2600" b="1">
+                <a:solidFill>
+                  <a:schemeClr val="accent2"/>
+                </a:solidFill>
+                <a:latin typeface="Myriad Pro"/>
+                <a:ea typeface="Myriad Pro"/>
+                <a:cs typeface="Myriad Pro"/>
+                <a:sym typeface="Myriad Pro"/>
+              </a:defRPr>
+            </a:lvl1pPr>
+          </a:lstStyle>
+          <a:p>
+            <a:r>
+              <a:rPr lang="pl-PL" dirty="0"/>
+              <a:t>What’s next?</a:t>
+            </a:r>
+            <a:endParaRPr dirty="0"/>
+          </a:p>
+        </p:txBody>
+      </p:sp>
+      <p:sp>
+        <p:nvSpPr>
+          <p:cNvPr id="3" name="AutoShape 4" descr="Znalezione obrazy dla zapytania head first java">
+            <a:extLst>
+              <a:ext uri="{FF2B5EF4-FFF2-40B4-BE49-F238E27FC236}">
+                <a16:creationId xmlns:a16="http://schemas.microsoft.com/office/drawing/2014/main" id="{E5620F0A-41C6-494C-922F-20121EF65EB3}"/>
+              </a:ext>
+            </a:extLst>
+          </p:cNvPr>
+          <p:cNvSpPr>
+            <a:spLocks noChangeAspect="1" noChangeArrowheads="1"/>
+          </p:cNvSpPr>
+          <p:nvPr/>
+        </p:nvSpPr>
+        <p:spPr bwMode="auto">
+          <a:xfrm>
+            <a:off x="4500605" y="2500355"/>
+            <a:ext cx="142790" cy="142790"/>
+          </a:xfrm>
+          <a:prstGeom prst="rect">
+            <a:avLst/>
+          </a:prstGeom>
+          <a:noFill/>
+          <a:extLst>
+            <a:ext uri="{909E8E84-426E-40DD-AFC4-6F175D3DCCD1}">
+              <a14:hiddenFill xmlns:a14="http://schemas.microsoft.com/office/drawing/2010/main">
+                <a:solidFill>
+                  <a:srgbClr val="FFFFFF"/>
+                </a:solidFill>
+              </a14:hiddenFill>
+            </a:ext>
+          </a:extLst>
+        </p:spPr>
+        <p:txBody>
+          <a:bodyPr vert="horz" wrap="square" lIns="91440" tIns="45720" rIns="91440" bIns="45720" numCol="1" anchor="t" anchorCtr="0" compatLnSpc="1">
+            <a:prstTxWarp prst="textNoShape">
+              <a:avLst/>
+            </a:prstTxWarp>
+          </a:bodyPr>
+          <a:lstStyle/>
+          <a:p>
+            <a:endParaRPr lang="pl-PL"/>
+          </a:p>
+        </p:txBody>
+      </p:sp>
+      <p:sp>
+        <p:nvSpPr>
+          <p:cNvPr id="4" name="AutoShape 6" descr="Znalezione obrazy dla zapytania head first java">
+            <a:extLst>
+              <a:ext uri="{FF2B5EF4-FFF2-40B4-BE49-F238E27FC236}">
+                <a16:creationId xmlns:a16="http://schemas.microsoft.com/office/drawing/2014/main" id="{9071BF71-8C3D-4538-9B2B-3A4785AEC0E7}"/>
+              </a:ext>
+            </a:extLst>
+          </p:cNvPr>
+          <p:cNvSpPr>
+            <a:spLocks noChangeAspect="1" noChangeArrowheads="1"/>
+          </p:cNvSpPr>
+          <p:nvPr/>
+        </p:nvSpPr>
+        <p:spPr bwMode="auto">
+          <a:xfrm>
+            <a:off x="3616666" y="1366954"/>
+            <a:ext cx="1909082" cy="2409592"/>
+          </a:xfrm>
+          <a:prstGeom prst="rect">
+            <a:avLst/>
+          </a:prstGeom>
+          <a:noFill/>
+          <a:extLst>
+            <a:ext uri="{909E8E84-426E-40DD-AFC4-6F175D3DCCD1}">
+              <a14:hiddenFill xmlns:a14="http://schemas.microsoft.com/office/drawing/2010/main">
+                <a:solidFill>
+                  <a:srgbClr val="FFFFFF"/>
+                </a:solidFill>
+              </a14:hiddenFill>
+            </a:ext>
+          </a:extLst>
+        </p:spPr>
+        <p:txBody>
+          <a:bodyPr vert="horz" wrap="square" lIns="91440" tIns="45720" rIns="91440" bIns="45720" numCol="1" anchor="t" anchorCtr="0" compatLnSpc="1">
+            <a:prstTxWarp prst="textNoShape">
+              <a:avLst/>
+            </a:prstTxWarp>
+          </a:bodyPr>
+          <a:lstStyle/>
+          <a:p>
+            <a:endParaRPr lang="pl-PL" dirty="0"/>
+          </a:p>
+        </p:txBody>
+      </p:sp>
+      <p:pic>
+        <p:nvPicPr>
+          <p:cNvPr id="1032" name="Picture 8" descr="Znalezione obrazy dla zapytania head first java">
+            <a:extLst>
+              <a:ext uri="{FF2B5EF4-FFF2-40B4-BE49-F238E27FC236}">
+                <a16:creationId xmlns:a16="http://schemas.microsoft.com/office/drawing/2014/main" id="{352146CC-E7FC-4BA3-AA10-C7A370294CA6}"/>
+              </a:ext>
+            </a:extLst>
+          </p:cNvPr>
+          <p:cNvPicPr>
+            <a:picLocks noChangeAspect="1" noChangeArrowheads="1"/>
+          </p:cNvPicPr>
+          <p:nvPr/>
+        </p:nvPicPr>
+        <p:blipFill>
+          <a:blip r:embed="rId2" cstate="print">
+            <a:extLst>
+              <a:ext uri="{28A0092B-C50C-407E-A947-70E740481C1C}">
+                <a14:useLocalDpi xmlns:a14="http://schemas.microsoft.com/office/drawing/2010/main" val="0"/>
+              </a:ext>
+            </a:extLst>
+          </a:blip>
+          <a:srcRect/>
+          <a:stretch>
+            <a:fillRect/>
+          </a:stretch>
+        </p:blipFill>
+        <p:spPr bwMode="auto">
+          <a:xfrm>
+            <a:off x="584848" y="854502"/>
+            <a:ext cx="1832114" cy="2312444"/>
+          </a:xfrm>
+          <a:prstGeom prst="rect">
+            <a:avLst/>
+          </a:prstGeom>
+          <a:noFill/>
+          <a:extLst>
+            <a:ext uri="{909E8E84-426E-40DD-AFC4-6F175D3DCCD1}">
+              <a14:hiddenFill xmlns:a14="http://schemas.microsoft.com/office/drawing/2010/main">
+                <a:solidFill>
+                  <a:srgbClr val="FFFFFF"/>
+                </a:solidFill>
+              </a14:hiddenFill>
+            </a:ext>
+          </a:extLst>
+        </p:spPr>
+      </p:pic>
+      <p:pic>
+        <p:nvPicPr>
+          <p:cNvPr id="1034" name="Picture 10" descr="Znalezione obrazy dla zapytania head first java">
+            <a:extLst>
+              <a:ext uri="{FF2B5EF4-FFF2-40B4-BE49-F238E27FC236}">
+                <a16:creationId xmlns:a16="http://schemas.microsoft.com/office/drawing/2014/main" id="{DC085F1B-2D38-45DF-B351-FD111923D17C}"/>
+              </a:ext>
+            </a:extLst>
+          </p:cNvPr>
+          <p:cNvPicPr>
+            <a:picLocks noChangeAspect="1" noChangeArrowheads="1"/>
+          </p:cNvPicPr>
+          <p:nvPr/>
+        </p:nvPicPr>
+        <p:blipFill>
+          <a:blip r:embed="rId3" cstate="print">
+            <a:extLst>
+              <a:ext uri="{28A0092B-C50C-407E-A947-70E740481C1C}">
+                <a14:useLocalDpi xmlns:a14="http://schemas.microsoft.com/office/drawing/2010/main" val="0"/>
+              </a:ext>
+            </a:extLst>
+          </a:blip>
+          <a:srcRect/>
+          <a:stretch>
+            <a:fillRect/>
+          </a:stretch>
+        </p:blipFill>
+        <p:spPr bwMode="auto">
+          <a:xfrm>
+            <a:off x="2481014" y="805928"/>
+            <a:ext cx="1920980" cy="2409592"/>
+          </a:xfrm>
+          <a:prstGeom prst="rect">
+            <a:avLst/>
+          </a:prstGeom>
+          <a:noFill/>
+          <a:extLst>
+            <a:ext uri="{909E8E84-426E-40DD-AFC4-6F175D3DCCD1}">
+              <a14:hiddenFill xmlns:a14="http://schemas.microsoft.com/office/drawing/2010/main">
+                <a:solidFill>
+                  <a:srgbClr val="FFFFFF"/>
+                </a:solidFill>
+              </a14:hiddenFill>
+            </a:ext>
+          </a:extLst>
+        </p:spPr>
+      </p:pic>
+      <p:sp>
+        <p:nvSpPr>
+          <p:cNvPr id="5" name="Rectangle 4">
+            <a:extLst>
+              <a:ext uri="{FF2B5EF4-FFF2-40B4-BE49-F238E27FC236}">
+                <a16:creationId xmlns:a16="http://schemas.microsoft.com/office/drawing/2014/main" id="{E62D5057-42BB-441D-B1A5-EE696F2D3B7B}"/>
+              </a:ext>
+            </a:extLst>
+          </p:cNvPr>
+          <p:cNvSpPr/>
+          <p:nvPr/>
+        </p:nvSpPr>
+        <p:spPr>
+          <a:xfrm>
+            <a:off x="4663268" y="796000"/>
+            <a:ext cx="3701654" cy="461665"/>
+          </a:xfrm>
+          <a:prstGeom prst="rect">
+            <a:avLst/>
+          </a:prstGeom>
+        </p:spPr>
+        <p:txBody>
+          <a:bodyPr wrap="none">
+            <a:spAutoFit/>
+          </a:bodyPr>
+          <a:lstStyle/>
+          <a:p>
+            <a:r>
+              <a:rPr lang="pl-PL" dirty="0">
+                <a:hlinkClick r:id="rId4"/>
+              </a:rPr>
+              <a:t>https://codility.com/programmers/lessons/1-iterations/</a:t>
+            </a:r>
+            <a:endParaRPr lang="pl-PL" dirty="0"/>
+          </a:p>
+          <a:p>
+            <a:endParaRPr lang="pl-PL" dirty="0"/>
+          </a:p>
+        </p:txBody>
+      </p:sp>
+      <p:sp>
+        <p:nvSpPr>
+          <p:cNvPr id="6" name="Rectangle 5">
+            <a:extLst>
+              <a:ext uri="{FF2B5EF4-FFF2-40B4-BE49-F238E27FC236}">
+                <a16:creationId xmlns:a16="http://schemas.microsoft.com/office/drawing/2014/main" id="{FEF76A7F-DB80-4BE0-A9DB-7BC0F2C17021}"/>
+              </a:ext>
+            </a:extLst>
+          </p:cNvPr>
+          <p:cNvSpPr/>
+          <p:nvPr/>
+        </p:nvSpPr>
+        <p:spPr>
+          <a:xfrm>
+            <a:off x="4663268" y="1357026"/>
+            <a:ext cx="1994457" cy="461665"/>
+          </a:xfrm>
+          <a:prstGeom prst="rect">
+            <a:avLst/>
+          </a:prstGeom>
+        </p:spPr>
+        <p:txBody>
+          <a:bodyPr wrap="none">
+            <a:spAutoFit/>
+          </a:bodyPr>
+          <a:lstStyle/>
+          <a:p>
+            <a:r>
+              <a:rPr lang="pl-PL" dirty="0">
+                <a:hlinkClick r:id="rId5"/>
+              </a:rPr>
+              <a:t>http://www.dev-books.com/</a:t>
+            </a:r>
+            <a:endParaRPr lang="pl-PL" dirty="0"/>
+          </a:p>
+          <a:p>
+            <a:endParaRPr lang="pl-PL" dirty="0"/>
+          </a:p>
+        </p:txBody>
+      </p:sp>
+      <p:pic>
+        <p:nvPicPr>
+          <p:cNvPr id="1036" name="Picture 12" descr="http://www.dev-books.com/img/ol/jpeg/0132350882.jpeg">
+            <a:extLst>
+              <a:ext uri="{FF2B5EF4-FFF2-40B4-BE49-F238E27FC236}">
+                <a16:creationId xmlns:a16="http://schemas.microsoft.com/office/drawing/2014/main" id="{394F25A0-8673-490C-8470-C40DFA1BAB62}"/>
+              </a:ext>
+            </a:extLst>
+          </p:cNvPr>
+          <p:cNvPicPr>
+            <a:picLocks noChangeAspect="1" noChangeArrowheads="1"/>
+          </p:cNvPicPr>
+          <p:nvPr/>
+        </p:nvPicPr>
+        <p:blipFill>
+          <a:blip r:embed="rId6">
+            <a:extLst>
+              <a:ext uri="{28A0092B-C50C-407E-A947-70E740481C1C}">
+                <a14:useLocalDpi xmlns:a14="http://schemas.microsoft.com/office/drawing/2010/main" val="0"/>
+              </a:ext>
+            </a:extLst>
+          </a:blip>
+          <a:srcRect/>
+          <a:stretch>
+            <a:fillRect/>
+          </a:stretch>
+        </p:blipFill>
+        <p:spPr bwMode="auto">
+          <a:xfrm>
+            <a:off x="4664721" y="1918052"/>
+            <a:ext cx="1855198" cy="2454406"/>
+          </a:xfrm>
+          <a:prstGeom prst="rect">
+            <a:avLst/>
+          </a:prstGeom>
+          <a:noFill/>
+          <a:extLst>
+            <a:ext uri="{909E8E84-426E-40DD-AFC4-6F175D3DCCD1}">
+              <a14:hiddenFill xmlns:a14="http://schemas.microsoft.com/office/drawing/2010/main">
+                <a:solidFill>
+                  <a:srgbClr val="FFFFFF"/>
+                </a:solidFill>
+              </a14:hiddenFill>
+            </a:ext>
+          </a:extLst>
+        </p:spPr>
+      </p:pic>
+      <p:pic>
+        <p:nvPicPr>
+          <p:cNvPr id="1040" name="Picture 16" descr="http://www.dev-books.com/img/ol/jpeg/0321125215.jpeg">
+            <a:extLst>
+              <a:ext uri="{FF2B5EF4-FFF2-40B4-BE49-F238E27FC236}">
+                <a16:creationId xmlns:a16="http://schemas.microsoft.com/office/drawing/2014/main" id="{D4909340-D387-4C46-A28C-25E44C2DA4F2}"/>
+              </a:ext>
+            </a:extLst>
+          </p:cNvPr>
+          <p:cNvPicPr>
+            <a:picLocks noChangeAspect="1" noChangeArrowheads="1"/>
+          </p:cNvPicPr>
+          <p:nvPr/>
+        </p:nvPicPr>
+        <p:blipFill>
+          <a:blip r:embed="rId7">
+            <a:extLst>
+              <a:ext uri="{28A0092B-C50C-407E-A947-70E740481C1C}">
+                <a14:useLocalDpi xmlns:a14="http://schemas.microsoft.com/office/drawing/2010/main" val="0"/>
+              </a:ext>
+            </a:extLst>
+          </a:blip>
+          <a:srcRect/>
+          <a:stretch>
+            <a:fillRect/>
+          </a:stretch>
+        </p:blipFill>
+        <p:spPr bwMode="auto">
+          <a:xfrm>
+            <a:off x="6870244" y="2224032"/>
+            <a:ext cx="1395460" cy="1842446"/>
+          </a:xfrm>
+          <a:prstGeom prst="rect">
+            <a:avLst/>
+          </a:prstGeom>
+          <a:noFill/>
+          <a:extLst>
+            <a:ext uri="{909E8E84-426E-40DD-AFC4-6F175D3DCCD1}">
+              <a14:hiddenFill xmlns:a14="http://schemas.microsoft.com/office/drawing/2010/main">
+                <a:solidFill>
+                  <a:srgbClr val="FFFFFF"/>
+                </a:solidFill>
+              </a14:hiddenFill>
+            </a:ext>
+          </a:extLst>
+        </p:spPr>
+      </p:pic>
+    </p:spTree>
+    <p:extLst>
+      <p:ext uri="{BB962C8B-B14F-4D97-AF65-F5344CB8AC3E}">
+        <p14:creationId xmlns:p14="http://schemas.microsoft.com/office/powerpoint/2010/main" val="392657806"/>
+      </p:ext>
+    </p:extLst>
+  </p:cSld>
+  <p:clrMapOvr>
+    <a:masterClrMapping/>
+  </p:clrMapOvr>
+  <p:transition spd="med"/>
+</p:sld>
+</file>
+
 <file path=ppt/slides/slide6.xml><?xml version="1.0" encoding="utf-8"?>
+<p:sld xmlns:a="http://schemas.openxmlformats.org/drawingml/2006/main" xmlns:r="http://schemas.openxmlformats.org/officeDocument/2006/relationships" xmlns:p="http://schemas.openxmlformats.org/presentationml/2006/main">
+  <p:cSld>
+    <p:spTree>
+      <p:nvGrpSpPr>
+        <p:cNvPr id="1" name=""/>
+        <p:cNvGrpSpPr/>
+        <p:nvPr/>
+      </p:nvGrpSpPr>
+      <p:grpSpPr>
+        <a:xfrm>
+          <a:off x="0" y="0"/>
+          <a:ext cx="0" cy="0"/>
+          <a:chOff x="0" y="0"/>
+          <a:chExt cx="0" cy="0"/>
+        </a:xfrm>
+      </p:grpSpPr>
+      <p:sp>
+        <p:nvSpPr>
+          <p:cNvPr id="291" name="Shape 291"/>
+          <p:cNvSpPr/>
+          <p:nvPr/>
+        </p:nvSpPr>
+        <p:spPr>
+          <a:xfrm>
+            <a:off x="292098" y="42616"/>
+            <a:ext cx="6669886" cy="462280"/>
+          </a:xfrm>
+          <a:prstGeom prst="rect">
+            <a:avLst/>
+          </a:prstGeom>
+          <a:ln w="12700">
+            <a:miter lim="400000"/>
+          </a:ln>
+          <a:extLst>
+            <a:ext uri="{C572A759-6A51-4108-AA02-DFA0A04FC94B}">
+              <ma14:wrappingTextBoxFlag xmlns:ma14="http://schemas.microsoft.com/office/mac/drawingml/2011/main" xmlns="" val="1"/>
+            </a:ext>
+          </a:extLst>
+        </p:spPr>
+        <p:txBody>
+          <a:bodyPr lIns="34289" tIns="34289" rIns="34289" bIns="34289">
+            <a:spAutoFit/>
+          </a:bodyPr>
+          <a:lstStyle>
+            <a:lvl1pPr>
+              <a:defRPr sz="2600" b="1">
+                <a:solidFill>
+                  <a:schemeClr val="accent2"/>
+                </a:solidFill>
+                <a:latin typeface="Myriad Pro"/>
+                <a:ea typeface="Myriad Pro"/>
+                <a:cs typeface="Myriad Pro"/>
+                <a:sym typeface="Myriad Pro"/>
+              </a:defRPr>
+            </a:lvl1pPr>
+          </a:lstStyle>
+          <a:p>
+            <a:r>
+              <a:t>Inner class</a:t>
+            </a:r>
+          </a:p>
+        </p:txBody>
+      </p:sp>
+      <p:sp>
+        <p:nvSpPr>
+          <p:cNvPr id="292" name="Shape 292"/>
+          <p:cNvSpPr/>
+          <p:nvPr/>
+        </p:nvSpPr>
+        <p:spPr>
+          <a:xfrm>
+            <a:off x="292100" y="889000"/>
+            <a:ext cx="8509000" cy="855979"/>
+          </a:xfrm>
+          <a:prstGeom prst="rect">
+            <a:avLst/>
+          </a:prstGeom>
+          <a:ln w="12700">
+            <a:miter lim="400000"/>
+          </a:ln>
+          <a:extLst>
+            <a:ext uri="{C572A759-6A51-4108-AA02-DFA0A04FC94B}">
+              <ma14:wrappingTextBoxFlag xmlns:ma14="http://schemas.microsoft.com/office/mac/drawingml/2011/main" xmlns="" val="1"/>
+            </a:ext>
+          </a:extLst>
+        </p:spPr>
+        <p:txBody>
+          <a:bodyPr lIns="34289" tIns="34289" rIns="34289" bIns="34289">
+            <a:spAutoFit/>
+          </a:bodyPr>
+          <a:lstStyle>
+            <a:lvl1pPr defTabSz="685800">
+              <a:spcBef>
+                <a:spcPts val="500"/>
+              </a:spcBef>
+              <a:defRPr sz="2600">
+                <a:latin typeface="Myriad Pro"/>
+                <a:ea typeface="Myriad Pro"/>
+                <a:cs typeface="Myriad Pro"/>
+                <a:sym typeface="Myriad Pro"/>
+              </a:defRPr>
+            </a:lvl1pPr>
+          </a:lstStyle>
+          <a:p>
+            <a:r>
+              <a:t>You can declare a class in any block including blocks that are part of a method.</a:t>
+            </a:r>
+          </a:p>
+        </p:txBody>
+      </p:sp>
+    </p:spTree>
+  </p:cSld>
+  <p:clrMapOvr>
+    <a:masterClrMapping/>
+  </p:clrMapOvr>
+  <p:transition spd="med"/>
+</p:sld>
+</file>
+
+<file path=ppt/slides/slide7.xml><?xml version="1.0" encoding="utf-8"?>
 <p:sld xmlns:a="http://schemas.openxmlformats.org/drawingml/2006/main" xmlns:r="http://schemas.openxmlformats.org/officeDocument/2006/relationships" xmlns:p="http://schemas.openxmlformats.org/presentationml/2006/main">
   <p:cSld>
     <p:spTree>
@@ -28353,7 +29779,7 @@
           </a:ln>
           <a:extLst>
             <a:ext uri="{C572A759-6A51-4108-AA02-DFA0A04FC94B}">
-              <ma14:wrappingTextBoxFlag xmlns="" xmlns:ma14="http://schemas.microsoft.com/office/mac/drawingml/2011/main" val="1"/>
+              <ma14:wrappingTextBoxFlag xmlns:ma14="http://schemas.microsoft.com/office/mac/drawingml/2011/main" xmlns="" val="1"/>
             </a:ext>
           </a:extLst>
         </p:spPr>
@@ -28908,7 +30334,7 @@
           </a:ln>
           <a:extLst>
             <a:ext uri="{C572A759-6A51-4108-AA02-DFA0A04FC94B}">
-              <ma14:wrappingTextBoxFlag xmlns="" xmlns:ma14="http://schemas.microsoft.com/office/mac/drawingml/2011/main" val="1"/>
+              <ma14:wrappingTextBoxFlag xmlns:ma14="http://schemas.microsoft.com/office/mac/drawingml/2011/main" xmlns="" val="1"/>
             </a:ext>
           </a:extLst>
         </p:spPr>
@@ -28945,7 +30371,7 @@
 </p:sld>
 </file>
 
-<file path=ppt/slides/slide7.xml><?xml version="1.0" encoding="utf-8"?>
+<file path=ppt/slides/slide8.xml><?xml version="1.0" encoding="utf-8"?>
 <p:sld xmlns:a="http://schemas.openxmlformats.org/drawingml/2006/main" xmlns:r="http://schemas.openxmlformats.org/officeDocument/2006/relationships" xmlns:p="http://schemas.openxmlformats.org/presentationml/2006/main">
   <p:cSld>
     <p:spTree>
@@ -28981,7 +30407,7 @@
           </a:ln>
           <a:extLst>
             <a:ext uri="{C572A759-6A51-4108-AA02-DFA0A04FC94B}">
-              <ma14:wrappingTextBoxFlag xmlns="" xmlns:ma14="http://schemas.microsoft.com/office/mac/drawingml/2011/main" val="1"/>
+              <ma14:wrappingTextBoxFlag xmlns:ma14="http://schemas.microsoft.com/office/mac/drawingml/2011/main" xmlns="" val="1"/>
             </a:ext>
           </a:extLst>
         </p:spPr>
@@ -29028,7 +30454,7 @@
           </a:ln>
           <a:extLst>
             <a:ext uri="{C572A759-6A51-4108-AA02-DFA0A04FC94B}">
-              <ma14:wrappingTextBoxFlag xmlns="" xmlns:ma14="http://schemas.microsoft.com/office/mac/drawingml/2011/main" val="1"/>
+              <ma14:wrappingTextBoxFlag xmlns:ma14="http://schemas.microsoft.com/office/mac/drawingml/2011/main" xmlns="" val="1"/>
             </a:ext>
           </a:extLst>
         </p:spPr>
@@ -29177,7 +30603,7 @@
 </p:sld>
 </file>
 
-<file path=ppt/slides/slide8.xml><?xml version="1.0" encoding="utf-8"?>
+<file path=ppt/slides/slide9.xml><?xml version="1.0" encoding="utf-8"?>
 <p:sld xmlns:a="http://schemas.openxmlformats.org/drawingml/2006/main" xmlns:r="http://schemas.openxmlformats.org/officeDocument/2006/relationships" xmlns:p="http://schemas.openxmlformats.org/presentationml/2006/main">
   <p:cSld>
     <p:spTree>
@@ -29213,7 +30639,7 @@
           </a:ln>
           <a:extLst>
             <a:ext uri="{C572A759-6A51-4108-AA02-DFA0A04FC94B}">
-              <ma14:wrappingTextBoxFlag xmlns="" xmlns:ma14="http://schemas.microsoft.com/office/mac/drawingml/2011/main" val="1"/>
+              <ma14:wrappingTextBoxFlag xmlns:ma14="http://schemas.microsoft.com/office/mac/drawingml/2011/main" xmlns="" val="1"/>
             </a:ext>
           </a:extLst>
         </p:spPr>
@@ -29480,7 +30906,7 @@
           </a:ln>
           <a:extLst>
             <a:ext uri="{C572A759-6A51-4108-AA02-DFA0A04FC94B}">
-              <ma14:wrappingTextBoxFlag xmlns="" xmlns:ma14="http://schemas.microsoft.com/office/mac/drawingml/2011/main" val="1"/>
+              <ma14:wrappingTextBoxFlag xmlns:ma14="http://schemas.microsoft.com/office/mac/drawingml/2011/main" xmlns="" val="1"/>
             </a:ext>
           </a:extLst>
         </p:spPr>
@@ -29527,7 +30953,7 @@
           </a:ln>
           <a:extLst>
             <a:ext uri="{C572A759-6A51-4108-AA02-DFA0A04FC94B}">
-              <ma14:wrappingTextBoxFlag xmlns="" xmlns:ma14="http://schemas.microsoft.com/office/mac/drawingml/2011/main" val="1"/>
+              <ma14:wrappingTextBoxFlag xmlns:ma14="http://schemas.microsoft.com/office/mac/drawingml/2011/main" xmlns="" val="1"/>
             </a:ext>
           </a:extLst>
         </p:spPr>
@@ -29574,7 +31000,7 @@
           </a:ln>
           <a:extLst>
             <a:ext uri="{C572A759-6A51-4108-AA02-DFA0A04FC94B}">
-              <ma14:wrappingTextBoxFlag xmlns="" xmlns:ma14="http://schemas.microsoft.com/office/mac/drawingml/2011/main" val="1"/>
+              <ma14:wrappingTextBoxFlag xmlns:ma14="http://schemas.microsoft.com/office/mac/drawingml/2011/main" xmlns="" val="1"/>
             </a:ext>
           </a:extLst>
         </p:spPr>
@@ -29678,544 +31104,6 @@
           <a:xfrm>
             <a:off x="815057" y="2377616"/>
             <a:ext cx="2536427" cy="1906241"/>
-          </a:xfrm>
-          <a:prstGeom prst="rect">
-            <a:avLst/>
-          </a:prstGeom>
-          <a:ln w="12700">
-            <a:miter lim="400000"/>
-          </a:ln>
-          <a:effectLst>
-            <a:outerShdw blurRad="25400" dist="12700" dir="5400000" rotWithShape="0">
-              <a:srgbClr val="000000">
-                <a:alpha val="38000"/>
-              </a:srgbClr>
-            </a:outerShdw>
-          </a:effectLst>
-        </p:spPr>
-      </p:pic>
-    </p:spTree>
-  </p:cSld>
-  <p:clrMapOvr>
-    <a:masterClrMapping/>
-  </p:clrMapOvr>
-  <p:transition spd="med"/>
-</p:sld>
-</file>
-
-<file path=ppt/slides/slide9.xml><?xml version="1.0" encoding="utf-8"?>
-<p:sld xmlns:a="http://schemas.openxmlformats.org/drawingml/2006/main" xmlns:r="http://schemas.openxmlformats.org/officeDocument/2006/relationships" xmlns:p="http://schemas.openxmlformats.org/presentationml/2006/main">
-  <p:cSld>
-    <p:spTree>
-      <p:nvGrpSpPr>
-        <p:cNvPr id="1" name=""/>
-        <p:cNvGrpSpPr/>
-        <p:nvPr/>
-      </p:nvGrpSpPr>
-      <p:grpSpPr>
-        <a:xfrm>
-          <a:off x="0" y="0"/>
-          <a:ext cx="0" cy="0"/>
-          <a:chOff x="0" y="0"/>
-          <a:chExt cx="0" cy="0"/>
-        </a:xfrm>
-      </p:grpSpPr>
-      <p:sp>
-        <p:nvSpPr>
-          <p:cNvPr id="316" name="Shape 316"/>
-          <p:cNvSpPr/>
-          <p:nvPr/>
-        </p:nvSpPr>
-        <p:spPr>
-          <a:xfrm>
-            <a:off x="292099" y="1778000"/>
-            <a:ext cx="5097084" cy="2964179"/>
-          </a:xfrm>
-          <a:prstGeom prst="rect">
-            <a:avLst/>
-          </a:prstGeom>
-          <a:ln w="12700">
-            <a:miter lim="400000"/>
-          </a:ln>
-          <a:extLst>
-            <a:ext uri="{C572A759-6A51-4108-AA02-DFA0A04FC94B}">
-              <ma14:wrappingTextBoxFlag xmlns="" xmlns:ma14="http://schemas.microsoft.com/office/mac/drawingml/2011/main" val="1"/>
-            </a:ext>
-          </a:extLst>
-        </p:spPr>
-        <p:txBody>
-          <a:bodyPr wrap="none" lIns="34289" tIns="34289" rIns="34289" bIns="34289">
-            <a:spAutoFit/>
-          </a:bodyPr>
-          <a:lstStyle/>
-          <a:p>
-            <a:pPr defTabSz="457200">
-              <a:defRPr sz="1600" b="1">
-                <a:solidFill>
-                  <a:srgbClr val="011480"/>
-                </a:solidFill>
-                <a:latin typeface="Menlo"/>
-                <a:ea typeface="Menlo"/>
-                <a:cs typeface="Menlo"/>
-                <a:sym typeface="Menlo"/>
-              </a:defRPr>
-            </a:pPr>
-            <a:r>
-              <a:rPr dirty="0"/>
-              <a:t>public class </a:t>
-            </a:r>
-            <a:r>
-              <a:rPr b="0" dirty="0">
-                <a:solidFill>
-                  <a:srgbClr val="000000"/>
-                </a:solidFill>
-              </a:rPr>
-              <a:t>Outer</a:t>
-            </a:r>
-            <a:br>
-              <a:rPr b="0" dirty="0">
-                <a:solidFill>
-                  <a:srgbClr val="000000"/>
-                </a:solidFill>
-              </a:rPr>
-            </a:br>
-            <a:r>
-              <a:rPr b="0" dirty="0">
-                <a:solidFill>
-                  <a:srgbClr val="000000"/>
-                </a:solidFill>
-              </a:rPr>
-              <a:t>{</a:t>
-            </a:r>
-            <a:br>
-              <a:rPr b="0" dirty="0">
-                <a:solidFill>
-                  <a:srgbClr val="000000"/>
-                </a:solidFill>
-              </a:rPr>
-            </a:br>
-            <a:r>
-              <a:rPr b="0" dirty="0">
-                <a:solidFill>
-                  <a:srgbClr val="000000"/>
-                </a:solidFill>
-              </a:rPr>
-              <a:t>    </a:t>
-            </a:r>
-            <a:r>
-              <a:rPr dirty="0"/>
-              <a:t>private </a:t>
-            </a:r>
-            <a:r>
-              <a:rPr dirty="0" err="1"/>
-              <a:t>int</a:t>
-            </a:r>
-            <a:r>
-              <a:rPr dirty="0"/>
-              <a:t> </a:t>
-            </a:r>
-            <a:r>
-              <a:rPr dirty="0">
-                <a:solidFill>
-                  <a:srgbClr val="66187A"/>
-                </a:solidFill>
-              </a:rPr>
-              <a:t>data</a:t>
-            </a:r>
-            <a:r>
-              <a:rPr b="0" dirty="0">
-                <a:solidFill>
-                  <a:srgbClr val="000000"/>
-                </a:solidFill>
-              </a:rPr>
-              <a:t>;</a:t>
-            </a:r>
-            <a:br>
-              <a:rPr b="0" dirty="0">
-                <a:solidFill>
-                  <a:srgbClr val="000000"/>
-                </a:solidFill>
-              </a:rPr>
-            </a:br>
-            <a:br>
-              <a:rPr b="0" dirty="0">
-                <a:solidFill>
-                  <a:srgbClr val="000000"/>
-                </a:solidFill>
-              </a:rPr>
-            </a:br>
-            <a:r>
-              <a:rPr b="0" dirty="0">
-                <a:solidFill>
-                  <a:srgbClr val="000000"/>
-                </a:solidFill>
-              </a:rPr>
-              <a:t>    </a:t>
-            </a:r>
-            <a:r>
-              <a:rPr dirty="0"/>
-              <a:t>class </a:t>
-            </a:r>
-            <a:r>
-              <a:rPr b="0" dirty="0">
-                <a:solidFill>
-                  <a:srgbClr val="000000"/>
-                </a:solidFill>
-              </a:rPr>
-              <a:t>Inner</a:t>
-            </a:r>
-            <a:br>
-              <a:rPr b="0" dirty="0">
-                <a:solidFill>
-                  <a:srgbClr val="000000"/>
-                </a:solidFill>
-              </a:rPr>
-            </a:br>
-            <a:r>
-              <a:rPr b="0" dirty="0">
-                <a:solidFill>
-                  <a:srgbClr val="000000"/>
-                </a:solidFill>
-              </a:rPr>
-              <a:t>    {</a:t>
-            </a:r>
-            <a:br>
-              <a:rPr b="0" dirty="0">
-                <a:solidFill>
-                  <a:srgbClr val="000000"/>
-                </a:solidFill>
-              </a:rPr>
-            </a:br>
-            <a:r>
-              <a:rPr b="0" dirty="0">
-                <a:solidFill>
-                  <a:srgbClr val="000000"/>
-                </a:solidFill>
-              </a:rPr>
-              <a:t>        </a:t>
-            </a:r>
-            <a:r>
-              <a:rPr dirty="0"/>
-              <a:t>public </a:t>
-            </a:r>
-            <a:r>
-              <a:rPr dirty="0" err="1"/>
-              <a:t>int</a:t>
-            </a:r>
-            <a:r>
-              <a:rPr dirty="0"/>
-              <a:t> </a:t>
-            </a:r>
-            <a:r>
-              <a:rPr b="0" dirty="0">
-                <a:solidFill>
-                  <a:srgbClr val="000000"/>
-                </a:solidFill>
-              </a:rPr>
-              <a:t>calculate()</a:t>
-            </a:r>
-            <a:br>
-              <a:rPr b="0" dirty="0">
-                <a:solidFill>
-                  <a:srgbClr val="000000"/>
-                </a:solidFill>
-              </a:rPr>
-            </a:br>
-            <a:r>
-              <a:rPr b="0" dirty="0">
-                <a:solidFill>
-                  <a:srgbClr val="000000"/>
-                </a:solidFill>
-              </a:rPr>
-              <a:t>        {</a:t>
-            </a:r>
-            <a:br>
-              <a:rPr b="0" dirty="0">
-                <a:solidFill>
-                  <a:srgbClr val="000000"/>
-                </a:solidFill>
-              </a:rPr>
-            </a:br>
-            <a:r>
-              <a:rPr b="0" dirty="0">
-                <a:solidFill>
-                  <a:srgbClr val="000000"/>
-                </a:solidFill>
-              </a:rPr>
-              <a:t>            </a:t>
-            </a:r>
-            <a:r>
-              <a:rPr dirty="0"/>
-              <a:t>return </a:t>
-            </a:r>
-            <a:r>
-              <a:rPr b="0" dirty="0">
-                <a:solidFill>
-                  <a:srgbClr val="000000"/>
-                </a:solidFill>
-              </a:rPr>
-              <a:t>(</a:t>
-            </a:r>
-            <a:r>
-              <a:rPr dirty="0">
-                <a:solidFill>
-                  <a:srgbClr val="66187A"/>
-                </a:solidFill>
-              </a:rPr>
-              <a:t>data </a:t>
-            </a:r>
-            <a:r>
-              <a:rPr b="0" dirty="0">
-                <a:solidFill>
-                  <a:srgbClr val="000000"/>
-                </a:solidFill>
-              </a:rPr>
-              <a:t>+ </a:t>
-            </a:r>
-            <a:r>
-              <a:rPr dirty="0">
-                <a:solidFill>
-                  <a:srgbClr val="66187A"/>
-                </a:solidFill>
-              </a:rPr>
-              <a:t>data</a:t>
-            </a:r>
-            <a:r>
-              <a:rPr b="0" dirty="0">
-                <a:solidFill>
-                  <a:srgbClr val="000000"/>
-                </a:solidFill>
-              </a:rPr>
-              <a:t>) * </a:t>
-            </a:r>
-            <a:r>
-              <a:rPr b="0" dirty="0">
-                <a:solidFill>
-                  <a:srgbClr val="0433FF"/>
-                </a:solidFill>
-              </a:rPr>
-              <a:t>2</a:t>
-            </a:r>
-            <a:r>
-              <a:rPr b="0" dirty="0">
-                <a:solidFill>
-                  <a:srgbClr val="000000"/>
-                </a:solidFill>
-              </a:rPr>
-              <a:t>;    </a:t>
-            </a:r>
-            <a:br>
-              <a:rPr b="0" dirty="0">
-                <a:solidFill>
-                  <a:srgbClr val="000000"/>
-                </a:solidFill>
-              </a:rPr>
-            </a:br>
-            <a:r>
-              <a:rPr b="0" dirty="0">
-                <a:solidFill>
-                  <a:srgbClr val="000000"/>
-                </a:solidFill>
-              </a:rPr>
-              <a:t>        }</a:t>
-            </a:r>
-            <a:br>
-              <a:rPr b="0" dirty="0">
-                <a:solidFill>
-                  <a:srgbClr val="000000"/>
-                </a:solidFill>
-              </a:rPr>
-            </a:br>
-            <a:r>
-              <a:rPr b="0" dirty="0">
-                <a:solidFill>
-                  <a:srgbClr val="000000"/>
-                </a:solidFill>
-              </a:rPr>
-              <a:t>    }</a:t>
-            </a:r>
-            <a:br>
-              <a:rPr b="0" dirty="0">
-                <a:solidFill>
-                  <a:srgbClr val="000000"/>
-                </a:solidFill>
-              </a:rPr>
-            </a:br>
-            <a:r>
-              <a:rPr b="0" dirty="0">
-                <a:solidFill>
-                  <a:srgbClr val="000000"/>
-                </a:solidFill>
-              </a:rPr>
-              <a:t>}</a:t>
-            </a:r>
-          </a:p>
-        </p:txBody>
-      </p:sp>
-      <p:sp>
-        <p:nvSpPr>
-          <p:cNvPr id="314" name="Shape 314"/>
-          <p:cNvSpPr/>
-          <p:nvPr/>
-        </p:nvSpPr>
-        <p:spPr>
-          <a:xfrm>
-            <a:off x="292098" y="42616"/>
-            <a:ext cx="6669886" cy="462280"/>
-          </a:xfrm>
-          <a:prstGeom prst="rect">
-            <a:avLst/>
-          </a:prstGeom>
-          <a:ln w="12700">
-            <a:miter lim="400000"/>
-          </a:ln>
-          <a:extLst>
-            <a:ext uri="{C572A759-6A51-4108-AA02-DFA0A04FC94B}">
-              <ma14:wrappingTextBoxFlag xmlns="" xmlns:ma14="http://schemas.microsoft.com/office/mac/drawingml/2011/main" val="1"/>
-            </a:ext>
-          </a:extLst>
-        </p:spPr>
-        <p:txBody>
-          <a:bodyPr lIns="34289" tIns="34289" rIns="34289" bIns="34289">
-            <a:spAutoFit/>
-          </a:bodyPr>
-          <a:lstStyle>
-            <a:lvl1pPr>
-              <a:defRPr sz="2600" b="1">
-                <a:solidFill>
-                  <a:schemeClr val="accent2"/>
-                </a:solidFill>
-                <a:latin typeface="Myriad Pro"/>
-                <a:ea typeface="Myriad Pro"/>
-                <a:cs typeface="Myriad Pro"/>
-                <a:sym typeface="Myriad Pro"/>
-              </a:defRPr>
-            </a:lvl1pPr>
-          </a:lstStyle>
-          <a:p>
-            <a:r>
-              <a:t>Inner class</a:t>
-            </a:r>
-          </a:p>
-        </p:txBody>
-      </p:sp>
-      <p:sp>
-        <p:nvSpPr>
-          <p:cNvPr id="315" name="Shape 315"/>
-          <p:cNvSpPr/>
-          <p:nvPr/>
-        </p:nvSpPr>
-        <p:spPr>
-          <a:xfrm>
-            <a:off x="292100" y="889000"/>
-            <a:ext cx="8509000" cy="679667"/>
-          </a:xfrm>
-          <a:prstGeom prst="rect">
-            <a:avLst/>
-          </a:prstGeom>
-          <a:ln w="12700">
-            <a:miter lim="400000"/>
-          </a:ln>
-          <a:extLst>
-            <a:ext uri="{C572A759-6A51-4108-AA02-DFA0A04FC94B}">
-              <ma14:wrappingTextBoxFlag xmlns="" xmlns:ma14="http://schemas.microsoft.com/office/mac/drawingml/2011/main" val="1"/>
-            </a:ext>
-          </a:extLst>
-        </p:spPr>
-        <p:txBody>
-          <a:bodyPr lIns="34289" tIns="34289" rIns="34289" bIns="34289">
-            <a:spAutoFit/>
-          </a:bodyPr>
-          <a:lstStyle/>
-          <a:p>
-            <a:pPr defTabSz="685800">
-              <a:spcBef>
-                <a:spcPts val="500"/>
-              </a:spcBef>
-              <a:defRPr sz="2000">
-                <a:latin typeface="Myriad Pro"/>
-                <a:ea typeface="Myriad Pro"/>
-                <a:cs typeface="Myriad Pro"/>
-                <a:sym typeface="Myriad Pro"/>
-              </a:defRPr>
-            </a:pPr>
-            <a:r>
-              <a:t>Inner classes instance has access to all the data of enclosing type including </a:t>
-            </a:r>
-            <a:r>
-              <a:rPr b="1">
-                <a:solidFill>
-                  <a:srgbClr val="011480"/>
-                </a:solidFill>
-                <a:latin typeface="Menlo"/>
-                <a:ea typeface="Menlo"/>
-                <a:cs typeface="Menlo"/>
-                <a:sym typeface="Menlo"/>
-              </a:rPr>
-              <a:t>private</a:t>
-            </a:r>
-            <a:r>
-              <a:t>.</a:t>
-            </a:r>
-          </a:p>
-        </p:txBody>
-      </p:sp>
-      <p:pic>
-        <p:nvPicPr>
-          <p:cNvPr id="317" name="image21.png"/>
-          <p:cNvPicPr>
-            <a:picLocks noChangeAspect="1"/>
-          </p:cNvPicPr>
-          <p:nvPr/>
-        </p:nvPicPr>
-        <p:blipFill>
-          <a:blip r:embed="rId2">
-            <a:extLst/>
-          </a:blip>
-          <a:stretch>
-            <a:fillRect/>
-          </a:stretch>
-        </p:blipFill>
-        <p:spPr>
-          <a:xfrm>
-            <a:off x="1122414" y="2518782"/>
-            <a:ext cx="760483" cy="76200"/>
-          </a:xfrm>
-          <a:prstGeom prst="rect">
-            <a:avLst/>
-          </a:prstGeom>
-          <a:ln w="12700">
-            <a:miter lim="400000"/>
-          </a:ln>
-          <a:effectLst>
-            <a:outerShdw blurRad="25400" dist="12700" dir="5400000" rotWithShape="0">
-              <a:srgbClr val="000000">
-                <a:alpha val="38000"/>
-              </a:srgbClr>
-            </a:outerShdw>
-          </a:effectLst>
-        </p:spPr>
-      </p:pic>
-      <p:pic>
-        <p:nvPicPr>
-          <p:cNvPr id="318" name="image22.png"/>
-          <p:cNvPicPr>
-            <a:picLocks noChangeAspect="1"/>
-          </p:cNvPicPr>
-          <p:nvPr/>
-        </p:nvPicPr>
-        <p:blipFill>
-          <a:blip r:embed="rId3">
-            <a:extLst/>
-          </a:blip>
-          <a:stretch>
-            <a:fillRect/>
-          </a:stretch>
-        </p:blipFill>
-        <p:spPr>
-          <a:xfrm>
-            <a:off x="1362056" y="4007882"/>
-            <a:ext cx="1597359" cy="76203"/>
           </a:xfrm>
           <a:prstGeom prst="rect">
             <a:avLst/>
